--- a/ppt/final.pptx
+++ b/ppt/final.pptx
@@ -7214,20 +7214,426 @@
       </p:sp>
       <p:sp>
         <p:nvSpPr>
-          <p:cNvPr id="3" name="Content Placeholder 2"/>
-          <p:cNvSpPr>
-            <a:spLocks noGrp="1"/>
-          </p:cNvSpPr>
-          <p:nvPr>
-            <p:ph idx="1"/>
-          </p:nvPr>
-        </p:nvSpPr>
-        <p:spPr/>
-        <p:txBody>
-          <a:bodyPr/>
-          <a:lstStyle/>
-          <a:p>
-            <a:endParaRPr lang="el-GR" dirty="0"/>
+          <p:cNvPr id="4" name="Pladsholder til indhold 2"/>
+          <p:cNvSpPr txBox="1">
+            <a:spLocks/>
+          </p:cNvSpPr>
+          <p:nvPr/>
+        </p:nvSpPr>
+        <p:spPr>
+          <a:xfrm>
+            <a:off x="1753344" y="2492897"/>
+            <a:ext cx="3106688" cy="2376265"/>
+          </a:xfrm>
+          <a:prstGeom prst="rect">
+            <a:avLst/>
+          </a:prstGeom>
+        </p:spPr>
+        <p:txBody>
+          <a:bodyPr vert="horz" lIns="91440" tIns="45720" rIns="91440" bIns="45720" rtlCol="0">
+            <a:normAutofit/>
+          </a:bodyPr>
+          <a:lstStyle>
+            <a:lvl1pPr marL="342900" indent="-342900" algn="l" defTabSz="914400" rtl="0" eaLnBrk="1" latinLnBrk="0" hangingPunct="1">
+              <a:spcBef>
+                <a:spcPct val="20000"/>
+              </a:spcBef>
+              <a:buFont typeface="Arial" pitchFamily="34" charset="0"/>
+              <a:buChar char="•"/>
+              <a:defRPr sz="1800" kern="1200">
+                <a:solidFill>
+                  <a:srgbClr val="211A52"/>
+                </a:solidFill>
+                <a:latin typeface="+mn-lt"/>
+                <a:ea typeface="+mn-ea"/>
+                <a:cs typeface="+mn-cs"/>
+              </a:defRPr>
+            </a:lvl1pPr>
+            <a:lvl2pPr marL="742950" indent="-285750" algn="l" defTabSz="914400" rtl="0" eaLnBrk="1" latinLnBrk="0" hangingPunct="1">
+              <a:spcBef>
+                <a:spcPct val="20000"/>
+              </a:spcBef>
+              <a:buFont typeface="Arial" pitchFamily="34" charset="0"/>
+              <a:buChar char="•"/>
+              <a:defRPr sz="1800" kern="1200">
+                <a:solidFill>
+                  <a:srgbClr val="211A52"/>
+                </a:solidFill>
+                <a:latin typeface="+mn-lt"/>
+                <a:ea typeface="+mn-ea"/>
+                <a:cs typeface="+mn-cs"/>
+              </a:defRPr>
+            </a:lvl2pPr>
+            <a:lvl3pPr marL="1143000" indent="-228600" algn="l" defTabSz="914400" rtl="0" eaLnBrk="1" latinLnBrk="0" hangingPunct="1">
+              <a:spcBef>
+                <a:spcPct val="20000"/>
+              </a:spcBef>
+              <a:buFont typeface="Arial" pitchFamily="34" charset="0"/>
+              <a:buChar char="•"/>
+              <a:defRPr sz="1800" kern="1200">
+                <a:solidFill>
+                  <a:srgbClr val="211A52"/>
+                </a:solidFill>
+                <a:latin typeface="+mn-lt"/>
+                <a:ea typeface="+mn-ea"/>
+                <a:cs typeface="+mn-cs"/>
+              </a:defRPr>
+            </a:lvl3pPr>
+            <a:lvl4pPr marL="1600200" indent="-228600" algn="l" defTabSz="914400" rtl="0" eaLnBrk="1" latinLnBrk="0" hangingPunct="1">
+              <a:spcBef>
+                <a:spcPct val="20000"/>
+              </a:spcBef>
+              <a:buFont typeface="Arial" pitchFamily="34" charset="0"/>
+              <a:buChar char="•"/>
+              <a:defRPr sz="1800" kern="1200">
+                <a:solidFill>
+                  <a:srgbClr val="211A52"/>
+                </a:solidFill>
+                <a:latin typeface="+mn-lt"/>
+                <a:ea typeface="+mn-ea"/>
+                <a:cs typeface="+mn-cs"/>
+              </a:defRPr>
+            </a:lvl4pPr>
+            <a:lvl5pPr marL="2057400" indent="-228600" algn="l" defTabSz="914400" rtl="0" eaLnBrk="1" latinLnBrk="0" hangingPunct="1">
+              <a:spcBef>
+                <a:spcPct val="20000"/>
+              </a:spcBef>
+              <a:buFont typeface="Arial" pitchFamily="34" charset="0"/>
+              <a:buChar char="•"/>
+              <a:defRPr sz="1800" kern="1200">
+                <a:solidFill>
+                  <a:srgbClr val="211A52"/>
+                </a:solidFill>
+                <a:latin typeface="+mn-lt"/>
+                <a:ea typeface="+mn-ea"/>
+                <a:cs typeface="+mn-cs"/>
+              </a:defRPr>
+            </a:lvl5pPr>
+            <a:lvl6pPr marL="2514600" indent="-228600" algn="l" defTabSz="914400" rtl="0" eaLnBrk="1" latinLnBrk="0" hangingPunct="1">
+              <a:spcBef>
+                <a:spcPct val="20000"/>
+              </a:spcBef>
+              <a:buFont typeface="Arial" pitchFamily="34" charset="0"/>
+              <a:buChar char="•"/>
+              <a:defRPr sz="2000" kern="1200">
+                <a:solidFill>
+                  <a:schemeClr val="tx1"/>
+                </a:solidFill>
+                <a:latin typeface="+mn-lt"/>
+                <a:ea typeface="+mn-ea"/>
+                <a:cs typeface="+mn-cs"/>
+              </a:defRPr>
+            </a:lvl6pPr>
+            <a:lvl7pPr marL="2971800" indent="-228600" algn="l" defTabSz="914400" rtl="0" eaLnBrk="1" latinLnBrk="0" hangingPunct="1">
+              <a:spcBef>
+                <a:spcPct val="20000"/>
+              </a:spcBef>
+              <a:buFont typeface="Arial" pitchFamily="34" charset="0"/>
+              <a:buChar char="•"/>
+              <a:defRPr sz="2000" kern="1200">
+                <a:solidFill>
+                  <a:schemeClr val="tx1"/>
+                </a:solidFill>
+                <a:latin typeface="+mn-lt"/>
+                <a:ea typeface="+mn-ea"/>
+                <a:cs typeface="+mn-cs"/>
+              </a:defRPr>
+            </a:lvl7pPr>
+            <a:lvl8pPr marL="3429000" indent="-228600" algn="l" defTabSz="914400" rtl="0" eaLnBrk="1" latinLnBrk="0" hangingPunct="1">
+              <a:spcBef>
+                <a:spcPct val="20000"/>
+              </a:spcBef>
+              <a:buFont typeface="Arial" pitchFamily="34" charset="0"/>
+              <a:buChar char="•"/>
+              <a:defRPr sz="2000" kern="1200">
+                <a:solidFill>
+                  <a:schemeClr val="tx1"/>
+                </a:solidFill>
+                <a:latin typeface="+mn-lt"/>
+                <a:ea typeface="+mn-ea"/>
+                <a:cs typeface="+mn-cs"/>
+              </a:defRPr>
+            </a:lvl8pPr>
+            <a:lvl9pPr marL="3886200" indent="-228600" algn="l" defTabSz="914400" rtl="0" eaLnBrk="1" latinLnBrk="0" hangingPunct="1">
+              <a:spcBef>
+                <a:spcPct val="20000"/>
+              </a:spcBef>
+              <a:buFont typeface="Arial" pitchFamily="34" charset="0"/>
+              <a:buChar char="•"/>
+              <a:defRPr sz="2000" kern="1200">
+                <a:solidFill>
+                  <a:schemeClr val="tx1"/>
+                </a:solidFill>
+                <a:latin typeface="+mn-lt"/>
+                <a:ea typeface="+mn-ea"/>
+                <a:cs typeface="+mn-cs"/>
+              </a:defRPr>
+            </a:lvl9pPr>
+          </a:lstStyle>
+          <a:p>
+            <a:r>
+              <a:rPr lang="en-US" smtClean="0"/>
+              <a:t>Introduction</a:t>
+            </a:r>
+          </a:p>
+          <a:p>
+            <a:r>
+              <a:rPr lang="en-US" smtClean="0"/>
+              <a:t>Statistical Aspect</a:t>
+            </a:r>
+          </a:p>
+          <a:p>
+            <a:r>
+              <a:rPr lang="en-US" smtClean="0"/>
+              <a:t>Wireless Channel</a:t>
+            </a:r>
+          </a:p>
+          <a:p>
+            <a:r>
+              <a:rPr lang="en-US" smtClean="0"/>
+              <a:t>WSSUS</a:t>
+            </a:r>
+          </a:p>
+          <a:p>
+            <a:r>
+              <a:rPr lang="en-US" smtClean="0"/>
+              <a:t>Correlation</a:t>
+            </a:r>
+          </a:p>
+          <a:p>
+            <a:r>
+              <a:rPr lang="en-US" smtClean="0"/>
+              <a:t>Dynamic Range</a:t>
+            </a:r>
+          </a:p>
+          <a:p>
+            <a:endParaRPr lang="da-DK" dirty="0"/>
+          </a:p>
+        </p:txBody>
+      </p:sp>
+      <p:sp>
+        <p:nvSpPr>
+          <p:cNvPr id="5" name="Pladsholder til indhold 2"/>
+          <p:cNvSpPr txBox="1">
+            <a:spLocks/>
+          </p:cNvSpPr>
+          <p:nvPr/>
+        </p:nvSpPr>
+        <p:spPr>
+          <a:xfrm>
+            <a:off x="5004048" y="2492896"/>
+            <a:ext cx="3106688" cy="2376265"/>
+          </a:xfrm>
+          <a:prstGeom prst="rect">
+            <a:avLst/>
+          </a:prstGeom>
+        </p:spPr>
+        <p:txBody>
+          <a:bodyPr vert="horz" lIns="91440" tIns="45720" rIns="91440" bIns="45720" rtlCol="0">
+            <a:normAutofit/>
+          </a:bodyPr>
+          <a:lstStyle>
+            <a:lvl1pPr marL="342900" indent="-342900" algn="l" defTabSz="914400" rtl="0" eaLnBrk="1" latinLnBrk="0" hangingPunct="1">
+              <a:spcBef>
+                <a:spcPct val="20000"/>
+              </a:spcBef>
+              <a:buFont typeface="Arial" pitchFamily="34" charset="0"/>
+              <a:buChar char="•"/>
+              <a:defRPr sz="1800" kern="1200">
+                <a:solidFill>
+                  <a:srgbClr val="211A52"/>
+                </a:solidFill>
+                <a:latin typeface="+mn-lt"/>
+                <a:ea typeface="+mn-ea"/>
+                <a:cs typeface="+mn-cs"/>
+              </a:defRPr>
+            </a:lvl1pPr>
+            <a:lvl2pPr marL="742950" indent="-285750" algn="l" defTabSz="914400" rtl="0" eaLnBrk="1" latinLnBrk="0" hangingPunct="1">
+              <a:spcBef>
+                <a:spcPct val="20000"/>
+              </a:spcBef>
+              <a:buFont typeface="Arial" pitchFamily="34" charset="0"/>
+              <a:buChar char="•"/>
+              <a:defRPr sz="1800" kern="1200">
+                <a:solidFill>
+                  <a:srgbClr val="211A52"/>
+                </a:solidFill>
+                <a:latin typeface="+mn-lt"/>
+                <a:ea typeface="+mn-ea"/>
+                <a:cs typeface="+mn-cs"/>
+              </a:defRPr>
+            </a:lvl2pPr>
+            <a:lvl3pPr marL="1143000" indent="-228600" algn="l" defTabSz="914400" rtl="0" eaLnBrk="1" latinLnBrk="0" hangingPunct="1">
+              <a:spcBef>
+                <a:spcPct val="20000"/>
+              </a:spcBef>
+              <a:buFont typeface="Arial" pitchFamily="34" charset="0"/>
+              <a:buChar char="•"/>
+              <a:defRPr sz="1800" kern="1200">
+                <a:solidFill>
+                  <a:srgbClr val="211A52"/>
+                </a:solidFill>
+                <a:latin typeface="+mn-lt"/>
+                <a:ea typeface="+mn-ea"/>
+                <a:cs typeface="+mn-cs"/>
+              </a:defRPr>
+            </a:lvl3pPr>
+            <a:lvl4pPr marL="1600200" indent="-228600" algn="l" defTabSz="914400" rtl="0" eaLnBrk="1" latinLnBrk="0" hangingPunct="1">
+              <a:spcBef>
+                <a:spcPct val="20000"/>
+              </a:spcBef>
+              <a:buFont typeface="Arial" pitchFamily="34" charset="0"/>
+              <a:buChar char="•"/>
+              <a:defRPr sz="1800" kern="1200">
+                <a:solidFill>
+                  <a:srgbClr val="211A52"/>
+                </a:solidFill>
+                <a:latin typeface="+mn-lt"/>
+                <a:ea typeface="+mn-ea"/>
+                <a:cs typeface="+mn-cs"/>
+              </a:defRPr>
+            </a:lvl4pPr>
+            <a:lvl5pPr marL="2057400" indent="-228600" algn="l" defTabSz="914400" rtl="0" eaLnBrk="1" latinLnBrk="0" hangingPunct="1">
+              <a:spcBef>
+                <a:spcPct val="20000"/>
+              </a:spcBef>
+              <a:buFont typeface="Arial" pitchFamily="34" charset="0"/>
+              <a:buChar char="•"/>
+              <a:defRPr sz="1800" kern="1200">
+                <a:solidFill>
+                  <a:srgbClr val="211A52"/>
+                </a:solidFill>
+                <a:latin typeface="+mn-lt"/>
+                <a:ea typeface="+mn-ea"/>
+                <a:cs typeface="+mn-cs"/>
+              </a:defRPr>
+            </a:lvl5pPr>
+            <a:lvl6pPr marL="2514600" indent="-228600" algn="l" defTabSz="914400" rtl="0" eaLnBrk="1" latinLnBrk="0" hangingPunct="1">
+              <a:spcBef>
+                <a:spcPct val="20000"/>
+              </a:spcBef>
+              <a:buFont typeface="Arial" pitchFamily="34" charset="0"/>
+              <a:buChar char="•"/>
+              <a:defRPr sz="2000" kern="1200">
+                <a:solidFill>
+                  <a:schemeClr val="tx1"/>
+                </a:solidFill>
+                <a:latin typeface="+mn-lt"/>
+                <a:ea typeface="+mn-ea"/>
+                <a:cs typeface="+mn-cs"/>
+              </a:defRPr>
+            </a:lvl6pPr>
+            <a:lvl7pPr marL="2971800" indent="-228600" algn="l" defTabSz="914400" rtl="0" eaLnBrk="1" latinLnBrk="0" hangingPunct="1">
+              <a:spcBef>
+                <a:spcPct val="20000"/>
+              </a:spcBef>
+              <a:buFont typeface="Arial" pitchFamily="34" charset="0"/>
+              <a:buChar char="•"/>
+              <a:defRPr sz="2000" kern="1200">
+                <a:solidFill>
+                  <a:schemeClr val="tx1"/>
+                </a:solidFill>
+                <a:latin typeface="+mn-lt"/>
+                <a:ea typeface="+mn-ea"/>
+                <a:cs typeface="+mn-cs"/>
+              </a:defRPr>
+            </a:lvl7pPr>
+            <a:lvl8pPr marL="3429000" indent="-228600" algn="l" defTabSz="914400" rtl="0" eaLnBrk="1" latinLnBrk="0" hangingPunct="1">
+              <a:spcBef>
+                <a:spcPct val="20000"/>
+              </a:spcBef>
+              <a:buFont typeface="Arial" pitchFamily="34" charset="0"/>
+              <a:buChar char="•"/>
+              <a:defRPr sz="2000" kern="1200">
+                <a:solidFill>
+                  <a:schemeClr val="tx1"/>
+                </a:solidFill>
+                <a:latin typeface="+mn-lt"/>
+                <a:ea typeface="+mn-ea"/>
+                <a:cs typeface="+mn-cs"/>
+              </a:defRPr>
+            </a:lvl8pPr>
+            <a:lvl9pPr marL="3886200" indent="-228600" algn="l" defTabSz="914400" rtl="0" eaLnBrk="1" latinLnBrk="0" hangingPunct="1">
+              <a:spcBef>
+                <a:spcPct val="20000"/>
+              </a:spcBef>
+              <a:buFont typeface="Arial" pitchFamily="34" charset="0"/>
+              <a:buChar char="•"/>
+              <a:defRPr sz="2000" kern="1200">
+                <a:solidFill>
+                  <a:schemeClr val="tx1"/>
+                </a:solidFill>
+                <a:latin typeface="+mn-lt"/>
+                <a:ea typeface="+mn-ea"/>
+                <a:cs typeface="+mn-cs"/>
+              </a:defRPr>
+            </a:lvl9pPr>
+          </a:lstStyle>
+          <a:p>
+            <a:r>
+              <a:rPr lang="en-US" dirty="0" smtClean="0"/>
+              <a:t>Measurement Setup</a:t>
+            </a:r>
+          </a:p>
+          <a:p>
+            <a:r>
+              <a:rPr lang="en-US" spc="-1" dirty="0" smtClean="0">
+                <a:uFill>
+                  <a:solidFill>
+                    <a:srgbClr val="FFFFFF"/>
+                  </a:solidFill>
+                </a:uFill>
+              </a:rPr>
+              <a:t>Data Processing</a:t>
+            </a:r>
+            <a:endParaRPr lang="en-US" sz="1400" spc="-1" dirty="0" smtClean="0">
+              <a:solidFill>
+                <a:srgbClr val="000000"/>
+              </a:solidFill>
+              <a:uFill>
+                <a:solidFill>
+                  <a:srgbClr val="FFFFFF"/>
+                </a:solidFill>
+              </a:uFill>
+            </a:endParaRPr>
+          </a:p>
+          <a:p>
+            <a:r>
+              <a:rPr lang="en-US" spc="-1" dirty="0" smtClean="0">
+                <a:uFill>
+                  <a:solidFill>
+                    <a:srgbClr val="FFFFFF"/>
+                  </a:solidFill>
+                </a:uFill>
+              </a:rPr>
+              <a:t>Results</a:t>
+            </a:r>
+          </a:p>
+          <a:p>
+            <a:r>
+              <a:rPr lang="en-US" dirty="0" smtClean="0"/>
+              <a:t>Diversity Combining</a:t>
+            </a:r>
+          </a:p>
+          <a:p>
+            <a:r>
+              <a:rPr lang="en-US" dirty="0" smtClean="0"/>
+              <a:t>Uncertainties</a:t>
+            </a:r>
+          </a:p>
+          <a:p>
+            <a:r>
+              <a:rPr lang="da-DK" dirty="0" err="1" smtClean="0"/>
+              <a:t>Further</a:t>
+            </a:r>
+            <a:r>
+              <a:rPr lang="da-DK" dirty="0" smtClean="0"/>
+              <a:t> Work</a:t>
+            </a:r>
+            <a:endParaRPr lang="en-US" dirty="0" smtClean="0"/>
+          </a:p>
+          <a:p>
+            <a:endParaRPr lang="da-DK" dirty="0"/>
           </a:p>
         </p:txBody>
       </p:sp>
@@ -11652,7 +12058,7 @@
           <a:graphicData uri="http://schemas.openxmlformats.org/presentationml/2006/ole">
             <mc:AlternateContent xmlns:mc="http://schemas.openxmlformats.org/markup-compatibility/2006">
               <mc:Choice xmlns:v="urn:schemas-microsoft-com:vml" Requires="v">
-                <p:oleObj spid="_x0000_s1034" name="Acrobat Document" r:id="rId4" imgW="2743200" imgH="2178925" progId="AcroExch.Document.DC">
+                <p:oleObj spid="_x0000_s1035" name="Acrobat Document" r:id="rId4" imgW="2743200" imgH="2178925" progId="AcroExch.Document.DC">
                   <p:embed/>
                 </p:oleObj>
               </mc:Choice>

--- a/ppt/final.pptx
+++ b/ppt/final.pptx
@@ -5,7 +5,7 @@
     <p:sldMasterId id="2147483648" r:id="rId1"/>
   </p:sldMasterIdLst>
   <p:notesMasterIdLst>
-    <p:notesMasterId r:id="rId35"/>
+    <p:notesMasterId r:id="rId33"/>
   </p:notesMasterIdLst>
   <p:sldIdLst>
     <p:sldId id="256" r:id="rId2"/>
@@ -13,34 +13,32 @@
     <p:sldId id="265" r:id="rId4"/>
     <p:sldId id="257" r:id="rId5"/>
     <p:sldId id="259" r:id="rId6"/>
-    <p:sldId id="260" r:id="rId7"/>
-    <p:sldId id="266" r:id="rId8"/>
-    <p:sldId id="261" r:id="rId9"/>
-    <p:sldId id="268" r:id="rId10"/>
+    <p:sldId id="261" r:id="rId7"/>
+    <p:sldId id="268" r:id="rId8"/>
+    <p:sldId id="290" r:id="rId9"/>
+    <p:sldId id="291" r:id="rId10"/>
     <p:sldId id="267" r:id="rId11"/>
-    <p:sldId id="262" r:id="rId12"/>
-    <p:sldId id="263" r:id="rId13"/>
-    <p:sldId id="269" r:id="rId14"/>
-    <p:sldId id="270" r:id="rId15"/>
-    <p:sldId id="271" r:id="rId16"/>
-    <p:sldId id="272" r:id="rId17"/>
-    <p:sldId id="273" r:id="rId18"/>
-    <p:sldId id="274" r:id="rId19"/>
-    <p:sldId id="275" r:id="rId20"/>
-    <p:sldId id="276" r:id="rId21"/>
-    <p:sldId id="277" r:id="rId22"/>
-    <p:sldId id="278" r:id="rId23"/>
-    <p:sldId id="279" r:id="rId24"/>
-    <p:sldId id="280" r:id="rId25"/>
-    <p:sldId id="281" r:id="rId26"/>
-    <p:sldId id="282" r:id="rId27"/>
-    <p:sldId id="283" r:id="rId28"/>
-    <p:sldId id="284" r:id="rId29"/>
-    <p:sldId id="285" r:id="rId30"/>
-    <p:sldId id="286" r:id="rId31"/>
-    <p:sldId id="287" r:id="rId32"/>
-    <p:sldId id="288" r:id="rId33"/>
-    <p:sldId id="289" r:id="rId34"/>
+    <p:sldId id="269" r:id="rId12"/>
+    <p:sldId id="270" r:id="rId13"/>
+    <p:sldId id="271" r:id="rId14"/>
+    <p:sldId id="272" r:id="rId15"/>
+    <p:sldId id="273" r:id="rId16"/>
+    <p:sldId id="274" r:id="rId17"/>
+    <p:sldId id="275" r:id="rId18"/>
+    <p:sldId id="276" r:id="rId19"/>
+    <p:sldId id="277" r:id="rId20"/>
+    <p:sldId id="278" r:id="rId21"/>
+    <p:sldId id="279" r:id="rId22"/>
+    <p:sldId id="280" r:id="rId23"/>
+    <p:sldId id="281" r:id="rId24"/>
+    <p:sldId id="282" r:id="rId25"/>
+    <p:sldId id="283" r:id="rId26"/>
+    <p:sldId id="284" r:id="rId27"/>
+    <p:sldId id="285" r:id="rId28"/>
+    <p:sldId id="286" r:id="rId29"/>
+    <p:sldId id="287" r:id="rId30"/>
+    <p:sldId id="288" r:id="rId31"/>
+    <p:sldId id="289" r:id="rId32"/>
   </p:sldIdLst>
   <p:sldSz cx="9144000" cy="6858000" type="screen4x3"/>
   <p:notesSz cx="6858000" cy="9144000"/>
@@ -966,60 +964,48 @@
           <a:p>
             <a:r>
               <a:rPr lang="en-US" dirty="0"/>
-              <a:t>Estimation of sample pool.</a:t>
-            </a:r>
-          </a:p>
-          <a:p>
+              <a:t>Multipath fading</a:t>
+            </a:r>
+          </a:p>
+          <a:p>
+            <a:pPr lvl="1">
+              <a:buFont typeface="Wingdings" pitchFamily="2" charset="2"/>
+              <a:buChar char="Ø"/>
+            </a:pPr>
             <a:r>
               <a:rPr lang="en-US" dirty="0"/>
-              <a:t>Normal approximation of the Binomial proportion.</a:t>
-            </a:r>
-          </a:p>
-          <a:p>
+              <a:t>Large scale </a:t>
+            </a:r>
+          </a:p>
+          <a:p>
+            <a:pPr lvl="1">
+              <a:buFont typeface="Wingdings" pitchFamily="2" charset="2"/>
+              <a:buChar char="Ø"/>
+            </a:pPr>
             <a:r>
               <a:rPr lang="en-US" dirty="0"/>
-              <a:t>Confidence level and interval</a:t>
-            </a:r>
-          </a:p>
-          <a:p>
+              <a:t>Small scale</a:t>
+            </a:r>
+          </a:p>
+          <a:p>
+            <a:pPr lvl="2">
+              <a:buFont typeface="Wingdings" pitchFamily="2" charset="2"/>
+              <a:buChar char="ü"/>
+            </a:pPr>
             <a:r>
               <a:rPr lang="en-US" dirty="0"/>
-              <a:t>The goal was 90% and </a:t>
-            </a:r>
-            <a:r>
-              <a:rPr lang="el-GR" dirty="0"/>
-              <a:t>±</a:t>
-            </a:r>
+              <a:t>Flat Fading</a:t>
+            </a:r>
+          </a:p>
+          <a:p>
+            <a:pPr lvl="2">
+              <a:buFont typeface="Wingdings" pitchFamily="2" charset="2"/>
+              <a:buChar char="ü"/>
+            </a:pPr>
             <a:r>
               <a:rPr lang="en-US" dirty="0"/>
-              <a:t>1dB </a:t>
-            </a:r>
-            <a:r>
-              <a:rPr lang="en-US" dirty="0" err="1"/>
-              <a:t>respectivly</a:t>
-            </a:r>
-            <a:endParaRPr lang="en-US" dirty="0"/>
-          </a:p>
-          <a:p>
-            <a:r>
-              <a:rPr lang="en-US" dirty="0"/>
-              <a:t>Important sampling</a:t>
-            </a:r>
-          </a:p>
-          <a:p>
-            <a:r>
-              <a:rPr lang="en-US" dirty="0"/>
-              <a:t>Bootstrap method</a:t>
-            </a:r>
-          </a:p>
-          <a:p>
-            <a:r>
-              <a:rPr lang="en-US" dirty="0"/>
-              <a:t>Simulation of bootstrap method</a:t>
-            </a:r>
-          </a:p>
-          <a:p>
-            <a:endParaRPr lang="en-US" dirty="0"/>
+              <a:t>Selective Fading</a:t>
+            </a:r>
           </a:p>
         </p:txBody>
       </p:sp>
@@ -1049,7 +1035,7 @@
     </p:spTree>
     <p:extLst>
       <p:ext uri="{BB962C8B-B14F-4D97-AF65-F5344CB8AC3E}">
-        <p14:creationId xmlns:p14="http://schemas.microsoft.com/office/powerpoint/2010/main" val="2769016688"/>
+        <p14:creationId xmlns:p14="http://schemas.microsoft.com/office/powerpoint/2010/main" val="3020847939"/>
       </p:ext>
     </p:extLst>
   </p:cSld>
@@ -1105,56 +1091,7 @@
           <a:p>
             <a:r>
               <a:rPr lang="en-US" dirty="0"/>
-              <a:t>Estimation of sample pool.</a:t>
-            </a:r>
-          </a:p>
-          <a:p>
-            <a:r>
-              <a:rPr lang="en-US" dirty="0"/>
-              <a:t>Normal approximation of the Binomial proportion.</a:t>
-            </a:r>
-          </a:p>
-          <a:p>
-            <a:r>
-              <a:rPr lang="en-US" dirty="0"/>
-              <a:t>Confidence level and interval</a:t>
-            </a:r>
-          </a:p>
-          <a:p>
-            <a:r>
-              <a:rPr lang="en-US" dirty="0"/>
-              <a:t>The goal was 90% and </a:t>
-            </a:r>
-            <a:r>
-              <a:rPr lang="el-GR" dirty="0"/>
-              <a:t>±</a:t>
-            </a:r>
-            <a:r>
-              <a:rPr lang="en-US" dirty="0"/>
-              <a:t>1dB </a:t>
-            </a:r>
-            <a:r>
-              <a:rPr lang="en-US" dirty="0" err="1"/>
-              <a:t>respectivly</a:t>
-            </a:r>
-            <a:endParaRPr lang="en-US" dirty="0"/>
-          </a:p>
-          <a:p>
-            <a:r>
-              <a:rPr lang="en-US" dirty="0"/>
-              <a:t>Important sampling</a:t>
-            </a:r>
-          </a:p>
-          <a:p>
-            <a:r>
-              <a:rPr lang="en-US" dirty="0"/>
-              <a:t>Bootstrap method</a:t>
-            </a:r>
-          </a:p>
-          <a:p>
-            <a:r>
-              <a:rPr lang="en-US" dirty="0"/>
-              <a:t>Simulation of bootstrap method</a:t>
+              <a:t>Rayleigh Fading(Non-Line Of Sight , Urban fading model)</a:t>
             </a:r>
           </a:p>
           <a:p>
@@ -1188,7 +1125,7 @@
     </p:spTree>
     <p:extLst>
       <p:ext uri="{BB962C8B-B14F-4D97-AF65-F5344CB8AC3E}">
-        <p14:creationId xmlns:p14="http://schemas.microsoft.com/office/powerpoint/2010/main" val="3089224164"/>
+        <p14:creationId xmlns:p14="http://schemas.microsoft.com/office/powerpoint/2010/main" val="1477283476"/>
       </p:ext>
     </p:extLst>
   </p:cSld>
@@ -1244,48 +1181,60 @@
           <a:p>
             <a:r>
               <a:rPr lang="en-US" dirty="0"/>
-              <a:t>Multipath fading</a:t>
-            </a:r>
-          </a:p>
-          <a:p>
-            <a:pPr lvl="1">
-              <a:buFont typeface="Wingdings" pitchFamily="2" charset="2"/>
-              <a:buChar char="Ø"/>
-            </a:pPr>
+              <a:t>Estimation of sample pool.</a:t>
+            </a:r>
+          </a:p>
+          <a:p>
             <a:r>
               <a:rPr lang="en-US" dirty="0"/>
-              <a:t>Large scale </a:t>
-            </a:r>
-          </a:p>
-          <a:p>
-            <a:pPr lvl="1">
-              <a:buFont typeface="Wingdings" pitchFamily="2" charset="2"/>
-              <a:buChar char="Ø"/>
-            </a:pPr>
+              <a:t>Normal approximation of the Binomial proportion.</a:t>
+            </a:r>
+          </a:p>
+          <a:p>
             <a:r>
               <a:rPr lang="en-US" dirty="0"/>
-              <a:t>Small scale</a:t>
-            </a:r>
-          </a:p>
-          <a:p>
-            <a:pPr lvl="2">
-              <a:buFont typeface="Wingdings" pitchFamily="2" charset="2"/>
-              <a:buChar char="ü"/>
-            </a:pPr>
+              <a:t>Confidence level and interval</a:t>
+            </a:r>
+          </a:p>
+          <a:p>
             <a:r>
               <a:rPr lang="en-US" dirty="0"/>
-              <a:t>Flat Fading</a:t>
-            </a:r>
-          </a:p>
-          <a:p>
-            <a:pPr lvl="2">
-              <a:buFont typeface="Wingdings" pitchFamily="2" charset="2"/>
-              <a:buChar char="ü"/>
-            </a:pPr>
+              <a:t>The goal was 90% and </a:t>
+            </a:r>
+            <a:r>
+              <a:rPr lang="el-GR" dirty="0"/>
+              <a:t>±</a:t>
+            </a:r>
             <a:r>
               <a:rPr lang="en-US" dirty="0"/>
-              <a:t>Selective Fading</a:t>
-            </a:r>
+              <a:t>1dB </a:t>
+            </a:r>
+            <a:r>
+              <a:rPr lang="en-US" dirty="0" err="1"/>
+              <a:t>respectivly</a:t>
+            </a:r>
+            <a:endParaRPr lang="en-US" dirty="0"/>
+          </a:p>
+          <a:p>
+            <a:r>
+              <a:rPr lang="en-US" dirty="0"/>
+              <a:t>Important sampling</a:t>
+            </a:r>
+          </a:p>
+          <a:p>
+            <a:r>
+              <a:rPr lang="en-US" dirty="0"/>
+              <a:t>Bootstrap method</a:t>
+            </a:r>
+          </a:p>
+          <a:p>
+            <a:r>
+              <a:rPr lang="en-US" dirty="0"/>
+              <a:t>Simulation of bootstrap method</a:t>
+            </a:r>
+          </a:p>
+          <a:p>
+            <a:endParaRPr lang="en-US" dirty="0"/>
           </a:p>
         </p:txBody>
       </p:sp>
@@ -1315,7 +1264,7 @@
     </p:spTree>
     <p:extLst>
       <p:ext uri="{BB962C8B-B14F-4D97-AF65-F5344CB8AC3E}">
-        <p14:creationId xmlns:p14="http://schemas.microsoft.com/office/powerpoint/2010/main" val="3020847939"/>
+        <p14:creationId xmlns:p14="http://schemas.microsoft.com/office/powerpoint/2010/main" val="3823113889"/>
       </p:ext>
     </p:extLst>
   </p:cSld>
@@ -1371,7 +1320,56 @@
           <a:p>
             <a:r>
               <a:rPr lang="en-US" dirty="0"/>
-              <a:t>Rayleigh Fading(Non-Line Of Sight , Urban fading model)</a:t>
+              <a:t>Estimation of sample pool.</a:t>
+            </a:r>
+          </a:p>
+          <a:p>
+            <a:r>
+              <a:rPr lang="en-US" dirty="0"/>
+              <a:t>Normal approximation of the Binomial proportion.</a:t>
+            </a:r>
+          </a:p>
+          <a:p>
+            <a:r>
+              <a:rPr lang="en-US" dirty="0"/>
+              <a:t>Confidence level and interval</a:t>
+            </a:r>
+          </a:p>
+          <a:p>
+            <a:r>
+              <a:rPr lang="en-US" dirty="0"/>
+              <a:t>The goal was 90% and </a:t>
+            </a:r>
+            <a:r>
+              <a:rPr lang="el-GR" dirty="0"/>
+              <a:t>±</a:t>
+            </a:r>
+            <a:r>
+              <a:rPr lang="en-US" dirty="0"/>
+              <a:t>1dB </a:t>
+            </a:r>
+            <a:r>
+              <a:rPr lang="en-US" dirty="0" err="1"/>
+              <a:t>respectivly</a:t>
+            </a:r>
+            <a:endParaRPr lang="en-US" dirty="0"/>
+          </a:p>
+          <a:p>
+            <a:r>
+              <a:rPr lang="en-US" dirty="0"/>
+              <a:t>Important sampling</a:t>
+            </a:r>
+          </a:p>
+          <a:p>
+            <a:r>
+              <a:rPr lang="en-US" dirty="0"/>
+              <a:t>Bootstrap method</a:t>
+            </a:r>
+          </a:p>
+          <a:p>
+            <a:r>
+              <a:rPr lang="en-US" dirty="0"/>
+              <a:t>Simulation of bootstrap method</a:t>
             </a:r>
           </a:p>
           <a:p>
@@ -1405,121 +1403,7 @@
     </p:spTree>
     <p:extLst>
       <p:ext uri="{BB962C8B-B14F-4D97-AF65-F5344CB8AC3E}">
-        <p14:creationId xmlns:p14="http://schemas.microsoft.com/office/powerpoint/2010/main" val="1477283476"/>
-      </p:ext>
-    </p:extLst>
-  </p:cSld>
-  <p:clrMapOvr>
-    <a:masterClrMapping/>
-  </p:clrMapOvr>
-</p:notes>
-</file>
-
-<file path=ppt/notesSlides/notesSlide9.xml><?xml version="1.0" encoding="utf-8"?>
-<p:notes xmlns:a="http://schemas.openxmlformats.org/drawingml/2006/main" xmlns:r="http://schemas.openxmlformats.org/officeDocument/2006/relationships" xmlns:p="http://schemas.openxmlformats.org/presentationml/2006/main">
-  <p:cSld>
-    <p:spTree>
-      <p:nvGrpSpPr>
-        <p:cNvPr id="1" name=""/>
-        <p:cNvGrpSpPr/>
-        <p:nvPr/>
-      </p:nvGrpSpPr>
-      <p:grpSpPr>
-        <a:xfrm>
-          <a:off x="0" y="0"/>
-          <a:ext cx="0" cy="0"/>
-          <a:chOff x="0" y="0"/>
-          <a:chExt cx="0" cy="0"/>
-        </a:xfrm>
-      </p:grpSpPr>
-      <p:sp>
-        <p:nvSpPr>
-          <p:cNvPr id="2" name="Slide Image Placeholder 1"/>
-          <p:cNvSpPr>
-            <a:spLocks noGrp="1" noRot="1" noChangeAspect="1"/>
-          </p:cNvSpPr>
-          <p:nvPr>
-            <p:ph type="sldImg"/>
-          </p:nvPr>
-        </p:nvSpPr>
-        <p:spPr/>
-      </p:sp>
-      <p:sp>
-        <p:nvSpPr>
-          <p:cNvPr id="3" name="Notes Placeholder 2"/>
-          <p:cNvSpPr>
-            <a:spLocks noGrp="1"/>
-          </p:cNvSpPr>
-          <p:nvPr>
-            <p:ph type="body" idx="1"/>
-          </p:nvPr>
-        </p:nvSpPr>
-        <p:spPr/>
-        <p:txBody>
-          <a:bodyPr/>
-          <a:lstStyle/>
-          <a:p>
-            <a:r>
-              <a:rPr lang="en-US" dirty="0"/>
-              <a:t>Multipath fading channels are described by 2 domains(Temporal-Spatial).</a:t>
-            </a:r>
-          </a:p>
-          <a:p>
-            <a:r>
-              <a:rPr lang="en-US" dirty="0"/>
-              <a:t>Utilization of both domains for a large sample pool.</a:t>
-            </a:r>
-          </a:p>
-          <a:p>
-            <a:r>
-              <a:rPr lang="en-US" dirty="0"/>
-              <a:t>Domain Transformation with FFT.</a:t>
-            </a:r>
-          </a:p>
-          <a:p>
-            <a:r>
-              <a:rPr lang="en-US" dirty="0"/>
-              <a:t>4 representations(insert picture here)</a:t>
-            </a:r>
-          </a:p>
-          <a:p>
-            <a:endParaRPr lang="en-US" dirty="0"/>
-          </a:p>
-          <a:p>
-            <a:endParaRPr lang="el-GR" dirty="0"/>
-          </a:p>
-          <a:p>
-            <a:endParaRPr lang="en-US" dirty="0"/>
-          </a:p>
-        </p:txBody>
-      </p:sp>
-      <p:sp>
-        <p:nvSpPr>
-          <p:cNvPr id="4" name="Slide Number Placeholder 3"/>
-          <p:cNvSpPr>
-            <a:spLocks noGrp="1"/>
-          </p:cNvSpPr>
-          <p:nvPr>
-            <p:ph type="sldNum" sz="quarter" idx="10"/>
-          </p:nvPr>
-        </p:nvSpPr>
-        <p:spPr/>
-        <p:txBody>
-          <a:bodyPr/>
-          <a:lstStyle/>
-          <a:p>
-            <a:fld id="{A5874EA0-E96F-4A9F-BECE-F82ED93FDC31}" type="slidenum">
-              <a:rPr lang="da-DK" smtClean="0"/>
-              <a:t>12</a:t>
-            </a:fld>
-            <a:endParaRPr lang="da-DK"/>
-          </a:p>
-        </p:txBody>
-      </p:sp>
-    </p:spTree>
-    <p:extLst>
-      <p:ext uri="{BB962C8B-B14F-4D97-AF65-F5344CB8AC3E}">
-        <p14:creationId xmlns:p14="http://schemas.microsoft.com/office/powerpoint/2010/main" val="53153820"/>
+        <p14:creationId xmlns:p14="http://schemas.microsoft.com/office/powerpoint/2010/main" val="2008730300"/>
       </p:ext>
     </p:extLst>
   </p:cSld>
@@ -5386,7 +5270,12 @@
             <p:ph type="ctrTitle"/>
           </p:nvPr>
         </p:nvSpPr>
-        <p:spPr/>
+        <p:spPr>
+          <a:xfrm>
+            <a:off x="683568" y="1598935"/>
+            <a:ext cx="7772400" cy="1470025"/>
+          </a:xfrm>
+        </p:spPr>
         <p:txBody>
           <a:bodyPr/>
           <a:lstStyle/>
@@ -5518,6 +5407,36 @@
               <a:t>Jørgensen</a:t>
             </a:r>
             <a:endParaRPr lang="el-GR" dirty="0"/>
+          </a:p>
+        </p:txBody>
+      </p:sp>
+      <p:sp>
+        <p:nvSpPr>
+          <p:cNvPr id="4" name="Tekstfelt 3"/>
+          <p:cNvSpPr txBox="1"/>
+          <p:nvPr/>
+        </p:nvSpPr>
+        <p:spPr>
+          <a:xfrm>
+            <a:off x="3563888" y="3068960"/>
+            <a:ext cx="1728192" cy="369332"/>
+          </a:xfrm>
+          <a:prstGeom prst="rect">
+            <a:avLst/>
+          </a:prstGeom>
+          <a:noFill/>
+        </p:spPr>
+        <p:txBody>
+          <a:bodyPr wrap="square" rtlCol="0">
+            <a:spAutoFit/>
+          </a:bodyPr>
+          <a:lstStyle/>
+          <a:p>
+            <a:r>
+              <a:rPr lang="da-DK" dirty="0" smtClean="0"/>
+              <a:t>WCS8 Gr. 850</a:t>
+            </a:r>
+            <a:endParaRPr lang="da-DK" dirty="0"/>
           </a:p>
         </p:txBody>
       </p:sp>
@@ -5598,8 +5517,8 @@
               <a:t>Temporal </a:t>
             </a:r>
             <a:r>
-              <a:rPr lang="da-DK" dirty="0" err="1"/>
-              <a:t>diversity</a:t>
+              <a:rPr lang="da-DK" dirty="0" smtClean="0"/>
+              <a:t>domain</a:t>
             </a:r>
             <a:endParaRPr lang="en-US" dirty="0"/>
           </a:p>
@@ -5629,8 +5548,8 @@
               <a:t> </a:t>
             </a:r>
             <a:r>
-              <a:rPr lang="da-DK" dirty="0" err="1"/>
-              <a:t>diversity</a:t>
+              <a:rPr lang="da-DK" dirty="0" smtClean="0"/>
+              <a:t>domain</a:t>
             </a:r>
             <a:endParaRPr lang="en-US" dirty="0"/>
           </a:p>
@@ -5739,187 +5658,6 @@
 </file>
 
 <file path=ppt/slides/slide11.xml><?xml version="1.0" encoding="utf-8"?>
-<p:sld xmlns:a="http://schemas.openxmlformats.org/drawingml/2006/main" xmlns:r="http://schemas.openxmlformats.org/officeDocument/2006/relationships" xmlns:p="http://schemas.openxmlformats.org/presentationml/2006/main">
-  <p:cSld>
-    <p:spTree>
-      <p:nvGrpSpPr>
-        <p:cNvPr id="1" name=""/>
-        <p:cNvGrpSpPr/>
-        <p:nvPr/>
-      </p:nvGrpSpPr>
-      <p:grpSpPr>
-        <a:xfrm>
-          <a:off x="0" y="0"/>
-          <a:ext cx="0" cy="0"/>
-          <a:chOff x="0" y="0"/>
-          <a:chExt cx="0" cy="0"/>
-        </a:xfrm>
-      </p:grpSpPr>
-      <p:sp>
-        <p:nvSpPr>
-          <p:cNvPr id="2" name="Title 1"/>
-          <p:cNvSpPr>
-            <a:spLocks noGrp="1"/>
-          </p:cNvSpPr>
-          <p:nvPr>
-            <p:ph type="title"/>
-          </p:nvPr>
-        </p:nvSpPr>
-        <p:spPr/>
-        <p:txBody>
-          <a:bodyPr/>
-          <a:lstStyle/>
-          <a:p>
-            <a:pPr algn="ctr"/>
-            <a:r>
-              <a:rPr lang="en-US" dirty="0"/>
-              <a:t>Doppler Bandwidth</a:t>
-            </a:r>
-            <a:endParaRPr lang="el-GR" dirty="0"/>
-          </a:p>
-        </p:txBody>
-      </p:sp>
-      <p:pic>
-        <p:nvPicPr>
-          <p:cNvPr id="5124" name="Picture 4" descr="http://www.drphysics.com/syllabus/doppler/doppler.GIF"/>
-          <p:cNvPicPr>
-            <a:picLocks noGrp="1" noChangeAspect="1" noChangeArrowheads="1"/>
-          </p:cNvPicPr>
-          <p:nvPr>
-            <p:ph idx="1"/>
-          </p:nvPr>
-        </p:nvPicPr>
-        <p:blipFill>
-          <a:blip r:embed="rId2">
-            <a:extLst>
-              <a:ext uri="{28A0092B-C50C-407E-A947-70E740481C1C}">
-                <a14:useLocalDpi xmlns:a14="http://schemas.microsoft.com/office/drawing/2010/main" val="0"/>
-              </a:ext>
-            </a:extLst>
-          </a:blip>
-          <a:srcRect/>
-          <a:stretch>
-            <a:fillRect/>
-          </a:stretch>
-        </p:blipFill>
-        <p:spPr bwMode="auto">
-          <a:xfrm>
-            <a:off x="2943225" y="1556792"/>
-            <a:ext cx="3257550" cy="2295525"/>
-          </a:xfrm>
-          <a:prstGeom prst="rect">
-            <a:avLst/>
-          </a:prstGeom>
-          <a:noFill/>
-          <a:extLst>
-            <a:ext uri="{909E8E84-426E-40DD-AFC4-6F175D3DCCD1}">
-              <a14:hiddenFill xmlns:a14="http://schemas.microsoft.com/office/drawing/2010/main">
-                <a:solidFill>
-                  <a:srgbClr val="FFFFFF"/>
-                </a:solidFill>
-              </a14:hiddenFill>
-            </a:ext>
-          </a:extLst>
-        </p:spPr>
-      </p:pic>
-    </p:spTree>
-    <p:extLst>
-      <p:ext uri="{BB962C8B-B14F-4D97-AF65-F5344CB8AC3E}">
-        <p14:creationId xmlns:p14="http://schemas.microsoft.com/office/powerpoint/2010/main" val="2758883402"/>
-      </p:ext>
-    </p:extLst>
-  </p:cSld>
-  <p:clrMapOvr>
-    <a:masterClrMapping/>
-  </p:clrMapOvr>
-  <p:transition>
-    <p:fade/>
-  </p:transition>
-</p:sld>
-</file>
-
-<file path=ppt/slides/slide12.xml><?xml version="1.0" encoding="utf-8"?>
-<p:sld xmlns:a="http://schemas.openxmlformats.org/drawingml/2006/main" xmlns:r="http://schemas.openxmlformats.org/officeDocument/2006/relationships" xmlns:p="http://schemas.openxmlformats.org/presentationml/2006/main">
-  <p:cSld>
-    <p:spTree>
-      <p:nvGrpSpPr>
-        <p:cNvPr id="1" name=""/>
-        <p:cNvGrpSpPr/>
-        <p:nvPr/>
-      </p:nvGrpSpPr>
-      <p:grpSpPr>
-        <a:xfrm>
-          <a:off x="0" y="0"/>
-          <a:ext cx="0" cy="0"/>
-          <a:chOff x="0" y="0"/>
-          <a:chExt cx="0" cy="0"/>
-        </a:xfrm>
-      </p:grpSpPr>
-      <p:sp>
-        <p:nvSpPr>
-          <p:cNvPr id="2" name="Title 1"/>
-          <p:cNvSpPr>
-            <a:spLocks noGrp="1"/>
-          </p:cNvSpPr>
-          <p:nvPr>
-            <p:ph type="title"/>
-          </p:nvPr>
-        </p:nvSpPr>
-        <p:spPr/>
-        <p:txBody>
-          <a:bodyPr/>
-          <a:lstStyle/>
-          <a:p>
-            <a:pPr algn="ctr"/>
-            <a:r>
-              <a:rPr lang="en-US" dirty="0"/>
-              <a:t>Wireless Channel Characteristics</a:t>
-            </a:r>
-            <a:endParaRPr lang="el-GR" dirty="0"/>
-          </a:p>
-        </p:txBody>
-      </p:sp>
-      <p:pic>
-        <p:nvPicPr>
-          <p:cNvPr id="4" name="Picture 3"/>
-          <p:cNvPicPr>
-            <a:picLocks noChangeAspect="1"/>
-          </p:cNvPicPr>
-          <p:nvPr/>
-        </p:nvPicPr>
-        <p:blipFill>
-          <a:blip r:embed="rId3"/>
-          <a:stretch>
-            <a:fillRect/>
-          </a:stretch>
-        </p:blipFill>
-        <p:spPr>
-          <a:xfrm>
-            <a:off x="3490912" y="2609850"/>
-            <a:ext cx="2162175" cy="1638300"/>
-          </a:xfrm>
-          <a:prstGeom prst="rect">
-            <a:avLst/>
-          </a:prstGeom>
-        </p:spPr>
-      </p:pic>
-    </p:spTree>
-    <p:extLst>
-      <p:ext uri="{BB962C8B-B14F-4D97-AF65-F5344CB8AC3E}">
-        <p14:creationId xmlns:p14="http://schemas.microsoft.com/office/powerpoint/2010/main" val="1879386144"/>
-      </p:ext>
-    </p:extLst>
-  </p:cSld>
-  <p:clrMapOvr>
-    <a:masterClrMapping/>
-  </p:clrMapOvr>
-  <p:transition>
-    <p:fade/>
-  </p:transition>
-</p:sld>
-</file>
-
-<file path=ppt/slides/slide13.xml><?xml version="1.0" encoding="utf-8"?>
 <p:sld xmlns:a="http://schemas.openxmlformats.org/drawingml/2006/main" xmlns:r="http://schemas.openxmlformats.org/officeDocument/2006/relationships" xmlns:p="http://schemas.openxmlformats.org/presentationml/2006/main">
   <p:cSld>
     <p:spTree>
@@ -6078,7 +5816,7 @@
 </p:sld>
 </file>
 
-<file path=ppt/slides/slide14.xml><?xml version="1.0" encoding="utf-8"?>
+<file path=ppt/slides/slide12.xml><?xml version="1.0" encoding="utf-8"?>
 <p:sld xmlns:a="http://schemas.openxmlformats.org/drawingml/2006/main" xmlns:r="http://schemas.openxmlformats.org/officeDocument/2006/relationships" xmlns:p="http://schemas.openxmlformats.org/presentationml/2006/main">
   <p:cSld>
     <p:spTree>
@@ -6291,7 +6029,7 @@
 </p:sld>
 </file>
 
-<file path=ppt/slides/slide15.xml><?xml version="1.0" encoding="utf-8"?>
+<file path=ppt/slides/slide13.xml><?xml version="1.0" encoding="utf-8"?>
 <p:sld xmlns:a="http://schemas.openxmlformats.org/drawingml/2006/main" xmlns:r="http://schemas.openxmlformats.org/officeDocument/2006/relationships" xmlns:p="http://schemas.openxmlformats.org/presentationml/2006/main">
   <p:cSld>
     <p:spTree>
@@ -6498,7 +6236,7 @@
 </p:sld>
 </file>
 
-<file path=ppt/slides/slide16.xml><?xml version="1.0" encoding="utf-8"?>
+<file path=ppt/slides/slide14.xml><?xml version="1.0" encoding="utf-8"?>
 <p:sld xmlns:a="http://schemas.openxmlformats.org/drawingml/2006/main" xmlns:r="http://schemas.openxmlformats.org/officeDocument/2006/relationships" xmlns:p="http://schemas.openxmlformats.org/presentationml/2006/main">
   <p:cSld>
     <p:spTree>
@@ -6685,7 +6423,7 @@
 </p:sld>
 </file>
 
-<file path=ppt/slides/slide17.xml><?xml version="1.0" encoding="utf-8"?>
+<file path=ppt/slides/slide15.xml><?xml version="1.0" encoding="utf-8"?>
 <p:sld xmlns:a="http://schemas.openxmlformats.org/drawingml/2006/main" xmlns:r="http://schemas.openxmlformats.org/officeDocument/2006/relationships" xmlns:p="http://schemas.openxmlformats.org/presentationml/2006/main">
   <p:cSld>
     <p:spTree>
@@ -6832,7 +6570,7 @@
 </p:sld>
 </file>
 
-<file path=ppt/slides/slide18.xml><?xml version="1.0" encoding="utf-8"?>
+<file path=ppt/slides/slide16.xml><?xml version="1.0" encoding="utf-8"?>
 <p:sld xmlns:a="http://schemas.openxmlformats.org/drawingml/2006/main" xmlns:r="http://schemas.openxmlformats.org/officeDocument/2006/relationships" xmlns:p="http://schemas.openxmlformats.org/presentationml/2006/main">
   <p:cSld>
     <p:spTree>
@@ -7017,7 +6755,7 @@
 </p:sld>
 </file>
 
-<file path=ppt/slides/slide19.xml><?xml version="1.0" encoding="utf-8"?>
+<file path=ppt/slides/slide17.xml><?xml version="1.0" encoding="utf-8"?>
 <p:sld xmlns:a="http://schemas.openxmlformats.org/drawingml/2006/main" xmlns:r="http://schemas.openxmlformats.org/officeDocument/2006/relationships" xmlns:p="http://schemas.openxmlformats.org/presentationml/2006/main">
   <p:cSld>
     <p:spTree>
@@ -7171,489 +6909,7 @@
 </p:sld>
 </file>
 
-<file path=ppt/slides/slide2.xml><?xml version="1.0" encoding="utf-8"?>
-<p:sld xmlns:a="http://schemas.openxmlformats.org/drawingml/2006/main" xmlns:r="http://schemas.openxmlformats.org/officeDocument/2006/relationships" xmlns:p="http://schemas.openxmlformats.org/presentationml/2006/main">
-  <p:cSld>
-    <p:spTree>
-      <p:nvGrpSpPr>
-        <p:cNvPr id="1" name=""/>
-        <p:cNvGrpSpPr/>
-        <p:nvPr/>
-      </p:nvGrpSpPr>
-      <p:grpSpPr>
-        <a:xfrm>
-          <a:off x="0" y="0"/>
-          <a:ext cx="0" cy="0"/>
-          <a:chOff x="0" y="0"/>
-          <a:chExt cx="0" cy="0"/>
-        </a:xfrm>
-      </p:grpSpPr>
-      <p:sp>
-        <p:nvSpPr>
-          <p:cNvPr id="2" name="Title 1"/>
-          <p:cNvSpPr>
-            <a:spLocks noGrp="1"/>
-          </p:cNvSpPr>
-          <p:nvPr>
-            <p:ph type="title"/>
-          </p:nvPr>
-        </p:nvSpPr>
-        <p:spPr/>
-        <p:txBody>
-          <a:bodyPr/>
-          <a:lstStyle/>
-          <a:p>
-            <a:pPr algn="ctr"/>
-            <a:r>
-              <a:rPr lang="en-US" dirty="0"/>
-              <a:t>Agenda</a:t>
-            </a:r>
-            <a:endParaRPr lang="el-GR" dirty="0"/>
-          </a:p>
-        </p:txBody>
-      </p:sp>
-      <p:sp>
-        <p:nvSpPr>
-          <p:cNvPr id="4" name="Pladsholder til indhold 2"/>
-          <p:cNvSpPr txBox="1">
-            <a:spLocks/>
-          </p:cNvSpPr>
-          <p:nvPr/>
-        </p:nvSpPr>
-        <p:spPr>
-          <a:xfrm>
-            <a:off x="1753344" y="2492897"/>
-            <a:ext cx="3106688" cy="2376265"/>
-          </a:xfrm>
-          <a:prstGeom prst="rect">
-            <a:avLst/>
-          </a:prstGeom>
-        </p:spPr>
-        <p:txBody>
-          <a:bodyPr vert="horz" lIns="91440" tIns="45720" rIns="91440" bIns="45720" rtlCol="0">
-            <a:normAutofit/>
-          </a:bodyPr>
-          <a:lstStyle>
-            <a:lvl1pPr marL="342900" indent="-342900" algn="l" defTabSz="914400" rtl="0" eaLnBrk="1" latinLnBrk="0" hangingPunct="1">
-              <a:spcBef>
-                <a:spcPct val="20000"/>
-              </a:spcBef>
-              <a:buFont typeface="Arial" pitchFamily="34" charset="0"/>
-              <a:buChar char="•"/>
-              <a:defRPr sz="1800" kern="1200">
-                <a:solidFill>
-                  <a:srgbClr val="211A52"/>
-                </a:solidFill>
-                <a:latin typeface="+mn-lt"/>
-                <a:ea typeface="+mn-ea"/>
-                <a:cs typeface="+mn-cs"/>
-              </a:defRPr>
-            </a:lvl1pPr>
-            <a:lvl2pPr marL="742950" indent="-285750" algn="l" defTabSz="914400" rtl="0" eaLnBrk="1" latinLnBrk="0" hangingPunct="1">
-              <a:spcBef>
-                <a:spcPct val="20000"/>
-              </a:spcBef>
-              <a:buFont typeface="Arial" pitchFamily="34" charset="0"/>
-              <a:buChar char="•"/>
-              <a:defRPr sz="1800" kern="1200">
-                <a:solidFill>
-                  <a:srgbClr val="211A52"/>
-                </a:solidFill>
-                <a:latin typeface="+mn-lt"/>
-                <a:ea typeface="+mn-ea"/>
-                <a:cs typeface="+mn-cs"/>
-              </a:defRPr>
-            </a:lvl2pPr>
-            <a:lvl3pPr marL="1143000" indent="-228600" algn="l" defTabSz="914400" rtl="0" eaLnBrk="1" latinLnBrk="0" hangingPunct="1">
-              <a:spcBef>
-                <a:spcPct val="20000"/>
-              </a:spcBef>
-              <a:buFont typeface="Arial" pitchFamily="34" charset="0"/>
-              <a:buChar char="•"/>
-              <a:defRPr sz="1800" kern="1200">
-                <a:solidFill>
-                  <a:srgbClr val="211A52"/>
-                </a:solidFill>
-                <a:latin typeface="+mn-lt"/>
-                <a:ea typeface="+mn-ea"/>
-                <a:cs typeface="+mn-cs"/>
-              </a:defRPr>
-            </a:lvl3pPr>
-            <a:lvl4pPr marL="1600200" indent="-228600" algn="l" defTabSz="914400" rtl="0" eaLnBrk="1" latinLnBrk="0" hangingPunct="1">
-              <a:spcBef>
-                <a:spcPct val="20000"/>
-              </a:spcBef>
-              <a:buFont typeface="Arial" pitchFamily="34" charset="0"/>
-              <a:buChar char="•"/>
-              <a:defRPr sz="1800" kern="1200">
-                <a:solidFill>
-                  <a:srgbClr val="211A52"/>
-                </a:solidFill>
-                <a:latin typeface="+mn-lt"/>
-                <a:ea typeface="+mn-ea"/>
-                <a:cs typeface="+mn-cs"/>
-              </a:defRPr>
-            </a:lvl4pPr>
-            <a:lvl5pPr marL="2057400" indent="-228600" algn="l" defTabSz="914400" rtl="0" eaLnBrk="1" latinLnBrk="0" hangingPunct="1">
-              <a:spcBef>
-                <a:spcPct val="20000"/>
-              </a:spcBef>
-              <a:buFont typeface="Arial" pitchFamily="34" charset="0"/>
-              <a:buChar char="•"/>
-              <a:defRPr sz="1800" kern="1200">
-                <a:solidFill>
-                  <a:srgbClr val="211A52"/>
-                </a:solidFill>
-                <a:latin typeface="+mn-lt"/>
-                <a:ea typeface="+mn-ea"/>
-                <a:cs typeface="+mn-cs"/>
-              </a:defRPr>
-            </a:lvl5pPr>
-            <a:lvl6pPr marL="2514600" indent="-228600" algn="l" defTabSz="914400" rtl="0" eaLnBrk="1" latinLnBrk="0" hangingPunct="1">
-              <a:spcBef>
-                <a:spcPct val="20000"/>
-              </a:spcBef>
-              <a:buFont typeface="Arial" pitchFamily="34" charset="0"/>
-              <a:buChar char="•"/>
-              <a:defRPr sz="2000" kern="1200">
-                <a:solidFill>
-                  <a:schemeClr val="tx1"/>
-                </a:solidFill>
-                <a:latin typeface="+mn-lt"/>
-                <a:ea typeface="+mn-ea"/>
-                <a:cs typeface="+mn-cs"/>
-              </a:defRPr>
-            </a:lvl6pPr>
-            <a:lvl7pPr marL="2971800" indent="-228600" algn="l" defTabSz="914400" rtl="0" eaLnBrk="1" latinLnBrk="0" hangingPunct="1">
-              <a:spcBef>
-                <a:spcPct val="20000"/>
-              </a:spcBef>
-              <a:buFont typeface="Arial" pitchFamily="34" charset="0"/>
-              <a:buChar char="•"/>
-              <a:defRPr sz="2000" kern="1200">
-                <a:solidFill>
-                  <a:schemeClr val="tx1"/>
-                </a:solidFill>
-                <a:latin typeface="+mn-lt"/>
-                <a:ea typeface="+mn-ea"/>
-                <a:cs typeface="+mn-cs"/>
-              </a:defRPr>
-            </a:lvl7pPr>
-            <a:lvl8pPr marL="3429000" indent="-228600" algn="l" defTabSz="914400" rtl="0" eaLnBrk="1" latinLnBrk="0" hangingPunct="1">
-              <a:spcBef>
-                <a:spcPct val="20000"/>
-              </a:spcBef>
-              <a:buFont typeface="Arial" pitchFamily="34" charset="0"/>
-              <a:buChar char="•"/>
-              <a:defRPr sz="2000" kern="1200">
-                <a:solidFill>
-                  <a:schemeClr val="tx1"/>
-                </a:solidFill>
-                <a:latin typeface="+mn-lt"/>
-                <a:ea typeface="+mn-ea"/>
-                <a:cs typeface="+mn-cs"/>
-              </a:defRPr>
-            </a:lvl8pPr>
-            <a:lvl9pPr marL="3886200" indent="-228600" algn="l" defTabSz="914400" rtl="0" eaLnBrk="1" latinLnBrk="0" hangingPunct="1">
-              <a:spcBef>
-                <a:spcPct val="20000"/>
-              </a:spcBef>
-              <a:buFont typeface="Arial" pitchFamily="34" charset="0"/>
-              <a:buChar char="•"/>
-              <a:defRPr sz="2000" kern="1200">
-                <a:solidFill>
-                  <a:schemeClr val="tx1"/>
-                </a:solidFill>
-                <a:latin typeface="+mn-lt"/>
-                <a:ea typeface="+mn-ea"/>
-                <a:cs typeface="+mn-cs"/>
-              </a:defRPr>
-            </a:lvl9pPr>
-          </a:lstStyle>
-          <a:p>
-            <a:r>
-              <a:rPr lang="en-US" smtClean="0"/>
-              <a:t>Introduction</a:t>
-            </a:r>
-          </a:p>
-          <a:p>
-            <a:r>
-              <a:rPr lang="en-US" smtClean="0"/>
-              <a:t>Statistical Aspect</a:t>
-            </a:r>
-          </a:p>
-          <a:p>
-            <a:r>
-              <a:rPr lang="en-US" smtClean="0"/>
-              <a:t>Wireless Channel</a:t>
-            </a:r>
-          </a:p>
-          <a:p>
-            <a:r>
-              <a:rPr lang="en-US" smtClean="0"/>
-              <a:t>WSSUS</a:t>
-            </a:r>
-          </a:p>
-          <a:p>
-            <a:r>
-              <a:rPr lang="en-US" smtClean="0"/>
-              <a:t>Correlation</a:t>
-            </a:r>
-          </a:p>
-          <a:p>
-            <a:r>
-              <a:rPr lang="en-US" smtClean="0"/>
-              <a:t>Dynamic Range</a:t>
-            </a:r>
-          </a:p>
-          <a:p>
-            <a:endParaRPr lang="da-DK" dirty="0"/>
-          </a:p>
-        </p:txBody>
-      </p:sp>
-      <p:sp>
-        <p:nvSpPr>
-          <p:cNvPr id="5" name="Pladsholder til indhold 2"/>
-          <p:cNvSpPr txBox="1">
-            <a:spLocks/>
-          </p:cNvSpPr>
-          <p:nvPr/>
-        </p:nvSpPr>
-        <p:spPr>
-          <a:xfrm>
-            <a:off x="5004048" y="2492896"/>
-            <a:ext cx="3106688" cy="2376265"/>
-          </a:xfrm>
-          <a:prstGeom prst="rect">
-            <a:avLst/>
-          </a:prstGeom>
-        </p:spPr>
-        <p:txBody>
-          <a:bodyPr vert="horz" lIns="91440" tIns="45720" rIns="91440" bIns="45720" rtlCol="0">
-            <a:normAutofit/>
-          </a:bodyPr>
-          <a:lstStyle>
-            <a:lvl1pPr marL="342900" indent="-342900" algn="l" defTabSz="914400" rtl="0" eaLnBrk="1" latinLnBrk="0" hangingPunct="1">
-              <a:spcBef>
-                <a:spcPct val="20000"/>
-              </a:spcBef>
-              <a:buFont typeface="Arial" pitchFamily="34" charset="0"/>
-              <a:buChar char="•"/>
-              <a:defRPr sz="1800" kern="1200">
-                <a:solidFill>
-                  <a:srgbClr val="211A52"/>
-                </a:solidFill>
-                <a:latin typeface="+mn-lt"/>
-                <a:ea typeface="+mn-ea"/>
-                <a:cs typeface="+mn-cs"/>
-              </a:defRPr>
-            </a:lvl1pPr>
-            <a:lvl2pPr marL="742950" indent="-285750" algn="l" defTabSz="914400" rtl="0" eaLnBrk="1" latinLnBrk="0" hangingPunct="1">
-              <a:spcBef>
-                <a:spcPct val="20000"/>
-              </a:spcBef>
-              <a:buFont typeface="Arial" pitchFamily="34" charset="0"/>
-              <a:buChar char="•"/>
-              <a:defRPr sz="1800" kern="1200">
-                <a:solidFill>
-                  <a:srgbClr val="211A52"/>
-                </a:solidFill>
-                <a:latin typeface="+mn-lt"/>
-                <a:ea typeface="+mn-ea"/>
-                <a:cs typeface="+mn-cs"/>
-              </a:defRPr>
-            </a:lvl2pPr>
-            <a:lvl3pPr marL="1143000" indent="-228600" algn="l" defTabSz="914400" rtl="0" eaLnBrk="1" latinLnBrk="0" hangingPunct="1">
-              <a:spcBef>
-                <a:spcPct val="20000"/>
-              </a:spcBef>
-              <a:buFont typeface="Arial" pitchFamily="34" charset="0"/>
-              <a:buChar char="•"/>
-              <a:defRPr sz="1800" kern="1200">
-                <a:solidFill>
-                  <a:srgbClr val="211A52"/>
-                </a:solidFill>
-                <a:latin typeface="+mn-lt"/>
-                <a:ea typeface="+mn-ea"/>
-                <a:cs typeface="+mn-cs"/>
-              </a:defRPr>
-            </a:lvl3pPr>
-            <a:lvl4pPr marL="1600200" indent="-228600" algn="l" defTabSz="914400" rtl="0" eaLnBrk="1" latinLnBrk="0" hangingPunct="1">
-              <a:spcBef>
-                <a:spcPct val="20000"/>
-              </a:spcBef>
-              <a:buFont typeface="Arial" pitchFamily="34" charset="0"/>
-              <a:buChar char="•"/>
-              <a:defRPr sz="1800" kern="1200">
-                <a:solidFill>
-                  <a:srgbClr val="211A52"/>
-                </a:solidFill>
-                <a:latin typeface="+mn-lt"/>
-                <a:ea typeface="+mn-ea"/>
-                <a:cs typeface="+mn-cs"/>
-              </a:defRPr>
-            </a:lvl4pPr>
-            <a:lvl5pPr marL="2057400" indent="-228600" algn="l" defTabSz="914400" rtl="0" eaLnBrk="1" latinLnBrk="0" hangingPunct="1">
-              <a:spcBef>
-                <a:spcPct val="20000"/>
-              </a:spcBef>
-              <a:buFont typeface="Arial" pitchFamily="34" charset="0"/>
-              <a:buChar char="•"/>
-              <a:defRPr sz="1800" kern="1200">
-                <a:solidFill>
-                  <a:srgbClr val="211A52"/>
-                </a:solidFill>
-                <a:latin typeface="+mn-lt"/>
-                <a:ea typeface="+mn-ea"/>
-                <a:cs typeface="+mn-cs"/>
-              </a:defRPr>
-            </a:lvl5pPr>
-            <a:lvl6pPr marL="2514600" indent="-228600" algn="l" defTabSz="914400" rtl="0" eaLnBrk="1" latinLnBrk="0" hangingPunct="1">
-              <a:spcBef>
-                <a:spcPct val="20000"/>
-              </a:spcBef>
-              <a:buFont typeface="Arial" pitchFamily="34" charset="0"/>
-              <a:buChar char="•"/>
-              <a:defRPr sz="2000" kern="1200">
-                <a:solidFill>
-                  <a:schemeClr val="tx1"/>
-                </a:solidFill>
-                <a:latin typeface="+mn-lt"/>
-                <a:ea typeface="+mn-ea"/>
-                <a:cs typeface="+mn-cs"/>
-              </a:defRPr>
-            </a:lvl6pPr>
-            <a:lvl7pPr marL="2971800" indent="-228600" algn="l" defTabSz="914400" rtl="0" eaLnBrk="1" latinLnBrk="0" hangingPunct="1">
-              <a:spcBef>
-                <a:spcPct val="20000"/>
-              </a:spcBef>
-              <a:buFont typeface="Arial" pitchFamily="34" charset="0"/>
-              <a:buChar char="•"/>
-              <a:defRPr sz="2000" kern="1200">
-                <a:solidFill>
-                  <a:schemeClr val="tx1"/>
-                </a:solidFill>
-                <a:latin typeface="+mn-lt"/>
-                <a:ea typeface="+mn-ea"/>
-                <a:cs typeface="+mn-cs"/>
-              </a:defRPr>
-            </a:lvl7pPr>
-            <a:lvl8pPr marL="3429000" indent="-228600" algn="l" defTabSz="914400" rtl="0" eaLnBrk="1" latinLnBrk="0" hangingPunct="1">
-              <a:spcBef>
-                <a:spcPct val="20000"/>
-              </a:spcBef>
-              <a:buFont typeface="Arial" pitchFamily="34" charset="0"/>
-              <a:buChar char="•"/>
-              <a:defRPr sz="2000" kern="1200">
-                <a:solidFill>
-                  <a:schemeClr val="tx1"/>
-                </a:solidFill>
-                <a:latin typeface="+mn-lt"/>
-                <a:ea typeface="+mn-ea"/>
-                <a:cs typeface="+mn-cs"/>
-              </a:defRPr>
-            </a:lvl8pPr>
-            <a:lvl9pPr marL="3886200" indent="-228600" algn="l" defTabSz="914400" rtl="0" eaLnBrk="1" latinLnBrk="0" hangingPunct="1">
-              <a:spcBef>
-                <a:spcPct val="20000"/>
-              </a:spcBef>
-              <a:buFont typeface="Arial" pitchFamily="34" charset="0"/>
-              <a:buChar char="•"/>
-              <a:defRPr sz="2000" kern="1200">
-                <a:solidFill>
-                  <a:schemeClr val="tx1"/>
-                </a:solidFill>
-                <a:latin typeface="+mn-lt"/>
-                <a:ea typeface="+mn-ea"/>
-                <a:cs typeface="+mn-cs"/>
-              </a:defRPr>
-            </a:lvl9pPr>
-          </a:lstStyle>
-          <a:p>
-            <a:r>
-              <a:rPr lang="en-US" dirty="0" smtClean="0"/>
-              <a:t>Measurement Setup</a:t>
-            </a:r>
-          </a:p>
-          <a:p>
-            <a:r>
-              <a:rPr lang="en-US" spc="-1" dirty="0" smtClean="0">
-                <a:uFill>
-                  <a:solidFill>
-                    <a:srgbClr val="FFFFFF"/>
-                  </a:solidFill>
-                </a:uFill>
-              </a:rPr>
-              <a:t>Data Processing</a:t>
-            </a:r>
-            <a:endParaRPr lang="en-US" sz="1400" spc="-1" dirty="0" smtClean="0">
-              <a:solidFill>
-                <a:srgbClr val="000000"/>
-              </a:solidFill>
-              <a:uFill>
-                <a:solidFill>
-                  <a:srgbClr val="FFFFFF"/>
-                </a:solidFill>
-              </a:uFill>
-            </a:endParaRPr>
-          </a:p>
-          <a:p>
-            <a:r>
-              <a:rPr lang="en-US" spc="-1" dirty="0" smtClean="0">
-                <a:uFill>
-                  <a:solidFill>
-                    <a:srgbClr val="FFFFFF"/>
-                  </a:solidFill>
-                </a:uFill>
-              </a:rPr>
-              <a:t>Results</a:t>
-            </a:r>
-          </a:p>
-          <a:p>
-            <a:r>
-              <a:rPr lang="en-US" dirty="0" smtClean="0"/>
-              <a:t>Diversity Combining</a:t>
-            </a:r>
-          </a:p>
-          <a:p>
-            <a:r>
-              <a:rPr lang="en-US" dirty="0" smtClean="0"/>
-              <a:t>Uncertainties</a:t>
-            </a:r>
-          </a:p>
-          <a:p>
-            <a:r>
-              <a:rPr lang="da-DK" dirty="0" err="1" smtClean="0"/>
-              <a:t>Further</a:t>
-            </a:r>
-            <a:r>
-              <a:rPr lang="da-DK" dirty="0" smtClean="0"/>
-              <a:t> Work</a:t>
-            </a:r>
-            <a:endParaRPr lang="en-US" dirty="0" smtClean="0"/>
-          </a:p>
-          <a:p>
-            <a:endParaRPr lang="da-DK" dirty="0"/>
-          </a:p>
-        </p:txBody>
-      </p:sp>
-    </p:spTree>
-    <p:extLst>
-      <p:ext uri="{BB962C8B-B14F-4D97-AF65-F5344CB8AC3E}">
-        <p14:creationId xmlns:p14="http://schemas.microsoft.com/office/powerpoint/2010/main" val="4143050699"/>
-      </p:ext>
-    </p:extLst>
-  </p:cSld>
-  <p:clrMapOvr>
-    <a:masterClrMapping/>
-  </p:clrMapOvr>
-  <p:transition>
-    <p:fade/>
-  </p:transition>
-</p:sld>
-</file>
-
-<file path=ppt/slides/slide20.xml><?xml version="1.0" encoding="utf-8"?>
+<file path=ppt/slides/slide18.xml><?xml version="1.0" encoding="utf-8"?>
 <p:sld xmlns:a="http://schemas.openxmlformats.org/drawingml/2006/main" xmlns:r="http://schemas.openxmlformats.org/officeDocument/2006/relationships" xmlns:p="http://schemas.openxmlformats.org/presentationml/2006/main">
   <p:cSld>
     <p:spTree>
@@ -7811,7 +7067,7 @@
 </p:sld>
 </file>
 
-<file path=ppt/slides/slide21.xml><?xml version="1.0" encoding="utf-8"?>
+<file path=ppt/slides/slide19.xml><?xml version="1.0" encoding="utf-8"?>
 <p:sld xmlns:a="http://schemas.openxmlformats.org/drawingml/2006/main" xmlns:r="http://schemas.openxmlformats.org/officeDocument/2006/relationships" xmlns:p="http://schemas.openxmlformats.org/presentationml/2006/main">
   <p:cSld>
     <p:spTree>
@@ -8261,7 +7517,489 @@
 </p:sld>
 </file>
 
-<file path=ppt/slides/slide22.xml><?xml version="1.0" encoding="utf-8"?>
+<file path=ppt/slides/slide2.xml><?xml version="1.0" encoding="utf-8"?>
+<p:sld xmlns:a="http://schemas.openxmlformats.org/drawingml/2006/main" xmlns:r="http://schemas.openxmlformats.org/officeDocument/2006/relationships" xmlns:p="http://schemas.openxmlformats.org/presentationml/2006/main">
+  <p:cSld>
+    <p:spTree>
+      <p:nvGrpSpPr>
+        <p:cNvPr id="1" name=""/>
+        <p:cNvGrpSpPr/>
+        <p:nvPr/>
+      </p:nvGrpSpPr>
+      <p:grpSpPr>
+        <a:xfrm>
+          <a:off x="0" y="0"/>
+          <a:ext cx="0" cy="0"/>
+          <a:chOff x="0" y="0"/>
+          <a:chExt cx="0" cy="0"/>
+        </a:xfrm>
+      </p:grpSpPr>
+      <p:sp>
+        <p:nvSpPr>
+          <p:cNvPr id="2" name="Title 1"/>
+          <p:cNvSpPr>
+            <a:spLocks noGrp="1"/>
+          </p:cNvSpPr>
+          <p:nvPr>
+            <p:ph type="title"/>
+          </p:nvPr>
+        </p:nvSpPr>
+        <p:spPr/>
+        <p:txBody>
+          <a:bodyPr/>
+          <a:lstStyle/>
+          <a:p>
+            <a:pPr algn="ctr"/>
+            <a:r>
+              <a:rPr lang="en-US" dirty="0"/>
+              <a:t>Agenda</a:t>
+            </a:r>
+            <a:endParaRPr lang="el-GR" dirty="0"/>
+          </a:p>
+        </p:txBody>
+      </p:sp>
+      <p:sp>
+        <p:nvSpPr>
+          <p:cNvPr id="4" name="Pladsholder til indhold 2"/>
+          <p:cNvSpPr txBox="1">
+            <a:spLocks/>
+          </p:cNvSpPr>
+          <p:nvPr/>
+        </p:nvSpPr>
+        <p:spPr>
+          <a:xfrm>
+            <a:off x="1753344" y="2492897"/>
+            <a:ext cx="3106688" cy="2376265"/>
+          </a:xfrm>
+          <a:prstGeom prst="rect">
+            <a:avLst/>
+          </a:prstGeom>
+        </p:spPr>
+        <p:txBody>
+          <a:bodyPr vert="horz" lIns="91440" tIns="45720" rIns="91440" bIns="45720" rtlCol="0">
+            <a:normAutofit/>
+          </a:bodyPr>
+          <a:lstStyle>
+            <a:lvl1pPr marL="342900" indent="-342900" algn="l" defTabSz="914400" rtl="0" eaLnBrk="1" latinLnBrk="0" hangingPunct="1">
+              <a:spcBef>
+                <a:spcPct val="20000"/>
+              </a:spcBef>
+              <a:buFont typeface="Arial" pitchFamily="34" charset="0"/>
+              <a:buChar char="•"/>
+              <a:defRPr sz="1800" kern="1200">
+                <a:solidFill>
+                  <a:srgbClr val="211A52"/>
+                </a:solidFill>
+                <a:latin typeface="+mn-lt"/>
+                <a:ea typeface="+mn-ea"/>
+                <a:cs typeface="+mn-cs"/>
+              </a:defRPr>
+            </a:lvl1pPr>
+            <a:lvl2pPr marL="742950" indent="-285750" algn="l" defTabSz="914400" rtl="0" eaLnBrk="1" latinLnBrk="0" hangingPunct="1">
+              <a:spcBef>
+                <a:spcPct val="20000"/>
+              </a:spcBef>
+              <a:buFont typeface="Arial" pitchFamily="34" charset="0"/>
+              <a:buChar char="•"/>
+              <a:defRPr sz="1800" kern="1200">
+                <a:solidFill>
+                  <a:srgbClr val="211A52"/>
+                </a:solidFill>
+                <a:latin typeface="+mn-lt"/>
+                <a:ea typeface="+mn-ea"/>
+                <a:cs typeface="+mn-cs"/>
+              </a:defRPr>
+            </a:lvl2pPr>
+            <a:lvl3pPr marL="1143000" indent="-228600" algn="l" defTabSz="914400" rtl="0" eaLnBrk="1" latinLnBrk="0" hangingPunct="1">
+              <a:spcBef>
+                <a:spcPct val="20000"/>
+              </a:spcBef>
+              <a:buFont typeface="Arial" pitchFamily="34" charset="0"/>
+              <a:buChar char="•"/>
+              <a:defRPr sz="1800" kern="1200">
+                <a:solidFill>
+                  <a:srgbClr val="211A52"/>
+                </a:solidFill>
+                <a:latin typeface="+mn-lt"/>
+                <a:ea typeface="+mn-ea"/>
+                <a:cs typeface="+mn-cs"/>
+              </a:defRPr>
+            </a:lvl3pPr>
+            <a:lvl4pPr marL="1600200" indent="-228600" algn="l" defTabSz="914400" rtl="0" eaLnBrk="1" latinLnBrk="0" hangingPunct="1">
+              <a:spcBef>
+                <a:spcPct val="20000"/>
+              </a:spcBef>
+              <a:buFont typeface="Arial" pitchFamily="34" charset="0"/>
+              <a:buChar char="•"/>
+              <a:defRPr sz="1800" kern="1200">
+                <a:solidFill>
+                  <a:srgbClr val="211A52"/>
+                </a:solidFill>
+                <a:latin typeface="+mn-lt"/>
+                <a:ea typeface="+mn-ea"/>
+                <a:cs typeface="+mn-cs"/>
+              </a:defRPr>
+            </a:lvl4pPr>
+            <a:lvl5pPr marL="2057400" indent="-228600" algn="l" defTabSz="914400" rtl="0" eaLnBrk="1" latinLnBrk="0" hangingPunct="1">
+              <a:spcBef>
+                <a:spcPct val="20000"/>
+              </a:spcBef>
+              <a:buFont typeface="Arial" pitchFamily="34" charset="0"/>
+              <a:buChar char="•"/>
+              <a:defRPr sz="1800" kern="1200">
+                <a:solidFill>
+                  <a:srgbClr val="211A52"/>
+                </a:solidFill>
+                <a:latin typeface="+mn-lt"/>
+                <a:ea typeface="+mn-ea"/>
+                <a:cs typeface="+mn-cs"/>
+              </a:defRPr>
+            </a:lvl5pPr>
+            <a:lvl6pPr marL="2514600" indent="-228600" algn="l" defTabSz="914400" rtl="0" eaLnBrk="1" latinLnBrk="0" hangingPunct="1">
+              <a:spcBef>
+                <a:spcPct val="20000"/>
+              </a:spcBef>
+              <a:buFont typeface="Arial" pitchFamily="34" charset="0"/>
+              <a:buChar char="•"/>
+              <a:defRPr sz="2000" kern="1200">
+                <a:solidFill>
+                  <a:schemeClr val="tx1"/>
+                </a:solidFill>
+                <a:latin typeface="+mn-lt"/>
+                <a:ea typeface="+mn-ea"/>
+                <a:cs typeface="+mn-cs"/>
+              </a:defRPr>
+            </a:lvl6pPr>
+            <a:lvl7pPr marL="2971800" indent="-228600" algn="l" defTabSz="914400" rtl="0" eaLnBrk="1" latinLnBrk="0" hangingPunct="1">
+              <a:spcBef>
+                <a:spcPct val="20000"/>
+              </a:spcBef>
+              <a:buFont typeface="Arial" pitchFamily="34" charset="0"/>
+              <a:buChar char="•"/>
+              <a:defRPr sz="2000" kern="1200">
+                <a:solidFill>
+                  <a:schemeClr val="tx1"/>
+                </a:solidFill>
+                <a:latin typeface="+mn-lt"/>
+                <a:ea typeface="+mn-ea"/>
+                <a:cs typeface="+mn-cs"/>
+              </a:defRPr>
+            </a:lvl7pPr>
+            <a:lvl8pPr marL="3429000" indent="-228600" algn="l" defTabSz="914400" rtl="0" eaLnBrk="1" latinLnBrk="0" hangingPunct="1">
+              <a:spcBef>
+                <a:spcPct val="20000"/>
+              </a:spcBef>
+              <a:buFont typeface="Arial" pitchFamily="34" charset="0"/>
+              <a:buChar char="•"/>
+              <a:defRPr sz="2000" kern="1200">
+                <a:solidFill>
+                  <a:schemeClr val="tx1"/>
+                </a:solidFill>
+                <a:latin typeface="+mn-lt"/>
+                <a:ea typeface="+mn-ea"/>
+                <a:cs typeface="+mn-cs"/>
+              </a:defRPr>
+            </a:lvl8pPr>
+            <a:lvl9pPr marL="3886200" indent="-228600" algn="l" defTabSz="914400" rtl="0" eaLnBrk="1" latinLnBrk="0" hangingPunct="1">
+              <a:spcBef>
+                <a:spcPct val="20000"/>
+              </a:spcBef>
+              <a:buFont typeface="Arial" pitchFamily="34" charset="0"/>
+              <a:buChar char="•"/>
+              <a:defRPr sz="2000" kern="1200">
+                <a:solidFill>
+                  <a:schemeClr val="tx1"/>
+                </a:solidFill>
+                <a:latin typeface="+mn-lt"/>
+                <a:ea typeface="+mn-ea"/>
+                <a:cs typeface="+mn-cs"/>
+              </a:defRPr>
+            </a:lvl9pPr>
+          </a:lstStyle>
+          <a:p>
+            <a:r>
+              <a:rPr lang="en-US" smtClean="0"/>
+              <a:t>Introduction</a:t>
+            </a:r>
+          </a:p>
+          <a:p>
+            <a:r>
+              <a:rPr lang="en-US" smtClean="0"/>
+              <a:t>Statistical Aspect</a:t>
+            </a:r>
+          </a:p>
+          <a:p>
+            <a:r>
+              <a:rPr lang="en-US" smtClean="0"/>
+              <a:t>Wireless Channel</a:t>
+            </a:r>
+          </a:p>
+          <a:p>
+            <a:r>
+              <a:rPr lang="en-US" smtClean="0"/>
+              <a:t>WSSUS</a:t>
+            </a:r>
+          </a:p>
+          <a:p>
+            <a:r>
+              <a:rPr lang="en-US" smtClean="0"/>
+              <a:t>Correlation</a:t>
+            </a:r>
+          </a:p>
+          <a:p>
+            <a:r>
+              <a:rPr lang="en-US" smtClean="0"/>
+              <a:t>Dynamic Range</a:t>
+            </a:r>
+          </a:p>
+          <a:p>
+            <a:endParaRPr lang="da-DK" dirty="0"/>
+          </a:p>
+        </p:txBody>
+      </p:sp>
+      <p:sp>
+        <p:nvSpPr>
+          <p:cNvPr id="5" name="Pladsholder til indhold 2"/>
+          <p:cNvSpPr txBox="1">
+            <a:spLocks/>
+          </p:cNvSpPr>
+          <p:nvPr/>
+        </p:nvSpPr>
+        <p:spPr>
+          <a:xfrm>
+            <a:off x="5004048" y="2492896"/>
+            <a:ext cx="3106688" cy="2376265"/>
+          </a:xfrm>
+          <a:prstGeom prst="rect">
+            <a:avLst/>
+          </a:prstGeom>
+        </p:spPr>
+        <p:txBody>
+          <a:bodyPr vert="horz" lIns="91440" tIns="45720" rIns="91440" bIns="45720" rtlCol="0">
+            <a:normAutofit/>
+          </a:bodyPr>
+          <a:lstStyle>
+            <a:lvl1pPr marL="342900" indent="-342900" algn="l" defTabSz="914400" rtl="0" eaLnBrk="1" latinLnBrk="0" hangingPunct="1">
+              <a:spcBef>
+                <a:spcPct val="20000"/>
+              </a:spcBef>
+              <a:buFont typeface="Arial" pitchFamily="34" charset="0"/>
+              <a:buChar char="•"/>
+              <a:defRPr sz="1800" kern="1200">
+                <a:solidFill>
+                  <a:srgbClr val="211A52"/>
+                </a:solidFill>
+                <a:latin typeface="+mn-lt"/>
+                <a:ea typeface="+mn-ea"/>
+                <a:cs typeface="+mn-cs"/>
+              </a:defRPr>
+            </a:lvl1pPr>
+            <a:lvl2pPr marL="742950" indent="-285750" algn="l" defTabSz="914400" rtl="0" eaLnBrk="1" latinLnBrk="0" hangingPunct="1">
+              <a:spcBef>
+                <a:spcPct val="20000"/>
+              </a:spcBef>
+              <a:buFont typeface="Arial" pitchFamily="34" charset="0"/>
+              <a:buChar char="•"/>
+              <a:defRPr sz="1800" kern="1200">
+                <a:solidFill>
+                  <a:srgbClr val="211A52"/>
+                </a:solidFill>
+                <a:latin typeface="+mn-lt"/>
+                <a:ea typeface="+mn-ea"/>
+                <a:cs typeface="+mn-cs"/>
+              </a:defRPr>
+            </a:lvl2pPr>
+            <a:lvl3pPr marL="1143000" indent="-228600" algn="l" defTabSz="914400" rtl="0" eaLnBrk="1" latinLnBrk="0" hangingPunct="1">
+              <a:spcBef>
+                <a:spcPct val="20000"/>
+              </a:spcBef>
+              <a:buFont typeface="Arial" pitchFamily="34" charset="0"/>
+              <a:buChar char="•"/>
+              <a:defRPr sz="1800" kern="1200">
+                <a:solidFill>
+                  <a:srgbClr val="211A52"/>
+                </a:solidFill>
+                <a:latin typeface="+mn-lt"/>
+                <a:ea typeface="+mn-ea"/>
+                <a:cs typeface="+mn-cs"/>
+              </a:defRPr>
+            </a:lvl3pPr>
+            <a:lvl4pPr marL="1600200" indent="-228600" algn="l" defTabSz="914400" rtl="0" eaLnBrk="1" latinLnBrk="0" hangingPunct="1">
+              <a:spcBef>
+                <a:spcPct val="20000"/>
+              </a:spcBef>
+              <a:buFont typeface="Arial" pitchFamily="34" charset="0"/>
+              <a:buChar char="•"/>
+              <a:defRPr sz="1800" kern="1200">
+                <a:solidFill>
+                  <a:srgbClr val="211A52"/>
+                </a:solidFill>
+                <a:latin typeface="+mn-lt"/>
+                <a:ea typeface="+mn-ea"/>
+                <a:cs typeface="+mn-cs"/>
+              </a:defRPr>
+            </a:lvl4pPr>
+            <a:lvl5pPr marL="2057400" indent="-228600" algn="l" defTabSz="914400" rtl="0" eaLnBrk="1" latinLnBrk="0" hangingPunct="1">
+              <a:spcBef>
+                <a:spcPct val="20000"/>
+              </a:spcBef>
+              <a:buFont typeface="Arial" pitchFamily="34" charset="0"/>
+              <a:buChar char="•"/>
+              <a:defRPr sz="1800" kern="1200">
+                <a:solidFill>
+                  <a:srgbClr val="211A52"/>
+                </a:solidFill>
+                <a:latin typeface="+mn-lt"/>
+                <a:ea typeface="+mn-ea"/>
+                <a:cs typeface="+mn-cs"/>
+              </a:defRPr>
+            </a:lvl5pPr>
+            <a:lvl6pPr marL="2514600" indent="-228600" algn="l" defTabSz="914400" rtl="0" eaLnBrk="1" latinLnBrk="0" hangingPunct="1">
+              <a:spcBef>
+                <a:spcPct val="20000"/>
+              </a:spcBef>
+              <a:buFont typeface="Arial" pitchFamily="34" charset="0"/>
+              <a:buChar char="•"/>
+              <a:defRPr sz="2000" kern="1200">
+                <a:solidFill>
+                  <a:schemeClr val="tx1"/>
+                </a:solidFill>
+                <a:latin typeface="+mn-lt"/>
+                <a:ea typeface="+mn-ea"/>
+                <a:cs typeface="+mn-cs"/>
+              </a:defRPr>
+            </a:lvl6pPr>
+            <a:lvl7pPr marL="2971800" indent="-228600" algn="l" defTabSz="914400" rtl="0" eaLnBrk="1" latinLnBrk="0" hangingPunct="1">
+              <a:spcBef>
+                <a:spcPct val="20000"/>
+              </a:spcBef>
+              <a:buFont typeface="Arial" pitchFamily="34" charset="0"/>
+              <a:buChar char="•"/>
+              <a:defRPr sz="2000" kern="1200">
+                <a:solidFill>
+                  <a:schemeClr val="tx1"/>
+                </a:solidFill>
+                <a:latin typeface="+mn-lt"/>
+                <a:ea typeface="+mn-ea"/>
+                <a:cs typeface="+mn-cs"/>
+              </a:defRPr>
+            </a:lvl7pPr>
+            <a:lvl8pPr marL="3429000" indent="-228600" algn="l" defTabSz="914400" rtl="0" eaLnBrk="1" latinLnBrk="0" hangingPunct="1">
+              <a:spcBef>
+                <a:spcPct val="20000"/>
+              </a:spcBef>
+              <a:buFont typeface="Arial" pitchFamily="34" charset="0"/>
+              <a:buChar char="•"/>
+              <a:defRPr sz="2000" kern="1200">
+                <a:solidFill>
+                  <a:schemeClr val="tx1"/>
+                </a:solidFill>
+                <a:latin typeface="+mn-lt"/>
+                <a:ea typeface="+mn-ea"/>
+                <a:cs typeface="+mn-cs"/>
+              </a:defRPr>
+            </a:lvl8pPr>
+            <a:lvl9pPr marL="3886200" indent="-228600" algn="l" defTabSz="914400" rtl="0" eaLnBrk="1" latinLnBrk="0" hangingPunct="1">
+              <a:spcBef>
+                <a:spcPct val="20000"/>
+              </a:spcBef>
+              <a:buFont typeface="Arial" pitchFamily="34" charset="0"/>
+              <a:buChar char="•"/>
+              <a:defRPr sz="2000" kern="1200">
+                <a:solidFill>
+                  <a:schemeClr val="tx1"/>
+                </a:solidFill>
+                <a:latin typeface="+mn-lt"/>
+                <a:ea typeface="+mn-ea"/>
+                <a:cs typeface="+mn-cs"/>
+              </a:defRPr>
+            </a:lvl9pPr>
+          </a:lstStyle>
+          <a:p>
+            <a:r>
+              <a:rPr lang="en-US" dirty="0" smtClean="0"/>
+              <a:t>Measurement Setup</a:t>
+            </a:r>
+          </a:p>
+          <a:p>
+            <a:r>
+              <a:rPr lang="en-US" spc="-1" dirty="0" smtClean="0">
+                <a:uFill>
+                  <a:solidFill>
+                    <a:srgbClr val="FFFFFF"/>
+                  </a:solidFill>
+                </a:uFill>
+              </a:rPr>
+              <a:t>Data Processing</a:t>
+            </a:r>
+            <a:endParaRPr lang="en-US" sz="1400" spc="-1" dirty="0" smtClean="0">
+              <a:solidFill>
+                <a:srgbClr val="000000"/>
+              </a:solidFill>
+              <a:uFill>
+                <a:solidFill>
+                  <a:srgbClr val="FFFFFF"/>
+                </a:solidFill>
+              </a:uFill>
+            </a:endParaRPr>
+          </a:p>
+          <a:p>
+            <a:r>
+              <a:rPr lang="en-US" spc="-1" dirty="0" smtClean="0">
+                <a:uFill>
+                  <a:solidFill>
+                    <a:srgbClr val="FFFFFF"/>
+                  </a:solidFill>
+                </a:uFill>
+              </a:rPr>
+              <a:t>Results</a:t>
+            </a:r>
+          </a:p>
+          <a:p>
+            <a:r>
+              <a:rPr lang="en-US" dirty="0" smtClean="0"/>
+              <a:t>Diversity Combining</a:t>
+            </a:r>
+          </a:p>
+          <a:p>
+            <a:r>
+              <a:rPr lang="en-US" dirty="0" smtClean="0"/>
+              <a:t>Uncertainties</a:t>
+            </a:r>
+          </a:p>
+          <a:p>
+            <a:r>
+              <a:rPr lang="da-DK" dirty="0" err="1" smtClean="0"/>
+              <a:t>Further</a:t>
+            </a:r>
+            <a:r>
+              <a:rPr lang="da-DK" dirty="0" smtClean="0"/>
+              <a:t> Work</a:t>
+            </a:r>
+            <a:endParaRPr lang="en-US" dirty="0" smtClean="0"/>
+          </a:p>
+          <a:p>
+            <a:endParaRPr lang="da-DK" dirty="0"/>
+          </a:p>
+        </p:txBody>
+      </p:sp>
+    </p:spTree>
+    <p:extLst>
+      <p:ext uri="{BB962C8B-B14F-4D97-AF65-F5344CB8AC3E}">
+        <p14:creationId xmlns:p14="http://schemas.microsoft.com/office/powerpoint/2010/main" val="4143050699"/>
+      </p:ext>
+    </p:extLst>
+  </p:cSld>
+  <p:clrMapOvr>
+    <a:masterClrMapping/>
+  </p:clrMapOvr>
+  <p:transition>
+    <p:fade/>
+  </p:transition>
+</p:sld>
+</file>
+
+<file path=ppt/slides/slide20.xml><?xml version="1.0" encoding="utf-8"?>
 <p:sld xmlns:a="http://schemas.openxmlformats.org/drawingml/2006/main" xmlns:r="http://schemas.openxmlformats.org/officeDocument/2006/relationships" xmlns:p="http://schemas.openxmlformats.org/presentationml/2006/main">
   <p:cSld>
     <p:spTree>
@@ -8526,7 +8264,7 @@
 </p:sld>
 </file>
 
-<file path=ppt/slides/slide23.xml><?xml version="1.0" encoding="utf-8"?>
+<file path=ppt/slides/slide21.xml><?xml version="1.0" encoding="utf-8"?>
 <p:sld xmlns:a="http://schemas.openxmlformats.org/drawingml/2006/main" xmlns:r="http://schemas.openxmlformats.org/officeDocument/2006/relationships" xmlns:p="http://schemas.openxmlformats.org/presentationml/2006/main">
   <p:cSld>
     <p:spTree>
@@ -8955,7 +8693,7 @@
 </p:sld>
 </file>
 
-<file path=ppt/slides/slide24.xml><?xml version="1.0" encoding="utf-8"?>
+<file path=ppt/slides/slide22.xml><?xml version="1.0" encoding="utf-8"?>
 <p:sld xmlns:a="http://schemas.openxmlformats.org/drawingml/2006/main" xmlns:r="http://schemas.openxmlformats.org/officeDocument/2006/relationships" xmlns:p="http://schemas.openxmlformats.org/presentationml/2006/main">
   <p:cSld>
     <p:spTree>
@@ -9386,7 +9124,7 @@
 </p:sld>
 </file>
 
-<file path=ppt/slides/slide25.xml><?xml version="1.0" encoding="utf-8"?>
+<file path=ppt/slides/slide23.xml><?xml version="1.0" encoding="utf-8"?>
 <p:sld xmlns:a="http://schemas.openxmlformats.org/drawingml/2006/main" xmlns:r="http://schemas.openxmlformats.org/officeDocument/2006/relationships" xmlns:p="http://schemas.openxmlformats.org/presentationml/2006/main">
   <p:cSld>
     <p:spTree>
@@ -9853,7 +9591,7 @@
 </p:sld>
 </file>
 
-<file path=ppt/slides/slide26.xml><?xml version="1.0" encoding="utf-8"?>
+<file path=ppt/slides/slide24.xml><?xml version="1.0" encoding="utf-8"?>
 <p:sld xmlns:a="http://schemas.openxmlformats.org/drawingml/2006/main" xmlns:r="http://schemas.openxmlformats.org/officeDocument/2006/relationships" xmlns:p="http://schemas.openxmlformats.org/presentationml/2006/main">
   <p:cSld>
     <p:spTree>
@@ -10301,7 +10039,7 @@
 </p:sld>
 </file>
 
-<file path=ppt/slides/slide27.xml><?xml version="1.0" encoding="utf-8"?>
+<file path=ppt/slides/slide25.xml><?xml version="1.0" encoding="utf-8"?>
 <p:sld xmlns:a="http://schemas.openxmlformats.org/drawingml/2006/main" xmlns:r="http://schemas.openxmlformats.org/officeDocument/2006/relationships" xmlns:p="http://schemas.openxmlformats.org/presentationml/2006/main">
   <p:cSld>
     <p:spTree>
@@ -10657,7 +10395,7 @@
 </p:sld>
 </file>
 
-<file path=ppt/slides/slide28.xml><?xml version="1.0" encoding="utf-8"?>
+<file path=ppt/slides/slide26.xml><?xml version="1.0" encoding="utf-8"?>
 <p:sld xmlns:a="http://schemas.openxmlformats.org/drawingml/2006/main" xmlns:r="http://schemas.openxmlformats.org/officeDocument/2006/relationships" xmlns:p="http://schemas.openxmlformats.org/presentationml/2006/main">
   <p:cSld>
     <p:spTree>
@@ -10947,7 +10685,7 @@
 </p:sld>
 </file>
 
-<file path=ppt/slides/slide29.xml><?xml version="1.0" encoding="utf-8"?>
+<file path=ppt/slides/slide27.xml><?xml version="1.0" encoding="utf-8"?>
 <p:sld xmlns:a="http://schemas.openxmlformats.org/drawingml/2006/main" xmlns:r="http://schemas.openxmlformats.org/officeDocument/2006/relationships" xmlns:p="http://schemas.openxmlformats.org/presentationml/2006/main">
   <p:cSld>
     <p:spTree>
@@ -11037,103 +10775,7 @@
 </p:sld>
 </file>
 
-<file path=ppt/slides/slide3.xml><?xml version="1.0" encoding="utf-8"?>
-<p:sld xmlns:a="http://schemas.openxmlformats.org/drawingml/2006/main" xmlns:r="http://schemas.openxmlformats.org/officeDocument/2006/relationships" xmlns:p="http://schemas.openxmlformats.org/presentationml/2006/main">
-  <p:cSld>
-    <p:spTree>
-      <p:nvGrpSpPr>
-        <p:cNvPr id="1" name=""/>
-        <p:cNvGrpSpPr/>
-        <p:nvPr/>
-      </p:nvGrpSpPr>
-      <p:grpSpPr>
-        <a:xfrm>
-          <a:off x="0" y="0"/>
-          <a:ext cx="0" cy="0"/>
-          <a:chOff x="0" y="0"/>
-          <a:chExt cx="0" cy="0"/>
-        </a:xfrm>
-      </p:grpSpPr>
-      <p:sp>
-        <p:nvSpPr>
-          <p:cNvPr id="2" name="Title 1"/>
-          <p:cNvSpPr>
-            <a:spLocks noGrp="1"/>
-          </p:cNvSpPr>
-          <p:nvPr>
-            <p:ph type="title"/>
-          </p:nvPr>
-        </p:nvSpPr>
-        <p:spPr/>
-        <p:txBody>
-          <a:bodyPr/>
-          <a:lstStyle/>
-          <a:p>
-            <a:pPr algn="ctr"/>
-            <a:r>
-              <a:rPr lang="en-US" dirty="0"/>
-              <a:t>Introduction</a:t>
-            </a:r>
-            <a:endParaRPr lang="el-GR" dirty="0"/>
-          </a:p>
-        </p:txBody>
-      </p:sp>
-      <p:pic>
-        <p:nvPicPr>
-          <p:cNvPr id="6146" name="Picture 2" descr="Image result for 5g urllc"/>
-          <p:cNvPicPr>
-            <a:picLocks noChangeAspect="1" noChangeArrowheads="1"/>
-          </p:cNvPicPr>
-          <p:nvPr/>
-        </p:nvPicPr>
-        <p:blipFill rotWithShape="1">
-          <a:blip r:embed="rId3">
-            <a:extLst>
-              <a:ext uri="{28A0092B-C50C-407E-A947-70E740481C1C}">
-                <a14:useLocalDpi xmlns:a14="http://schemas.microsoft.com/office/drawing/2010/main" val="0"/>
-              </a:ext>
-            </a:extLst>
-          </a:blip>
-          <a:srcRect l="39224" r="23137"/>
-          <a:stretch/>
-        </p:blipFill>
-        <p:spPr bwMode="auto">
-          <a:xfrm>
-            <a:off x="2879812" y="1772816"/>
-            <a:ext cx="3384376" cy="3400425"/>
-          </a:xfrm>
-          <a:prstGeom prst="rect">
-            <a:avLst/>
-          </a:prstGeom>
-          <a:noFill/>
-          <a:extLst>
-            <a:ext uri="{909E8E84-426E-40DD-AFC4-6F175D3DCCD1}">
-              <a14:hiddenFill xmlns:a14="http://schemas.microsoft.com/office/drawing/2010/main">
-                <a:solidFill>
-                  <a:srgbClr val="FFFFFF"/>
-                </a:solidFill>
-              </a14:hiddenFill>
-            </a:ext>
-          </a:extLst>
-        </p:spPr>
-      </p:pic>
-    </p:spTree>
-    <p:extLst>
-      <p:ext uri="{BB962C8B-B14F-4D97-AF65-F5344CB8AC3E}">
-        <p14:creationId xmlns:p14="http://schemas.microsoft.com/office/powerpoint/2010/main" val="764854903"/>
-      </p:ext>
-    </p:extLst>
-  </p:cSld>
-  <p:clrMapOvr>
-    <a:masterClrMapping/>
-  </p:clrMapOvr>
-  <p:transition>
-    <p:fade/>
-  </p:transition>
-</p:sld>
-</file>
-
-<file path=ppt/slides/slide30.xml><?xml version="1.0" encoding="utf-8"?>
+<file path=ppt/slides/slide28.xml><?xml version="1.0" encoding="utf-8"?>
 <p:sld xmlns:a="http://schemas.openxmlformats.org/drawingml/2006/main" xmlns:r="http://schemas.openxmlformats.org/officeDocument/2006/relationships" xmlns:p="http://schemas.openxmlformats.org/presentationml/2006/main">
   <p:cSld>
     <p:spTree>
@@ -11249,7 +10891,7 @@
 </p:sld>
 </file>
 
-<file path=ppt/slides/slide31.xml><?xml version="1.0" encoding="utf-8"?>
+<file path=ppt/slides/slide29.xml><?xml version="1.0" encoding="utf-8"?>
 <p:sld xmlns:a="http://schemas.openxmlformats.org/drawingml/2006/main" xmlns:r="http://schemas.openxmlformats.org/officeDocument/2006/relationships" xmlns:p="http://schemas.openxmlformats.org/presentationml/2006/main">
   <p:cSld>
     <p:spTree>
@@ -11422,7 +11064,103 @@
 </p:sld>
 </file>
 
-<file path=ppt/slides/slide32.xml><?xml version="1.0" encoding="utf-8"?>
+<file path=ppt/slides/slide3.xml><?xml version="1.0" encoding="utf-8"?>
+<p:sld xmlns:a="http://schemas.openxmlformats.org/drawingml/2006/main" xmlns:r="http://schemas.openxmlformats.org/officeDocument/2006/relationships" xmlns:p="http://schemas.openxmlformats.org/presentationml/2006/main">
+  <p:cSld>
+    <p:spTree>
+      <p:nvGrpSpPr>
+        <p:cNvPr id="1" name=""/>
+        <p:cNvGrpSpPr/>
+        <p:nvPr/>
+      </p:nvGrpSpPr>
+      <p:grpSpPr>
+        <a:xfrm>
+          <a:off x="0" y="0"/>
+          <a:ext cx="0" cy="0"/>
+          <a:chOff x="0" y="0"/>
+          <a:chExt cx="0" cy="0"/>
+        </a:xfrm>
+      </p:grpSpPr>
+      <p:sp>
+        <p:nvSpPr>
+          <p:cNvPr id="2" name="Title 1"/>
+          <p:cNvSpPr>
+            <a:spLocks noGrp="1"/>
+          </p:cNvSpPr>
+          <p:nvPr>
+            <p:ph type="title"/>
+          </p:nvPr>
+        </p:nvSpPr>
+        <p:spPr/>
+        <p:txBody>
+          <a:bodyPr/>
+          <a:lstStyle/>
+          <a:p>
+            <a:pPr algn="ctr"/>
+            <a:r>
+              <a:rPr lang="en-US" dirty="0"/>
+              <a:t>Introduction</a:t>
+            </a:r>
+            <a:endParaRPr lang="el-GR" dirty="0"/>
+          </a:p>
+        </p:txBody>
+      </p:sp>
+      <p:pic>
+        <p:nvPicPr>
+          <p:cNvPr id="6146" name="Picture 2" descr="Image result for 5g urllc"/>
+          <p:cNvPicPr>
+            <a:picLocks noChangeAspect="1" noChangeArrowheads="1"/>
+          </p:cNvPicPr>
+          <p:nvPr/>
+        </p:nvPicPr>
+        <p:blipFill rotWithShape="1">
+          <a:blip r:embed="rId3">
+            <a:extLst>
+              <a:ext uri="{28A0092B-C50C-407E-A947-70E740481C1C}">
+                <a14:useLocalDpi xmlns:a14="http://schemas.microsoft.com/office/drawing/2010/main" val="0"/>
+              </a:ext>
+            </a:extLst>
+          </a:blip>
+          <a:srcRect l="39224" r="23137"/>
+          <a:stretch/>
+        </p:blipFill>
+        <p:spPr bwMode="auto">
+          <a:xfrm>
+            <a:off x="2879812" y="1772816"/>
+            <a:ext cx="3384376" cy="3400425"/>
+          </a:xfrm>
+          <a:prstGeom prst="rect">
+            <a:avLst/>
+          </a:prstGeom>
+          <a:noFill/>
+          <a:extLst>
+            <a:ext uri="{909E8E84-426E-40DD-AFC4-6F175D3DCCD1}">
+              <a14:hiddenFill xmlns:a14="http://schemas.microsoft.com/office/drawing/2010/main">
+                <a:solidFill>
+                  <a:srgbClr val="FFFFFF"/>
+                </a:solidFill>
+              </a14:hiddenFill>
+            </a:ext>
+          </a:extLst>
+        </p:spPr>
+      </p:pic>
+    </p:spTree>
+    <p:extLst>
+      <p:ext uri="{BB962C8B-B14F-4D97-AF65-F5344CB8AC3E}">
+        <p14:creationId xmlns:p14="http://schemas.microsoft.com/office/powerpoint/2010/main" val="764854903"/>
+      </p:ext>
+    </p:extLst>
+  </p:cSld>
+  <p:clrMapOvr>
+    <a:masterClrMapping/>
+  </p:clrMapOvr>
+  <p:transition>
+    <p:fade/>
+  </p:transition>
+</p:sld>
+</file>
+
+<file path=ppt/slides/slide30.xml><?xml version="1.0" encoding="utf-8"?>
 <p:sld xmlns:a="http://schemas.openxmlformats.org/drawingml/2006/main" xmlns:r="http://schemas.openxmlformats.org/officeDocument/2006/relationships" xmlns:p="http://schemas.openxmlformats.org/presentationml/2006/main">
   <p:cSld>
     <p:spTree>
@@ -11640,7 +11378,7 @@
 </p:sld>
 </file>
 
-<file path=ppt/slides/slide33.xml><?xml version="1.0" encoding="utf-8"?>
+<file path=ppt/slides/slide31.xml><?xml version="1.0" encoding="utf-8"?>
 <p:sld xmlns:a="http://schemas.openxmlformats.org/drawingml/2006/main" xmlns:r="http://schemas.openxmlformats.org/officeDocument/2006/relationships" xmlns:p="http://schemas.openxmlformats.org/presentationml/2006/main">
   <p:cSld>
     <p:spTree>
@@ -12058,7 +11796,7 @@
           <a:graphicData uri="http://schemas.openxmlformats.org/presentationml/2006/ole">
             <mc:AlternateContent xmlns:mc="http://schemas.openxmlformats.org/markup-compatibility/2006">
               <mc:Choice xmlns:v="urn:schemas-microsoft-com:vml" Requires="v">
-                <p:oleObj spid="_x0000_s1035" name="Acrobat Document" r:id="rId4" imgW="2743200" imgH="2178925" progId="AcroExch.Document.DC">
+                <p:oleObj spid="_x0000_s1039" name="Acrobat Document" r:id="rId4" imgW="2743200" imgH="2178925" progId="AcroExch.Document.DC">
                   <p:embed/>
                 </p:oleObj>
               </mc:Choice>
@@ -12165,6 +11903,9 @@
           <a:bodyPr/>
           <a:lstStyle/>
           <a:p>
+            <a:pPr marL="0" indent="0" algn="ctr">
+              <a:buNone/>
+            </a:pPr>
             <a:r>
               <a:rPr lang="en-US" dirty="0"/>
               <a:t>Design a measurement system that can handle very deep fades and a statistical method to process the data and compare to existing Rayleigh model used in </a:t>
@@ -12268,218 +12009,6 @@
             <a:pPr algn="ctr"/>
             <a:r>
               <a:rPr lang="en-US" dirty="0"/>
-              <a:t>Statistical Aspect</a:t>
-            </a:r>
-            <a:endParaRPr lang="el-GR" dirty="0"/>
-          </a:p>
-        </p:txBody>
-      </p:sp>
-      <p:sp>
-        <p:nvSpPr>
-          <p:cNvPr id="3" name="Content Placeholder 2"/>
-          <p:cNvSpPr>
-            <a:spLocks noGrp="1"/>
-          </p:cNvSpPr>
-          <p:nvPr>
-            <p:ph idx="1"/>
-          </p:nvPr>
-        </p:nvSpPr>
-        <p:spPr/>
-        <p:txBody>
-          <a:bodyPr/>
-          <a:lstStyle/>
-          <a:p>
-            <a:endParaRPr lang="en-US" dirty="0"/>
-          </a:p>
-          <a:p>
-            <a:endParaRPr lang="en-US" dirty="0"/>
-          </a:p>
-          <a:p>
-            <a:endParaRPr lang="el-GR" dirty="0"/>
-          </a:p>
-        </p:txBody>
-      </p:sp>
-      <p:pic>
-        <p:nvPicPr>
-          <p:cNvPr id="4" name="Picture 3"/>
-          <p:cNvPicPr>
-            <a:picLocks noChangeAspect="1"/>
-          </p:cNvPicPr>
-          <p:nvPr/>
-        </p:nvPicPr>
-        <p:blipFill>
-          <a:blip r:embed="rId3"/>
-          <a:stretch>
-            <a:fillRect/>
-          </a:stretch>
-        </p:blipFill>
-        <p:spPr>
-          <a:xfrm>
-            <a:off x="1804987" y="2305050"/>
-            <a:ext cx="5534025" cy="2247900"/>
-          </a:xfrm>
-          <a:prstGeom prst="rect">
-            <a:avLst/>
-          </a:prstGeom>
-        </p:spPr>
-      </p:pic>
-    </p:spTree>
-    <p:extLst>
-      <p:ext uri="{BB962C8B-B14F-4D97-AF65-F5344CB8AC3E}">
-        <p14:creationId xmlns:p14="http://schemas.microsoft.com/office/powerpoint/2010/main" val="3713430442"/>
-      </p:ext>
-    </p:extLst>
-  </p:cSld>
-  <p:clrMapOvr>
-    <a:masterClrMapping/>
-  </p:clrMapOvr>
-  <p:transition>
-    <p:fade/>
-  </p:transition>
-</p:sld>
-</file>
-
-<file path=ppt/slides/slide7.xml><?xml version="1.0" encoding="utf-8"?>
-<p:sld xmlns:a="http://schemas.openxmlformats.org/drawingml/2006/main" xmlns:r="http://schemas.openxmlformats.org/officeDocument/2006/relationships" xmlns:p="http://schemas.openxmlformats.org/presentationml/2006/main">
-  <p:cSld>
-    <p:spTree>
-      <p:nvGrpSpPr>
-        <p:cNvPr id="1" name=""/>
-        <p:cNvGrpSpPr/>
-        <p:nvPr/>
-      </p:nvGrpSpPr>
-      <p:grpSpPr>
-        <a:xfrm>
-          <a:off x="0" y="0"/>
-          <a:ext cx="0" cy="0"/>
-          <a:chOff x="0" y="0"/>
-          <a:chExt cx="0" cy="0"/>
-        </a:xfrm>
-      </p:grpSpPr>
-      <p:sp>
-        <p:nvSpPr>
-          <p:cNvPr id="2" name="Title 1"/>
-          <p:cNvSpPr>
-            <a:spLocks noGrp="1"/>
-          </p:cNvSpPr>
-          <p:nvPr>
-            <p:ph type="title"/>
-          </p:nvPr>
-        </p:nvSpPr>
-        <p:spPr/>
-        <p:txBody>
-          <a:bodyPr/>
-          <a:lstStyle/>
-          <a:p>
-            <a:pPr algn="ctr"/>
-            <a:r>
-              <a:rPr lang="en-US" dirty="0"/>
-              <a:t>Statistical Aspect</a:t>
-            </a:r>
-            <a:endParaRPr lang="el-GR" dirty="0"/>
-          </a:p>
-        </p:txBody>
-      </p:sp>
-      <p:sp>
-        <p:nvSpPr>
-          <p:cNvPr id="3" name="Content Placeholder 2"/>
-          <p:cNvSpPr>
-            <a:spLocks noGrp="1"/>
-          </p:cNvSpPr>
-          <p:nvPr>
-            <p:ph idx="1"/>
-          </p:nvPr>
-        </p:nvSpPr>
-        <p:spPr/>
-        <p:txBody>
-          <a:bodyPr/>
-          <a:lstStyle/>
-          <a:p>
-            <a:endParaRPr lang="en-US" dirty="0"/>
-          </a:p>
-          <a:p>
-            <a:endParaRPr lang="en-US" dirty="0"/>
-          </a:p>
-          <a:p>
-            <a:endParaRPr lang="el-GR" dirty="0"/>
-          </a:p>
-        </p:txBody>
-      </p:sp>
-      <p:pic>
-        <p:nvPicPr>
-          <p:cNvPr id="5" name="Picture 4"/>
-          <p:cNvPicPr>
-            <a:picLocks noChangeAspect="1"/>
-          </p:cNvPicPr>
-          <p:nvPr/>
-        </p:nvPicPr>
-        <p:blipFill>
-          <a:blip r:embed="rId3"/>
-          <a:stretch>
-            <a:fillRect/>
-          </a:stretch>
-        </p:blipFill>
-        <p:spPr>
-          <a:xfrm>
-            <a:off x="1430778" y="1124744"/>
-            <a:ext cx="6282444" cy="4650044"/>
-          </a:xfrm>
-          <a:prstGeom prst="rect">
-            <a:avLst/>
-          </a:prstGeom>
-        </p:spPr>
-      </p:pic>
-    </p:spTree>
-    <p:extLst>
-      <p:ext uri="{BB962C8B-B14F-4D97-AF65-F5344CB8AC3E}">
-        <p14:creationId xmlns:p14="http://schemas.microsoft.com/office/powerpoint/2010/main" val="2484255603"/>
-      </p:ext>
-    </p:extLst>
-  </p:cSld>
-  <p:clrMapOvr>
-    <a:masterClrMapping/>
-  </p:clrMapOvr>
-  <p:transition>
-    <p:fade/>
-  </p:transition>
-</p:sld>
-</file>
-
-<file path=ppt/slides/slide8.xml><?xml version="1.0" encoding="utf-8"?>
-<p:sld xmlns:a="http://schemas.openxmlformats.org/drawingml/2006/main" xmlns:r="http://schemas.openxmlformats.org/officeDocument/2006/relationships" xmlns:p="http://schemas.openxmlformats.org/presentationml/2006/main">
-  <p:cSld>
-    <p:spTree>
-      <p:nvGrpSpPr>
-        <p:cNvPr id="1" name=""/>
-        <p:cNvGrpSpPr/>
-        <p:nvPr/>
-      </p:nvGrpSpPr>
-      <p:grpSpPr>
-        <a:xfrm>
-          <a:off x="0" y="0"/>
-          <a:ext cx="0" cy="0"/>
-          <a:chOff x="0" y="0"/>
-          <a:chExt cx="0" cy="0"/>
-        </a:xfrm>
-      </p:grpSpPr>
-      <p:sp>
-        <p:nvSpPr>
-          <p:cNvPr id="2" name="Title 1"/>
-          <p:cNvSpPr>
-            <a:spLocks noGrp="1"/>
-          </p:cNvSpPr>
-          <p:nvPr>
-            <p:ph type="title"/>
-          </p:nvPr>
-        </p:nvSpPr>
-        <p:spPr/>
-        <p:txBody>
-          <a:bodyPr/>
-          <a:lstStyle/>
-          <a:p>
-            <a:pPr algn="ctr"/>
-            <a:r>
-              <a:rPr lang="en-US" dirty="0"/>
               <a:t>Wireless Channel</a:t>
             </a:r>
             <a:endParaRPr lang="el-GR" dirty="0"/>
@@ -12543,7 +12072,7 @@
 </p:sld>
 </file>
 
-<file path=ppt/slides/slide9.xml><?xml version="1.0" encoding="utf-8"?>
+<file path=ppt/slides/slide7.xml><?xml version="1.0" encoding="utf-8"?>
 <p:sld xmlns:a="http://schemas.openxmlformats.org/drawingml/2006/main" xmlns:r="http://schemas.openxmlformats.org/officeDocument/2006/relationships" xmlns:p="http://schemas.openxmlformats.org/presentationml/2006/main">
   <p:cSld>
     <p:spTree>
@@ -12612,6 +12141,218 @@
     <p:extLst>
       <p:ext uri="{BB962C8B-B14F-4D97-AF65-F5344CB8AC3E}">
         <p14:creationId xmlns:p14="http://schemas.microsoft.com/office/powerpoint/2010/main" val="1734129768"/>
+      </p:ext>
+    </p:extLst>
+  </p:cSld>
+  <p:clrMapOvr>
+    <a:masterClrMapping/>
+  </p:clrMapOvr>
+  <p:transition>
+    <p:fade/>
+  </p:transition>
+</p:sld>
+</file>
+
+<file path=ppt/slides/slide8.xml><?xml version="1.0" encoding="utf-8"?>
+<p:sld xmlns:a="http://schemas.openxmlformats.org/drawingml/2006/main" xmlns:r="http://schemas.openxmlformats.org/officeDocument/2006/relationships" xmlns:p="http://schemas.openxmlformats.org/presentationml/2006/main">
+  <p:cSld>
+    <p:spTree>
+      <p:nvGrpSpPr>
+        <p:cNvPr id="1" name=""/>
+        <p:cNvGrpSpPr/>
+        <p:nvPr/>
+      </p:nvGrpSpPr>
+      <p:grpSpPr>
+        <a:xfrm>
+          <a:off x="0" y="0"/>
+          <a:ext cx="0" cy="0"/>
+          <a:chOff x="0" y="0"/>
+          <a:chExt cx="0" cy="0"/>
+        </a:xfrm>
+      </p:grpSpPr>
+      <p:sp>
+        <p:nvSpPr>
+          <p:cNvPr id="2" name="Title 1"/>
+          <p:cNvSpPr>
+            <a:spLocks noGrp="1"/>
+          </p:cNvSpPr>
+          <p:nvPr>
+            <p:ph type="title"/>
+          </p:nvPr>
+        </p:nvSpPr>
+        <p:spPr/>
+        <p:txBody>
+          <a:bodyPr/>
+          <a:lstStyle/>
+          <a:p>
+            <a:pPr algn="ctr"/>
+            <a:r>
+              <a:rPr lang="en-US" dirty="0"/>
+              <a:t>Statistical Aspect</a:t>
+            </a:r>
+            <a:endParaRPr lang="el-GR" dirty="0"/>
+          </a:p>
+        </p:txBody>
+      </p:sp>
+      <p:sp>
+        <p:nvSpPr>
+          <p:cNvPr id="3" name="Content Placeholder 2"/>
+          <p:cNvSpPr>
+            <a:spLocks noGrp="1"/>
+          </p:cNvSpPr>
+          <p:nvPr>
+            <p:ph idx="1"/>
+          </p:nvPr>
+        </p:nvSpPr>
+        <p:spPr/>
+        <p:txBody>
+          <a:bodyPr/>
+          <a:lstStyle/>
+          <a:p>
+            <a:endParaRPr lang="en-US" dirty="0"/>
+          </a:p>
+          <a:p>
+            <a:endParaRPr lang="en-US" dirty="0"/>
+          </a:p>
+          <a:p>
+            <a:endParaRPr lang="el-GR" dirty="0"/>
+          </a:p>
+        </p:txBody>
+      </p:sp>
+      <p:pic>
+        <p:nvPicPr>
+          <p:cNvPr id="4" name="Picture 3"/>
+          <p:cNvPicPr>
+            <a:picLocks noChangeAspect="1"/>
+          </p:cNvPicPr>
+          <p:nvPr/>
+        </p:nvPicPr>
+        <p:blipFill>
+          <a:blip r:embed="rId3"/>
+          <a:stretch>
+            <a:fillRect/>
+          </a:stretch>
+        </p:blipFill>
+        <p:spPr>
+          <a:xfrm>
+            <a:off x="611560" y="1700808"/>
+            <a:ext cx="7870460" cy="3196951"/>
+          </a:xfrm>
+          <a:prstGeom prst="rect">
+            <a:avLst/>
+          </a:prstGeom>
+        </p:spPr>
+      </p:pic>
+    </p:spTree>
+    <p:extLst>
+      <p:ext uri="{BB962C8B-B14F-4D97-AF65-F5344CB8AC3E}">
+        <p14:creationId xmlns:p14="http://schemas.microsoft.com/office/powerpoint/2010/main" val="3580507818"/>
+      </p:ext>
+    </p:extLst>
+  </p:cSld>
+  <p:clrMapOvr>
+    <a:masterClrMapping/>
+  </p:clrMapOvr>
+  <p:transition>
+    <p:fade/>
+  </p:transition>
+</p:sld>
+</file>
+
+<file path=ppt/slides/slide9.xml><?xml version="1.0" encoding="utf-8"?>
+<p:sld xmlns:a="http://schemas.openxmlformats.org/drawingml/2006/main" xmlns:r="http://schemas.openxmlformats.org/officeDocument/2006/relationships" xmlns:p="http://schemas.openxmlformats.org/presentationml/2006/main">
+  <p:cSld>
+    <p:spTree>
+      <p:nvGrpSpPr>
+        <p:cNvPr id="1" name=""/>
+        <p:cNvGrpSpPr/>
+        <p:nvPr/>
+      </p:nvGrpSpPr>
+      <p:grpSpPr>
+        <a:xfrm>
+          <a:off x="0" y="0"/>
+          <a:ext cx="0" cy="0"/>
+          <a:chOff x="0" y="0"/>
+          <a:chExt cx="0" cy="0"/>
+        </a:xfrm>
+      </p:grpSpPr>
+      <p:sp>
+        <p:nvSpPr>
+          <p:cNvPr id="2" name="Title 1"/>
+          <p:cNvSpPr>
+            <a:spLocks noGrp="1"/>
+          </p:cNvSpPr>
+          <p:nvPr>
+            <p:ph type="title"/>
+          </p:nvPr>
+        </p:nvSpPr>
+        <p:spPr/>
+        <p:txBody>
+          <a:bodyPr/>
+          <a:lstStyle/>
+          <a:p>
+            <a:pPr algn="ctr"/>
+            <a:r>
+              <a:rPr lang="en-US" dirty="0"/>
+              <a:t>Statistical Aspect</a:t>
+            </a:r>
+            <a:endParaRPr lang="el-GR" dirty="0"/>
+          </a:p>
+        </p:txBody>
+      </p:sp>
+      <p:sp>
+        <p:nvSpPr>
+          <p:cNvPr id="3" name="Content Placeholder 2"/>
+          <p:cNvSpPr>
+            <a:spLocks noGrp="1"/>
+          </p:cNvSpPr>
+          <p:nvPr>
+            <p:ph idx="1"/>
+          </p:nvPr>
+        </p:nvSpPr>
+        <p:spPr/>
+        <p:txBody>
+          <a:bodyPr/>
+          <a:lstStyle/>
+          <a:p>
+            <a:endParaRPr lang="en-US" dirty="0"/>
+          </a:p>
+          <a:p>
+            <a:endParaRPr lang="en-US" dirty="0"/>
+          </a:p>
+          <a:p>
+            <a:endParaRPr lang="el-GR" dirty="0"/>
+          </a:p>
+        </p:txBody>
+      </p:sp>
+      <p:pic>
+        <p:nvPicPr>
+          <p:cNvPr id="5" name="Picture 4"/>
+          <p:cNvPicPr>
+            <a:picLocks noChangeAspect="1"/>
+          </p:cNvPicPr>
+          <p:nvPr/>
+        </p:nvPicPr>
+        <p:blipFill>
+          <a:blip r:embed="rId3"/>
+          <a:stretch>
+            <a:fillRect/>
+          </a:stretch>
+        </p:blipFill>
+        <p:spPr>
+          <a:xfrm>
+            <a:off x="1430778" y="1124744"/>
+            <a:ext cx="6282444" cy="4650044"/>
+          </a:xfrm>
+          <a:prstGeom prst="rect">
+            <a:avLst/>
+          </a:prstGeom>
+        </p:spPr>
+      </p:pic>
+    </p:spTree>
+    <p:extLst>
+      <p:ext uri="{BB962C8B-B14F-4D97-AF65-F5344CB8AC3E}">
+        <p14:creationId xmlns:p14="http://schemas.microsoft.com/office/powerpoint/2010/main" val="3534168298"/>
       </p:ext>
     </p:extLst>
   </p:cSld>

--- a/ppt/final.pptx
+++ b/ppt/final.pptx
@@ -5867,7 +5867,12 @@
             <p:ph idx="1"/>
           </p:nvPr>
         </p:nvSpPr>
-        <p:spPr/>
+        <p:spPr>
+          <a:xfrm>
+            <a:off x="467544" y="1600201"/>
+            <a:ext cx="8229600" cy="4277071"/>
+          </a:xfrm>
+        </p:spPr>
         <p:txBody>
           <a:bodyPr/>
           <a:lstStyle/>
@@ -5968,7 +5973,7 @@
         </p:blipFill>
         <p:spPr>
           <a:xfrm>
-            <a:off x="4139952" y="2276872"/>
+            <a:off x="4211960" y="2276872"/>
             <a:ext cx="4032448" cy="3092398"/>
           </a:xfrm>
           <a:prstGeom prst="rect">
@@ -6977,25 +6982,18 @@
           <a:p>
             <a:r>
               <a:rPr lang="en-US" dirty="0" smtClean="0"/>
-              <a:t>Dynamic Range 131dB and Frequency Range 10MHz to 67GHz</a:t>
-            </a:r>
+              <a:t>Normalization of signal</a:t>
+            </a:r>
+            <a:endParaRPr lang="en-US" dirty="0" smtClean="0"/>
           </a:p>
           <a:p>
             <a:r>
               <a:rPr lang="en-US" dirty="0" smtClean="0"/>
-              <a:t>Simple Calibration</a:t>
-            </a:r>
-          </a:p>
-          <a:p>
+              <a:t>RX </a:t>
+            </a:r>
             <a:r>
               <a:rPr lang="en-US" dirty="0" smtClean="0"/>
-              <a:t>3 RX cables(10m) and 1 TX cable(4m) with cable loss 0.5dB/m</a:t>
-            </a:r>
-          </a:p>
-          <a:p>
-            <a:r>
-              <a:rPr lang="en-US" dirty="0" smtClean="0"/>
-              <a:t>RX omnidirectional antenna array fc 5GHz and 0.4</a:t>
+              <a:t>omnidirectional antenna array fc 5GHz and 0.4</a:t>
             </a:r>
             <a:r>
               <a:rPr lang="el-GR" dirty="0" smtClean="0"/>
@@ -7036,7 +7034,7 @@
         </p:blipFill>
         <p:spPr>
           <a:xfrm>
-            <a:off x="643157" y="3562985"/>
+            <a:off x="2727559" y="3356992"/>
             <a:ext cx="3688881" cy="2386295"/>
           </a:xfrm>
           <a:prstGeom prst="rect">
@@ -7160,7 +7158,7 @@
         </p:nvSpPr>
         <p:spPr>
           <a:xfrm>
-            <a:off x="457200" y="1600200"/>
+            <a:off x="457200" y="1416960"/>
             <a:ext cx="8228880" cy="4276440"/>
           </a:xfrm>
           <a:prstGeom prst="rect">
@@ -7201,7 +7199,7 @@
               <a:buChar char="•"/>
             </a:pPr>
             <a:r>
-              <a:rPr lang="en-US" sz="1800" b="0" strike="noStrike" spc="-1">
+              <a:rPr lang="en-US" sz="1800" b="0" strike="noStrike" spc="-1" dirty="0">
                 <a:solidFill>
                   <a:srgbClr val="211A52"/>
                 </a:solidFill>
@@ -7214,7 +7212,7 @@
               </a:rPr>
               <a:t>PDP measurement</a:t>
             </a:r>
-            <a:endParaRPr lang="en-US" sz="1800" b="0" strike="noStrike" spc="-1">
+            <a:endParaRPr lang="en-US" sz="1800" b="0" strike="noStrike" spc="-1" dirty="0">
               <a:solidFill>
                 <a:srgbClr val="000000"/>
               </a:solidFill>
@@ -7241,7 +7239,7 @@
               <a:buChar char="•"/>
             </a:pPr>
             <a:r>
-              <a:rPr lang="en-US" sz="1800" b="0" strike="noStrike" spc="-1">
+              <a:rPr lang="en-US" sz="1800" b="0" strike="noStrike" spc="-1" dirty="0">
                 <a:solidFill>
                   <a:srgbClr val="211A52"/>
                 </a:solidFill>
@@ -7254,7 +7252,7 @@
               </a:rPr>
               <a:t>20 different positions in the measurement area</a:t>
             </a:r>
-            <a:endParaRPr lang="en-US" sz="1800" b="0" strike="noStrike" spc="-1">
+            <a:endParaRPr lang="en-US" sz="1800" b="0" strike="noStrike" spc="-1" dirty="0">
               <a:solidFill>
                 <a:srgbClr val="000000"/>
               </a:solidFill>
@@ -7281,7 +7279,7 @@
               <a:buChar char="•"/>
             </a:pPr>
             <a:r>
-              <a:rPr lang="en-US" sz="1800" b="0" strike="noStrike" spc="-1">
+              <a:rPr lang="en-US" sz="1800" b="0" strike="noStrike" spc="-1" dirty="0">
                 <a:solidFill>
                   <a:srgbClr val="211A52"/>
                 </a:solidFill>
@@ -7294,7 +7292,7 @@
               </a:rPr>
               <a:t>RMS delay spread 14ns = 71.5MHz</a:t>
             </a:r>
-            <a:endParaRPr lang="en-US" sz="1800" b="0" strike="noStrike" spc="-1">
+            <a:endParaRPr lang="en-US" sz="1800" b="0" strike="noStrike" spc="-1" dirty="0">
               <a:solidFill>
                 <a:srgbClr val="000000"/>
               </a:solidFill>
@@ -7321,7 +7319,7 @@
               <a:buChar char="•"/>
             </a:pPr>
             <a:r>
-              <a:rPr lang="en-US" sz="1800" b="0" strike="noStrike" spc="-1">
+              <a:rPr lang="en-US" sz="1800" b="0" strike="noStrike" spc="-1" dirty="0">
                 <a:solidFill>
                   <a:srgbClr val="211A52"/>
                 </a:solidFill>
@@ -7332,9 +7330,37 @@
                 </a:uFill>
                 <a:latin typeface="Arial"/>
               </a:rPr>
-              <a:t>New measurement with Δf 5MHz</a:t>
-            </a:r>
-            <a:endParaRPr lang="en-US" sz="1800" b="0" strike="noStrike" spc="-1">
+              <a:t>New measurement with </a:t>
+            </a:r>
+            <a:r>
+              <a:rPr lang="en-US" sz="1800" b="0" strike="noStrike" spc="-1" dirty="0" err="1">
+                <a:solidFill>
+                  <a:srgbClr val="211A52"/>
+                </a:solidFill>
+                <a:uFill>
+                  <a:solidFill>
+                    <a:srgbClr val="FFFFFF"/>
+                  </a:solidFill>
+                </a:uFill>
+                <a:latin typeface="Arial"/>
+              </a:rPr>
+              <a:t>Δf</a:t>
+            </a:r>
+            <a:r>
+              <a:rPr lang="en-US" sz="1800" b="0" strike="noStrike" spc="-1" dirty="0">
+                <a:solidFill>
+                  <a:srgbClr val="211A52"/>
+                </a:solidFill>
+                <a:uFill>
+                  <a:solidFill>
+                    <a:srgbClr val="FFFFFF"/>
+                  </a:solidFill>
+                </a:uFill>
+                <a:latin typeface="Arial"/>
+              </a:rPr>
+              <a:t> 5MHz</a:t>
+            </a:r>
+            <a:endParaRPr lang="en-US" sz="1800" b="0" strike="noStrike" spc="-1" dirty="0">
               <a:solidFill>
                 <a:srgbClr val="000000"/>
               </a:solidFill>
@@ -7361,7 +7387,7 @@
               <a:buChar char="•"/>
             </a:pPr>
             <a:r>
-              <a:rPr lang="en-US" sz="1800" b="0" strike="noStrike" spc="-1">
+              <a:rPr lang="en-US" sz="1800" b="0" strike="noStrike" spc="-1" dirty="0">
                 <a:solidFill>
                   <a:srgbClr val="211A52"/>
                 </a:solidFill>
@@ -7374,7 +7400,7 @@
               </a:rPr>
               <a:t>Autocorrelation function to determine the Frequency Correlation</a:t>
             </a:r>
-            <a:endParaRPr lang="en-US" sz="1800" b="0" strike="noStrike" spc="-1">
+            <a:endParaRPr lang="en-US" sz="1800" b="0" strike="noStrike" spc="-1" dirty="0">
               <a:solidFill>
                 <a:srgbClr val="000000"/>
               </a:solidFill>
@@ -7401,7 +7427,7 @@
               <a:buChar char="•"/>
             </a:pPr>
             <a:r>
-              <a:rPr lang="en-US" sz="1800" b="0" strike="noStrike" spc="-1">
+              <a:rPr lang="en-US" sz="1800" b="0" strike="noStrike" spc="-1" dirty="0">
                 <a:solidFill>
                   <a:srgbClr val="211A52"/>
                 </a:solidFill>
@@ -7412,9 +7438,37 @@
                 </a:uFill>
                 <a:latin typeface="Arial"/>
               </a:rPr>
-              <a:t>Correlation &lt; 0.3 with Bc 25MHz </a:t>
-            </a:r>
-            <a:endParaRPr lang="en-US" sz="1800" b="0" strike="noStrike" spc="-1">
+              <a:t>Correlation &lt; 0.3 with </a:t>
+            </a:r>
+            <a:r>
+              <a:rPr lang="en-US" sz="1800" b="0" strike="noStrike" spc="-1" dirty="0" err="1">
+                <a:solidFill>
+                  <a:srgbClr val="211A52"/>
+                </a:solidFill>
+                <a:uFill>
+                  <a:solidFill>
+                    <a:srgbClr val="FFFFFF"/>
+                  </a:solidFill>
+                </a:uFill>
+                <a:latin typeface="Arial"/>
+              </a:rPr>
+              <a:t>Bc</a:t>
+            </a:r>
+            <a:r>
+              <a:rPr lang="en-US" sz="1800" b="0" strike="noStrike" spc="-1" dirty="0">
+                <a:solidFill>
+                  <a:srgbClr val="211A52"/>
+                </a:solidFill>
+                <a:uFill>
+                  <a:solidFill>
+                    <a:srgbClr val="FFFFFF"/>
+                  </a:solidFill>
+                </a:uFill>
+                <a:latin typeface="Arial"/>
+              </a:rPr>
+              <a:t> 25MHz </a:t>
+            </a:r>
+            <a:endParaRPr lang="en-US" sz="1800" b="0" strike="noStrike" spc="-1" dirty="0">
               <a:solidFill>
                 <a:srgbClr val="000000"/>
               </a:solidFill>
@@ -8133,7 +8187,7 @@
               <a:buChar char="•"/>
             </a:pPr>
             <a:r>
-              <a:rPr lang="en-US" sz="1800" b="0" strike="noStrike" spc="-1">
+              <a:rPr lang="en-US" sz="1800" b="0" strike="noStrike" spc="-1" dirty="0" smtClean="0">
                 <a:solidFill>
                   <a:srgbClr val="211A52"/>
                 </a:solidFill>
@@ -8146,7 +8200,7 @@
               </a:rPr>
               <a:t>162 walks for total combined length of 810 meters</a:t>
             </a:r>
-            <a:endParaRPr lang="en-US" sz="1800" b="0" strike="noStrike" spc="-1">
+            <a:endParaRPr lang="en-US" sz="1800" b="0" strike="noStrike" spc="-1" dirty="0" smtClean="0">
               <a:solidFill>
                 <a:srgbClr val="000000"/>
               </a:solidFill>
@@ -8173,7 +8227,7 @@
               <a:buChar char="•"/>
             </a:pPr>
             <a:r>
-              <a:rPr lang="en-US" sz="1800" b="0" strike="noStrike" spc="-1">
+              <a:rPr lang="en-US" sz="1800" b="0" strike="noStrike" spc="-1" dirty="0" smtClean="0">
                 <a:solidFill>
                   <a:srgbClr val="211A52"/>
                 </a:solidFill>
@@ -8184,9 +8238,52 @@
                 </a:uFill>
                 <a:latin typeface="Arial"/>
               </a:rPr>
-              <a:t>Total 4,184,460 samples</a:t>
-            </a:r>
-            <a:endParaRPr lang="en-US" sz="1800" b="0" strike="noStrike" spc="-1">
+              <a:t>41 frequency, 3 antennas and 34,020 space samples </a:t>
+            </a:r>
+          </a:p>
+          <a:p>
+            <a:pPr marL="343080" indent="-342360">
+              <a:lnSpc>
+                <a:spcPct val="100000"/>
+              </a:lnSpc>
+              <a:spcBef>
+                <a:spcPts val="360"/>
+              </a:spcBef>
+              <a:buClr>
+                <a:srgbClr val="211A52"/>
+              </a:buClr>
+              <a:buFont typeface="Arial"/>
+              <a:buChar char="•"/>
+            </a:pPr>
+            <a:r>
+              <a:rPr lang="en-US" sz="1800" b="0" strike="noStrike" spc="-1" dirty="0" smtClean="0">
+                <a:solidFill>
+                  <a:srgbClr val="211A52"/>
+                </a:solidFill>
+                <a:uFill>
+                  <a:solidFill>
+                    <a:srgbClr val="FFFFFF"/>
+                  </a:solidFill>
+                </a:uFill>
+                <a:latin typeface="Arial"/>
+              </a:rPr>
+              <a:t>Total </a:t>
+            </a:r>
+            <a:r>
+              <a:rPr lang="en-US" sz="1800" b="0" strike="noStrike" spc="-1" dirty="0">
+                <a:solidFill>
+                  <a:srgbClr val="211A52"/>
+                </a:solidFill>
+                <a:uFill>
+                  <a:solidFill>
+                    <a:srgbClr val="FFFFFF"/>
+                  </a:solidFill>
+                </a:uFill>
+                <a:latin typeface="Arial"/>
+              </a:rPr>
+              <a:t>4,184,460 samples</a:t>
+            </a:r>
+            <a:endParaRPr lang="en-US" sz="1800" b="0" strike="noStrike" spc="-1" dirty="0">
               <a:solidFill>
                 <a:srgbClr val="000000"/>
               </a:solidFill>
@@ -8207,7 +8304,7 @@
                 <a:spcPts val="360"/>
               </a:spcBef>
             </a:pPr>
-            <a:endParaRPr lang="en-US" sz="1800" b="0" strike="noStrike" spc="-1">
+            <a:endParaRPr lang="en-US" sz="1800" b="0" strike="noStrike" spc="-1" dirty="0">
               <a:solidFill>
                 <a:srgbClr val="000000"/>
               </a:solidFill>
@@ -8221,6 +8318,30 @@
           </a:p>
         </p:txBody>
       </p:sp>
+      <p:pic>
+        <p:nvPicPr>
+          <p:cNvPr id="2" name="Billede 1"/>
+          <p:cNvPicPr>
+            <a:picLocks noChangeAspect="1"/>
+          </p:cNvPicPr>
+          <p:nvPr/>
+        </p:nvPicPr>
+        <p:blipFill>
+          <a:blip r:embed="rId2"/>
+          <a:stretch>
+            <a:fillRect/>
+          </a:stretch>
+        </p:blipFill>
+        <p:spPr>
+          <a:xfrm>
+            <a:off x="2004777" y="2636280"/>
+            <a:ext cx="5133725" cy="3240360"/>
+          </a:xfrm>
+          <a:prstGeom prst="rect">
+            <a:avLst/>
+          </a:prstGeom>
+        </p:spPr>
+      </p:pic>
     </p:spTree>
     <p:extLst>
       <p:ext uri="{BB962C8B-B14F-4D97-AF65-F5344CB8AC3E}">
@@ -8398,7 +8519,7 @@
               <a:buChar char="•"/>
             </a:pPr>
             <a:r>
-              <a:rPr lang="en-US" sz="1800" b="0" strike="noStrike" spc="-1">
+              <a:rPr lang="en-US" sz="1800" b="0" strike="noStrike" spc="-1" dirty="0" smtClean="0">
                 <a:solidFill>
                   <a:srgbClr val="211A52"/>
                 </a:solidFill>
@@ -8409,9 +8530,9 @@
                 </a:uFill>
                 <a:latin typeface="Arial"/>
               </a:rPr>
-              <a:t>Stationarity WSSUS criteria</a:t>
-            </a:r>
-            <a:endParaRPr lang="en-US" sz="1800" b="0" strike="noStrike" spc="-1">
+              <a:t>WSS stationarity criteria</a:t>
+            </a:r>
+            <a:endParaRPr lang="en-US" sz="1800" b="0" strike="noStrike" spc="-1" dirty="0">
               <a:solidFill>
                 <a:srgbClr val="000000"/>
               </a:solidFill>
@@ -8438,7 +8559,7 @@
               <a:buChar char="•"/>
             </a:pPr>
             <a:r>
-              <a:rPr lang="en-US" sz="1800" b="0" strike="noStrike" spc="-1">
+              <a:rPr lang="en-US" sz="1800" b="0" strike="noStrike" spc="-1" dirty="0" err="1">
                 <a:solidFill>
                   <a:srgbClr val="211A52"/>
                 </a:solidFill>
@@ -8449,9 +8570,23 @@
                 </a:uFill>
                 <a:latin typeface="Arial"/>
               </a:rPr>
-              <a:t>Data structure Frequency , Antenna and Space/walk</a:t>
-            </a:r>
-            <a:endParaRPr lang="en-US" sz="1800" b="0" strike="noStrike" spc="-1">
+              <a:t>Pathloss</a:t>
+            </a:r>
+            <a:r>
+              <a:rPr lang="en-US" sz="1800" b="0" strike="noStrike" spc="-1" dirty="0">
+                <a:solidFill>
+                  <a:srgbClr val="211A52"/>
+                </a:solidFill>
+                <a:uFill>
+                  <a:solidFill>
+                    <a:srgbClr val="FFFFFF"/>
+                  </a:solidFill>
+                </a:uFill>
+                <a:latin typeface="Arial"/>
+              </a:rPr>
+              <a:t> and Antenna gain</a:t>
+            </a:r>
+            <a:endParaRPr lang="en-US" sz="1800" b="0" strike="noStrike" spc="-1" dirty="0">
               <a:solidFill>
                 <a:srgbClr val="000000"/>
               </a:solidFill>
@@ -8478,7 +8613,7 @@
               <a:buChar char="•"/>
             </a:pPr>
             <a:r>
-              <a:rPr lang="en-US" sz="1800" b="0" strike="noStrike" spc="-1">
+              <a:rPr lang="en-US" sz="1800" b="0" strike="noStrike" spc="-1" dirty="0" err="1">
                 <a:solidFill>
                   <a:srgbClr val="211A52"/>
                 </a:solidFill>
@@ -8489,36 +8624,10 @@
                 </a:uFill>
                 <a:latin typeface="Arial"/>
               </a:rPr>
-              <a:t>Frqunecy stationarity</a:t>
-            </a:r>
-            <a:endParaRPr lang="en-US" sz="1800" b="0" strike="noStrike" spc="-1">
-              <a:solidFill>
-                <a:srgbClr val="000000"/>
-              </a:solidFill>
-              <a:uFill>
-                <a:solidFill>
-                  <a:srgbClr val="FFFFFF"/>
-                </a:solidFill>
-              </a:uFill>
-              <a:latin typeface="Arial"/>
-            </a:endParaRPr>
-          </a:p>
-          <a:p>
-            <a:pPr marL="343080" indent="-342360">
-              <a:lnSpc>
-                <a:spcPct val="100000"/>
-              </a:lnSpc>
-              <a:spcBef>
-                <a:spcPts val="360"/>
-              </a:spcBef>
-              <a:buClr>
-                <a:srgbClr val="211A52"/>
-              </a:buClr>
-              <a:buFont typeface="Arial"/>
-              <a:buChar char="•"/>
-            </a:pPr>
-            <a:r>
-              <a:rPr lang="en-US" sz="1800" b="0" strike="noStrike" spc="-1">
+              <a:t>Normailze</a:t>
+            </a:r>
+            <a:r>
+              <a:rPr lang="en-US" sz="1800" b="0" strike="noStrike" spc="-1" dirty="0">
                 <a:solidFill>
                   <a:srgbClr val="211A52"/>
                 </a:solidFill>
@@ -8529,49 +8638,9 @@
                 </a:uFill>
                 <a:latin typeface="Arial"/>
               </a:rPr>
-              <a:t>Pathloss and Antenna gain</a:t>
-            </a:r>
-            <a:endParaRPr lang="en-US" sz="1800" b="0" strike="noStrike" spc="-1">
-              <a:solidFill>
-                <a:srgbClr val="000000"/>
-              </a:solidFill>
-              <a:uFill>
-                <a:solidFill>
-                  <a:srgbClr val="FFFFFF"/>
-                </a:solidFill>
-              </a:uFill>
-              <a:latin typeface="Arial"/>
-            </a:endParaRPr>
-          </a:p>
-          <a:p>
-            <a:pPr marL="343080" indent="-342360">
-              <a:lnSpc>
-                <a:spcPct val="100000"/>
-              </a:lnSpc>
-              <a:spcBef>
-                <a:spcPts val="360"/>
-              </a:spcBef>
-              <a:buClr>
-                <a:srgbClr val="211A52"/>
-              </a:buClr>
-              <a:buFont typeface="Arial"/>
-              <a:buChar char="•"/>
-            </a:pPr>
-            <a:r>
-              <a:rPr lang="en-US" sz="1800" b="0" strike="noStrike" spc="-1">
-                <a:solidFill>
-                  <a:srgbClr val="211A52"/>
-                </a:solidFill>
-                <a:uFill>
-                  <a:solidFill>
-                    <a:srgbClr val="FFFFFF"/>
-                  </a:solidFill>
-                </a:uFill>
-                <a:latin typeface="Arial"/>
-              </a:rPr>
-              <a:t>Normailze the data</a:t>
-            </a:r>
-            <a:endParaRPr lang="en-US" sz="1800" b="0" strike="noStrike" spc="-1">
+              <a:t> the data</a:t>
+            </a:r>
+            <a:endParaRPr lang="en-US" sz="1800" b="0" strike="noStrike" spc="-1" dirty="0">
               <a:solidFill>
                 <a:srgbClr val="000000"/>
               </a:solidFill>
@@ -8592,7 +8661,7 @@
                 <a:spcPts val="360"/>
               </a:spcBef>
             </a:pPr>
-            <a:endParaRPr lang="en-US" sz="1800" b="0" strike="noStrike" spc="-1">
+            <a:endParaRPr lang="en-US" sz="1800" b="0" strike="noStrike" spc="-1" dirty="0">
               <a:solidFill>
                 <a:srgbClr val="000000"/>
               </a:solidFill>
@@ -8613,7 +8682,7 @@
                 <a:spcPts val="360"/>
               </a:spcBef>
             </a:pPr>
-            <a:endParaRPr lang="en-US" sz="1800" b="0" strike="noStrike" spc="-1">
+            <a:endParaRPr lang="en-US" sz="1800" b="0" strike="noStrike" spc="-1" dirty="0">
               <a:solidFill>
                 <a:srgbClr val="000000"/>
               </a:solidFill>
@@ -8827,7 +8896,7 @@
               <a:buChar char="•"/>
             </a:pPr>
             <a:r>
-              <a:rPr lang="en-US" sz="1800" b="0" strike="noStrike" spc="-1">
+              <a:rPr lang="en-US" sz="1800" b="0" strike="noStrike" spc="-1" dirty="0" smtClean="0">
                 <a:solidFill>
                   <a:srgbClr val="211A52"/>
                 </a:solidFill>
@@ -8838,19 +8907,8 @@
                 </a:uFill>
                 <a:latin typeface="Arial"/>
               </a:rPr>
-              <a:t>Stationarity WSSUS criteria</a:t>
-            </a:r>
-            <a:endParaRPr lang="en-US" sz="1800" b="0" strike="noStrike" spc="-1">
-              <a:solidFill>
-                <a:srgbClr val="000000"/>
-              </a:solidFill>
-              <a:uFill>
-                <a:solidFill>
-                  <a:srgbClr val="FFFFFF"/>
-                </a:solidFill>
-              </a:uFill>
-              <a:latin typeface="Arial"/>
-            </a:endParaRPr>
+              <a:t>US stationarity criteria</a:t>
+            </a:r>
           </a:p>
           <a:p>
             <a:pPr marL="343080" indent="-342360">
@@ -8867,7 +8925,7 @@
               <a:buChar char="•"/>
             </a:pPr>
             <a:r>
-              <a:rPr lang="en-US" sz="1800" b="0" strike="noStrike" spc="-1">
+              <a:rPr lang="en-US" sz="1800" b="0" strike="noStrike" spc="-1" dirty="0" smtClean="0">
                 <a:solidFill>
                   <a:srgbClr val="211A52"/>
                 </a:solidFill>
@@ -8878,9 +8936,23 @@
                 </a:uFill>
                 <a:latin typeface="Arial"/>
               </a:rPr>
-              <a:t>Data structure Frequency , Antenna and Space/walk</a:t>
-            </a:r>
-            <a:endParaRPr lang="en-US" sz="1800" b="0" strike="noStrike" spc="-1">
+              <a:t>Main </a:t>
+            </a:r>
+            <a:r>
+              <a:rPr lang="en-US" sz="1800" b="0" strike="noStrike" spc="-1" dirty="0">
+                <a:solidFill>
+                  <a:srgbClr val="211A52"/>
+                </a:solidFill>
+                <a:uFill>
+                  <a:solidFill>
+                    <a:srgbClr val="FFFFFF"/>
+                  </a:solidFill>
+                </a:uFill>
+                <a:latin typeface="Arial"/>
+              </a:rPr>
+              <a:t>lobe reflection – not stationary</a:t>
+            </a:r>
+            <a:endParaRPr lang="en-US" sz="1800" b="0" strike="noStrike" spc="-1" dirty="0">
               <a:solidFill>
                 <a:srgbClr val="000000"/>
               </a:solidFill>
@@ -8907,87 +8979,7 @@
               <a:buChar char="•"/>
             </a:pPr>
             <a:r>
-              <a:rPr lang="en-US" sz="1800" b="0" strike="noStrike" spc="-1">
-                <a:solidFill>
-                  <a:srgbClr val="211A52"/>
-                </a:solidFill>
-                <a:uFill>
-                  <a:solidFill>
-                    <a:srgbClr val="FFFFFF"/>
-                  </a:solidFill>
-                </a:uFill>
-                <a:latin typeface="Arial"/>
-              </a:rPr>
-              <a:t>Spatial stationnary</a:t>
-            </a:r>
-            <a:endParaRPr lang="en-US" sz="1800" b="0" strike="noStrike" spc="-1">
-              <a:solidFill>
-                <a:srgbClr val="000000"/>
-              </a:solidFill>
-              <a:uFill>
-                <a:solidFill>
-                  <a:srgbClr val="FFFFFF"/>
-                </a:solidFill>
-              </a:uFill>
-              <a:latin typeface="Arial"/>
-            </a:endParaRPr>
-          </a:p>
-          <a:p>
-            <a:pPr marL="343080" indent="-342360">
-              <a:lnSpc>
-                <a:spcPct val="100000"/>
-              </a:lnSpc>
-              <a:spcBef>
-                <a:spcPts val="360"/>
-              </a:spcBef>
-              <a:buClr>
-                <a:srgbClr val="211A52"/>
-              </a:buClr>
-              <a:buFont typeface="Arial"/>
-              <a:buChar char="•"/>
-            </a:pPr>
-            <a:r>
-              <a:rPr lang="en-US" sz="1800" b="0" strike="noStrike" spc="-1">
-                <a:solidFill>
-                  <a:srgbClr val="211A52"/>
-                </a:solidFill>
-                <a:uFill>
-                  <a:solidFill>
-                    <a:srgbClr val="FFFFFF"/>
-                  </a:solidFill>
-                </a:uFill>
-                <a:latin typeface="Arial"/>
-              </a:rPr>
-              <a:t>Main lobe reflection – not stationary</a:t>
-            </a:r>
-            <a:endParaRPr lang="en-US" sz="1800" b="0" strike="noStrike" spc="-1">
-              <a:solidFill>
-                <a:srgbClr val="000000"/>
-              </a:solidFill>
-              <a:uFill>
-                <a:solidFill>
-                  <a:srgbClr val="FFFFFF"/>
-                </a:solidFill>
-              </a:uFill>
-              <a:latin typeface="Arial"/>
-            </a:endParaRPr>
-          </a:p>
-          <a:p>
-            <a:pPr marL="343080" indent="-342360">
-              <a:lnSpc>
-                <a:spcPct val="100000"/>
-              </a:lnSpc>
-              <a:spcBef>
-                <a:spcPts val="360"/>
-              </a:spcBef>
-              <a:buClr>
-                <a:srgbClr val="211A52"/>
-              </a:buClr>
-              <a:buFont typeface="Arial"/>
-              <a:buChar char="•"/>
-            </a:pPr>
-            <a:r>
-              <a:rPr lang="en-US" sz="1800" b="0" strike="noStrike" spc="-1">
+              <a:rPr lang="en-US" sz="1800" b="0" strike="noStrike" spc="-1" dirty="0">
                 <a:solidFill>
                   <a:srgbClr val="211A52"/>
                 </a:solidFill>
@@ -9000,7 +8992,7 @@
               </a:rPr>
               <a:t>Moving average required</a:t>
             </a:r>
-            <a:endParaRPr lang="en-US" sz="1800" b="0" strike="noStrike" spc="-1">
+            <a:endParaRPr lang="en-US" sz="1800" b="0" strike="noStrike" spc="-1" dirty="0">
               <a:solidFill>
                 <a:srgbClr val="000000"/>
               </a:solidFill>
@@ -9021,7 +9013,7 @@
                 <a:spcPts val="360"/>
               </a:spcBef>
             </a:pPr>
-            <a:endParaRPr lang="en-US" sz="1800" b="0" strike="noStrike" spc="-1">
+            <a:endParaRPr lang="en-US" sz="1800" b="0" strike="noStrike" spc="-1" dirty="0">
               <a:solidFill>
                 <a:srgbClr val="000000"/>
               </a:solidFill>
@@ -9649,7 +9641,7 @@
               </a:lnSpc>
             </a:pPr>
             <a:r>
-              <a:rPr lang="en-US" sz="2400" b="0" strike="noStrike" spc="-1">
+              <a:rPr lang="en-US" sz="2400" b="0" strike="noStrike" spc="-1" dirty="0" smtClean="0">
                 <a:solidFill>
                   <a:srgbClr val="211A52"/>
                 </a:solidFill>
@@ -9660,9 +9652,23 @@
                 </a:uFill>
                 <a:latin typeface="Arial"/>
               </a:rPr>
-              <a:t>Frequency , Antenna and space correlation</a:t>
-            </a:r>
-            <a:endParaRPr lang="en-US" sz="1800" b="0" strike="noStrike" spc="-1">
+              <a:t>Frequency, </a:t>
+            </a:r>
+            <a:r>
+              <a:rPr lang="en-US" sz="2400" b="0" strike="noStrike" spc="-1" dirty="0">
+                <a:solidFill>
+                  <a:srgbClr val="211A52"/>
+                </a:solidFill>
+                <a:uFill>
+                  <a:solidFill>
+                    <a:srgbClr val="FFFFFF"/>
+                  </a:solidFill>
+                </a:uFill>
+                <a:latin typeface="Arial"/>
+              </a:rPr>
+              <a:t>Antenna and space correlation</a:t>
+            </a:r>
+            <a:endParaRPr lang="en-US" sz="1800" b="0" strike="noStrike" spc="-1" dirty="0">
               <a:solidFill>
                 <a:srgbClr val="000000"/>
               </a:solidFill>
@@ -11796,7 +11802,7 @@
           <a:graphicData uri="http://schemas.openxmlformats.org/presentationml/2006/ole">
             <mc:AlternateContent xmlns:mc="http://schemas.openxmlformats.org/markup-compatibility/2006">
               <mc:Choice xmlns:v="urn:schemas-microsoft-com:vml" Requires="v">
-                <p:oleObj spid="_x0000_s1039" name="Acrobat Document" r:id="rId4" imgW="2743200" imgH="2178925" progId="AcroExch.Document.DC">
+                <p:oleObj spid="_x0000_s1040" name="Acrobat Document" r:id="rId4" imgW="2743200" imgH="2178925" progId="AcroExch.Document.DC">
                   <p:embed/>
                 </p:oleObj>
               </mc:Choice>

--- a/ppt/final.pptx
+++ b/ppt/final.pptx
@@ -400,7 +400,7 @@
           <a:p>
             <a:fld id="{A5874EA0-E96F-4A9F-BECE-F82ED93FDC31}" type="slidenum">
               <a:rPr lang="da-DK" smtClean="0"/>
-              <a:t>‹nr.›</a:t>
+              <a:t>‹#›</a:t>
             </a:fld>
             <a:endParaRPr lang="da-DK"/>
           </a:p>
@@ -1600,7 +1600,7 @@
           <a:p>
             <a:fld id="{409B8A6B-2702-4E09-BF63-7CC1F22DFC4D}" type="slidenum">
               <a:rPr lang="da-DK" smtClean="0"/>
-              <a:t>‹nr.›</a:t>
+              <a:t>‹#›</a:t>
             </a:fld>
             <a:endParaRPr lang="da-DK"/>
           </a:p>
@@ -2045,7 +2045,7 @@
           <a:p>
             <a:fld id="{409B8A6B-2702-4E09-BF63-7CC1F22DFC4D}" type="slidenum">
               <a:rPr lang="da-DK" smtClean="0"/>
-              <a:t>‹nr.›</a:t>
+              <a:t>‹#›</a:t>
             </a:fld>
             <a:endParaRPr lang="da-DK"/>
           </a:p>
@@ -2213,7 +2213,7 @@
           <a:p>
             <a:fld id="{409B8A6B-2702-4E09-BF63-7CC1F22DFC4D}" type="slidenum">
               <a:rPr lang="da-DK" smtClean="0"/>
-              <a:t>‹nr.›</a:t>
+              <a:t>‹#›</a:t>
             </a:fld>
             <a:endParaRPr lang="da-DK"/>
           </a:p>
@@ -2473,7 +2473,7 @@
           <a:p>
             <a:fld id="{409B8A6B-2702-4E09-BF63-7CC1F22DFC4D}" type="slidenum">
               <a:rPr lang="da-DK" smtClean="0"/>
-              <a:t>‹nr.›</a:t>
+              <a:t>‹#›</a:t>
             </a:fld>
             <a:endParaRPr lang="da-DK"/>
           </a:p>
@@ -2682,7 +2682,7 @@
           <a:p>
             <a:fld id="{409B8A6B-2702-4E09-BF63-7CC1F22DFC4D}" type="slidenum">
               <a:rPr lang="da-DK" smtClean="0"/>
-              <a:t>‹nr.›</a:t>
+              <a:t>‹#›</a:t>
             </a:fld>
             <a:endParaRPr lang="da-DK"/>
           </a:p>
@@ -2791,7 +2791,7 @@
           <a:p>
             <a:fld id="{409B8A6B-2702-4E09-BF63-7CC1F22DFC4D}" type="slidenum">
               <a:rPr lang="da-DK" smtClean="0"/>
-              <a:t>‹nr.›</a:t>
+              <a:t>‹#›</a:t>
             </a:fld>
             <a:endParaRPr lang="da-DK"/>
           </a:p>
@@ -3044,7 +3044,7 @@
             <a:fld id="{409B8A6B-2702-4E09-BF63-7CC1F22DFC4D}" type="slidenum">
               <a:rPr lang="da-DK" smtClean="0"/>
               <a:pPr/>
-              <a:t>‹nr.›</a:t>
+              <a:t>‹#›</a:t>
             </a:fld>
             <a:endParaRPr lang="da-DK" dirty="0"/>
           </a:p>
@@ -3375,7 +3375,7 @@
           <a:p>
             <a:fld id="{409B8A6B-2702-4E09-BF63-7CC1F22DFC4D}" type="slidenum">
               <a:rPr lang="da-DK" smtClean="0"/>
-              <a:t>‹nr.›</a:t>
+              <a:t>‹#›</a:t>
             </a:fld>
             <a:endParaRPr lang="da-DK"/>
           </a:p>
@@ -3489,7 +3489,7 @@
           <a:p>
             <a:fld id="{409B8A6B-2702-4E09-BF63-7CC1F22DFC4D}" type="slidenum">
               <a:rPr lang="da-DK" smtClean="0"/>
-              <a:t>‹nr.›</a:t>
+              <a:t>‹#›</a:t>
             </a:fld>
             <a:endParaRPr lang="da-DK"/>
           </a:p>
@@ -3937,7 +3937,7 @@
           <a:p>
             <a:fld id="{409B8A6B-2702-4E09-BF63-7CC1F22DFC4D}" type="slidenum">
               <a:rPr lang="da-DK" smtClean="0"/>
-              <a:t>‹nr.›</a:t>
+              <a:t>‹#›</a:t>
             </a:fld>
             <a:endParaRPr lang="da-DK"/>
           </a:p>
@@ -4307,7 +4307,7 @@
           <a:p>
             <a:fld id="{409B8A6B-2702-4E09-BF63-7CC1F22DFC4D}" type="slidenum">
               <a:rPr lang="da-DK" smtClean="0"/>
-              <a:t>‹nr.›</a:t>
+              <a:t>‹#›</a:t>
             </a:fld>
             <a:endParaRPr lang="da-DK"/>
           </a:p>
@@ -4386,7 +4386,7 @@
           <a:p>
             <a:fld id="{409B8A6B-2702-4E09-BF63-7CC1F22DFC4D}" type="slidenum">
               <a:rPr lang="da-DK" smtClean="0"/>
-              <a:t>‹nr.›</a:t>
+              <a:t>‹#›</a:t>
             </a:fld>
             <a:endParaRPr lang="da-DK"/>
           </a:p>
@@ -4583,7 +4583,7 @@
           <a:p>
             <a:fld id="{409B8A6B-2702-4E09-BF63-7CC1F22DFC4D}" type="slidenum">
               <a:rPr lang="da-DK" smtClean="0"/>
-              <a:t>‹nr.›</a:t>
+              <a:t>‹#›</a:t>
             </a:fld>
             <a:endParaRPr lang="da-DK"/>
           </a:p>
@@ -4927,7 +4927,7 @@
             <a:fld id="{409B8A6B-2702-4E09-BF63-7CC1F22DFC4D}" type="slidenum">
               <a:rPr lang="da-DK" smtClean="0"/>
               <a:pPr/>
-              <a:t>‹nr.›</a:t>
+              <a:t>‹#›</a:t>
             </a:fld>
             <a:endParaRPr lang="da-DK" dirty="0"/>
           </a:p>
@@ -5433,10 +5433,9 @@
           <a:lstStyle/>
           <a:p>
             <a:r>
-              <a:rPr lang="da-DK" dirty="0" smtClean="0"/>
+              <a:rPr lang="da-DK" dirty="0"/>
               <a:t>WCS8 Gr. 850</a:t>
             </a:r>
-            <a:endParaRPr lang="da-DK" dirty="0"/>
           </a:p>
         </p:txBody>
       </p:sp>
@@ -5493,6 +5492,13 @@
               <a:rPr lang="en-US" dirty="0"/>
               <a:t>Wireless Channel</a:t>
             </a:r>
+            <a:br>
+              <a:rPr lang="en-US" dirty="0"/>
+            </a:br>
+            <a:r>
+              <a:rPr lang="en-US" sz="1600" dirty="0"/>
+              <a:t>Domain</a:t>
+            </a:r>
             <a:endParaRPr lang="el-GR" dirty="0"/>
           </a:p>
         </p:txBody>
@@ -5514,11 +5520,7 @@
           <a:p>
             <a:r>
               <a:rPr lang="da-DK" dirty="0"/>
-              <a:t>Temporal </a:t>
-            </a:r>
-            <a:r>
-              <a:rPr lang="da-DK" dirty="0" smtClean="0"/>
-              <a:t>domain</a:t>
+              <a:t>Temporal domain</a:t>
             </a:r>
             <a:endParaRPr lang="en-US" dirty="0"/>
           </a:p>
@@ -5545,11 +5547,7 @@
             </a:r>
             <a:r>
               <a:rPr lang="da-DK" dirty="0"/>
-              <a:t> </a:t>
-            </a:r>
-            <a:r>
-              <a:rPr lang="da-DK" dirty="0" smtClean="0"/>
-              <a:t>domain</a:t>
+              <a:t> domain</a:t>
             </a:r>
             <a:endParaRPr lang="en-US" dirty="0"/>
           </a:p>
@@ -5691,7 +5689,7 @@
           <a:p>
             <a:pPr algn="ctr"/>
             <a:r>
-              <a:rPr lang="en-US" dirty="0" smtClean="0"/>
+              <a:rPr lang="en-US" dirty="0"/>
               <a:t>WSSUS</a:t>
             </a:r>
             <a:endParaRPr lang="el-GR" dirty="0"/>
@@ -5714,49 +5712,49 @@
           <a:lstStyle/>
           <a:p>
             <a:r>
-              <a:rPr lang="en-US" dirty="0" smtClean="0"/>
+              <a:rPr lang="en-US" dirty="0"/>
               <a:t>WSS – Temporal domain</a:t>
             </a:r>
           </a:p>
           <a:p>
             <a:r>
-              <a:rPr lang="en-US" dirty="0" smtClean="0"/>
+              <a:rPr lang="en-US" dirty="0"/>
               <a:t>US – Spatial domain</a:t>
             </a:r>
           </a:p>
           <a:p>
             <a:r>
-              <a:rPr lang="en-US" dirty="0" smtClean="0"/>
+              <a:rPr lang="en-US" dirty="0"/>
               <a:t>One parameter per domain</a:t>
             </a:r>
           </a:p>
           <a:p>
-            <a:endParaRPr lang="en-US" dirty="0" smtClean="0"/>
-          </a:p>
-          <a:p>
             <a:endParaRPr lang="en-US" dirty="0"/>
           </a:p>
           <a:p>
-            <a:endParaRPr lang="en-US" dirty="0" smtClean="0"/>
-          </a:p>
-          <a:p>
             <a:endParaRPr lang="en-US" dirty="0"/>
           </a:p>
           <a:p>
-            <a:endParaRPr lang="en-US" dirty="0" smtClean="0"/>
-          </a:p>
-          <a:p>
             <a:endParaRPr lang="en-US" dirty="0"/>
           </a:p>
           <a:p>
-            <a:endParaRPr lang="en-US" dirty="0" smtClean="0"/>
-          </a:p>
-          <a:p>
             <a:endParaRPr lang="en-US" dirty="0"/>
           </a:p>
           <a:p>
-            <a:r>
-              <a:rPr lang="en-US" dirty="0" smtClean="0"/>
+            <a:endParaRPr lang="en-US" dirty="0"/>
+          </a:p>
+          <a:p>
+            <a:endParaRPr lang="en-US" dirty="0"/>
+          </a:p>
+          <a:p>
+            <a:endParaRPr lang="en-US" dirty="0"/>
+          </a:p>
+          <a:p>
+            <a:endParaRPr lang="en-US" dirty="0"/>
+          </a:p>
+          <a:p>
+            <a:r>
+              <a:rPr lang="en-US" dirty="0"/>
               <a:t>Independent domains</a:t>
             </a:r>
             <a:endParaRPr lang="el-GR" dirty="0"/>
@@ -5806,13 +5804,6 @@
   <p:transition>
     <p:fade/>
   </p:transition>
-  <p:timing>
-    <p:tnLst>
-      <p:par>
-        <p:cTn id="1" dur="indefinite" restart="never" nodeType="tmRoot"/>
-      </p:par>
-    </p:tnLst>
-  </p:timing>
 </p:sld>
 </file>
 
@@ -5850,7 +5841,7 @@
           <a:p>
             <a:pPr algn="ctr"/>
             <a:r>
-              <a:rPr lang="en-US" dirty="0" smtClean="0"/>
+              <a:rPr lang="en-US" dirty="0"/>
               <a:t>Space Correlation Function</a:t>
             </a:r>
             <a:endParaRPr lang="el-GR" dirty="0"/>
@@ -5878,21 +5869,13 @@
           <a:lstStyle/>
           <a:p>
             <a:r>
-              <a:rPr lang="en-US" dirty="0" smtClean="0"/>
-              <a:t>FFT of </a:t>
-            </a:r>
-            <a:r>
               <a:rPr lang="en-US" dirty="0"/>
-              <a:t>D</a:t>
-            </a:r>
-            <a:r>
-              <a:rPr lang="en-US" dirty="0" smtClean="0"/>
-              <a:t>oppler spectrum</a:t>
-            </a:r>
-          </a:p>
-          <a:p>
-            <a:r>
-              <a:rPr lang="en-US" dirty="0" smtClean="0"/>
+              <a:t>FFT of Doppler spectrum</a:t>
+            </a:r>
+          </a:p>
+          <a:p>
+            <a:r>
+              <a:rPr lang="en-US" dirty="0"/>
               <a:t>Assuming Rayleigh and Jakes bathtub.</a:t>
             </a:r>
           </a:p>
@@ -5902,47 +5885,47 @@
               <a:buChar char="Ø"/>
             </a:pPr>
             <a:r>
-              <a:rPr lang="en-US" dirty="0" smtClean="0"/>
+              <a:rPr lang="en-US" dirty="0"/>
               <a:t>Zero order </a:t>
             </a:r>
             <a:r>
-              <a:rPr lang="en-US" dirty="0" err="1" smtClean="0"/>
+              <a:rPr lang="en-US" dirty="0" err="1"/>
               <a:t>bessel</a:t>
             </a:r>
             <a:r>
-              <a:rPr lang="en-US" dirty="0" smtClean="0"/>
+              <a:rPr lang="en-US" dirty="0"/>
               <a:t> function</a:t>
             </a:r>
           </a:p>
           <a:p>
-            <a:endParaRPr lang="en-US" dirty="0" smtClean="0"/>
-          </a:p>
-          <a:p>
             <a:endParaRPr lang="en-US" dirty="0"/>
           </a:p>
           <a:p>
-            <a:endParaRPr lang="en-US" dirty="0" smtClean="0"/>
-          </a:p>
-          <a:p>
             <a:endParaRPr lang="en-US" dirty="0"/>
           </a:p>
           <a:p>
-            <a:endParaRPr lang="en-US" dirty="0" smtClean="0"/>
-          </a:p>
-          <a:p>
             <a:endParaRPr lang="en-US" dirty="0"/>
           </a:p>
           <a:p>
-            <a:r>
-              <a:rPr lang="en-US" dirty="0" smtClean="0"/>
+            <a:endParaRPr lang="en-US" dirty="0"/>
+          </a:p>
+          <a:p>
+            <a:endParaRPr lang="en-US" dirty="0"/>
+          </a:p>
+          <a:p>
+            <a:endParaRPr lang="en-US" dirty="0"/>
+          </a:p>
+          <a:p>
+            <a:r>
+              <a:rPr lang="en-US" dirty="0"/>
               <a:t>Uncorrelated samples 0.38</a:t>
             </a:r>
             <a:r>
-              <a:rPr lang="el-GR" dirty="0" smtClean="0"/>
+              <a:rPr lang="el-GR" dirty="0"/>
               <a:t>λ</a:t>
             </a:r>
             <a:r>
-              <a:rPr lang="en-US" dirty="0" smtClean="0"/>
+              <a:rPr lang="en-US" dirty="0"/>
               <a:t> </a:t>
             </a:r>
           </a:p>
@@ -6024,13 +6007,6 @@
   <p:transition>
     <p:fade/>
   </p:transition>
-  <p:timing>
-    <p:tnLst>
-      <p:par>
-        <p:cTn id="1" dur="indefinite" restart="never" nodeType="tmRoot"/>
-      </p:par>
-    </p:tnLst>
-  </p:timing>
 </p:sld>
 </file>
 
@@ -6068,7 +6044,7 @@
           <a:p>
             <a:pPr algn="ctr"/>
             <a:r>
-              <a:rPr lang="en-US" dirty="0" smtClean="0"/>
+              <a:rPr lang="en-US" dirty="0"/>
               <a:t>Frequency Correlation Function</a:t>
             </a:r>
             <a:endParaRPr lang="el-GR" dirty="0"/>
@@ -6091,65 +6067,61 @@
           <a:lstStyle/>
           <a:p>
             <a:r>
-              <a:rPr lang="en-US" dirty="0" smtClean="0"/>
+              <a:rPr lang="en-US" dirty="0"/>
               <a:t>FFT of Power Delay Profile(PDP)</a:t>
             </a:r>
           </a:p>
           <a:p>
             <a:r>
-              <a:rPr lang="en-US" dirty="0" smtClean="0"/>
+              <a:rPr lang="en-US" dirty="0"/>
               <a:t>Assuming exponential decay PDP</a:t>
             </a:r>
           </a:p>
           <a:p>
-            <a:endParaRPr lang="en-US" dirty="0" smtClean="0"/>
-          </a:p>
-          <a:p>
             <a:endParaRPr lang="en-US" dirty="0"/>
           </a:p>
           <a:p>
-            <a:endParaRPr lang="en-US" dirty="0" smtClean="0"/>
-          </a:p>
-          <a:p>
             <a:endParaRPr lang="en-US" dirty="0"/>
           </a:p>
           <a:p>
-            <a:endParaRPr lang="en-US" dirty="0" smtClean="0"/>
-          </a:p>
-          <a:p>
             <a:endParaRPr lang="en-US" dirty="0"/>
           </a:p>
           <a:p>
-            <a:endParaRPr lang="en-US" dirty="0" smtClean="0"/>
-          </a:p>
-          <a:p>
-            <a:r>
-              <a:rPr lang="en-US" dirty="0" smtClean="0"/>
+            <a:endParaRPr lang="en-US" dirty="0"/>
+          </a:p>
+          <a:p>
+            <a:endParaRPr lang="en-US" dirty="0"/>
+          </a:p>
+          <a:p>
+            <a:endParaRPr lang="en-US" dirty="0"/>
+          </a:p>
+          <a:p>
+            <a:endParaRPr lang="en-US" dirty="0"/>
+          </a:p>
+          <a:p>
+            <a:r>
+              <a:rPr lang="en-US" dirty="0"/>
               <a:t>Small environment more </a:t>
             </a:r>
             <a:r>
-              <a:rPr lang="el-GR" dirty="0" smtClean="0"/>
+              <a:rPr lang="el-GR" dirty="0"/>
               <a:t>Δ</a:t>
             </a:r>
             <a:r>
-              <a:rPr lang="da-DK" dirty="0" smtClean="0"/>
+              <a:rPr lang="da-DK" dirty="0"/>
               <a:t>f is needed</a:t>
             </a:r>
           </a:p>
           <a:p>
             <a:r>
-              <a:rPr lang="da-DK" dirty="0" smtClean="0"/>
+              <a:rPr lang="da-DK" dirty="0"/>
               <a:t>Approximation of coherence bandwidth</a:t>
             </a:r>
           </a:p>
           <a:p>
             <a:r>
               <a:rPr lang="da-DK" dirty="0"/>
-              <a:t>RMS delay </a:t>
-            </a:r>
-            <a:r>
-              <a:rPr lang="da-DK" dirty="0" smtClean="0"/>
-              <a:t>spread inversely proportioned to coherence bandwidth</a:t>
+              <a:t>RMS delay spread inversely proportioned to coherence bandwidth</a:t>
             </a:r>
             <a:endParaRPr lang="el-GR" dirty="0"/>
           </a:p>
@@ -6231,13 +6203,6 @@
   <p:transition>
     <p:fade/>
   </p:transition>
-  <p:timing>
-    <p:tnLst>
-      <p:par>
-        <p:cTn id="1" dur="indefinite" restart="never" nodeType="tmRoot"/>
-      </p:par>
-    </p:tnLst>
-  </p:timing>
 </p:sld>
 </file>
 
@@ -6275,7 +6240,7 @@
           <a:p>
             <a:pPr algn="ctr"/>
             <a:r>
-              <a:rPr lang="en-US" dirty="0" smtClean="0"/>
+              <a:rPr lang="en-US" dirty="0"/>
               <a:t>Receiver Structure</a:t>
             </a:r>
             <a:endParaRPr lang="el-GR" dirty="0"/>
@@ -6300,7 +6265,7 @@
           <a:lstStyle/>
           <a:p>
             <a:r>
-              <a:rPr lang="en-US" dirty="0" smtClean="0"/>
+              <a:rPr lang="en-US" dirty="0"/>
               <a:t>The basic receiver’s structure.</a:t>
             </a:r>
           </a:p>
@@ -6308,7 +6273,7 @@
             <a:endParaRPr lang="en-US" dirty="0"/>
           </a:p>
           <a:p>
-            <a:endParaRPr lang="en-US" dirty="0" smtClean="0"/>
+            <a:endParaRPr lang="en-US" dirty="0"/>
           </a:p>
           <a:p>
             <a:endParaRPr lang="en-US" dirty="0"/>
@@ -6321,7 +6286,7 @@
           </a:p>
           <a:p>
             <a:r>
-              <a:rPr lang="en-US" dirty="0" smtClean="0"/>
+              <a:rPr lang="en-US" dirty="0"/>
               <a:t>Receiver is influenced by :</a:t>
             </a:r>
           </a:p>
@@ -6331,7 +6296,7 @@
               <a:buChar char="Ø"/>
             </a:pPr>
             <a:r>
-              <a:rPr lang="en-US" dirty="0" smtClean="0"/>
+              <a:rPr lang="en-US" dirty="0"/>
               <a:t>Gain</a:t>
             </a:r>
           </a:p>
@@ -6341,7 +6306,7 @@
               <a:buChar char="Ø"/>
             </a:pPr>
             <a:r>
-              <a:rPr lang="en-US" dirty="0" smtClean="0"/>
+              <a:rPr lang="en-US" dirty="0"/>
               <a:t>Distortion</a:t>
             </a:r>
           </a:p>
@@ -6351,19 +6316,19 @@
               <a:buChar char="Ø"/>
             </a:pPr>
             <a:r>
-              <a:rPr lang="en-US" dirty="0" smtClean="0"/>
+              <a:rPr lang="en-US" dirty="0"/>
               <a:t>Noise</a:t>
             </a:r>
           </a:p>
           <a:p>
             <a:r>
-              <a:rPr lang="en-US" dirty="0" smtClean="0"/>
+              <a:rPr lang="en-US" dirty="0"/>
               <a:t>Noise is the dominant factor.</a:t>
             </a:r>
           </a:p>
           <a:p>
             <a:r>
-              <a:rPr lang="en-US" dirty="0" smtClean="0"/>
+              <a:rPr lang="en-US" dirty="0"/>
               <a:t>Calibration for distortion</a:t>
             </a:r>
           </a:p>
@@ -6371,7 +6336,7 @@
             <a:endParaRPr lang="en-US" dirty="0"/>
           </a:p>
           <a:p>
-            <a:endParaRPr lang="en-US" dirty="0" smtClean="0"/>
+            <a:endParaRPr lang="en-US" dirty="0"/>
           </a:p>
         </p:txBody>
       </p:sp>
@@ -6418,13 +6383,6 @@
   <p:transition>
     <p:fade/>
   </p:transition>
-  <p:timing>
-    <p:tnLst>
-      <p:par>
-        <p:cTn id="1" dur="indefinite" restart="never" nodeType="tmRoot"/>
-      </p:par>
-    </p:tnLst>
-  </p:timing>
 </p:sld>
 </file>
 
@@ -6462,7 +6420,7 @@
           <a:p>
             <a:pPr algn="ctr"/>
             <a:r>
-              <a:rPr lang="en-US" dirty="0" smtClean="0"/>
+              <a:rPr lang="en-US" dirty="0"/>
               <a:t>Dynamic Range</a:t>
             </a:r>
             <a:endParaRPr lang="el-GR" dirty="0"/>
@@ -6485,37 +6443,37 @@
           <a:lstStyle/>
           <a:p>
             <a:r>
-              <a:rPr lang="en-US" dirty="0" smtClean="0"/>
+              <a:rPr lang="en-US" dirty="0"/>
               <a:t>Sensitivity of the receiver to Max signal strength</a:t>
             </a:r>
           </a:p>
           <a:p>
-            <a:endParaRPr lang="en-US" dirty="0" smtClean="0"/>
-          </a:p>
-          <a:p>
             <a:endParaRPr lang="en-US" dirty="0"/>
           </a:p>
           <a:p>
-            <a:r>
-              <a:rPr lang="en-US" dirty="0" smtClean="0"/>
+            <a:endParaRPr lang="en-US" dirty="0"/>
+          </a:p>
+          <a:p>
+            <a:r>
+              <a:rPr lang="en-US" dirty="0"/>
               <a:t>Sensitivity lowest signal that meets the receiver’s criteria</a:t>
             </a:r>
           </a:p>
           <a:p>
             <a:r>
-              <a:rPr lang="en-US" dirty="0" smtClean="0"/>
+              <a:rPr lang="en-US" dirty="0"/>
               <a:t>In NA sensitivity=noise floor</a:t>
             </a:r>
           </a:p>
           <a:p>
             <a:r>
-              <a:rPr lang="en-US" dirty="0" smtClean="0"/>
+              <a:rPr lang="en-US" dirty="0"/>
               <a:t>Tradeoff between Narrowband-Wideband sample acquisition </a:t>
             </a:r>
           </a:p>
           <a:p>
             <a:r>
-              <a:rPr lang="en-US" dirty="0" smtClean="0"/>
+              <a:rPr lang="en-US" dirty="0"/>
               <a:t>Digital signal processing – averaging </a:t>
             </a:r>
             <a:endParaRPr lang="el-GR" dirty="0"/>
@@ -6565,13 +6523,6 @@
   <p:transition>
     <p:fade/>
   </p:transition>
-  <p:timing>
-    <p:tnLst>
-      <p:par>
-        <p:cTn id="1" dur="indefinite" restart="never" nodeType="tmRoot"/>
-      </p:par>
-    </p:tnLst>
-  </p:timing>
 </p:sld>
 </file>
 
@@ -6609,7 +6560,7 @@
           <a:p>
             <a:pPr algn="ctr"/>
             <a:r>
-              <a:rPr lang="en-US" dirty="0" smtClean="0"/>
+              <a:rPr lang="en-US" dirty="0"/>
               <a:t>SNR Margin Estimation</a:t>
             </a:r>
             <a:endParaRPr lang="el-GR" dirty="0"/>
@@ -6632,17 +6583,17 @@
           <a:lstStyle/>
           <a:p>
             <a:r>
-              <a:rPr lang="en-US" dirty="0" smtClean="0"/>
+              <a:rPr lang="en-US" dirty="0"/>
               <a:t>Distinguish noise from deep fades</a:t>
             </a:r>
           </a:p>
           <a:p>
             <a:r>
-              <a:rPr lang="en-US" dirty="0" err="1" smtClean="0"/>
+              <a:rPr lang="en-US" dirty="0" err="1"/>
               <a:t>Rician</a:t>
             </a:r>
             <a:r>
-              <a:rPr lang="en-US" dirty="0" smtClean="0"/>
+              <a:rPr lang="en-US" dirty="0"/>
               <a:t> distribution</a:t>
             </a:r>
           </a:p>
@@ -6652,7 +6603,7 @@
               <a:buChar char="Ø"/>
             </a:pPr>
             <a:r>
-              <a:rPr lang="en-US" dirty="0" smtClean="0"/>
+              <a:rPr lang="en-US" dirty="0"/>
               <a:t>LOS connection</a:t>
             </a:r>
           </a:p>
@@ -6662,37 +6613,37 @@
               <a:buChar char="Ø"/>
             </a:pPr>
             <a:r>
-              <a:rPr lang="en-US" dirty="0" smtClean="0"/>
+              <a:rPr lang="en-US" dirty="0"/>
               <a:t>K-factor is LOS signal to scattered signals</a:t>
             </a:r>
           </a:p>
           <a:p>
             <a:r>
-              <a:rPr lang="en-US" dirty="0" smtClean="0"/>
+              <a:rPr lang="en-US" dirty="0"/>
               <a:t>K-factor to SNR connection</a:t>
             </a:r>
           </a:p>
           <a:p>
-            <a:endParaRPr lang="en-US" dirty="0" smtClean="0"/>
-          </a:p>
-          <a:p>
             <a:endParaRPr lang="en-US" dirty="0"/>
           </a:p>
           <a:p>
-            <a:endParaRPr lang="en-US" dirty="0" smtClean="0"/>
-          </a:p>
-          <a:p>
             <a:endParaRPr lang="en-US" dirty="0"/>
           </a:p>
           <a:p>
-            <a:endParaRPr lang="en-US" dirty="0" smtClean="0"/>
-          </a:p>
-          <a:p>
             <a:endParaRPr lang="en-US" dirty="0"/>
           </a:p>
           <a:p>
-            <a:r>
-              <a:rPr lang="en-US" dirty="0" smtClean="0"/>
+            <a:endParaRPr lang="en-US" dirty="0"/>
+          </a:p>
+          <a:p>
+            <a:endParaRPr lang="en-US" dirty="0"/>
+          </a:p>
+          <a:p>
+            <a:endParaRPr lang="en-US" dirty="0"/>
+          </a:p>
+          <a:p>
+            <a:r>
+              <a:rPr lang="en-US" dirty="0"/>
               <a:t>For 90% confidence level and </a:t>
             </a:r>
             <a:r>
@@ -6700,7 +6651,7 @@
               <a:t>± </a:t>
             </a:r>
             <a:r>
-              <a:rPr lang="en-US" dirty="0" smtClean="0"/>
+              <a:rPr lang="en-US" dirty="0"/>
               <a:t>1dB interval SNR margin is 14dB</a:t>
             </a:r>
             <a:endParaRPr lang="el-GR" dirty="0"/>
@@ -6750,13 +6701,6 @@
   <p:transition>
     <p:fade/>
   </p:transition>
-  <p:timing>
-    <p:tnLst>
-      <p:par>
-        <p:cTn id="1" dur="indefinite" restart="never" nodeType="tmRoot"/>
-      </p:par>
-    </p:tnLst>
-  </p:timing>
 </p:sld>
 </file>
 
@@ -6794,7 +6738,7 @@
           <a:p>
             <a:pPr algn="ctr"/>
             <a:r>
-              <a:rPr lang="en-US" dirty="0" smtClean="0"/>
+              <a:rPr lang="en-US" dirty="0"/>
               <a:t>Measurement Setup</a:t>
             </a:r>
             <a:endParaRPr lang="el-GR" dirty="0"/>
@@ -6816,46 +6760,42 @@
           <a:bodyPr/>
           <a:lstStyle/>
           <a:p>
-            <a:endParaRPr lang="en-US" dirty="0" smtClean="0"/>
-          </a:p>
-          <a:p>
             <a:endParaRPr lang="en-US" dirty="0"/>
           </a:p>
           <a:p>
-            <a:endParaRPr lang="en-US" dirty="0" smtClean="0"/>
-          </a:p>
-          <a:p>
             <a:endParaRPr lang="en-US" dirty="0"/>
           </a:p>
           <a:p>
-            <a:endParaRPr lang="en-US" dirty="0" smtClean="0"/>
-          </a:p>
-          <a:p>
             <a:endParaRPr lang="en-US" dirty="0"/>
           </a:p>
           <a:p>
-            <a:endParaRPr lang="en-US" dirty="0" smtClean="0"/>
-          </a:p>
-          <a:p>
             <a:endParaRPr lang="en-US" dirty="0"/>
           </a:p>
           <a:p>
-            <a:endParaRPr lang="en-US" dirty="0" smtClean="0"/>
-          </a:p>
-          <a:p>
-            <a:r>
-              <a:rPr lang="en-US" dirty="0" smtClean="0"/>
+            <a:endParaRPr lang="en-US" dirty="0"/>
+          </a:p>
+          <a:p>
+            <a:endParaRPr lang="en-US" dirty="0"/>
+          </a:p>
+          <a:p>
+            <a:endParaRPr lang="en-US" dirty="0"/>
+          </a:p>
+          <a:p>
+            <a:endParaRPr lang="en-US" dirty="0"/>
+          </a:p>
+          <a:p>
+            <a:endParaRPr lang="en-US" dirty="0"/>
+          </a:p>
+          <a:p>
+            <a:r>
+              <a:rPr lang="en-US" dirty="0"/>
               <a:t>The measurements were contacted in the blue shaded space</a:t>
-            </a:r>
-            <a:r>
-              <a:rPr lang="en-US" dirty="0"/>
-              <a:t/>
             </a:r>
             <a:br>
               <a:rPr lang="en-US" dirty="0"/>
             </a:br>
             <a:r>
-              <a:rPr lang="en-US" dirty="0" smtClean="0"/>
+              <a:rPr lang="en-US" dirty="0"/>
               <a:t>while The antenna position is circled with red.</a:t>
             </a:r>
           </a:p>
@@ -6904,13 +6844,6 @@
   <p:transition>
     <p:fade/>
   </p:transition>
-  <p:timing>
-    <p:tnLst>
-      <p:par>
-        <p:cTn id="1" dur="indefinite" restart="never" nodeType="tmRoot"/>
-      </p:par>
-    </p:tnLst>
-  </p:timing>
 </p:sld>
 </file>
 
@@ -6948,7 +6881,7 @@
           <a:p>
             <a:pPr algn="ctr"/>
             <a:r>
-              <a:rPr lang="en-US" dirty="0" smtClean="0"/>
+              <a:rPr lang="en-US" dirty="0"/>
               <a:t>Equipment</a:t>
             </a:r>
             <a:endParaRPr lang="el-GR" dirty="0"/>
@@ -6971,42 +6904,37 @@
           <a:lstStyle/>
           <a:p>
             <a:r>
-              <a:rPr lang="en-US" dirty="0" err="1" smtClean="0"/>
+              <a:rPr lang="en-US" dirty="0" err="1"/>
               <a:t>Keysight</a:t>
             </a:r>
             <a:r>
-              <a:rPr lang="en-US" dirty="0" smtClean="0"/>
+              <a:rPr lang="en-US" dirty="0"/>
               <a:t> 4-port Network Analyzer</a:t>
             </a:r>
           </a:p>
           <a:p>
             <a:r>
-              <a:rPr lang="en-US" dirty="0" smtClean="0"/>
+              <a:rPr lang="en-US" dirty="0"/>
               <a:t>Normalization of signal</a:t>
             </a:r>
-            <a:endParaRPr lang="en-US" dirty="0" smtClean="0"/>
-          </a:p>
-          <a:p>
-            <a:r>
-              <a:rPr lang="en-US" dirty="0" smtClean="0"/>
-              <a:t>RX </a:t>
-            </a:r>
-            <a:r>
-              <a:rPr lang="en-US" dirty="0" smtClean="0"/>
-              <a:t>omnidirectional antenna array fc 5GHz and 0.4</a:t>
-            </a:r>
-            <a:r>
-              <a:rPr lang="el-GR" dirty="0" smtClean="0"/>
+          </a:p>
+          <a:p>
+            <a:r>
+              <a:rPr lang="en-US" dirty="0"/>
+              <a:t>RX omnidirectional antenna array fc 5GHz and 0.4</a:t>
+            </a:r>
+            <a:r>
+              <a:rPr lang="el-GR" dirty="0"/>
               <a:t>λ </a:t>
             </a:r>
             <a:r>
-              <a:rPr lang="en-US" dirty="0" smtClean="0"/>
+              <a:rPr lang="en-US" dirty="0"/>
               <a:t>spacing</a:t>
             </a:r>
           </a:p>
           <a:p>
             <a:r>
-              <a:rPr lang="en-US" dirty="0" smtClean="0"/>
+              <a:rPr lang="en-US" dirty="0"/>
               <a:t>Directional TX antenna 12dBi Gain and fc 5GHz</a:t>
             </a:r>
           </a:p>
@@ -7055,13 +6983,6 @@
   <p:transition>
     <p:fade/>
   </p:transition>
-  <p:timing>
-    <p:tnLst>
-      <p:par>
-        <p:cTn id="1" dur="indefinite" restart="never" nodeType="tmRoot"/>
-      </p:par>
-    </p:tnLst>
-  </p:timing>
 </p:sld>
 </file>
 
@@ -7772,37 +7693,37 @@
           </a:lstStyle>
           <a:p>
             <a:r>
-              <a:rPr lang="en-US" smtClean="0"/>
+              <a:rPr lang="en-US"/>
               <a:t>Introduction</a:t>
             </a:r>
           </a:p>
           <a:p>
             <a:r>
-              <a:rPr lang="en-US" smtClean="0"/>
+              <a:rPr lang="en-US"/>
               <a:t>Statistical Aspect</a:t>
             </a:r>
           </a:p>
           <a:p>
             <a:r>
-              <a:rPr lang="en-US" smtClean="0"/>
+              <a:rPr lang="en-US"/>
               <a:t>Wireless Channel</a:t>
             </a:r>
           </a:p>
           <a:p>
             <a:r>
-              <a:rPr lang="en-US" smtClean="0"/>
+              <a:rPr lang="en-US"/>
               <a:t>WSSUS</a:t>
             </a:r>
           </a:p>
           <a:p>
             <a:r>
-              <a:rPr lang="en-US" smtClean="0"/>
+              <a:rPr lang="en-US"/>
               <a:t>Correlation</a:t>
             </a:r>
           </a:p>
           <a:p>
             <a:r>
-              <a:rPr lang="en-US" smtClean="0"/>
+              <a:rPr lang="en-US"/>
               <a:t>Dynamic Range</a:t>
             </a:r>
           </a:p>
@@ -7971,13 +7892,13 @@
           </a:lstStyle>
           <a:p>
             <a:r>
-              <a:rPr lang="en-US" dirty="0" smtClean="0"/>
+              <a:rPr lang="en-US" dirty="0"/>
               <a:t>Measurement Setup</a:t>
             </a:r>
           </a:p>
           <a:p>
             <a:r>
-              <a:rPr lang="en-US" spc="-1" dirty="0" smtClean="0">
+              <a:rPr lang="en-US" spc="-1" dirty="0">
                 <a:uFill>
                   <a:solidFill>
                     <a:srgbClr val="FFFFFF"/>
@@ -7986,7 +7907,7 @@
               </a:rPr>
               <a:t>Data Processing</a:t>
             </a:r>
-            <a:endParaRPr lang="en-US" sz="1400" spc="-1" dirty="0" smtClean="0">
+            <a:endParaRPr lang="en-US" sz="1400" spc="-1" dirty="0">
               <a:solidFill>
                 <a:srgbClr val="000000"/>
               </a:solidFill>
@@ -7999,7 +7920,7 @@
           </a:p>
           <a:p>
             <a:r>
-              <a:rPr lang="en-US" spc="-1" dirty="0" smtClean="0">
+              <a:rPr lang="en-US" spc="-1" dirty="0">
                 <a:uFill>
                   <a:solidFill>
                     <a:srgbClr val="FFFFFF"/>
@@ -8011,26 +7932,26 @@
           </a:p>
           <a:p>
             <a:r>
-              <a:rPr lang="en-US" dirty="0" smtClean="0"/>
+              <a:rPr lang="en-US" dirty="0"/>
               <a:t>Diversity Combining</a:t>
             </a:r>
           </a:p>
           <a:p>
             <a:r>
-              <a:rPr lang="en-US" dirty="0" smtClean="0"/>
+              <a:rPr lang="en-US" dirty="0"/>
               <a:t>Uncertainties</a:t>
             </a:r>
           </a:p>
           <a:p>
             <a:r>
-              <a:rPr lang="da-DK" dirty="0" err="1" smtClean="0"/>
+              <a:rPr lang="da-DK" dirty="0" err="1"/>
               <a:t>Further</a:t>
             </a:r>
             <a:r>
-              <a:rPr lang="da-DK" dirty="0" smtClean="0"/>
+              <a:rPr lang="da-DK" dirty="0"/>
               <a:t> Work</a:t>
             </a:r>
-            <a:endParaRPr lang="en-US" dirty="0" smtClean="0"/>
+            <a:endParaRPr lang="en-US" dirty="0"/>
           </a:p>
           <a:p>
             <a:endParaRPr lang="da-DK" dirty="0"/>
@@ -8187,7 +8108,7 @@
               <a:buChar char="•"/>
             </a:pPr>
             <a:r>
-              <a:rPr lang="en-US" sz="1800" b="0" strike="noStrike" spc="-1" dirty="0" smtClean="0">
+              <a:rPr lang="en-US" sz="1800" b="0" strike="noStrike" spc="-1" dirty="0">
                 <a:solidFill>
                   <a:srgbClr val="211A52"/>
                 </a:solidFill>
@@ -8200,7 +8121,7 @@
               </a:rPr>
               <a:t>162 walks for total combined length of 810 meters</a:t>
             </a:r>
-            <a:endParaRPr lang="en-US" sz="1800" b="0" strike="noStrike" spc="-1" dirty="0" smtClean="0">
+            <a:endParaRPr lang="en-US" sz="1800" b="0" strike="noStrike" spc="-1" dirty="0">
               <a:solidFill>
                 <a:srgbClr val="000000"/>
               </a:solidFill>
@@ -8227,7 +8148,7 @@
               <a:buChar char="•"/>
             </a:pPr>
             <a:r>
-              <a:rPr lang="en-US" sz="1800" b="0" strike="noStrike" spc="-1" dirty="0" smtClean="0">
+              <a:rPr lang="en-US" sz="1800" b="0" strike="noStrike" spc="-1" dirty="0">
                 <a:solidFill>
                   <a:srgbClr val="211A52"/>
                 </a:solidFill>
@@ -8256,7 +8177,7 @@
               <a:buChar char="•"/>
             </a:pPr>
             <a:r>
-              <a:rPr lang="en-US" sz="1800" b="0" strike="noStrike" spc="-1" dirty="0" smtClean="0">
+              <a:rPr lang="en-US" sz="1800" b="0" strike="noStrike" spc="-1" dirty="0">
                 <a:solidFill>
                   <a:srgbClr val="211A52"/>
                 </a:solidFill>
@@ -8267,21 +8188,7 @@
                 </a:uFill>
                 <a:latin typeface="Arial"/>
               </a:rPr>
-              <a:t>Total </a:t>
-            </a:r>
-            <a:r>
-              <a:rPr lang="en-US" sz="1800" b="0" strike="noStrike" spc="-1" dirty="0">
-                <a:solidFill>
-                  <a:srgbClr val="211A52"/>
-                </a:solidFill>
-                <a:uFill>
-                  <a:solidFill>
-                    <a:srgbClr val="FFFFFF"/>
-                  </a:solidFill>
-                </a:uFill>
-                <a:latin typeface="Arial"/>
-              </a:rPr>
-              <a:t>4,184,460 samples</a:t>
+              <a:t>Total 4,184,460 samples</a:t>
             </a:r>
             <a:endParaRPr lang="en-US" sz="1800" b="0" strike="noStrike" spc="-1" dirty="0">
               <a:solidFill>
@@ -8519,7 +8426,7 @@
               <a:buChar char="•"/>
             </a:pPr>
             <a:r>
-              <a:rPr lang="en-US" sz="1800" b="0" strike="noStrike" spc="-1" dirty="0" smtClean="0">
+              <a:rPr lang="en-US" sz="1800" b="0" strike="noStrike" spc="-1" dirty="0">
                 <a:solidFill>
                   <a:srgbClr val="211A52"/>
                 </a:solidFill>
@@ -8896,7 +8803,7 @@
               <a:buChar char="•"/>
             </a:pPr>
             <a:r>
-              <a:rPr lang="en-US" sz="1800" b="0" strike="noStrike" spc="-1" dirty="0" smtClean="0">
+              <a:rPr lang="en-US" sz="1800" b="0" strike="noStrike" spc="-1" dirty="0">
                 <a:solidFill>
                   <a:srgbClr val="211A52"/>
                 </a:solidFill>
@@ -8925,7 +8832,7 @@
               <a:buChar char="•"/>
             </a:pPr>
             <a:r>
-              <a:rPr lang="en-US" sz="1800" b="0" strike="noStrike" spc="-1" dirty="0" smtClean="0">
+              <a:rPr lang="en-US" sz="1800" b="0" strike="noStrike" spc="-1" dirty="0">
                 <a:solidFill>
                   <a:srgbClr val="211A52"/>
                 </a:solidFill>
@@ -8936,21 +8843,7 @@
                 </a:uFill>
                 <a:latin typeface="Arial"/>
               </a:rPr>
-              <a:t>Main </a:t>
-            </a:r>
-            <a:r>
-              <a:rPr lang="en-US" sz="1800" b="0" strike="noStrike" spc="-1" dirty="0">
-                <a:solidFill>
-                  <a:srgbClr val="211A52"/>
-                </a:solidFill>
-                <a:uFill>
-                  <a:solidFill>
-                    <a:srgbClr val="FFFFFF"/>
-                  </a:solidFill>
-                </a:uFill>
-                <a:latin typeface="Arial"/>
-              </a:rPr>
-              <a:t>lobe reflection – not stationary</a:t>
+              <a:t>Main lobe reflection – not stationary</a:t>
             </a:r>
             <a:endParaRPr lang="en-US" sz="1800" b="0" strike="noStrike" spc="-1" dirty="0">
               <a:solidFill>
@@ -9641,7 +9534,7 @@
               </a:lnSpc>
             </a:pPr>
             <a:r>
-              <a:rPr lang="en-US" sz="2400" b="0" strike="noStrike" spc="-1" dirty="0" smtClean="0">
+              <a:rPr lang="en-US" sz="2400" b="0" strike="noStrike" spc="-1" dirty="0">
                 <a:solidFill>
                   <a:srgbClr val="211A52"/>
                 </a:solidFill>
@@ -9652,21 +9545,7 @@
                 </a:uFill>
                 <a:latin typeface="Arial"/>
               </a:rPr>
-              <a:t>Frequency, </a:t>
-            </a:r>
-            <a:r>
-              <a:rPr lang="en-US" sz="2400" b="0" strike="noStrike" spc="-1" dirty="0">
-                <a:solidFill>
-                  <a:srgbClr val="211A52"/>
-                </a:solidFill>
-                <a:uFill>
-                  <a:solidFill>
-                    <a:srgbClr val="FFFFFF"/>
-                  </a:solidFill>
-                </a:uFill>
-                <a:latin typeface="Arial"/>
-              </a:rPr>
-              <a:t>Antenna and space correlation</a:t>
+              <a:t>Frequency, Antenna and space correlation</a:t>
             </a:r>
             <a:endParaRPr lang="en-US" sz="1800" b="0" strike="noStrike" spc="-1" dirty="0">
               <a:solidFill>
@@ -10190,35 +10069,7 @@
                 </a:uFill>
                 <a:latin typeface="Arial"/>
               </a:rPr>
-              <a:t>Because of the lower sample size of </a:t>
-            </a:r>
-            <a:r>
-              <a:rPr lang="en-US" sz="1800" b="0" strike="noStrike" spc="-1" dirty="0" smtClean="0">
-                <a:solidFill>
-                  <a:srgbClr val="211A52"/>
-                </a:solidFill>
-                <a:uFill>
-                  <a:solidFill>
-                    <a:srgbClr val="FFFFFF"/>
-                  </a:solidFill>
-                </a:uFill>
-                <a:latin typeface="Arial"/>
-              </a:rPr>
-              <a:t>2,092,230 </a:t>
-            </a:r>
-            <a:r>
-              <a:rPr lang="en-US" sz="1800" b="0" strike="noStrike" spc="-1" dirty="0">
-                <a:solidFill>
-                  <a:srgbClr val="211A52"/>
-                </a:solidFill>
-                <a:uFill>
-                  <a:solidFill>
-                    <a:srgbClr val="FFFFFF"/>
-                  </a:solidFill>
-                </a:uFill>
-                <a:latin typeface="Arial"/>
-              </a:rPr>
-              <a:t>the confidence interval is increased.</a:t>
+              <a:t>Because of the lower sample size of 2,092,230 the confidence interval is increased.</a:t>
             </a:r>
             <a:endParaRPr lang="en-US" sz="1800" b="0" strike="noStrike" spc="-1" dirty="0">
               <a:solidFill>
@@ -10725,11 +10576,11 @@
           <a:p>
             <a:pPr algn="ctr"/>
             <a:r>
-              <a:rPr lang="da-DK" dirty="0" smtClean="0"/>
+              <a:rPr lang="da-DK" dirty="0"/>
               <a:t>New </a:t>
             </a:r>
             <a:r>
-              <a:rPr lang="da-DK" dirty="0" err="1" smtClean="0"/>
+              <a:rPr lang="da-DK" dirty="0" err="1"/>
               <a:t>Results</a:t>
             </a:r>
             <a:endParaRPr lang="da-DK" dirty="0"/>
@@ -10815,7 +10666,7 @@
           <a:p>
             <a:pPr algn="ctr"/>
             <a:r>
-              <a:rPr lang="en-US" dirty="0" smtClean="0"/>
+              <a:rPr lang="en-US" dirty="0"/>
               <a:t>Diversity Combining</a:t>
             </a:r>
             <a:endParaRPr lang="el-GR" dirty="0"/>
@@ -10931,7 +10782,7 @@
           <a:p>
             <a:pPr algn="ctr"/>
             <a:r>
-              <a:rPr lang="en-US" dirty="0" smtClean="0"/>
+              <a:rPr lang="en-US" dirty="0"/>
               <a:t>Uncertainties</a:t>
             </a:r>
             <a:endParaRPr lang="el-GR" dirty="0"/>
@@ -10954,14 +10805,14 @@
           <a:lstStyle/>
           <a:p>
             <a:r>
-              <a:rPr lang="da-DK" dirty="0" smtClean="0"/>
+              <a:rPr lang="da-DK" dirty="0"/>
               <a:t>WSSUS</a:t>
             </a:r>
           </a:p>
           <a:p>
             <a:pPr lvl="1"/>
             <a:r>
-              <a:rPr lang="da-DK" dirty="0" smtClean="0"/>
+              <a:rPr lang="da-DK" dirty="0"/>
               <a:t>Distance</a:t>
             </a:r>
           </a:p>
@@ -10972,37 +10823,37 @@
               <a:t>Human </a:t>
             </a:r>
             <a:r>
-              <a:rPr lang="da-DK" dirty="0" err="1" smtClean="0"/>
+              <a:rPr lang="da-DK" dirty="0" err="1"/>
               <a:t>error</a:t>
             </a:r>
-            <a:endParaRPr lang="da-DK" dirty="0" smtClean="0"/>
+            <a:endParaRPr lang="da-DK" dirty="0"/>
           </a:p>
           <a:p>
             <a:pPr lvl="1"/>
             <a:r>
-              <a:rPr lang="da-DK" dirty="0" smtClean="0"/>
+              <a:rPr lang="da-DK" dirty="0"/>
               <a:t>Wide </a:t>
             </a:r>
             <a:r>
-              <a:rPr lang="da-DK" dirty="0" err="1" smtClean="0"/>
+              <a:rPr lang="da-DK" dirty="0" err="1"/>
               <a:t>bandwidth</a:t>
             </a:r>
             <a:endParaRPr lang="da-DK" dirty="0"/>
           </a:p>
           <a:p>
             <a:r>
-              <a:rPr lang="da-DK" dirty="0" err="1" smtClean="0"/>
+              <a:rPr lang="da-DK" dirty="0" err="1"/>
               <a:t>Phase</a:t>
             </a:r>
             <a:r>
-              <a:rPr lang="da-DK" dirty="0" smtClean="0"/>
+              <a:rPr lang="da-DK" dirty="0"/>
               <a:t> </a:t>
             </a:r>
             <a:r>
-              <a:rPr lang="da-DK" dirty="0" err="1" smtClean="0"/>
+              <a:rPr lang="da-DK" dirty="0" err="1"/>
               <a:t>correlation</a:t>
             </a:r>
-            <a:endParaRPr lang="da-DK" dirty="0" smtClean="0"/>
+            <a:endParaRPr lang="da-DK" dirty="0"/>
           </a:p>
         </p:txBody>
       </p:sp>
@@ -11113,7 +10964,7 @@
       </p:sp>
       <p:pic>
         <p:nvPicPr>
-          <p:cNvPr id="6146" name="Picture 2" descr="Image result for 5g urllc"/>
+          <p:cNvPr id="2050" name="Picture 2" descr="Image result for 5g urllc"/>
           <p:cNvPicPr>
             <a:picLocks noChangeAspect="1" noChangeArrowheads="1"/>
           </p:cNvPicPr>
@@ -11127,13 +10978,13 @@
               </a:ext>
             </a:extLst>
           </a:blip>
-          <a:srcRect l="39224" r="23137"/>
+          <a:srcRect l="15184" r="16843"/>
           <a:stretch/>
         </p:blipFill>
         <p:spPr bwMode="auto">
           <a:xfrm>
-            <a:off x="2879812" y="1772816"/>
-            <a:ext cx="3384376" cy="3400425"/>
+            <a:off x="2195736" y="1443038"/>
+            <a:ext cx="4752528" cy="4093891"/>
           </a:xfrm>
           <a:prstGeom prst="rect">
             <a:avLst/>
@@ -11150,6 +11001,278 @@
           </a:extLst>
         </p:spPr>
       </p:pic>
+      <p:sp>
+        <p:nvSpPr>
+          <p:cNvPr id="11" name="Rectangle 10"/>
+          <p:cNvSpPr/>
+          <p:nvPr/>
+        </p:nvSpPr>
+        <p:spPr>
+          <a:xfrm>
+            <a:off x="5436096" y="1556792"/>
+            <a:ext cx="1512168" cy="936104"/>
+          </a:xfrm>
+          <a:prstGeom prst="rect">
+            <a:avLst/>
+          </a:prstGeom>
+          <a:solidFill>
+            <a:schemeClr val="bg1"/>
+          </a:solidFill>
+          <a:ln>
+            <a:solidFill>
+              <a:schemeClr val="bg1"/>
+            </a:solidFill>
+          </a:ln>
+        </p:spPr>
+        <p:style>
+          <a:lnRef idx="2">
+            <a:schemeClr val="accent1">
+              <a:shade val="50000"/>
+            </a:schemeClr>
+          </a:lnRef>
+          <a:fillRef idx="1">
+            <a:schemeClr val="accent1"/>
+          </a:fillRef>
+          <a:effectRef idx="0">
+            <a:schemeClr val="accent1"/>
+          </a:effectRef>
+          <a:fontRef idx="minor">
+            <a:schemeClr val="lt1"/>
+          </a:fontRef>
+        </p:style>
+        <p:txBody>
+          <a:bodyPr rtlCol="0" anchor="ctr"/>
+          <a:lstStyle/>
+          <a:p>
+            <a:pPr algn="ctr"/>
+            <a:endParaRPr lang="en-US"/>
+          </a:p>
+        </p:txBody>
+      </p:sp>
+      <p:sp>
+        <p:nvSpPr>
+          <p:cNvPr id="12" name="Rectangle 11"/>
+          <p:cNvSpPr/>
+          <p:nvPr/>
+        </p:nvSpPr>
+        <p:spPr>
+          <a:xfrm>
+            <a:off x="5796136" y="1196752"/>
+            <a:ext cx="648072" cy="936104"/>
+          </a:xfrm>
+          <a:prstGeom prst="rect">
+            <a:avLst/>
+          </a:prstGeom>
+          <a:solidFill>
+            <a:schemeClr val="bg1"/>
+          </a:solidFill>
+          <a:ln>
+            <a:solidFill>
+              <a:schemeClr val="bg1"/>
+            </a:solidFill>
+          </a:ln>
+        </p:spPr>
+        <p:style>
+          <a:lnRef idx="2">
+            <a:schemeClr val="accent1">
+              <a:shade val="50000"/>
+            </a:schemeClr>
+          </a:lnRef>
+          <a:fillRef idx="1">
+            <a:schemeClr val="accent1"/>
+          </a:fillRef>
+          <a:effectRef idx="0">
+            <a:schemeClr val="accent1"/>
+          </a:effectRef>
+          <a:fontRef idx="minor">
+            <a:schemeClr val="lt1"/>
+          </a:fontRef>
+        </p:style>
+        <p:txBody>
+          <a:bodyPr rtlCol="0" anchor="ctr"/>
+          <a:lstStyle/>
+          <a:p>
+            <a:pPr algn="ctr"/>
+            <a:endParaRPr lang="en-US"/>
+          </a:p>
+        </p:txBody>
+      </p:sp>
+      <p:sp>
+        <p:nvSpPr>
+          <p:cNvPr id="13" name="Rectangle 12"/>
+          <p:cNvSpPr/>
+          <p:nvPr/>
+        </p:nvSpPr>
+        <p:spPr>
+          <a:xfrm>
+            <a:off x="6876256" y="4005064"/>
+            <a:ext cx="72008" cy="1512168"/>
+          </a:xfrm>
+          <a:prstGeom prst="rect">
+            <a:avLst/>
+          </a:prstGeom>
+          <a:solidFill>
+            <a:schemeClr val="bg1"/>
+          </a:solidFill>
+          <a:ln>
+            <a:solidFill>
+              <a:schemeClr val="bg1"/>
+            </a:solidFill>
+          </a:ln>
+        </p:spPr>
+        <p:style>
+          <a:lnRef idx="2">
+            <a:schemeClr val="accent1">
+              <a:shade val="50000"/>
+            </a:schemeClr>
+          </a:lnRef>
+          <a:fillRef idx="1">
+            <a:schemeClr val="accent1"/>
+          </a:fillRef>
+          <a:effectRef idx="0">
+            <a:schemeClr val="accent1"/>
+          </a:effectRef>
+          <a:fontRef idx="minor">
+            <a:schemeClr val="lt1"/>
+          </a:fontRef>
+        </p:style>
+        <p:txBody>
+          <a:bodyPr rtlCol="0" anchor="ctr"/>
+          <a:lstStyle/>
+          <a:p>
+            <a:pPr algn="ctr"/>
+            <a:endParaRPr lang="en-US"/>
+          </a:p>
+        </p:txBody>
+      </p:sp>
+      <p:sp>
+        <p:nvSpPr>
+          <p:cNvPr id="14" name="Rectangle 13"/>
+          <p:cNvSpPr/>
+          <p:nvPr/>
+        </p:nvSpPr>
+        <p:spPr>
+          <a:xfrm>
+            <a:off x="6912260" y="3933056"/>
+            <a:ext cx="108012" cy="72008"/>
+          </a:xfrm>
+          <a:prstGeom prst="rect">
+            <a:avLst/>
+          </a:prstGeom>
+          <a:solidFill>
+            <a:schemeClr val="bg1"/>
+          </a:solidFill>
+          <a:ln>
+            <a:solidFill>
+              <a:schemeClr val="bg1"/>
+            </a:solidFill>
+          </a:ln>
+        </p:spPr>
+        <p:style>
+          <a:lnRef idx="2">
+            <a:schemeClr val="accent1">
+              <a:shade val="50000"/>
+            </a:schemeClr>
+          </a:lnRef>
+          <a:fillRef idx="1">
+            <a:schemeClr val="accent1"/>
+          </a:fillRef>
+          <a:effectRef idx="0">
+            <a:schemeClr val="accent1"/>
+          </a:effectRef>
+          <a:fontRef idx="minor">
+            <a:schemeClr val="lt1"/>
+          </a:fontRef>
+        </p:style>
+        <p:txBody>
+          <a:bodyPr rtlCol="0" anchor="ctr"/>
+          <a:lstStyle/>
+          <a:p>
+            <a:pPr algn="ctr"/>
+            <a:endParaRPr lang="en-US"/>
+          </a:p>
+        </p:txBody>
+      </p:sp>
+      <p:sp>
+        <p:nvSpPr>
+          <p:cNvPr id="15" name="Isosceles Triangle 14"/>
+          <p:cNvSpPr/>
+          <p:nvPr/>
+        </p:nvSpPr>
+        <p:spPr>
+          <a:xfrm>
+            <a:off x="1835696" y="4077072"/>
+            <a:ext cx="1224136" cy="1260140"/>
+          </a:xfrm>
+          <a:prstGeom prst="triangle">
+            <a:avLst>
+              <a:gd name="adj" fmla="val 41320"/>
+            </a:avLst>
+          </a:prstGeom>
+          <a:solidFill>
+            <a:schemeClr val="bg1"/>
+          </a:solidFill>
+          <a:ln>
+            <a:solidFill>
+              <a:schemeClr val="bg1"/>
+            </a:solidFill>
+          </a:ln>
+        </p:spPr>
+        <p:style>
+          <a:lnRef idx="2">
+            <a:schemeClr val="accent1">
+              <a:shade val="50000"/>
+            </a:schemeClr>
+          </a:lnRef>
+          <a:fillRef idx="1">
+            <a:schemeClr val="accent1"/>
+          </a:fillRef>
+          <a:effectRef idx="0">
+            <a:schemeClr val="accent1"/>
+          </a:effectRef>
+          <a:fontRef idx="minor">
+            <a:schemeClr val="lt1"/>
+          </a:fontRef>
+        </p:style>
+        <p:txBody>
+          <a:bodyPr rtlCol="0" anchor="ctr"/>
+          <a:lstStyle/>
+          <a:p>
+            <a:pPr algn="ctr"/>
+            <a:endParaRPr lang="en-US"/>
+          </a:p>
+        </p:txBody>
+      </p:sp>
+      <p:sp>
+        <p:nvSpPr>
+          <p:cNvPr id="16" name="TextBox 15"/>
+          <p:cNvSpPr txBox="1"/>
+          <p:nvPr/>
+        </p:nvSpPr>
+        <p:spPr>
+          <a:xfrm>
+            <a:off x="2908724" y="5562329"/>
+            <a:ext cx="3326552" cy="369332"/>
+          </a:xfrm>
+          <a:prstGeom prst="rect">
+            <a:avLst/>
+          </a:prstGeom>
+          <a:noFill/>
+        </p:spPr>
+        <p:txBody>
+          <a:bodyPr wrap="none" rtlCol="0">
+            <a:spAutoFit/>
+          </a:bodyPr>
+          <a:lstStyle/>
+          <a:p>
+            <a:r>
+              <a:rPr lang="da-DK" dirty="0"/>
+              <a:t>99.99% → 99.999 – 99.9999%</a:t>
+            </a:r>
+            <a:endParaRPr lang="en-US" dirty="0"/>
+          </a:p>
+        </p:txBody>
+      </p:sp>
     </p:spTree>
     <p:extLst>
       <p:ext uri="{BB962C8B-B14F-4D97-AF65-F5344CB8AC3E}">
@@ -11200,14 +11323,13 @@
           <a:p>
             <a:pPr algn="ctr"/>
             <a:r>
-              <a:rPr lang="da-DK" dirty="0" err="1" smtClean="0"/>
+              <a:rPr lang="da-DK" dirty="0" err="1"/>
               <a:t>Further</a:t>
             </a:r>
             <a:r>
-              <a:rPr lang="da-DK" dirty="0" smtClean="0"/>
+              <a:rPr lang="da-DK" dirty="0"/>
               <a:t> Work</a:t>
             </a:r>
-            <a:endParaRPr lang="da-DK" dirty="0"/>
           </a:p>
         </p:txBody>
       </p:sp>
@@ -11227,84 +11349,83 @@
           <a:lstStyle/>
           <a:p>
             <a:r>
-              <a:rPr lang="da-DK" dirty="0" smtClean="0"/>
+              <a:rPr lang="da-DK" dirty="0"/>
               <a:t>Using </a:t>
             </a:r>
             <a:r>
-              <a:rPr lang="da-DK" dirty="0" err="1" smtClean="0"/>
+              <a:rPr lang="da-DK" dirty="0" err="1"/>
               <a:t>diversity</a:t>
             </a:r>
             <a:r>
-              <a:rPr lang="da-DK" dirty="0" smtClean="0"/>
+              <a:rPr lang="da-DK" dirty="0"/>
               <a:t> to </a:t>
             </a:r>
             <a:r>
-              <a:rPr lang="da-DK" dirty="0" err="1" smtClean="0"/>
+              <a:rPr lang="da-DK" dirty="0" err="1"/>
               <a:t>minimize</a:t>
             </a:r>
             <a:r>
-              <a:rPr lang="da-DK" dirty="0" smtClean="0"/>
+              <a:rPr lang="da-DK" dirty="0"/>
               <a:t> </a:t>
             </a:r>
             <a:r>
-              <a:rPr lang="da-DK" dirty="0" err="1" smtClean="0"/>
+              <a:rPr lang="da-DK" dirty="0" err="1"/>
               <a:t>needed</a:t>
             </a:r>
             <a:r>
-              <a:rPr lang="da-DK" dirty="0" smtClean="0"/>
+              <a:rPr lang="da-DK" dirty="0"/>
               <a:t> SNR </a:t>
             </a:r>
             <a:r>
-              <a:rPr lang="da-DK" dirty="0" err="1" smtClean="0"/>
+              <a:rPr lang="da-DK" dirty="0" err="1"/>
               <a:t>level</a:t>
             </a:r>
-            <a:endParaRPr lang="da-DK" dirty="0" smtClean="0"/>
-          </a:p>
-          <a:p>
-            <a:r>
-              <a:rPr lang="da-DK" dirty="0" smtClean="0"/>
+            <a:endParaRPr lang="da-DK" dirty="0"/>
+          </a:p>
+          <a:p>
+            <a:r>
+              <a:rPr lang="da-DK" dirty="0"/>
               <a:t>Using </a:t>
             </a:r>
             <a:r>
-              <a:rPr lang="da-DK" dirty="0" err="1" smtClean="0"/>
+              <a:rPr lang="da-DK" dirty="0" err="1"/>
               <a:t>four</a:t>
             </a:r>
             <a:r>
-              <a:rPr lang="da-DK" dirty="0" smtClean="0"/>
+              <a:rPr lang="da-DK" dirty="0"/>
               <a:t> </a:t>
             </a:r>
             <a:r>
-              <a:rPr lang="da-DK" dirty="0" err="1" smtClean="0"/>
+              <a:rPr lang="da-DK" dirty="0" err="1"/>
               <a:t>antennas</a:t>
             </a:r>
             <a:r>
-              <a:rPr lang="da-DK" dirty="0" smtClean="0"/>
+              <a:rPr lang="da-DK" dirty="0"/>
               <a:t> </a:t>
             </a:r>
             <a:r>
-              <a:rPr lang="da-DK" dirty="0" err="1" smtClean="0"/>
+              <a:rPr lang="da-DK" dirty="0" err="1"/>
               <a:t>instead</a:t>
             </a:r>
             <a:r>
-              <a:rPr lang="da-DK" dirty="0" smtClean="0"/>
+              <a:rPr lang="da-DK" dirty="0"/>
               <a:t> of </a:t>
             </a:r>
             <a:r>
-              <a:rPr lang="da-DK" dirty="0" err="1" smtClean="0"/>
+              <a:rPr lang="da-DK" dirty="0" err="1"/>
               <a:t>three</a:t>
             </a:r>
-            <a:endParaRPr lang="da-DK" dirty="0" smtClean="0"/>
-          </a:p>
-          <a:p>
-            <a:r>
-              <a:rPr lang="da-DK" dirty="0" err="1" smtClean="0"/>
+            <a:endParaRPr lang="da-DK" dirty="0"/>
+          </a:p>
+          <a:p>
+            <a:r>
+              <a:rPr lang="da-DK" dirty="0" err="1"/>
               <a:t>Moving</a:t>
             </a:r>
             <a:r>
-              <a:rPr lang="da-DK" dirty="0" smtClean="0"/>
+              <a:rPr lang="da-DK" dirty="0"/>
               <a:t> faster</a:t>
             </a:r>
-            <a:endParaRPr lang="da-DK" dirty="0"/>
           </a:p>
         </p:txBody>
       </p:sp>
@@ -11418,10 +11539,9 @@
           <a:p>
             <a:pPr algn="ctr"/>
             <a:r>
-              <a:rPr lang="da-DK" dirty="0" smtClean="0"/>
+              <a:rPr lang="da-DK" dirty="0"/>
               <a:t>Summary</a:t>
             </a:r>
-            <a:endParaRPr lang="da-DK" dirty="0"/>
           </a:p>
         </p:txBody>
       </p:sp>
@@ -11446,50 +11566,38 @@
           <a:lstStyle/>
           <a:p>
             <a:r>
-              <a:rPr lang="en-US" dirty="0" smtClean="0"/>
+              <a:rPr lang="en-US" dirty="0"/>
               <a:t>Introduction</a:t>
             </a:r>
           </a:p>
           <a:p>
             <a:r>
               <a:rPr lang="en-US" dirty="0"/>
-              <a:t>Statistical </a:t>
-            </a:r>
-            <a:r>
-              <a:rPr lang="en-US" dirty="0" smtClean="0"/>
-              <a:t>Aspect</a:t>
+              <a:t>Statistical Aspect</a:t>
             </a:r>
           </a:p>
           <a:p>
             <a:r>
               <a:rPr lang="en-US" dirty="0"/>
-              <a:t>Wireless </a:t>
-            </a:r>
-            <a:r>
-              <a:rPr lang="en-US" dirty="0" smtClean="0"/>
-              <a:t>Channel</a:t>
-            </a:r>
-          </a:p>
-          <a:p>
-            <a:r>
-              <a:rPr lang="en-US" dirty="0" smtClean="0"/>
+              <a:t>Wireless Channel</a:t>
+            </a:r>
+          </a:p>
+          <a:p>
+            <a:r>
+              <a:rPr lang="en-US" dirty="0"/>
               <a:t>WSSUS</a:t>
             </a:r>
           </a:p>
           <a:p>
             <a:r>
-              <a:rPr lang="en-US" dirty="0" smtClean="0"/>
+              <a:rPr lang="en-US" dirty="0"/>
               <a:t>Correlation</a:t>
             </a:r>
           </a:p>
           <a:p>
             <a:r>
               <a:rPr lang="en-US" dirty="0"/>
-              <a:t>Dynamic </a:t>
-            </a:r>
-            <a:r>
-              <a:rPr lang="en-US" dirty="0" smtClean="0"/>
-              <a:t>Range</a:t>
+              <a:t>Dynamic Range</a:t>
             </a:r>
           </a:p>
           <a:p>
@@ -11657,13 +11765,13 @@
           </a:lstStyle>
           <a:p>
             <a:r>
-              <a:rPr lang="en-US" dirty="0" smtClean="0"/>
+              <a:rPr lang="en-US" dirty="0"/>
               <a:t>Measurement Setup</a:t>
             </a:r>
           </a:p>
           <a:p>
             <a:r>
-              <a:rPr lang="en-US" spc="-1" dirty="0" smtClean="0">
+              <a:rPr lang="en-US" spc="-1" dirty="0">
                 <a:uFill>
                   <a:solidFill>
                     <a:srgbClr val="FFFFFF"/>
@@ -11672,7 +11780,7 @@
               </a:rPr>
               <a:t>Data Processing</a:t>
             </a:r>
-            <a:endParaRPr lang="en-US" sz="1400" spc="-1" dirty="0" smtClean="0">
+            <a:endParaRPr lang="en-US" sz="1400" spc="-1" dirty="0">
               <a:solidFill>
                 <a:srgbClr val="000000"/>
               </a:solidFill>
@@ -11685,7 +11793,7 @@
           </a:p>
           <a:p>
             <a:r>
-              <a:rPr lang="en-US" spc="-1" dirty="0" smtClean="0">
+              <a:rPr lang="en-US" spc="-1" dirty="0">
                 <a:uFill>
                   <a:solidFill>
                     <a:srgbClr val="FFFFFF"/>
@@ -11697,26 +11805,26 @@
           </a:p>
           <a:p>
             <a:r>
-              <a:rPr lang="en-US" dirty="0" smtClean="0"/>
+              <a:rPr lang="en-US" dirty="0"/>
               <a:t>Diversity Combining</a:t>
             </a:r>
           </a:p>
           <a:p>
             <a:r>
-              <a:rPr lang="en-US" dirty="0" smtClean="0"/>
+              <a:rPr lang="en-US" dirty="0"/>
               <a:t>Uncertainties</a:t>
             </a:r>
           </a:p>
           <a:p>
             <a:r>
-              <a:rPr lang="da-DK" dirty="0" err="1" smtClean="0"/>
+              <a:rPr lang="da-DK" dirty="0" err="1"/>
               <a:t>Further</a:t>
             </a:r>
             <a:r>
-              <a:rPr lang="da-DK" dirty="0" smtClean="0"/>
+              <a:rPr lang="da-DK" dirty="0"/>
               <a:t> Work</a:t>
             </a:r>
-            <a:endParaRPr lang="en-US" dirty="0" smtClean="0"/>
+            <a:endParaRPr lang="en-US" dirty="0"/>
           </a:p>
           <a:p>
             <a:endParaRPr lang="da-DK" dirty="0"/>
@@ -11780,63 +11888,30 @@
           </a:p>
         </p:txBody>
       </p:sp>
-      <p:graphicFrame>
-        <p:nvGraphicFramePr>
-          <p:cNvPr id="6" name="Object 5"/>
-          <p:cNvGraphicFramePr>
-            <a:graphicFrameLocks noChangeAspect="1"/>
-          </p:cNvGraphicFramePr>
-          <p:nvPr>
-            <p:extLst>
-              <p:ext uri="{D42A27DB-BD31-4B8C-83A1-F6EECF244321}">
-                <p14:modId xmlns:p14="http://schemas.microsoft.com/office/powerpoint/2010/main" val="3577500099"/>
-              </p:ext>
-            </p:extLst>
-          </p:nvPr>
-        </p:nvGraphicFramePr>
-        <p:xfrm>
-          <a:off x="1754797" y="1593913"/>
-          <a:ext cx="5634406" cy="4476876"/>
-        </p:xfrm>
-        <a:graphic>
-          <a:graphicData uri="http://schemas.openxmlformats.org/presentationml/2006/ole">
-            <mc:AlternateContent xmlns:mc="http://schemas.openxmlformats.org/markup-compatibility/2006">
-              <mc:Choice xmlns:v="urn:schemas-microsoft-com:vml" Requires="v">
-                <p:oleObj spid="_x0000_s1040" name="Acrobat Document" r:id="rId4" imgW="2743200" imgH="2178925" progId="AcroExch.Document.DC">
-                  <p:embed/>
-                </p:oleObj>
-              </mc:Choice>
-              <mc:Fallback>
-                <p:oleObj name="Acrobat Document" r:id="rId4" imgW="2743200" imgH="2178925" progId="AcroExch.Document.DC">
-                  <p:embed/>
-                  <p:pic>
-                    <p:nvPicPr>
-                      <p:cNvPr id="0" name=""/>
-                      <p:cNvPicPr/>
-                      <p:nvPr/>
-                    </p:nvPicPr>
-                    <p:blipFill>
-                      <a:blip r:embed="rId5"/>
-                      <a:stretch>
-                        <a:fillRect/>
-                      </a:stretch>
-                    </p:blipFill>
-                    <p:spPr>
-                      <a:xfrm>
-                        <a:off x="1754797" y="1593913"/>
-                        <a:ext cx="5634406" cy="4476876"/>
-                      </a:xfrm>
-                      <a:prstGeom prst="rect">
-                        <a:avLst/>
-                      </a:prstGeom>
-                    </p:spPr>
-                  </p:pic>
-                </p:oleObj>
-              </mc:Fallback>
-            </mc:AlternateContent>
-          </a:graphicData>
-        </a:graphic>
-      </p:graphicFrame>
+      <p:pic>
+        <p:nvPicPr>
+          <p:cNvPr id="3" name="Picture 2"/>
+          <p:cNvPicPr>
+            <a:picLocks noChangeAspect="1"/>
+          </p:cNvPicPr>
+          <p:nvPr/>
+        </p:nvPicPr>
+        <p:blipFill>
+          <a:blip r:embed="rId3"/>
+          <a:stretch>
+            <a:fillRect/>
+          </a:stretch>
+        </p:blipFill>
+        <p:spPr>
+          <a:xfrm>
+            <a:off x="1555838" y="1124744"/>
+            <a:ext cx="6032323" cy="4805809"/>
+          </a:xfrm>
+          <a:prstGeom prst="rect">
+            <a:avLst/>
+          </a:prstGeom>
+        </p:spPr>
+      </p:pic>
     </p:spTree>
     <p:extLst>
       <p:ext uri="{BB962C8B-B14F-4D97-AF65-F5344CB8AC3E}">
@@ -12017,6 +12092,13 @@
               <a:rPr lang="en-US" dirty="0"/>
               <a:t>Wireless Channel</a:t>
             </a:r>
+            <a:br>
+              <a:rPr lang="en-US" dirty="0"/>
+            </a:br>
+            <a:r>
+              <a:rPr lang="en-US" sz="1800" dirty="0"/>
+              <a:t>Fading</a:t>
+            </a:r>
             <a:endParaRPr lang="el-GR" dirty="0"/>
           </a:p>
         </p:txBody>
@@ -12115,6 +12197,13 @@
               <a:rPr lang="en-US" dirty="0"/>
               <a:t>Wireless Channel</a:t>
             </a:r>
+            <a:br>
+              <a:rPr lang="en-US" dirty="0"/>
+            </a:br>
+            <a:r>
+              <a:rPr lang="en-US" sz="1800" dirty="0"/>
+              <a:t>Fading</a:t>
+            </a:r>
             <a:endParaRPr lang="el-GR" dirty="0"/>
           </a:p>
         </p:txBody>
@@ -12135,8 +12224,8 @@
         </p:blipFill>
         <p:spPr>
           <a:xfrm>
-            <a:off x="1481137" y="1124744"/>
-            <a:ext cx="6181725" cy="4876800"/>
+            <a:off x="1481137" y="1268760"/>
+            <a:ext cx="6181725" cy="4732784"/>
           </a:xfrm>
           <a:prstGeom prst="rect">
             <a:avLst/>
@@ -12195,6 +12284,13 @@
             <a:r>
               <a:rPr lang="en-US" dirty="0"/>
               <a:t>Statistical Aspect</a:t>
+            </a:r>
+            <a:br>
+              <a:rPr lang="en-US" dirty="0"/>
+            </a:br>
+            <a:r>
+              <a:rPr lang="en-US" sz="1600" dirty="0"/>
+              <a:t>Estimation</a:t>
             </a:r>
             <a:endParaRPr lang="el-GR" dirty="0"/>
           </a:p>
@@ -12302,6 +12398,13 @@
               <a:rPr lang="en-US" dirty="0"/>
               <a:t>Statistical Aspect</a:t>
             </a:r>
+            <a:br>
+              <a:rPr lang="en-US" dirty="0"/>
+            </a:br>
+            <a:r>
+              <a:rPr lang="en-US" sz="1600" dirty="0" err="1"/>
+              <a:t>Boothstrap</a:t>
+            </a:r>
             <a:endParaRPr lang="el-GR" dirty="0"/>
           </a:p>
         </p:txBody>
@@ -12347,14 +12450,44 @@
         </p:blipFill>
         <p:spPr>
           <a:xfrm>
-            <a:off x="1430778" y="1124744"/>
-            <a:ext cx="6282444" cy="4650044"/>
+            <a:off x="1430778" y="1196752"/>
+            <a:ext cx="6282444" cy="4578036"/>
           </a:xfrm>
           <a:prstGeom prst="rect">
             <a:avLst/>
           </a:prstGeom>
         </p:spPr>
       </p:pic>
+      <p:sp>
+        <p:nvSpPr>
+          <p:cNvPr id="4" name="TextBox 3"/>
+          <p:cNvSpPr txBox="1"/>
+          <p:nvPr/>
+        </p:nvSpPr>
+        <p:spPr>
+          <a:xfrm>
+            <a:off x="4067944" y="3861048"/>
+            <a:ext cx="1170513" cy="369332"/>
+          </a:xfrm>
+          <a:prstGeom prst="rect">
+            <a:avLst/>
+          </a:prstGeom>
+          <a:noFill/>
+        </p:spPr>
+        <p:txBody>
+          <a:bodyPr wrap="none" rtlCol="0">
+            <a:spAutoFit/>
+          </a:bodyPr>
+          <a:lstStyle/>
+          <a:p>
+            <a:r>
+              <a:rPr lang="da-DK" dirty="0"/>
+              <a:t>± 0.82 dB</a:t>
+            </a:r>
+            <a:endParaRPr lang="en-US" dirty="0"/>
+          </a:p>
+        </p:txBody>
+      </p:sp>
     </p:spTree>
     <p:extLst>
       <p:ext uri="{BB962C8B-B14F-4D97-AF65-F5344CB8AC3E}">

--- a/ppt/final.pptx
+++ b/ppt/final.pptx
@@ -139,7 +139,7 @@
   </p:defaultTextStyle>
   <p:extLst>
     <p:ext uri="{EFAFB233-063F-42B5-8137-9DF3F51BA10A}">
-      <p15:sldGuideLst xmlns:p15="http://schemas.microsoft.com/office/powerpoint/2012/main">
+      <p15:sldGuideLst xmlns:p15="http://schemas.microsoft.com/office/powerpoint/2012/main" xmlns="">
         <p15:guide id="1" orient="horz" pos="2160">
           <p15:clr>
             <a:srgbClr val="A4A3A4"/>
@@ -400,7 +400,7 @@
           <a:p>
             <a:fld id="{A5874EA0-E96F-4A9F-BECE-F82ED93FDC31}" type="slidenum">
               <a:rPr lang="da-DK" smtClean="0"/>
-              <a:t>‹nr.›</a:t>
+              <a:t>‹#›</a:t>
             </a:fld>
             <a:endParaRPr lang="da-DK"/>
           </a:p>
@@ -1600,7 +1600,7 @@
           <a:p>
             <a:fld id="{409B8A6B-2702-4E09-BF63-7CC1F22DFC4D}" type="slidenum">
               <a:rPr lang="da-DK" smtClean="0"/>
-              <a:t>‹nr.›</a:t>
+              <a:t>‹#›</a:t>
             </a:fld>
             <a:endParaRPr lang="da-DK"/>
           </a:p>
@@ -2045,7 +2045,7 @@
           <a:p>
             <a:fld id="{409B8A6B-2702-4E09-BF63-7CC1F22DFC4D}" type="slidenum">
               <a:rPr lang="da-DK" smtClean="0"/>
-              <a:t>‹nr.›</a:t>
+              <a:t>‹#›</a:t>
             </a:fld>
             <a:endParaRPr lang="da-DK"/>
           </a:p>
@@ -2213,7 +2213,7 @@
           <a:p>
             <a:fld id="{409B8A6B-2702-4E09-BF63-7CC1F22DFC4D}" type="slidenum">
               <a:rPr lang="da-DK" smtClean="0"/>
-              <a:t>‹nr.›</a:t>
+              <a:t>‹#›</a:t>
             </a:fld>
             <a:endParaRPr lang="da-DK"/>
           </a:p>
@@ -2473,7 +2473,7 @@
           <a:p>
             <a:fld id="{409B8A6B-2702-4E09-BF63-7CC1F22DFC4D}" type="slidenum">
               <a:rPr lang="da-DK" smtClean="0"/>
-              <a:t>‹nr.›</a:t>
+              <a:t>‹#›</a:t>
             </a:fld>
             <a:endParaRPr lang="da-DK"/>
           </a:p>
@@ -2682,7 +2682,7 @@
           <a:p>
             <a:fld id="{409B8A6B-2702-4E09-BF63-7CC1F22DFC4D}" type="slidenum">
               <a:rPr lang="da-DK" smtClean="0"/>
-              <a:t>‹nr.›</a:t>
+              <a:t>‹#›</a:t>
             </a:fld>
             <a:endParaRPr lang="da-DK"/>
           </a:p>
@@ -2791,7 +2791,7 @@
           <a:p>
             <a:fld id="{409B8A6B-2702-4E09-BF63-7CC1F22DFC4D}" type="slidenum">
               <a:rPr lang="da-DK" smtClean="0"/>
-              <a:t>‹nr.›</a:t>
+              <a:t>‹#›</a:t>
             </a:fld>
             <a:endParaRPr lang="da-DK"/>
           </a:p>
@@ -3044,7 +3044,7 @@
             <a:fld id="{409B8A6B-2702-4E09-BF63-7CC1F22DFC4D}" type="slidenum">
               <a:rPr lang="da-DK" smtClean="0"/>
               <a:pPr/>
-              <a:t>‹nr.›</a:t>
+              <a:t>‹#›</a:t>
             </a:fld>
             <a:endParaRPr lang="da-DK" dirty="0"/>
           </a:p>
@@ -3375,7 +3375,7 @@
           <a:p>
             <a:fld id="{409B8A6B-2702-4E09-BF63-7CC1F22DFC4D}" type="slidenum">
               <a:rPr lang="da-DK" smtClean="0"/>
-              <a:t>‹nr.›</a:t>
+              <a:t>‹#›</a:t>
             </a:fld>
             <a:endParaRPr lang="da-DK"/>
           </a:p>
@@ -3489,7 +3489,7 @@
           <a:p>
             <a:fld id="{409B8A6B-2702-4E09-BF63-7CC1F22DFC4D}" type="slidenum">
               <a:rPr lang="da-DK" smtClean="0"/>
-              <a:t>‹nr.›</a:t>
+              <a:t>‹#›</a:t>
             </a:fld>
             <a:endParaRPr lang="da-DK"/>
           </a:p>
@@ -3937,7 +3937,7 @@
           <a:p>
             <a:fld id="{409B8A6B-2702-4E09-BF63-7CC1F22DFC4D}" type="slidenum">
               <a:rPr lang="da-DK" smtClean="0"/>
-              <a:t>‹nr.›</a:t>
+              <a:t>‹#›</a:t>
             </a:fld>
             <a:endParaRPr lang="da-DK"/>
           </a:p>
@@ -4307,7 +4307,7 @@
           <a:p>
             <a:fld id="{409B8A6B-2702-4E09-BF63-7CC1F22DFC4D}" type="slidenum">
               <a:rPr lang="da-DK" smtClean="0"/>
-              <a:t>‹nr.›</a:t>
+              <a:t>‹#›</a:t>
             </a:fld>
             <a:endParaRPr lang="da-DK"/>
           </a:p>
@@ -4386,7 +4386,7 @@
           <a:p>
             <a:fld id="{409B8A6B-2702-4E09-BF63-7CC1F22DFC4D}" type="slidenum">
               <a:rPr lang="da-DK" smtClean="0"/>
-              <a:t>‹nr.›</a:t>
+              <a:t>‹#›</a:t>
             </a:fld>
             <a:endParaRPr lang="da-DK"/>
           </a:p>
@@ -4583,7 +4583,7 @@
           <a:p>
             <a:fld id="{409B8A6B-2702-4E09-BF63-7CC1F22DFC4D}" type="slidenum">
               <a:rPr lang="da-DK" smtClean="0"/>
-              <a:t>‹nr.›</a:t>
+              <a:t>‹#›</a:t>
             </a:fld>
             <a:endParaRPr lang="da-DK"/>
           </a:p>
@@ -4927,7 +4927,7 @@
             <a:fld id="{409B8A6B-2702-4E09-BF63-7CC1F22DFC4D}" type="slidenum">
               <a:rPr lang="da-DK" smtClean="0"/>
               <a:pPr/>
-              <a:t>‹nr.›</a:t>
+              <a:t>‹#›</a:t>
             </a:fld>
             <a:endParaRPr lang="da-DK" dirty="0"/>
           </a:p>
@@ -6481,13 +6481,33 @@
         </p:nvSpPr>
         <p:spPr/>
         <p:txBody>
-          <a:bodyPr/>
+          <a:bodyPr>
+            <a:normAutofit lnSpcReduction="10000"/>
+          </a:bodyPr>
           <a:lstStyle/>
           <a:p>
             <a:r>
               <a:rPr lang="en-US" dirty="0" smtClean="0"/>
               <a:t>Sensitivity of the receiver to Max signal strength</a:t>
             </a:r>
+          </a:p>
+          <a:p>
+            <a:endParaRPr lang="en-US" dirty="0" smtClean="0"/>
+          </a:p>
+          <a:p>
+            <a:endParaRPr lang="en-US" dirty="0" smtClean="0"/>
+          </a:p>
+          <a:p>
+            <a:endParaRPr lang="en-US" dirty="0"/>
+          </a:p>
+          <a:p>
+            <a:endParaRPr lang="en-US" dirty="0" smtClean="0"/>
+          </a:p>
+          <a:p>
+            <a:endParaRPr lang="en-US" dirty="0"/>
+          </a:p>
+          <a:p>
+            <a:endParaRPr lang="en-US" dirty="0" smtClean="0"/>
           </a:p>
           <a:p>
             <a:endParaRPr lang="en-US" dirty="0" smtClean="0"/>
@@ -6546,6 +6566,36 @@
           <a:xfrm>
             <a:off x="827584" y="1988840"/>
             <a:ext cx="2210108" cy="523948"/>
+          </a:xfrm>
+          <a:prstGeom prst="rect">
+            <a:avLst/>
+          </a:prstGeom>
+        </p:spPr>
+      </p:pic>
+      <p:pic>
+        <p:nvPicPr>
+          <p:cNvPr id="5" name="Picture 4"/>
+          <p:cNvPicPr>
+            <a:picLocks noChangeAspect="1"/>
+          </p:cNvPicPr>
+          <p:nvPr/>
+        </p:nvPicPr>
+        <p:blipFill>
+          <a:blip r:embed="rId3" cstate="print">
+            <a:extLst>
+              <a:ext uri="{28A0092B-C50C-407E-A947-70E740481C1C}">
+                <a14:useLocalDpi xmlns:a14="http://schemas.microsoft.com/office/drawing/2010/main" val="0"/>
+              </a:ext>
+            </a:extLst>
+          </a:blip>
+          <a:stretch>
+            <a:fillRect/>
+          </a:stretch>
+        </p:blipFill>
+        <p:spPr>
+          <a:xfrm>
+            <a:off x="2843808" y="1988840"/>
+            <a:ext cx="2985058" cy="2232248"/>
           </a:xfrm>
           <a:prstGeom prst="rect">
             <a:avLst/>
@@ -6628,7 +6678,9 @@
         </p:nvSpPr>
         <p:spPr/>
         <p:txBody>
-          <a:bodyPr/>
+          <a:bodyPr>
+            <a:normAutofit/>
+          </a:bodyPr>
           <a:lstStyle/>
           <a:p>
             <a:r>
@@ -6653,23 +6705,36 @@
             </a:pPr>
             <a:r>
               <a:rPr lang="en-US" dirty="0" smtClean="0"/>
-              <a:t>LOS connection</a:t>
-            </a:r>
-          </a:p>
-          <a:p>
-            <a:pPr lvl="1">
-              <a:buFont typeface="Wingdings" pitchFamily="2" charset="2"/>
-              <a:buChar char="Ø"/>
+              <a:t>K-factor </a:t>
+            </a:r>
+            <a:r>
+              <a:rPr lang="en-US" dirty="0" smtClean="0"/>
+              <a:t>is </a:t>
+            </a:r>
+            <a:r>
+              <a:rPr lang="en-US" dirty="0" smtClean="0"/>
+              <a:t>constant </a:t>
+            </a:r>
+            <a:r>
+              <a:rPr lang="en-US" dirty="0" smtClean="0"/>
+              <a:t>signal to </a:t>
+            </a:r>
+            <a:r>
+              <a:rPr lang="en-US" dirty="0" smtClean="0"/>
+              <a:t>noise</a:t>
+            </a:r>
+          </a:p>
+          <a:p>
+            <a:pPr marL="457200" lvl="1" indent="0">
+              <a:buNone/>
             </a:pPr>
             <a:r>
               <a:rPr lang="en-US" dirty="0" smtClean="0"/>
-              <a:t>K-factor is LOS signal to scattered signals</a:t>
-            </a:r>
-          </a:p>
-          <a:p>
+              <a:t>K-factor </a:t>
+            </a:r>
             <a:r>
               <a:rPr lang="en-US" dirty="0" smtClean="0"/>
-              <a:t>K-factor to SNR connection</a:t>
+              <a:t>to SNR connection</a:t>
             </a:r>
           </a:p>
           <a:p>
@@ -6683,6 +6748,9 @@
           </a:p>
           <a:p>
             <a:endParaRPr lang="en-US" dirty="0"/>
+          </a:p>
+          <a:p>
+            <a:endParaRPr lang="en-US" dirty="0" smtClean="0"/>
           </a:p>
           <a:p>
             <a:endParaRPr lang="en-US" dirty="0" smtClean="0"/>
@@ -6709,14 +6777,14 @@
       </p:sp>
       <p:pic>
         <p:nvPicPr>
-          <p:cNvPr id="4" name="Picture 3"/>
+          <p:cNvPr id="5" name="Picture 4"/>
           <p:cNvPicPr>
             <a:picLocks noChangeAspect="1"/>
           </p:cNvPicPr>
           <p:nvPr/>
         </p:nvPicPr>
         <p:blipFill>
-          <a:blip r:embed="rId2">
+          <a:blip r:embed="rId2" cstate="print">
             <a:extLst>
               <a:ext uri="{28A0092B-C50C-407E-A947-70E740481C1C}">
                 <a14:useLocalDpi xmlns:a14="http://schemas.microsoft.com/office/drawing/2010/main" val="0"/>
@@ -6729,8 +6797,8 @@
         </p:blipFill>
         <p:spPr>
           <a:xfrm>
-            <a:off x="755577" y="3212976"/>
-            <a:ext cx="2751801" cy="2016224"/>
+            <a:off x="755576" y="2852936"/>
+            <a:ext cx="2893694" cy="2328698"/>
           </a:xfrm>
           <a:prstGeom prst="rect">
             <a:avLst/>
@@ -6984,16 +7052,11 @@
               <a:rPr lang="en-US" dirty="0" smtClean="0"/>
               <a:t>Normalization of signal</a:t>
             </a:r>
-            <a:endParaRPr lang="en-US" dirty="0" smtClean="0"/>
           </a:p>
           <a:p>
             <a:r>
               <a:rPr lang="en-US" dirty="0" smtClean="0"/>
-              <a:t>RX </a:t>
-            </a:r>
-            <a:r>
-              <a:rPr lang="en-US" dirty="0" smtClean="0"/>
-              <a:t>omnidirectional antenna array fc 5GHz and 0.4</a:t>
+              <a:t>RX omnidirectional antenna array fc 5GHz and 0.4</a:t>
             </a:r>
             <a:r>
               <a:rPr lang="el-GR" dirty="0" smtClean="0"/>
@@ -11802,7 +11865,7 @@
           <a:graphicData uri="http://schemas.openxmlformats.org/presentationml/2006/ole">
             <mc:AlternateContent xmlns:mc="http://schemas.openxmlformats.org/markup-compatibility/2006">
               <mc:Choice xmlns:v="urn:schemas-microsoft-com:vml" Requires="v">
-                <p:oleObj spid="_x0000_s1040" name="Acrobat Document" r:id="rId4" imgW="2743200" imgH="2178925" progId="AcroExch.Document.DC">
+                <p:oleObj spid="_x0000_s1043" name="Acrobat Document" r:id="rId4" imgW="2743200" imgH="2178925" progId="AcroExch.Document.DC">
                   <p:embed/>
                 </p:oleObj>
               </mc:Choice>

--- a/ppt/final.pptx
+++ b/ppt/final.pptx
@@ -5,7 +5,7 @@
     <p:sldMasterId id="2147483648" r:id="rId1"/>
   </p:sldMasterIdLst>
   <p:notesMasterIdLst>
-    <p:notesMasterId r:id="rId33"/>
+    <p:notesMasterId r:id="rId34"/>
   </p:notesMasterIdLst>
   <p:sldIdLst>
     <p:sldId id="256" r:id="rId2"/>
@@ -22,23 +22,24 @@
     <p:sldId id="270" r:id="rId13"/>
     <p:sldId id="271" r:id="rId14"/>
     <p:sldId id="272" r:id="rId15"/>
-    <p:sldId id="273" r:id="rId16"/>
-    <p:sldId id="274" r:id="rId17"/>
+    <p:sldId id="293" r:id="rId16"/>
+    <p:sldId id="294" r:id="rId17"/>
     <p:sldId id="275" r:id="rId18"/>
     <p:sldId id="276" r:id="rId19"/>
-    <p:sldId id="277" r:id="rId20"/>
-    <p:sldId id="278" r:id="rId21"/>
-    <p:sldId id="279" r:id="rId22"/>
-    <p:sldId id="280" r:id="rId23"/>
-    <p:sldId id="281" r:id="rId24"/>
-    <p:sldId id="282" r:id="rId25"/>
-    <p:sldId id="283" r:id="rId26"/>
-    <p:sldId id="284" r:id="rId27"/>
+    <p:sldId id="295" r:id="rId20"/>
+    <p:sldId id="296" r:id="rId21"/>
+    <p:sldId id="297" r:id="rId22"/>
+    <p:sldId id="298" r:id="rId23"/>
+    <p:sldId id="299" r:id="rId24"/>
+    <p:sldId id="300" r:id="rId25"/>
+    <p:sldId id="301" r:id="rId26"/>
+    <p:sldId id="302" r:id="rId27"/>
     <p:sldId id="285" r:id="rId28"/>
     <p:sldId id="286" r:id="rId29"/>
     <p:sldId id="287" r:id="rId30"/>
     <p:sldId id="288" r:id="rId31"/>
-    <p:sldId id="289" r:id="rId32"/>
+    <p:sldId id="292" r:id="rId32"/>
+    <p:sldId id="289" r:id="rId33"/>
   </p:sldIdLst>
   <p:sldSz cx="9144000" cy="6858000" type="screen4x3"/>
   <p:notesSz cx="6858000" cy="9144000"/>
@@ -6481,13 +6482,33 @@
         </p:nvSpPr>
         <p:spPr/>
         <p:txBody>
-          <a:bodyPr/>
+          <a:bodyPr>
+            <a:normAutofit lnSpcReduction="10000"/>
+          </a:bodyPr>
           <a:lstStyle/>
           <a:p>
             <a:r>
               <a:rPr lang="en-US" dirty="0" smtClean="0"/>
               <a:t>Sensitivity of the receiver to Max signal strength</a:t>
             </a:r>
+          </a:p>
+          <a:p>
+            <a:endParaRPr lang="en-US" dirty="0" smtClean="0"/>
+          </a:p>
+          <a:p>
+            <a:endParaRPr lang="en-US" dirty="0" smtClean="0"/>
+          </a:p>
+          <a:p>
+            <a:endParaRPr lang="en-US" dirty="0"/>
+          </a:p>
+          <a:p>
+            <a:endParaRPr lang="en-US" dirty="0" smtClean="0"/>
+          </a:p>
+          <a:p>
+            <a:endParaRPr lang="en-US" dirty="0"/>
+          </a:p>
+          <a:p>
+            <a:endParaRPr lang="en-US" dirty="0" smtClean="0"/>
           </a:p>
           <a:p>
             <a:endParaRPr lang="en-US" dirty="0" smtClean="0"/>
@@ -6552,10 +6573,40 @@
           </a:prstGeom>
         </p:spPr>
       </p:pic>
+      <p:pic>
+        <p:nvPicPr>
+          <p:cNvPr id="5" name="Picture 4"/>
+          <p:cNvPicPr>
+            <a:picLocks noChangeAspect="1"/>
+          </p:cNvPicPr>
+          <p:nvPr/>
+        </p:nvPicPr>
+        <p:blipFill>
+          <a:blip r:embed="rId3" cstate="print">
+            <a:extLst>
+              <a:ext uri="{28A0092B-C50C-407E-A947-70E740481C1C}">
+                <a14:useLocalDpi xmlns:a14="http://schemas.microsoft.com/office/drawing/2010/main" val="0"/>
+              </a:ext>
+            </a:extLst>
+          </a:blip>
+          <a:stretch>
+            <a:fillRect/>
+          </a:stretch>
+        </p:blipFill>
+        <p:spPr>
+          <a:xfrm>
+            <a:off x="2843808" y="1988840"/>
+            <a:ext cx="2985058" cy="2232248"/>
+          </a:xfrm>
+          <a:prstGeom prst="rect">
+            <a:avLst/>
+          </a:prstGeom>
+        </p:spPr>
+      </p:pic>
     </p:spTree>
     <p:extLst>
       <p:ext uri="{BB962C8B-B14F-4D97-AF65-F5344CB8AC3E}">
-        <p14:creationId xmlns:p14="http://schemas.microsoft.com/office/powerpoint/2010/main" val="1766228190"/>
+        <p14:creationId xmlns:p14="http://schemas.microsoft.com/office/powerpoint/2010/main" val="2316750202"/>
       </p:ext>
     </p:extLst>
   </p:cSld>
@@ -6628,7 +6679,9 @@
         </p:nvSpPr>
         <p:spPr/>
         <p:txBody>
-          <a:bodyPr/>
+          <a:bodyPr>
+            <a:normAutofit/>
+          </a:bodyPr>
           <a:lstStyle/>
           <a:p>
             <a:r>
@@ -6653,20 +6706,13 @@
             </a:pPr>
             <a:r>
               <a:rPr lang="en-US" dirty="0" smtClean="0"/>
-              <a:t>LOS connection</a:t>
-            </a:r>
-          </a:p>
-          <a:p>
-            <a:pPr lvl="1">
-              <a:buFont typeface="Wingdings" pitchFamily="2" charset="2"/>
-              <a:buChar char="Ø"/>
+              <a:t>K-factor is constant signal to noise</a:t>
+            </a:r>
+          </a:p>
+          <a:p>
+            <a:pPr marL="457200" lvl="1" indent="0">
+              <a:buNone/>
             </a:pPr>
-            <a:r>
-              <a:rPr lang="en-US" dirty="0" smtClean="0"/>
-              <a:t>K-factor is LOS signal to scattered signals</a:t>
-            </a:r>
-          </a:p>
-          <a:p>
             <a:r>
               <a:rPr lang="en-US" dirty="0" smtClean="0"/>
               <a:t>K-factor to SNR connection</a:t>
@@ -6688,6 +6734,9 @@
             <a:endParaRPr lang="en-US" dirty="0" smtClean="0"/>
           </a:p>
           <a:p>
+            <a:endParaRPr lang="en-US" dirty="0" smtClean="0"/>
+          </a:p>
+          <a:p>
             <a:endParaRPr lang="en-US" dirty="0"/>
           </a:p>
           <a:p>
@@ -6709,14 +6758,14 @@
       </p:sp>
       <p:pic>
         <p:nvPicPr>
-          <p:cNvPr id="4" name="Picture 3"/>
+          <p:cNvPr id="5" name="Picture 4"/>
           <p:cNvPicPr>
             <a:picLocks noChangeAspect="1"/>
           </p:cNvPicPr>
           <p:nvPr/>
         </p:nvPicPr>
         <p:blipFill>
-          <a:blip r:embed="rId2">
+          <a:blip r:embed="rId2" cstate="print">
             <a:extLst>
               <a:ext uri="{28A0092B-C50C-407E-A947-70E740481C1C}">
                 <a14:useLocalDpi xmlns:a14="http://schemas.microsoft.com/office/drawing/2010/main" val="0"/>
@@ -6729,8 +6778,8 @@
         </p:blipFill>
         <p:spPr>
           <a:xfrm>
-            <a:off x="755577" y="3212976"/>
-            <a:ext cx="2751801" cy="2016224"/>
+            <a:off x="755576" y="2852936"/>
+            <a:ext cx="2893694" cy="2328698"/>
           </a:xfrm>
           <a:prstGeom prst="rect">
             <a:avLst/>
@@ -6740,7 +6789,7 @@
     </p:spTree>
     <p:extLst>
       <p:ext uri="{BB962C8B-B14F-4D97-AF65-F5344CB8AC3E}">
-        <p14:creationId xmlns:p14="http://schemas.microsoft.com/office/powerpoint/2010/main" val="1460554965"/>
+        <p14:creationId xmlns:p14="http://schemas.microsoft.com/office/powerpoint/2010/main" val="2669373436"/>
       </p:ext>
     </p:extLst>
   </p:cSld>
@@ -7084,14 +7133,14 @@
       </p:grpSpPr>
       <p:sp>
         <p:nvSpPr>
-          <p:cNvPr id="118" name="CustomShape 1"/>
+          <p:cNvPr id="229" name="CustomShape 1"/>
           <p:cNvSpPr/>
           <p:nvPr/>
         </p:nvSpPr>
         <p:spPr>
           <a:xfrm>
             <a:off x="457200" y="274680"/>
-            <a:ext cx="8228880" cy="1142280"/>
+            <a:ext cx="8228520" cy="1141920"/>
           </a:xfrm>
           <a:prstGeom prst="rect">
             <a:avLst/>
@@ -7152,14 +7201,14 @@
       </p:sp>
       <p:sp>
         <p:nvSpPr>
-          <p:cNvPr id="119" name="CustomShape 2"/>
+          <p:cNvPr id="230" name="CustomShape 2"/>
           <p:cNvSpPr/>
           <p:nvPr/>
         </p:nvSpPr>
         <p:spPr>
           <a:xfrm>
             <a:off x="457200" y="1416960"/>
-            <a:ext cx="8228880" cy="4276440"/>
+            <a:ext cx="8228520" cy="4276080"/>
           </a:xfrm>
           <a:prstGeom prst="rect">
             <a:avLst/>
@@ -7185,7 +7234,7 @@
           <a:bodyPr lIns="90000" tIns="45000" rIns="90000" bIns="45000"/>
           <a:lstStyle/>
           <a:p>
-            <a:pPr marL="343080" indent="-342360">
+            <a:pPr marL="343080" indent="-342000">
               <a:lnSpc>
                 <a:spcPct val="100000"/>
               </a:lnSpc>
@@ -7199,7 +7248,7 @@
               <a:buChar char="•"/>
             </a:pPr>
             <a:r>
-              <a:rPr lang="en-US" sz="1800" b="0" strike="noStrike" spc="-1" dirty="0">
+              <a:rPr lang="en-US" sz="1800" b="0" strike="noStrike" spc="-1">
                 <a:solidFill>
                   <a:srgbClr val="211A52"/>
                 </a:solidFill>
@@ -7212,7 +7261,7 @@
               </a:rPr>
               <a:t>PDP measurement</a:t>
             </a:r>
-            <a:endParaRPr lang="en-US" sz="1800" b="0" strike="noStrike" spc="-1" dirty="0">
+            <a:endParaRPr lang="en-US" sz="1800" b="0" strike="noStrike" spc="-1">
               <a:solidFill>
                 <a:srgbClr val="000000"/>
               </a:solidFill>
@@ -7225,7 +7274,7 @@
             </a:endParaRPr>
           </a:p>
           <a:p>
-            <a:pPr marL="343080" indent="-342360">
+            <a:pPr marL="343080" indent="-342000">
               <a:lnSpc>
                 <a:spcPct val="100000"/>
               </a:lnSpc>
@@ -7239,7 +7288,7 @@
               <a:buChar char="•"/>
             </a:pPr>
             <a:r>
-              <a:rPr lang="en-US" sz="1800" b="0" strike="noStrike" spc="-1" dirty="0">
+              <a:rPr lang="en-US" sz="1800" b="0" strike="noStrike" spc="-1">
                 <a:solidFill>
                   <a:srgbClr val="211A52"/>
                 </a:solidFill>
@@ -7252,7 +7301,7 @@
               </a:rPr>
               <a:t>20 different positions in the measurement area</a:t>
             </a:r>
-            <a:endParaRPr lang="en-US" sz="1800" b="0" strike="noStrike" spc="-1" dirty="0">
+            <a:endParaRPr lang="en-US" sz="1800" b="0" strike="noStrike" spc="-1">
               <a:solidFill>
                 <a:srgbClr val="000000"/>
               </a:solidFill>
@@ -7265,7 +7314,7 @@
             </a:endParaRPr>
           </a:p>
           <a:p>
-            <a:pPr marL="343080" indent="-342360">
+            <a:pPr marL="343080" indent="-342000">
               <a:lnSpc>
                 <a:spcPct val="100000"/>
               </a:lnSpc>
@@ -7279,7 +7328,7 @@
               <a:buChar char="•"/>
             </a:pPr>
             <a:r>
-              <a:rPr lang="en-US" sz="1800" b="0" strike="noStrike" spc="-1" dirty="0">
+              <a:rPr lang="en-US" sz="1800" b="0" strike="noStrike" spc="-1">
                 <a:solidFill>
                   <a:srgbClr val="211A52"/>
                 </a:solidFill>
@@ -7292,7 +7341,7 @@
               </a:rPr>
               <a:t>RMS delay spread 14ns = 71.5MHz</a:t>
             </a:r>
-            <a:endParaRPr lang="en-US" sz="1800" b="0" strike="noStrike" spc="-1" dirty="0">
+            <a:endParaRPr lang="en-US" sz="1800" b="0" strike="noStrike" spc="-1">
               <a:solidFill>
                 <a:srgbClr val="000000"/>
               </a:solidFill>
@@ -7305,7 +7354,7 @@
             </a:endParaRPr>
           </a:p>
           <a:p>
-            <a:pPr marL="343080" indent="-342360">
+            <a:pPr marL="343080" indent="-342000">
               <a:lnSpc>
                 <a:spcPct val="100000"/>
               </a:lnSpc>
@@ -7319,7 +7368,7 @@
               <a:buChar char="•"/>
             </a:pPr>
             <a:r>
-              <a:rPr lang="en-US" sz="1800" b="0" strike="noStrike" spc="-1" dirty="0">
+              <a:rPr lang="en-US" sz="1800" b="0" strike="noStrike" spc="-1">
                 <a:solidFill>
                   <a:srgbClr val="211A52"/>
                 </a:solidFill>
@@ -7330,37 +7379,9 @@
                 </a:uFill>
                 <a:latin typeface="Arial"/>
               </a:rPr>
-              <a:t>New measurement with </a:t>
-            </a:r>
-            <a:r>
-              <a:rPr lang="en-US" sz="1800" b="0" strike="noStrike" spc="-1" dirty="0" err="1">
-                <a:solidFill>
-                  <a:srgbClr val="211A52"/>
-                </a:solidFill>
-                <a:uFill>
-                  <a:solidFill>
-                    <a:srgbClr val="FFFFFF"/>
-                  </a:solidFill>
-                </a:uFill>
-                <a:latin typeface="Arial"/>
-              </a:rPr>
-              <a:t>Δf</a:t>
-            </a:r>
-            <a:r>
-              <a:rPr lang="en-US" sz="1800" b="0" strike="noStrike" spc="-1" dirty="0">
-                <a:solidFill>
-                  <a:srgbClr val="211A52"/>
-                </a:solidFill>
-                <a:uFill>
-                  <a:solidFill>
-                    <a:srgbClr val="FFFFFF"/>
-                  </a:solidFill>
-                </a:uFill>
-                <a:latin typeface="Arial"/>
-              </a:rPr>
-              <a:t> 5MHz</a:t>
-            </a:r>
-            <a:endParaRPr lang="en-US" sz="1800" b="0" strike="noStrike" spc="-1" dirty="0">
+              <a:t>New measurement with Δf 5MHz</a:t>
+            </a:r>
+            <a:endParaRPr lang="en-US" sz="1800" b="0" strike="noStrike" spc="-1">
               <a:solidFill>
                 <a:srgbClr val="000000"/>
               </a:solidFill>
@@ -7373,7 +7394,7 @@
             </a:endParaRPr>
           </a:p>
           <a:p>
-            <a:pPr marL="343080" indent="-342360">
+            <a:pPr marL="343080" indent="-342000">
               <a:lnSpc>
                 <a:spcPct val="100000"/>
               </a:lnSpc>
@@ -7387,7 +7408,7 @@
               <a:buChar char="•"/>
             </a:pPr>
             <a:r>
-              <a:rPr lang="en-US" sz="1800" b="0" strike="noStrike" spc="-1" dirty="0">
+              <a:rPr lang="en-US" sz="1800" b="0" strike="noStrike" spc="-1">
                 <a:solidFill>
                   <a:srgbClr val="211A52"/>
                 </a:solidFill>
@@ -7400,7 +7421,7 @@
               </a:rPr>
               <a:t>Autocorrelation function to determine the Frequency Correlation</a:t>
             </a:r>
-            <a:endParaRPr lang="en-US" sz="1800" b="0" strike="noStrike" spc="-1" dirty="0">
+            <a:endParaRPr lang="en-US" sz="1800" b="0" strike="noStrike" spc="-1">
               <a:solidFill>
                 <a:srgbClr val="000000"/>
               </a:solidFill>
@@ -7413,7 +7434,7 @@
             </a:endParaRPr>
           </a:p>
           <a:p>
-            <a:pPr marL="343080" indent="-342360">
+            <a:pPr marL="343080" indent="-342000">
               <a:lnSpc>
                 <a:spcPct val="100000"/>
               </a:lnSpc>
@@ -7427,7 +7448,7 @@
               <a:buChar char="•"/>
             </a:pPr>
             <a:r>
-              <a:rPr lang="en-US" sz="1800" b="0" strike="noStrike" spc="-1" dirty="0">
+              <a:rPr lang="en-US" sz="1800" b="0" strike="noStrike" spc="-1">
                 <a:solidFill>
                   <a:srgbClr val="211A52"/>
                 </a:solidFill>
@@ -7438,37 +7459,9 @@
                 </a:uFill>
                 <a:latin typeface="Arial"/>
               </a:rPr>
-              <a:t>Correlation &lt; 0.3 with </a:t>
-            </a:r>
-            <a:r>
-              <a:rPr lang="en-US" sz="1800" b="0" strike="noStrike" spc="-1" dirty="0" err="1">
-                <a:solidFill>
-                  <a:srgbClr val="211A52"/>
-                </a:solidFill>
-                <a:uFill>
-                  <a:solidFill>
-                    <a:srgbClr val="FFFFFF"/>
-                  </a:solidFill>
-                </a:uFill>
-                <a:latin typeface="Arial"/>
-              </a:rPr>
-              <a:t>Bc</a:t>
-            </a:r>
-            <a:r>
-              <a:rPr lang="en-US" sz="1800" b="0" strike="noStrike" spc="-1" dirty="0">
-                <a:solidFill>
-                  <a:srgbClr val="211A52"/>
-                </a:solidFill>
-                <a:uFill>
-                  <a:solidFill>
-                    <a:srgbClr val="FFFFFF"/>
-                  </a:solidFill>
-                </a:uFill>
-                <a:latin typeface="Arial"/>
-              </a:rPr>
-              <a:t> 25MHz </a:t>
-            </a:r>
-            <a:endParaRPr lang="en-US" sz="1800" b="0" strike="noStrike" spc="-1" dirty="0">
+              <a:t>Correlation &lt; 0.3 with Bc 25MHz </a:t>
+            </a:r>
+            <a:endParaRPr lang="en-US" sz="1800" b="0" strike="noStrike" spc="-1">
               <a:solidFill>
                 <a:srgbClr val="000000"/>
               </a:solidFill>
@@ -7484,18 +7477,19 @@
       </p:sp>
       <p:pic>
         <p:nvPicPr>
-          <p:cNvPr id="120" name="Picture 119"/>
+          <p:cNvPr id="231" name="Picture 119"/>
           <p:cNvPicPr/>
           <p:nvPr/>
         </p:nvPicPr>
         <p:blipFill>
           <a:blip r:embed="rId2"/>
+          <a:srcRect b="6524"/>
           <a:stretch/>
         </p:blipFill>
         <p:spPr>
           <a:xfrm>
             <a:off x="145440" y="3490920"/>
-            <a:ext cx="3670200" cy="3308760"/>
+            <a:ext cx="3669840" cy="3092400"/>
           </a:xfrm>
           <a:prstGeom prst="rect">
             <a:avLst/>
@@ -7507,18 +7501,19 @@
       </p:pic>
       <p:pic>
         <p:nvPicPr>
-          <p:cNvPr id="121" name="Picture 120"/>
+          <p:cNvPr id="232" name="Picture 120"/>
           <p:cNvPicPr/>
           <p:nvPr/>
         </p:nvPicPr>
         <p:blipFill>
           <a:blip r:embed="rId3"/>
+          <a:srcRect b="5668"/>
           <a:stretch/>
         </p:blipFill>
         <p:spPr>
           <a:xfrm rot="18000">
-            <a:off x="4946040" y="3302640"/>
-            <a:ext cx="4187880" cy="3478320"/>
+            <a:off x="4946400" y="3291840"/>
+            <a:ext cx="4187520" cy="3280680"/>
           </a:xfrm>
           <a:prstGeom prst="rect">
             <a:avLst/>
@@ -7531,7 +7526,7 @@
     </p:spTree>
     <p:extLst>
       <p:ext uri="{BB962C8B-B14F-4D97-AF65-F5344CB8AC3E}">
-        <p14:creationId xmlns:p14="http://schemas.microsoft.com/office/powerpoint/2010/main" val="3658663932"/>
+        <p14:creationId xmlns:p14="http://schemas.microsoft.com/office/powerpoint/2010/main" val="3741094413"/>
       </p:ext>
     </p:extLst>
   </p:cSld>
@@ -8072,14 +8067,14 @@
       </p:grpSpPr>
       <p:sp>
         <p:nvSpPr>
-          <p:cNvPr id="122" name="CustomShape 1"/>
+          <p:cNvPr id="233" name="CustomShape 1"/>
           <p:cNvSpPr/>
           <p:nvPr/>
         </p:nvSpPr>
         <p:spPr>
           <a:xfrm>
             <a:off x="457200" y="274680"/>
-            <a:ext cx="8228880" cy="1142280"/>
+            <a:ext cx="8228520" cy="1141920"/>
           </a:xfrm>
           <a:prstGeom prst="rect">
             <a:avLst/>
@@ -8140,14 +8135,14 @@
       </p:sp>
       <p:sp>
         <p:nvSpPr>
-          <p:cNvPr id="123" name="CustomShape 2"/>
+          <p:cNvPr id="234" name="CustomShape 2"/>
           <p:cNvSpPr/>
           <p:nvPr/>
         </p:nvSpPr>
         <p:spPr>
           <a:xfrm>
             <a:off x="457200" y="1600200"/>
-            <a:ext cx="8228880" cy="4276440"/>
+            <a:ext cx="8228520" cy="4276080"/>
           </a:xfrm>
           <a:prstGeom prst="rect">
             <a:avLst/>
@@ -8173,7 +8168,7 @@
           <a:bodyPr lIns="90000" tIns="45000" rIns="90000" bIns="45000"/>
           <a:lstStyle/>
           <a:p>
-            <a:pPr marL="343080" indent="-342360">
+            <a:pPr marL="343080" indent="-342000">
               <a:lnSpc>
                 <a:spcPct val="100000"/>
               </a:lnSpc>
@@ -8187,7 +8182,7 @@
               <a:buChar char="•"/>
             </a:pPr>
             <a:r>
-              <a:rPr lang="en-US" sz="1800" b="0" strike="noStrike" spc="-1" dirty="0" smtClean="0">
+              <a:rPr lang="en-US" sz="1800" b="0" strike="noStrike" spc="-1">
                 <a:solidFill>
                   <a:srgbClr val="211A52"/>
                 </a:solidFill>
@@ -8200,7 +8195,7 @@
               </a:rPr>
               <a:t>162 walks for total combined length of 810 meters</a:t>
             </a:r>
-            <a:endParaRPr lang="en-US" sz="1800" b="0" strike="noStrike" spc="-1" dirty="0" smtClean="0">
+            <a:endParaRPr lang="en-US" sz="1800" b="0" strike="noStrike" spc="-1">
               <a:solidFill>
                 <a:srgbClr val="000000"/>
               </a:solidFill>
@@ -8213,7 +8208,7 @@
             </a:endParaRPr>
           </a:p>
           <a:p>
-            <a:pPr marL="343080" indent="-342360">
+            <a:pPr marL="343080" indent="-342000">
               <a:lnSpc>
                 <a:spcPct val="100000"/>
               </a:lnSpc>
@@ -8227,7 +8222,7 @@
               <a:buChar char="•"/>
             </a:pPr>
             <a:r>
-              <a:rPr lang="en-US" sz="1800" b="0" strike="noStrike" spc="-1" dirty="0" smtClean="0">
+              <a:rPr lang="en-US" sz="1800" b="0" strike="noStrike" spc="-1">
                 <a:solidFill>
                   <a:srgbClr val="211A52"/>
                 </a:solidFill>
@@ -8240,9 +8235,20 @@
               </a:rPr>
               <a:t>41 frequency, 3 antennas and 34,020 space samples </a:t>
             </a:r>
-          </a:p>
-          <a:p>
-            <a:pPr marL="343080" indent="-342360">
+            <a:endParaRPr lang="en-US" sz="1800" b="0" strike="noStrike" spc="-1">
+              <a:solidFill>
+                <a:srgbClr val="000000"/>
+              </a:solidFill>
+              <a:uFill>
+                <a:solidFill>
+                  <a:srgbClr val="FFFFFF"/>
+                </a:solidFill>
+              </a:uFill>
+              <a:latin typeface="Arial"/>
+            </a:endParaRPr>
+          </a:p>
+          <a:p>
+            <a:pPr marL="343080" indent="-342000">
               <a:lnSpc>
                 <a:spcPct val="100000"/>
               </a:lnSpc>
@@ -8256,7 +8262,7 @@
               <a:buChar char="•"/>
             </a:pPr>
             <a:r>
-              <a:rPr lang="en-US" sz="1800" b="0" strike="noStrike" spc="-1" dirty="0" smtClean="0">
+              <a:rPr lang="en-US" sz="1800" b="0" strike="noStrike" spc="-1">
                 <a:solidFill>
                   <a:srgbClr val="211A52"/>
                 </a:solidFill>
@@ -8267,23 +8273,9 @@
                 </a:uFill>
                 <a:latin typeface="Arial"/>
               </a:rPr>
-              <a:t>Total </a:t>
-            </a:r>
-            <a:r>
-              <a:rPr lang="en-US" sz="1800" b="0" strike="noStrike" spc="-1" dirty="0">
-                <a:solidFill>
-                  <a:srgbClr val="211A52"/>
-                </a:solidFill>
-                <a:uFill>
-                  <a:solidFill>
-                    <a:srgbClr val="FFFFFF"/>
-                  </a:solidFill>
-                </a:uFill>
-                <a:latin typeface="Arial"/>
-              </a:rPr>
-              <a:t>4,184,460 samples</a:t>
-            </a:r>
-            <a:endParaRPr lang="en-US" sz="1800" b="0" strike="noStrike" spc="-1" dirty="0">
+              <a:t>Total 4,184,460 samples</a:t>
+            </a:r>
+            <a:endParaRPr lang="en-US" sz="1800" b="0" strike="noStrike" spc="-1">
               <a:solidFill>
                 <a:srgbClr val="000000"/>
               </a:solidFill>
@@ -8304,7 +8296,7 @@
                 <a:spcPts val="360"/>
               </a:spcBef>
             </a:pPr>
-            <a:endParaRPr lang="en-US" sz="1800" b="0" strike="noStrike" spc="-1" dirty="0">
+            <a:endParaRPr lang="en-US" sz="1800" b="0" strike="noStrike" spc="-1">
               <a:solidFill>
                 <a:srgbClr val="000000"/>
               </a:solidFill>
@@ -8320,32 +8312,31 @@
       </p:sp>
       <p:pic>
         <p:nvPicPr>
-          <p:cNvPr id="2" name="Billede 1"/>
-          <p:cNvPicPr>
-            <a:picLocks noChangeAspect="1"/>
-          </p:cNvPicPr>
+          <p:cNvPr id="235" name="Billede 1"/>
+          <p:cNvPicPr/>
           <p:nvPr/>
         </p:nvPicPr>
         <p:blipFill>
           <a:blip r:embed="rId2"/>
-          <a:stretch>
-            <a:fillRect/>
-          </a:stretch>
+          <a:stretch/>
         </p:blipFill>
         <p:spPr>
           <a:xfrm>
-            <a:off x="2004777" y="2636280"/>
-            <a:ext cx="5133725" cy="3240360"/>
+            <a:off x="2004840" y="2636280"/>
+            <a:ext cx="5133240" cy="3240000"/>
           </a:xfrm>
           <a:prstGeom prst="rect">
             <a:avLst/>
           </a:prstGeom>
+          <a:ln>
+            <a:noFill/>
+          </a:ln>
         </p:spPr>
       </p:pic>
     </p:spTree>
     <p:extLst>
       <p:ext uri="{BB962C8B-B14F-4D97-AF65-F5344CB8AC3E}">
-        <p14:creationId xmlns:p14="http://schemas.microsoft.com/office/powerpoint/2010/main" val="3952087984"/>
+        <p14:creationId xmlns:p14="http://schemas.microsoft.com/office/powerpoint/2010/main" val="963330599"/>
       </p:ext>
     </p:extLst>
   </p:cSld>
@@ -8404,14 +8395,14 @@
       </p:grpSpPr>
       <p:sp>
         <p:nvSpPr>
-          <p:cNvPr id="124" name="CustomShape 1"/>
+          <p:cNvPr id="236" name="CustomShape 1"/>
           <p:cNvSpPr/>
           <p:nvPr/>
         </p:nvSpPr>
         <p:spPr>
           <a:xfrm>
             <a:off x="457200" y="274680"/>
-            <a:ext cx="8228880" cy="1142280"/>
+            <a:ext cx="8228520" cy="1141920"/>
           </a:xfrm>
           <a:prstGeom prst="rect">
             <a:avLst/>
@@ -8472,14 +8463,14 @@
       </p:sp>
       <p:sp>
         <p:nvSpPr>
-          <p:cNvPr id="125" name="CustomShape 2"/>
+          <p:cNvPr id="237" name="CustomShape 2"/>
           <p:cNvSpPr/>
           <p:nvPr/>
         </p:nvSpPr>
         <p:spPr>
           <a:xfrm>
             <a:off x="457200" y="1600200"/>
-            <a:ext cx="8228880" cy="4276440"/>
+            <a:ext cx="8228520" cy="4276080"/>
           </a:xfrm>
           <a:prstGeom prst="rect">
             <a:avLst/>
@@ -8505,7 +8496,7 @@
           <a:bodyPr lIns="90000" tIns="45000" rIns="90000" bIns="45000"/>
           <a:lstStyle/>
           <a:p>
-            <a:pPr marL="343080" indent="-342360">
+            <a:pPr marL="343080" indent="-342000">
               <a:lnSpc>
                 <a:spcPct val="100000"/>
               </a:lnSpc>
@@ -8519,7 +8510,7 @@
               <a:buChar char="•"/>
             </a:pPr>
             <a:r>
-              <a:rPr lang="en-US" sz="1800" b="0" strike="noStrike" spc="-1" dirty="0" smtClean="0">
+              <a:rPr lang="en-US" sz="1800" b="0" strike="noStrike" spc="-1">
                 <a:solidFill>
                   <a:srgbClr val="211A52"/>
                 </a:solidFill>
@@ -8532,7 +8523,7 @@
               </a:rPr>
               <a:t>WSS stationarity criteria</a:t>
             </a:r>
-            <a:endParaRPr lang="en-US" sz="1800" b="0" strike="noStrike" spc="-1" dirty="0">
+            <a:endParaRPr lang="en-US" sz="1800" b="0" strike="noStrike" spc="-1">
               <a:solidFill>
                 <a:srgbClr val="000000"/>
               </a:solidFill>
@@ -8545,7 +8536,7 @@
             </a:endParaRPr>
           </a:p>
           <a:p>
-            <a:pPr marL="343080" indent="-342360">
+            <a:pPr marL="343080" indent="-342000">
               <a:lnSpc>
                 <a:spcPct val="100000"/>
               </a:lnSpc>
@@ -8559,7 +8550,7 @@
               <a:buChar char="•"/>
             </a:pPr>
             <a:r>
-              <a:rPr lang="en-US" sz="1800" b="0" strike="noStrike" spc="-1" dirty="0" err="1">
+              <a:rPr lang="en-US" sz="1800" b="0" strike="noStrike" spc="-1">
                 <a:solidFill>
                   <a:srgbClr val="211A52"/>
                 </a:solidFill>
@@ -8570,23 +8561,9 @@
                 </a:uFill>
                 <a:latin typeface="Arial"/>
               </a:rPr>
-              <a:t>Pathloss</a:t>
-            </a:r>
-            <a:r>
-              <a:rPr lang="en-US" sz="1800" b="0" strike="noStrike" spc="-1" dirty="0">
-                <a:solidFill>
-                  <a:srgbClr val="211A52"/>
-                </a:solidFill>
-                <a:uFill>
-                  <a:solidFill>
-                    <a:srgbClr val="FFFFFF"/>
-                  </a:solidFill>
-                </a:uFill>
-                <a:latin typeface="Arial"/>
-              </a:rPr>
-              <a:t> and Antenna gain</a:t>
-            </a:r>
-            <a:endParaRPr lang="en-US" sz="1800" b="0" strike="noStrike" spc="-1" dirty="0">
+              <a:t>Pathloss and Antenna gain</a:t>
+            </a:r>
+            <a:endParaRPr lang="en-US" sz="1800" b="0" strike="noStrike" spc="-1">
               <a:solidFill>
                 <a:srgbClr val="000000"/>
               </a:solidFill>
@@ -8599,7 +8576,7 @@
             </a:endParaRPr>
           </a:p>
           <a:p>
-            <a:pPr marL="343080" indent="-342360">
+            <a:pPr marL="343080" indent="-342000">
               <a:lnSpc>
                 <a:spcPct val="100000"/>
               </a:lnSpc>
@@ -8613,7 +8590,7 @@
               <a:buChar char="•"/>
             </a:pPr>
             <a:r>
-              <a:rPr lang="en-US" sz="1800" b="0" strike="noStrike" spc="-1" dirty="0" err="1">
+              <a:rPr lang="en-US" sz="1800" b="0" strike="noStrike" spc="-1">
                 <a:solidFill>
                   <a:srgbClr val="211A52"/>
                 </a:solidFill>
@@ -8624,23 +8601,9 @@
                 </a:uFill>
                 <a:latin typeface="Arial"/>
               </a:rPr>
-              <a:t>Normailze</a:t>
-            </a:r>
-            <a:r>
-              <a:rPr lang="en-US" sz="1800" b="0" strike="noStrike" spc="-1" dirty="0">
-                <a:solidFill>
-                  <a:srgbClr val="211A52"/>
-                </a:solidFill>
-                <a:uFill>
-                  <a:solidFill>
-                    <a:srgbClr val="FFFFFF"/>
-                  </a:solidFill>
-                </a:uFill>
-                <a:latin typeface="Arial"/>
-              </a:rPr>
-              <a:t> the data</a:t>
-            </a:r>
-            <a:endParaRPr lang="en-US" sz="1800" b="0" strike="noStrike" spc="-1" dirty="0">
+              <a:t>Normailze the data</a:t>
+            </a:r>
+            <a:endParaRPr lang="en-US" sz="1800" b="0" strike="noStrike" spc="-1">
               <a:solidFill>
                 <a:srgbClr val="000000"/>
               </a:solidFill>
@@ -8661,7 +8624,7 @@
                 <a:spcPts val="360"/>
               </a:spcBef>
             </a:pPr>
-            <a:endParaRPr lang="en-US" sz="1800" b="0" strike="noStrike" spc="-1" dirty="0">
+            <a:endParaRPr lang="en-US" sz="1800" b="0" strike="noStrike" spc="-1">
               <a:solidFill>
                 <a:srgbClr val="000000"/>
               </a:solidFill>
@@ -8682,7 +8645,7 @@
                 <a:spcPts val="360"/>
               </a:spcBef>
             </a:pPr>
-            <a:endParaRPr lang="en-US" sz="1800" b="0" strike="noStrike" spc="-1" dirty="0">
+            <a:endParaRPr lang="en-US" sz="1800" b="0" strike="noStrike" spc="-1">
               <a:solidFill>
                 <a:srgbClr val="000000"/>
               </a:solidFill>
@@ -8698,18 +8661,19 @@
       </p:sp>
       <p:pic>
         <p:nvPicPr>
-          <p:cNvPr id="126" name="Picture 125"/>
+          <p:cNvPr id="238" name="Picture 125"/>
           <p:cNvPicPr/>
           <p:nvPr/>
         </p:nvPicPr>
         <p:blipFill>
           <a:blip r:embed="rId2"/>
+          <a:srcRect b="12151"/>
           <a:stretch/>
         </p:blipFill>
         <p:spPr>
           <a:xfrm>
             <a:off x="295920" y="3291840"/>
-            <a:ext cx="4655520" cy="2602440"/>
+            <a:ext cx="5263560" cy="2584440"/>
           </a:xfrm>
           <a:prstGeom prst="rect">
             <a:avLst/>
@@ -8722,7 +8686,7 @@
     </p:spTree>
     <p:extLst>
       <p:ext uri="{BB962C8B-B14F-4D97-AF65-F5344CB8AC3E}">
-        <p14:creationId xmlns:p14="http://schemas.microsoft.com/office/powerpoint/2010/main" val="1322594237"/>
+        <p14:creationId xmlns:p14="http://schemas.microsoft.com/office/powerpoint/2010/main" val="1798043079"/>
       </p:ext>
     </p:extLst>
   </p:cSld>
@@ -8781,14 +8745,14 @@
       </p:grpSpPr>
       <p:sp>
         <p:nvSpPr>
-          <p:cNvPr id="127" name="CustomShape 1"/>
+          <p:cNvPr id="239" name="CustomShape 1"/>
           <p:cNvSpPr/>
           <p:nvPr/>
         </p:nvSpPr>
         <p:spPr>
           <a:xfrm>
             <a:off x="457200" y="274680"/>
-            <a:ext cx="8228880" cy="1142280"/>
+            <a:ext cx="8228520" cy="1141920"/>
           </a:xfrm>
           <a:prstGeom prst="rect">
             <a:avLst/>
@@ -8849,14 +8813,14 @@
       </p:sp>
       <p:sp>
         <p:nvSpPr>
-          <p:cNvPr id="128" name="CustomShape 2"/>
+          <p:cNvPr id="240" name="CustomShape 2"/>
           <p:cNvSpPr/>
           <p:nvPr/>
         </p:nvSpPr>
         <p:spPr>
           <a:xfrm>
             <a:off x="457200" y="1600200"/>
-            <a:ext cx="8228880" cy="4276440"/>
+            <a:ext cx="8228520" cy="4276080"/>
           </a:xfrm>
           <a:prstGeom prst="rect">
             <a:avLst/>
@@ -8882,7 +8846,7 @@
           <a:bodyPr lIns="90000" tIns="45000" rIns="90000" bIns="45000"/>
           <a:lstStyle/>
           <a:p>
-            <a:pPr marL="343080" indent="-342360">
+            <a:pPr marL="343080" indent="-342000">
               <a:lnSpc>
                 <a:spcPct val="100000"/>
               </a:lnSpc>
@@ -8896,7 +8860,7 @@
               <a:buChar char="•"/>
             </a:pPr>
             <a:r>
-              <a:rPr lang="en-US" sz="1800" b="0" strike="noStrike" spc="-1" dirty="0" smtClean="0">
+              <a:rPr lang="en-US" sz="1800" b="0" strike="noStrike" spc="-1">
                 <a:solidFill>
                   <a:srgbClr val="211A52"/>
                 </a:solidFill>
@@ -8909,9 +8873,20 @@
               </a:rPr>
               <a:t>US stationarity criteria</a:t>
             </a:r>
-          </a:p>
-          <a:p>
-            <a:pPr marL="343080" indent="-342360">
+            <a:endParaRPr lang="en-US" sz="1800" b="0" strike="noStrike" spc="-1">
+              <a:solidFill>
+                <a:srgbClr val="000000"/>
+              </a:solidFill>
+              <a:uFill>
+                <a:solidFill>
+                  <a:srgbClr val="FFFFFF"/>
+                </a:solidFill>
+              </a:uFill>
+              <a:latin typeface="Arial"/>
+            </a:endParaRPr>
+          </a:p>
+          <a:p>
+            <a:pPr marL="343080" indent="-342000">
               <a:lnSpc>
                 <a:spcPct val="100000"/>
               </a:lnSpc>
@@ -8925,7 +8900,7 @@
               <a:buChar char="•"/>
             </a:pPr>
             <a:r>
-              <a:rPr lang="en-US" sz="1800" b="0" strike="noStrike" spc="-1" dirty="0" smtClean="0">
+              <a:rPr lang="en-US" sz="1800" b="0" strike="noStrike" spc="-1">
                 <a:solidFill>
                   <a:srgbClr val="211A52"/>
                 </a:solidFill>
@@ -8936,23 +8911,9 @@
                 </a:uFill>
                 <a:latin typeface="Arial"/>
               </a:rPr>
-              <a:t>Main </a:t>
-            </a:r>
-            <a:r>
-              <a:rPr lang="en-US" sz="1800" b="0" strike="noStrike" spc="-1" dirty="0">
-                <a:solidFill>
-                  <a:srgbClr val="211A52"/>
-                </a:solidFill>
-                <a:uFill>
-                  <a:solidFill>
-                    <a:srgbClr val="FFFFFF"/>
-                  </a:solidFill>
-                </a:uFill>
-                <a:latin typeface="Arial"/>
-              </a:rPr>
-              <a:t>lobe reflection – not stationary</a:t>
-            </a:r>
-            <a:endParaRPr lang="en-US" sz="1800" b="0" strike="noStrike" spc="-1" dirty="0">
+              <a:t>Main lobe reflection – not stationary</a:t>
+            </a:r>
+            <a:endParaRPr lang="en-US" sz="1800" b="0" strike="noStrike" spc="-1">
               <a:solidFill>
                 <a:srgbClr val="000000"/>
               </a:solidFill>
@@ -8965,7 +8926,7 @@
             </a:endParaRPr>
           </a:p>
           <a:p>
-            <a:pPr marL="343080" indent="-342360">
+            <a:pPr marL="343080" indent="-342000">
               <a:lnSpc>
                 <a:spcPct val="100000"/>
               </a:lnSpc>
@@ -8979,7 +8940,7 @@
               <a:buChar char="•"/>
             </a:pPr>
             <a:r>
-              <a:rPr lang="en-US" sz="1800" b="0" strike="noStrike" spc="-1" dirty="0">
+              <a:rPr lang="en-US" sz="1800" b="0" strike="noStrike" spc="-1">
                 <a:solidFill>
                   <a:srgbClr val="211A52"/>
                 </a:solidFill>
@@ -8992,7 +8953,7 @@
               </a:rPr>
               <a:t>Moving average required</a:t>
             </a:r>
-            <a:endParaRPr lang="en-US" sz="1800" b="0" strike="noStrike" spc="-1" dirty="0">
+            <a:endParaRPr lang="en-US" sz="1800" b="0" strike="noStrike" spc="-1">
               <a:solidFill>
                 <a:srgbClr val="000000"/>
               </a:solidFill>
@@ -9013,7 +8974,7 @@
                 <a:spcPts val="360"/>
               </a:spcBef>
             </a:pPr>
-            <a:endParaRPr lang="en-US" sz="1800" b="0" strike="noStrike" spc="-1" dirty="0">
+            <a:endParaRPr lang="en-US" sz="1800" b="0" strike="noStrike" spc="-1">
               <a:solidFill>
                 <a:srgbClr val="000000"/>
               </a:solidFill>
@@ -9029,18 +8990,19 @@
       </p:sp>
       <p:pic>
         <p:nvPicPr>
-          <p:cNvPr id="129" name="Picture 128"/>
+          <p:cNvPr id="241" name="Picture 128"/>
           <p:cNvPicPr/>
           <p:nvPr/>
         </p:nvPicPr>
         <p:blipFill>
           <a:blip r:embed="rId2"/>
+          <a:srcRect b="10983"/>
           <a:stretch/>
         </p:blipFill>
         <p:spPr>
           <a:xfrm>
             <a:off x="59760" y="3474720"/>
-            <a:ext cx="4329000" cy="2260080"/>
+            <a:ext cx="4328640" cy="2011320"/>
           </a:xfrm>
           <a:prstGeom prst="rect">
             <a:avLst/>
@@ -9052,18 +9014,19 @@
       </p:pic>
       <p:pic>
         <p:nvPicPr>
-          <p:cNvPr id="130" name="Picture 129"/>
+          <p:cNvPr id="242" name="Picture 129"/>
           <p:cNvPicPr/>
           <p:nvPr/>
         </p:nvPicPr>
         <p:blipFill>
           <a:blip r:embed="rId3"/>
+          <a:srcRect b="11981"/>
           <a:stretch/>
         </p:blipFill>
         <p:spPr>
           <a:xfrm>
             <a:off x="4754880" y="3474720"/>
-            <a:ext cx="4183200" cy="2285640"/>
+            <a:ext cx="4182840" cy="2011320"/>
           </a:xfrm>
           <a:prstGeom prst="rect">
             <a:avLst/>
@@ -9076,7 +9039,7 @@
     </p:spTree>
     <p:extLst>
       <p:ext uri="{BB962C8B-B14F-4D97-AF65-F5344CB8AC3E}">
-        <p14:creationId xmlns:p14="http://schemas.microsoft.com/office/powerpoint/2010/main" val="4137781840"/>
+        <p14:creationId xmlns:p14="http://schemas.microsoft.com/office/powerpoint/2010/main" val="534453824"/>
       </p:ext>
     </p:extLst>
   </p:cSld>
@@ -9135,14 +9098,14 @@
       </p:grpSpPr>
       <p:sp>
         <p:nvSpPr>
-          <p:cNvPr id="131" name="CustomShape 1"/>
+          <p:cNvPr id="243" name="CustomShape 1"/>
           <p:cNvSpPr/>
           <p:nvPr/>
         </p:nvSpPr>
         <p:spPr>
           <a:xfrm>
             <a:off x="457200" y="274680"/>
-            <a:ext cx="8228880" cy="1142280"/>
+            <a:ext cx="8228520" cy="1141920"/>
           </a:xfrm>
           <a:prstGeom prst="rect">
             <a:avLst/>
@@ -9203,14 +9166,14 @@
       </p:sp>
       <p:sp>
         <p:nvSpPr>
-          <p:cNvPr id="132" name="CustomShape 2"/>
+          <p:cNvPr id="244" name="CustomShape 2"/>
           <p:cNvSpPr/>
           <p:nvPr/>
         </p:nvSpPr>
         <p:spPr>
           <a:xfrm>
             <a:off x="457200" y="1600200"/>
-            <a:ext cx="8228880" cy="4276440"/>
+            <a:ext cx="8228520" cy="4276080"/>
           </a:xfrm>
           <a:prstGeom prst="rect">
             <a:avLst/>
@@ -9236,7 +9199,7 @@
           <a:bodyPr lIns="90000" tIns="45000" rIns="90000" bIns="45000"/>
           <a:lstStyle/>
           <a:p>
-            <a:pPr marL="343080" indent="-342360">
+            <a:pPr marL="343080" indent="-342000">
               <a:lnSpc>
                 <a:spcPct val="100000"/>
               </a:lnSpc>
@@ -9276,7 +9239,7 @@
             </a:endParaRPr>
           </a:p>
           <a:p>
-            <a:pPr marL="343080" indent="-342360">
+            <a:pPr marL="343080" indent="-342000">
               <a:lnSpc>
                 <a:spcPct val="100000"/>
               </a:lnSpc>
@@ -9316,7 +9279,7 @@
             </a:endParaRPr>
           </a:p>
           <a:p>
-            <a:pPr marL="343080" indent="-342360">
+            <a:pPr marL="343080" indent="-342000">
               <a:lnSpc>
                 <a:spcPct val="100000"/>
               </a:lnSpc>
@@ -9356,7 +9319,7 @@
             </a:endParaRPr>
           </a:p>
           <a:p>
-            <a:pPr marL="343080" indent="-342360">
+            <a:pPr marL="343080" indent="-342000">
               <a:lnSpc>
                 <a:spcPct val="100000"/>
               </a:lnSpc>
@@ -9396,7 +9359,7 @@
             </a:endParaRPr>
           </a:p>
           <a:p>
-            <a:pPr marL="343080" indent="-342360">
+            <a:pPr marL="343080" indent="-342000">
               <a:lnSpc>
                 <a:spcPct val="100000"/>
               </a:lnSpc>
@@ -9436,7 +9399,7 @@
             </a:endParaRPr>
           </a:p>
           <a:p>
-            <a:pPr marL="343080" indent="-342360">
+            <a:pPr marL="343080" indent="-342000">
               <a:lnSpc>
                 <a:spcPct val="100000"/>
               </a:lnSpc>
@@ -9543,7 +9506,7 @@
     </p:spTree>
     <p:extLst>
       <p:ext uri="{BB962C8B-B14F-4D97-AF65-F5344CB8AC3E}">
-        <p14:creationId xmlns:p14="http://schemas.microsoft.com/office/powerpoint/2010/main" val="1709036730"/>
+        <p14:creationId xmlns:p14="http://schemas.microsoft.com/office/powerpoint/2010/main" val="96998982"/>
       </p:ext>
     </p:extLst>
   </p:cSld>
@@ -9602,14 +9565,14 @@
       </p:grpSpPr>
       <p:sp>
         <p:nvSpPr>
-          <p:cNvPr id="133" name="CustomShape 1"/>
+          <p:cNvPr id="245" name="CustomShape 1"/>
           <p:cNvSpPr/>
           <p:nvPr/>
         </p:nvSpPr>
         <p:spPr>
           <a:xfrm>
             <a:off x="457200" y="274680"/>
-            <a:ext cx="8228880" cy="1142280"/>
+            <a:ext cx="8228520" cy="1141920"/>
           </a:xfrm>
           <a:prstGeom prst="rect">
             <a:avLst/>
@@ -9641,7 +9604,7 @@
               </a:lnSpc>
             </a:pPr>
             <a:r>
-              <a:rPr lang="en-US" sz="2400" b="0" strike="noStrike" spc="-1" dirty="0" smtClean="0">
+              <a:rPr lang="en-US" sz="2400" b="0" strike="noStrike" spc="-1">
                 <a:solidFill>
                   <a:srgbClr val="211A52"/>
                 </a:solidFill>
@@ -9652,23 +9615,9 @@
                 </a:uFill>
                 <a:latin typeface="Arial"/>
               </a:rPr>
-              <a:t>Frequency, </a:t>
-            </a:r>
-            <a:r>
-              <a:rPr lang="en-US" sz="2400" b="0" strike="noStrike" spc="-1" dirty="0">
-                <a:solidFill>
-                  <a:srgbClr val="211A52"/>
-                </a:solidFill>
-                <a:uFill>
-                  <a:solidFill>
-                    <a:srgbClr val="FFFFFF"/>
-                  </a:solidFill>
-                </a:uFill>
-                <a:latin typeface="Arial"/>
-              </a:rPr>
-              <a:t>Antenna and space correlation</a:t>
-            </a:r>
-            <a:endParaRPr lang="en-US" sz="1800" b="0" strike="noStrike" spc="-1" dirty="0">
+              <a:t>Frequency, Antenna and space correlation</a:t>
+            </a:r>
+            <a:endParaRPr lang="en-US" sz="1800" b="0" strike="noStrike" spc="-1">
               <a:solidFill>
                 <a:srgbClr val="000000"/>
               </a:solidFill>
@@ -9684,14 +9633,14 @@
       </p:sp>
       <p:sp>
         <p:nvSpPr>
-          <p:cNvPr id="134" name="CustomShape 2"/>
+          <p:cNvPr id="246" name="CustomShape 2"/>
           <p:cNvSpPr/>
           <p:nvPr/>
         </p:nvSpPr>
         <p:spPr>
           <a:xfrm>
             <a:off x="457200" y="1600200"/>
-            <a:ext cx="8228880" cy="4276440"/>
+            <a:ext cx="8228520" cy="4276080"/>
           </a:xfrm>
           <a:prstGeom prst="rect">
             <a:avLst/>
@@ -9717,7 +9666,7 @@
           <a:bodyPr lIns="90000" tIns="45000" rIns="90000" bIns="45000"/>
           <a:lstStyle/>
           <a:p>
-            <a:pPr marL="343080" indent="-342360">
+            <a:pPr marL="343080" indent="-342000">
               <a:lnSpc>
                 <a:spcPct val="100000"/>
               </a:lnSpc>
@@ -9757,7 +9706,7 @@
             </a:endParaRPr>
           </a:p>
           <a:p>
-            <a:pPr marL="343080" indent="-342360">
+            <a:pPr marL="343080" indent="-342000">
               <a:lnSpc>
                 <a:spcPct val="100000"/>
               </a:lnSpc>
@@ -9797,7 +9746,7 @@
             </a:endParaRPr>
           </a:p>
           <a:p>
-            <a:pPr marL="343080" indent="-342360">
+            <a:pPr marL="343080" indent="-342000">
               <a:lnSpc>
                 <a:spcPct val="100000"/>
               </a:lnSpc>
@@ -9837,7 +9786,7 @@
             </a:endParaRPr>
           </a:p>
           <a:p>
-            <a:pPr marL="343080" indent="-342360">
+            <a:pPr marL="343080" indent="-342000">
               <a:lnSpc>
                 <a:spcPct val="100000"/>
               </a:lnSpc>
@@ -9877,7 +9826,7 @@
             </a:endParaRPr>
           </a:p>
           <a:p>
-            <a:pPr marL="343080" indent="-342360">
+            <a:pPr marL="343080" indent="-342000">
               <a:lnSpc>
                 <a:spcPct val="100000"/>
               </a:lnSpc>
@@ -9917,7 +9866,7 @@
             </a:endParaRPr>
           </a:p>
           <a:p>
-            <a:pPr marL="343080" indent="-342360">
+            <a:pPr marL="343080" indent="-342000">
               <a:lnSpc>
                 <a:spcPct val="100000"/>
               </a:lnSpc>
@@ -9981,18 +9930,19 @@
       </p:sp>
       <p:pic>
         <p:nvPicPr>
-          <p:cNvPr id="135" name="Picture 134"/>
+          <p:cNvPr id="247" name="Picture 134"/>
           <p:cNvPicPr/>
           <p:nvPr/>
         </p:nvPicPr>
         <p:blipFill>
           <a:blip r:embed="rId2"/>
+          <a:srcRect b="4853"/>
           <a:stretch/>
         </p:blipFill>
         <p:spPr>
           <a:xfrm>
             <a:off x="1745640" y="3525120"/>
-            <a:ext cx="5303160" cy="3310920"/>
+            <a:ext cx="5302800" cy="3241440"/>
           </a:xfrm>
           <a:prstGeom prst="rect">
             <a:avLst/>
@@ -10005,7 +9955,7 @@
     </p:spTree>
     <p:extLst>
       <p:ext uri="{BB962C8B-B14F-4D97-AF65-F5344CB8AC3E}">
-        <p14:creationId xmlns:p14="http://schemas.microsoft.com/office/powerpoint/2010/main" val="1726730549"/>
+        <p14:creationId xmlns:p14="http://schemas.microsoft.com/office/powerpoint/2010/main" val="3825650385"/>
       </p:ext>
     </p:extLst>
   </p:cSld>
@@ -10064,14 +10014,14 @@
       </p:grpSpPr>
       <p:sp>
         <p:nvSpPr>
-          <p:cNvPr id="136" name="CustomShape 1"/>
+          <p:cNvPr id="248" name="CustomShape 1"/>
           <p:cNvSpPr/>
           <p:nvPr/>
         </p:nvSpPr>
         <p:spPr>
           <a:xfrm>
             <a:off x="457200" y="274680"/>
-            <a:ext cx="8228880" cy="1142280"/>
+            <a:ext cx="8228520" cy="1141920"/>
           </a:xfrm>
           <a:prstGeom prst="rect">
             <a:avLst/>
@@ -10132,14 +10082,14 @@
       </p:sp>
       <p:sp>
         <p:nvSpPr>
-          <p:cNvPr id="137" name="CustomShape 2"/>
+          <p:cNvPr id="249" name="CustomShape 2"/>
           <p:cNvSpPr/>
           <p:nvPr/>
         </p:nvSpPr>
         <p:spPr>
           <a:xfrm>
             <a:off x="457200" y="1600200"/>
-            <a:ext cx="8228880" cy="4276440"/>
+            <a:ext cx="8228520" cy="4276080"/>
           </a:xfrm>
           <a:prstGeom prst="rect">
             <a:avLst/>
@@ -10165,7 +10115,7 @@
           <a:bodyPr lIns="90000" tIns="45000" rIns="90000" bIns="45000"/>
           <a:lstStyle/>
           <a:p>
-            <a:pPr marL="343080" indent="-342360">
+            <a:pPr marL="343080" indent="-342000">
               <a:lnSpc>
                 <a:spcPct val="100000"/>
               </a:lnSpc>
@@ -10179,7 +10129,7 @@
               <a:buChar char="•"/>
             </a:pPr>
             <a:r>
-              <a:rPr lang="en-US" sz="1800" b="0" strike="noStrike" spc="-1" dirty="0">
+              <a:rPr lang="en-US" sz="1800" b="0" strike="noStrike" spc="-1">
                 <a:solidFill>
                   <a:srgbClr val="211A52"/>
                 </a:solidFill>
@@ -10190,37 +10140,9 @@
                 </a:uFill>
                 <a:latin typeface="Arial"/>
               </a:rPr>
-              <a:t>Because of the lower sample size of </a:t>
-            </a:r>
-            <a:r>
-              <a:rPr lang="en-US" sz="1800" b="0" strike="noStrike" spc="-1" dirty="0" smtClean="0">
-                <a:solidFill>
-                  <a:srgbClr val="211A52"/>
-                </a:solidFill>
-                <a:uFill>
-                  <a:solidFill>
-                    <a:srgbClr val="FFFFFF"/>
-                  </a:solidFill>
-                </a:uFill>
-                <a:latin typeface="Arial"/>
-              </a:rPr>
-              <a:t>2,092,230 </a:t>
-            </a:r>
-            <a:r>
-              <a:rPr lang="en-US" sz="1800" b="0" strike="noStrike" spc="-1" dirty="0">
-                <a:solidFill>
-                  <a:srgbClr val="211A52"/>
-                </a:solidFill>
-                <a:uFill>
-                  <a:solidFill>
-                    <a:srgbClr val="FFFFFF"/>
-                  </a:solidFill>
-                </a:uFill>
-                <a:latin typeface="Arial"/>
-              </a:rPr>
-              <a:t>the confidence interval is increased.</a:t>
-            </a:r>
-            <a:endParaRPr lang="en-US" sz="1800" b="0" strike="noStrike" spc="-1" dirty="0">
+              <a:t>Because of the lower sample size of 2,092,230 the confidence interval is increased.</a:t>
+            </a:r>
+            <a:endParaRPr lang="en-US" sz="1800" b="0" strike="noStrike" spc="-1">
               <a:solidFill>
                 <a:srgbClr val="000000"/>
               </a:solidFill>
@@ -10233,7 +10155,7 @@
             </a:endParaRPr>
           </a:p>
           <a:p>
-            <a:pPr marL="343080" indent="-342360">
+            <a:pPr marL="343080" indent="-342000">
               <a:lnSpc>
                 <a:spcPct val="100000"/>
               </a:lnSpc>
@@ -10247,7 +10169,7 @@
               <a:buChar char="•"/>
             </a:pPr>
             <a:r>
-              <a:rPr lang="en-US" sz="1800" b="0" strike="noStrike" spc="-1" dirty="0">
+              <a:rPr lang="en-US" sz="1800" b="0" strike="noStrike" spc="-1">
                 <a:solidFill>
                   <a:srgbClr val="211A52"/>
                 </a:solidFill>
@@ -10260,7 +10182,7 @@
               </a:rPr>
               <a:t>10,000 bootstraps was used to find the end interval</a:t>
             </a:r>
-            <a:endParaRPr lang="en-US" sz="1800" b="0" strike="noStrike" spc="-1" dirty="0">
+            <a:endParaRPr lang="en-US" sz="1800" b="0" strike="noStrike" spc="-1">
               <a:solidFill>
                 <a:srgbClr val="000000"/>
               </a:solidFill>
@@ -10273,7 +10195,7 @@
             </a:endParaRPr>
           </a:p>
           <a:p>
-            <a:pPr marL="343080" indent="-342360">
+            <a:pPr marL="343080" indent="-342000">
               <a:lnSpc>
                 <a:spcPct val="100000"/>
               </a:lnSpc>
@@ -10287,7 +10209,7 @@
               <a:buChar char="•"/>
             </a:pPr>
             <a:r>
-              <a:rPr lang="en-US" sz="1800" b="0" strike="noStrike" spc="-1" dirty="0">
+              <a:rPr lang="en-US" sz="1800" b="0" strike="noStrike" spc="-1">
                 <a:solidFill>
                   <a:srgbClr val="211A52"/>
                 </a:solidFill>
@@ -10300,7 +10222,7 @@
               </a:rPr>
               <a:t>-51.59dB fading gain with ±1.37dB interval of 90% confidence level</a:t>
             </a:r>
-            <a:endParaRPr lang="en-US" sz="1800" b="0" strike="noStrike" spc="-1" dirty="0">
+            <a:endParaRPr lang="en-US" sz="1800" b="0" strike="noStrike" spc="-1">
               <a:solidFill>
                 <a:srgbClr val="000000"/>
               </a:solidFill>
@@ -10321,7 +10243,7 @@
                 <a:spcPts val="360"/>
               </a:spcBef>
             </a:pPr>
-            <a:endParaRPr lang="en-US" sz="1800" b="0" strike="noStrike" spc="-1" dirty="0">
+            <a:endParaRPr lang="en-US" sz="1800" b="0" strike="noStrike" spc="-1">
               <a:solidFill>
                 <a:srgbClr val="000000"/>
               </a:solidFill>
@@ -10337,18 +10259,19 @@
       </p:sp>
       <p:pic>
         <p:nvPicPr>
-          <p:cNvPr id="138" name="Picture 137"/>
+          <p:cNvPr id="250" name="Picture 137"/>
           <p:cNvPicPr/>
           <p:nvPr/>
         </p:nvPicPr>
         <p:blipFill>
           <a:blip r:embed="rId2"/>
+          <a:srcRect b="9589"/>
           <a:stretch/>
         </p:blipFill>
         <p:spPr>
           <a:xfrm>
             <a:off x="3559680" y="2834640"/>
-            <a:ext cx="5583960" cy="4045680"/>
+            <a:ext cx="5583600" cy="3657240"/>
           </a:xfrm>
           <a:prstGeom prst="rect">
             <a:avLst/>
@@ -10361,7 +10284,7 @@
     </p:spTree>
     <p:extLst>
       <p:ext uri="{BB962C8B-B14F-4D97-AF65-F5344CB8AC3E}">
-        <p14:creationId xmlns:p14="http://schemas.microsoft.com/office/powerpoint/2010/main" val="2982341705"/>
+        <p14:creationId xmlns:p14="http://schemas.microsoft.com/office/powerpoint/2010/main" val="1272341597"/>
       </p:ext>
     </p:extLst>
   </p:cSld>
@@ -10420,14 +10343,14 @@
       </p:grpSpPr>
       <p:sp>
         <p:nvSpPr>
-          <p:cNvPr id="139" name="CustomShape 1"/>
+          <p:cNvPr id="251" name="CustomShape 1"/>
           <p:cNvSpPr/>
           <p:nvPr/>
         </p:nvSpPr>
         <p:spPr>
           <a:xfrm>
             <a:off x="457200" y="274680"/>
-            <a:ext cx="8228880" cy="1142280"/>
+            <a:ext cx="8228520" cy="1141920"/>
           </a:xfrm>
           <a:prstGeom prst="rect">
             <a:avLst/>
@@ -10488,14 +10411,14 @@
       </p:sp>
       <p:sp>
         <p:nvSpPr>
-          <p:cNvPr id="140" name="CustomShape 2"/>
+          <p:cNvPr id="252" name="CustomShape 2"/>
           <p:cNvSpPr/>
           <p:nvPr/>
         </p:nvSpPr>
         <p:spPr>
           <a:xfrm>
             <a:off x="457200" y="1600200"/>
-            <a:ext cx="8228880" cy="4276440"/>
+            <a:ext cx="8228520" cy="4276080"/>
           </a:xfrm>
           <a:prstGeom prst="rect">
             <a:avLst/>
@@ -10521,7 +10444,7 @@
           <a:bodyPr lIns="90000" tIns="45000" rIns="90000" bIns="45000"/>
           <a:lstStyle/>
           <a:p>
-            <a:pPr marL="343080" indent="-342360">
+            <a:pPr marL="343080" indent="-342000">
               <a:lnSpc>
                 <a:spcPct val="100000"/>
               </a:lnSpc>
@@ -10627,18 +10550,19 @@
       </p:sp>
       <p:pic>
         <p:nvPicPr>
-          <p:cNvPr id="141" name="Picture 140"/>
+          <p:cNvPr id="253" name="Picture 140"/>
           <p:cNvPicPr/>
           <p:nvPr/>
         </p:nvPicPr>
         <p:blipFill>
           <a:blip r:embed="rId2"/>
+          <a:srcRect b="4540"/>
           <a:stretch/>
         </p:blipFill>
         <p:spPr>
           <a:xfrm>
             <a:off x="459720" y="1977480"/>
-            <a:ext cx="4752000" cy="4059000"/>
+            <a:ext cx="4751640" cy="3874320"/>
           </a:xfrm>
           <a:prstGeom prst="rect">
             <a:avLst/>
@@ -10651,7 +10575,7 @@
     </p:spTree>
     <p:extLst>
       <p:ext uri="{BB962C8B-B14F-4D97-AF65-F5344CB8AC3E}">
-        <p14:creationId xmlns:p14="http://schemas.microsoft.com/office/powerpoint/2010/main" val="3014453386"/>
+        <p14:creationId xmlns:p14="http://schemas.microsoft.com/office/powerpoint/2010/main" val="2248667629"/>
       </p:ext>
     </p:extLst>
   </p:cSld>
@@ -10824,15 +10748,13 @@
       </p:sp>
       <p:pic>
         <p:nvPicPr>
-          <p:cNvPr id="4" name="Pladsholder til indhold 3"/>
+          <p:cNvPr id="5" name="Billede 4"/>
           <p:cNvPicPr>
-            <a:picLocks noGrp="1" noChangeAspect="1"/>
+            <a:picLocks noChangeAspect="1"/>
           </p:cNvPicPr>
-          <p:nvPr>
-            <p:ph idx="1"/>
-          </p:nvPr>
+          <p:nvPr/>
         </p:nvPicPr>
-        <p:blipFill>
+        <p:blipFill rotWithShape="1">
           <a:blip r:embed="rId2" cstate="print">
             <a:extLst>
               <a:ext uri="{28A0092B-C50C-407E-A947-70E740481C1C}">
@@ -10840,26 +10762,30 @@
               </a:ext>
             </a:extLst>
           </a:blip>
-          <a:stretch>
-            <a:fillRect/>
-          </a:stretch>
+          <a:srcRect r="6265"/>
+          <a:stretch/>
         </p:blipFill>
         <p:spPr>
           <a:xfrm>
-            <a:off x="4626006" y="2294875"/>
-            <a:ext cx="3294366" cy="2286187"/>
+            <a:off x="-1" y="1844823"/>
+            <a:ext cx="4572001" cy="3384911"/>
           </a:xfrm>
+          <a:prstGeom prst="rect">
+            <a:avLst/>
+          </a:prstGeom>
         </p:spPr>
       </p:pic>
       <p:pic>
         <p:nvPicPr>
-          <p:cNvPr id="5" name="Billede 4"/>
+          <p:cNvPr id="4" name="Pladsholder til indhold 3"/>
           <p:cNvPicPr>
-            <a:picLocks noChangeAspect="1"/>
+            <a:picLocks noGrp="1" noChangeAspect="1"/>
           </p:cNvPicPr>
-          <p:nvPr/>
+          <p:nvPr>
+            <p:ph idx="1"/>
+          </p:nvPr>
         </p:nvPicPr>
-        <p:blipFill>
+        <p:blipFill rotWithShape="1">
           <a:blip r:embed="rId3" cstate="print">
             <a:extLst>
               <a:ext uri="{28A0092B-C50C-407E-A947-70E740481C1C}">
@@ -10867,18 +10793,14 @@
               </a:ext>
             </a:extLst>
           </a:blip>
-          <a:stretch>
-            <a:fillRect/>
-          </a:stretch>
+          <a:srcRect r="6138"/>
+          <a:stretch/>
         </p:blipFill>
         <p:spPr>
           <a:xfrm>
-            <a:off x="1325458" y="2294875"/>
-            <a:ext cx="3300548" cy="2290477"/>
+            <a:off x="4466842" y="1850629"/>
+            <a:ext cx="4569654" cy="3378571"/>
           </a:xfrm>
-          <a:prstGeom prst="rect">
-            <a:avLst/>
-          </a:prstGeom>
         </p:spPr>
       </p:pic>
     </p:spTree>
@@ -11418,6 +11340,157 @@
           <a:p>
             <a:pPr algn="ctr"/>
             <a:r>
+              <a:rPr lang="da-DK" dirty="0" err="1" smtClean="0"/>
+              <a:t>Conclusion</a:t>
+            </a:r>
+            <a:endParaRPr lang="da-DK" dirty="0"/>
+          </a:p>
+        </p:txBody>
+      </p:sp>
+      <p:sp>
+        <p:nvSpPr>
+          <p:cNvPr id="3" name="Pladsholder til indhold 2"/>
+          <p:cNvSpPr>
+            <a:spLocks noGrp="1"/>
+          </p:cNvSpPr>
+          <p:nvPr>
+            <p:ph idx="1"/>
+          </p:nvPr>
+        </p:nvSpPr>
+        <p:spPr>
+          <a:xfrm>
+            <a:off x="457200" y="1874072"/>
+            <a:ext cx="3538736" cy="1180727"/>
+          </a:xfrm>
+        </p:spPr>
+        <p:txBody>
+          <a:bodyPr/>
+          <a:lstStyle/>
+          <a:p>
+            <a:r>
+              <a:rPr lang="da-DK" dirty="0" err="1" smtClean="0"/>
+              <a:t>Partly</a:t>
+            </a:r>
+            <a:r>
+              <a:rPr lang="da-DK" dirty="0" smtClean="0"/>
+              <a:t> </a:t>
+            </a:r>
+            <a:r>
+              <a:rPr lang="da-DK" dirty="0" err="1" smtClean="0"/>
+              <a:t>stationary</a:t>
+            </a:r>
+            <a:endParaRPr lang="da-DK" dirty="0" smtClean="0"/>
+          </a:p>
+          <a:p>
+            <a:r>
+              <a:rPr lang="da-DK" dirty="0" smtClean="0"/>
+              <a:t>2E+6 </a:t>
+            </a:r>
+            <a:r>
+              <a:rPr lang="da-DK" dirty="0" err="1" smtClean="0"/>
+              <a:t>uncorrelated</a:t>
+            </a:r>
+            <a:r>
+              <a:rPr lang="da-DK" dirty="0" smtClean="0"/>
+              <a:t> samples</a:t>
+            </a:r>
+          </a:p>
+          <a:p>
+            <a:r>
+              <a:rPr lang="da-DK" dirty="0" smtClean="0"/>
+              <a:t>(1.58±1.37) dB </a:t>
+            </a:r>
+            <a:r>
+              <a:rPr lang="da-DK" dirty="0" err="1" smtClean="0"/>
+              <a:t>error</a:t>
+            </a:r>
+            <a:endParaRPr lang="da-DK" dirty="0" smtClean="0"/>
+          </a:p>
+          <a:p>
+            <a:pPr marL="0" indent="0">
+              <a:buNone/>
+            </a:pPr>
+            <a:endParaRPr lang="da-DK" dirty="0" smtClean="0"/>
+          </a:p>
+          <a:p>
+            <a:endParaRPr lang="da-DK" dirty="0"/>
+          </a:p>
+        </p:txBody>
+      </p:sp>
+      <p:pic>
+        <p:nvPicPr>
+          <p:cNvPr id="4" name="Picture 137"/>
+          <p:cNvPicPr/>
+          <p:nvPr/>
+        </p:nvPicPr>
+        <p:blipFill rotWithShape="1">
+          <a:blip r:embed="rId2"/>
+          <a:srcRect l="7738" r="8442" b="7819"/>
+          <a:stretch/>
+        </p:blipFill>
+        <p:spPr>
+          <a:xfrm>
+            <a:off x="4355976" y="1874072"/>
+            <a:ext cx="4680520" cy="3729328"/>
+          </a:xfrm>
+          <a:prstGeom prst="rect">
+            <a:avLst/>
+          </a:prstGeom>
+          <a:ln>
+            <a:noFill/>
+          </a:ln>
+        </p:spPr>
+      </p:pic>
+    </p:spTree>
+    <p:extLst>
+      <p:ext uri="{BB962C8B-B14F-4D97-AF65-F5344CB8AC3E}">
+        <p14:creationId xmlns:p14="http://schemas.microsoft.com/office/powerpoint/2010/main" val="3111369927"/>
+      </p:ext>
+    </p:extLst>
+  </p:cSld>
+  <p:clrMapOvr>
+    <a:masterClrMapping/>
+  </p:clrMapOvr>
+  <p:transition>
+    <p:fade/>
+  </p:transition>
+</p:sld>
+</file>
+
+<file path=ppt/slides/slide32.xml><?xml version="1.0" encoding="utf-8"?>
+<p:sld xmlns:a="http://schemas.openxmlformats.org/drawingml/2006/main" xmlns:r="http://schemas.openxmlformats.org/officeDocument/2006/relationships" xmlns:p="http://schemas.openxmlformats.org/presentationml/2006/main">
+  <p:cSld>
+    <p:spTree>
+      <p:nvGrpSpPr>
+        <p:cNvPr id="1" name=""/>
+        <p:cNvGrpSpPr/>
+        <p:nvPr/>
+      </p:nvGrpSpPr>
+      <p:grpSpPr>
+        <a:xfrm>
+          <a:off x="0" y="0"/>
+          <a:ext cx="0" cy="0"/>
+          <a:chOff x="0" y="0"/>
+          <a:chExt cx="0" cy="0"/>
+        </a:xfrm>
+      </p:grpSpPr>
+      <p:sp>
+        <p:nvSpPr>
+          <p:cNvPr id="2" name="Titel 1"/>
+          <p:cNvSpPr>
+            <a:spLocks noGrp="1"/>
+          </p:cNvSpPr>
+          <p:nvPr>
+            <p:ph type="title"/>
+          </p:nvPr>
+        </p:nvSpPr>
+        <p:spPr/>
+        <p:txBody>
+          <a:bodyPr/>
+          <a:lstStyle/>
+          <a:p>
+            <a:pPr algn="ctr"/>
+            <a:r>
               <a:rPr lang="da-DK" dirty="0" smtClean="0"/>
               <a:t>Summary</a:t>
             </a:r>
@@ -11802,7 +11875,7 @@
           <a:graphicData uri="http://schemas.openxmlformats.org/presentationml/2006/ole">
             <mc:AlternateContent xmlns:mc="http://schemas.openxmlformats.org/markup-compatibility/2006">
               <mc:Choice xmlns:v="urn:schemas-microsoft-com:vml" Requires="v">
-                <p:oleObj spid="_x0000_s1040" name="Acrobat Document" r:id="rId4" imgW="2743200" imgH="2178925" progId="AcroExch.Document.DC">
+                <p:oleObj spid="_x0000_s1041" name="Acrobat Document" r:id="rId4" imgW="2743200" imgH="2178925" progId="AcroExch.Document.DC">
                   <p:embed/>
                 </p:oleObj>
               </mc:Choice>

--- a/ppt/final.pptx
+++ b/ppt/final.pptx
@@ -401,7 +401,7 @@
           <a:p>
             <a:fld id="{A5874EA0-E96F-4A9F-BECE-F82ED93FDC31}" type="slidenum">
               <a:rPr lang="da-DK" smtClean="0"/>
-              <a:t>‹nr.›</a:t>
+              <a:t>‹#›</a:t>
             </a:fld>
             <a:endParaRPr lang="da-DK"/>
           </a:p>
@@ -1601,7 +1601,7 @@
           <a:p>
             <a:fld id="{409B8A6B-2702-4E09-BF63-7CC1F22DFC4D}" type="slidenum">
               <a:rPr lang="da-DK" smtClean="0"/>
-              <a:t>‹nr.›</a:t>
+              <a:t>‹#›</a:t>
             </a:fld>
             <a:endParaRPr lang="da-DK"/>
           </a:p>
@@ -2046,7 +2046,7 @@
           <a:p>
             <a:fld id="{409B8A6B-2702-4E09-BF63-7CC1F22DFC4D}" type="slidenum">
               <a:rPr lang="da-DK" smtClean="0"/>
-              <a:t>‹nr.›</a:t>
+              <a:t>‹#›</a:t>
             </a:fld>
             <a:endParaRPr lang="da-DK"/>
           </a:p>
@@ -2214,7 +2214,7 @@
           <a:p>
             <a:fld id="{409B8A6B-2702-4E09-BF63-7CC1F22DFC4D}" type="slidenum">
               <a:rPr lang="da-DK" smtClean="0"/>
-              <a:t>‹nr.›</a:t>
+              <a:t>‹#›</a:t>
             </a:fld>
             <a:endParaRPr lang="da-DK"/>
           </a:p>
@@ -2474,7 +2474,7 @@
           <a:p>
             <a:fld id="{409B8A6B-2702-4E09-BF63-7CC1F22DFC4D}" type="slidenum">
               <a:rPr lang="da-DK" smtClean="0"/>
-              <a:t>‹nr.›</a:t>
+              <a:t>‹#›</a:t>
             </a:fld>
             <a:endParaRPr lang="da-DK"/>
           </a:p>
@@ -2683,7 +2683,7 @@
           <a:p>
             <a:fld id="{409B8A6B-2702-4E09-BF63-7CC1F22DFC4D}" type="slidenum">
               <a:rPr lang="da-DK" smtClean="0"/>
-              <a:t>‹nr.›</a:t>
+              <a:t>‹#›</a:t>
             </a:fld>
             <a:endParaRPr lang="da-DK"/>
           </a:p>
@@ -2792,7 +2792,7 @@
           <a:p>
             <a:fld id="{409B8A6B-2702-4E09-BF63-7CC1F22DFC4D}" type="slidenum">
               <a:rPr lang="da-DK" smtClean="0"/>
-              <a:t>‹nr.›</a:t>
+              <a:t>‹#›</a:t>
             </a:fld>
             <a:endParaRPr lang="da-DK"/>
           </a:p>
@@ -3045,7 +3045,7 @@
             <a:fld id="{409B8A6B-2702-4E09-BF63-7CC1F22DFC4D}" type="slidenum">
               <a:rPr lang="da-DK" smtClean="0"/>
               <a:pPr/>
-              <a:t>‹nr.›</a:t>
+              <a:t>‹#›</a:t>
             </a:fld>
             <a:endParaRPr lang="da-DK" dirty="0"/>
           </a:p>
@@ -3376,7 +3376,7 @@
           <a:p>
             <a:fld id="{409B8A6B-2702-4E09-BF63-7CC1F22DFC4D}" type="slidenum">
               <a:rPr lang="da-DK" smtClean="0"/>
-              <a:t>‹nr.›</a:t>
+              <a:t>‹#›</a:t>
             </a:fld>
             <a:endParaRPr lang="da-DK"/>
           </a:p>
@@ -3490,7 +3490,7 @@
           <a:p>
             <a:fld id="{409B8A6B-2702-4E09-BF63-7CC1F22DFC4D}" type="slidenum">
               <a:rPr lang="da-DK" smtClean="0"/>
-              <a:t>‹nr.›</a:t>
+              <a:t>‹#›</a:t>
             </a:fld>
             <a:endParaRPr lang="da-DK"/>
           </a:p>
@@ -3938,7 +3938,7 @@
           <a:p>
             <a:fld id="{409B8A6B-2702-4E09-BF63-7CC1F22DFC4D}" type="slidenum">
               <a:rPr lang="da-DK" smtClean="0"/>
-              <a:t>‹nr.›</a:t>
+              <a:t>‹#›</a:t>
             </a:fld>
             <a:endParaRPr lang="da-DK"/>
           </a:p>
@@ -4308,7 +4308,7 @@
           <a:p>
             <a:fld id="{409B8A6B-2702-4E09-BF63-7CC1F22DFC4D}" type="slidenum">
               <a:rPr lang="da-DK" smtClean="0"/>
-              <a:t>‹nr.›</a:t>
+              <a:t>‹#›</a:t>
             </a:fld>
             <a:endParaRPr lang="da-DK"/>
           </a:p>
@@ -4387,7 +4387,7 @@
           <a:p>
             <a:fld id="{409B8A6B-2702-4E09-BF63-7CC1F22DFC4D}" type="slidenum">
               <a:rPr lang="da-DK" smtClean="0"/>
-              <a:t>‹nr.›</a:t>
+              <a:t>‹#›</a:t>
             </a:fld>
             <a:endParaRPr lang="da-DK"/>
           </a:p>
@@ -4584,7 +4584,7 @@
           <a:p>
             <a:fld id="{409B8A6B-2702-4E09-BF63-7CC1F22DFC4D}" type="slidenum">
               <a:rPr lang="da-DK" smtClean="0"/>
-              <a:t>‹nr.›</a:t>
+              <a:t>‹#›</a:t>
             </a:fld>
             <a:endParaRPr lang="da-DK"/>
           </a:p>
@@ -4928,7 +4928,7 @@
             <a:fld id="{409B8A6B-2702-4E09-BF63-7CC1F22DFC4D}" type="slidenum">
               <a:rPr lang="da-DK" smtClean="0"/>
               <a:pPr/>
-              <a:t>‹nr.›</a:t>
+              <a:t>‹#›</a:t>
             </a:fld>
             <a:endParaRPr lang="da-DK" dirty="0"/>
           </a:p>
@@ -5434,10 +5434,9 @@
           <a:lstStyle/>
           <a:p>
             <a:r>
-              <a:rPr lang="da-DK" dirty="0" smtClean="0"/>
+              <a:rPr lang="da-DK" dirty="0"/>
               <a:t>WCS8 Gr. 850</a:t>
             </a:r>
-            <a:endParaRPr lang="da-DK" dirty="0"/>
           </a:p>
         </p:txBody>
       </p:sp>
@@ -5515,11 +5514,7 @@
           <a:p>
             <a:r>
               <a:rPr lang="da-DK" dirty="0"/>
-              <a:t>Temporal </a:t>
-            </a:r>
-            <a:r>
-              <a:rPr lang="da-DK" dirty="0" smtClean="0"/>
-              <a:t>domain</a:t>
+              <a:t>Temporal domain</a:t>
             </a:r>
             <a:endParaRPr lang="en-US" dirty="0"/>
           </a:p>
@@ -5546,11 +5541,7 @@
             </a:r>
             <a:r>
               <a:rPr lang="da-DK" dirty="0"/>
-              <a:t> </a:t>
-            </a:r>
-            <a:r>
-              <a:rPr lang="da-DK" dirty="0" smtClean="0"/>
-              <a:t>domain</a:t>
+              <a:t> domain</a:t>
             </a:r>
             <a:endParaRPr lang="en-US" dirty="0"/>
           </a:p>
@@ -5692,7 +5683,7 @@
           <a:p>
             <a:pPr algn="ctr"/>
             <a:r>
-              <a:rPr lang="en-US" dirty="0" smtClean="0"/>
+              <a:rPr lang="en-US" dirty="0"/>
               <a:t>WSSUS</a:t>
             </a:r>
             <a:endParaRPr lang="el-GR" dirty="0"/>
@@ -5715,49 +5706,49 @@
           <a:lstStyle/>
           <a:p>
             <a:r>
-              <a:rPr lang="en-US" dirty="0" smtClean="0"/>
+              <a:rPr lang="en-US" dirty="0"/>
               <a:t>WSS – Temporal domain</a:t>
             </a:r>
           </a:p>
           <a:p>
             <a:r>
-              <a:rPr lang="en-US" dirty="0" smtClean="0"/>
+              <a:rPr lang="en-US" dirty="0"/>
               <a:t>US – Spatial domain</a:t>
             </a:r>
           </a:p>
           <a:p>
             <a:r>
-              <a:rPr lang="en-US" dirty="0" smtClean="0"/>
+              <a:rPr lang="en-US" dirty="0"/>
               <a:t>One parameter per domain</a:t>
             </a:r>
           </a:p>
           <a:p>
-            <a:endParaRPr lang="en-US" dirty="0" smtClean="0"/>
-          </a:p>
-          <a:p>
             <a:endParaRPr lang="en-US" dirty="0"/>
           </a:p>
           <a:p>
-            <a:endParaRPr lang="en-US" dirty="0" smtClean="0"/>
-          </a:p>
-          <a:p>
             <a:endParaRPr lang="en-US" dirty="0"/>
           </a:p>
           <a:p>
-            <a:endParaRPr lang="en-US" dirty="0" smtClean="0"/>
-          </a:p>
-          <a:p>
             <a:endParaRPr lang="en-US" dirty="0"/>
           </a:p>
           <a:p>
-            <a:endParaRPr lang="en-US" dirty="0" smtClean="0"/>
-          </a:p>
-          <a:p>
             <a:endParaRPr lang="en-US" dirty="0"/>
           </a:p>
           <a:p>
-            <a:r>
-              <a:rPr lang="en-US" dirty="0" smtClean="0"/>
+            <a:endParaRPr lang="en-US" dirty="0"/>
+          </a:p>
+          <a:p>
+            <a:endParaRPr lang="en-US" dirty="0"/>
+          </a:p>
+          <a:p>
+            <a:endParaRPr lang="en-US" dirty="0"/>
+          </a:p>
+          <a:p>
+            <a:endParaRPr lang="en-US" dirty="0"/>
+          </a:p>
+          <a:p>
+            <a:r>
+              <a:rPr lang="en-US" dirty="0"/>
               <a:t>Independent domains</a:t>
             </a:r>
             <a:endParaRPr lang="el-GR" dirty="0"/>
@@ -5807,13 +5798,6 @@
   <p:transition>
     <p:fade/>
   </p:transition>
-  <p:timing>
-    <p:tnLst>
-      <p:par>
-        <p:cTn id="1" dur="indefinite" restart="never" nodeType="tmRoot"/>
-      </p:par>
-    </p:tnLst>
-  </p:timing>
 </p:sld>
 </file>
 
@@ -5851,7 +5835,7 @@
           <a:p>
             <a:pPr algn="ctr"/>
             <a:r>
-              <a:rPr lang="en-US" dirty="0" smtClean="0"/>
+              <a:rPr lang="en-US" dirty="0"/>
               <a:t>Space Correlation Function</a:t>
             </a:r>
             <a:endParaRPr lang="el-GR" dirty="0"/>
@@ -5879,21 +5863,13 @@
           <a:lstStyle/>
           <a:p>
             <a:r>
-              <a:rPr lang="en-US" dirty="0" smtClean="0"/>
-              <a:t>FFT of </a:t>
-            </a:r>
-            <a:r>
               <a:rPr lang="en-US" dirty="0"/>
-              <a:t>D</a:t>
-            </a:r>
-            <a:r>
-              <a:rPr lang="en-US" dirty="0" smtClean="0"/>
-              <a:t>oppler spectrum</a:t>
-            </a:r>
-          </a:p>
-          <a:p>
-            <a:r>
-              <a:rPr lang="en-US" dirty="0" smtClean="0"/>
+              <a:t>FFT of Doppler spectrum</a:t>
+            </a:r>
+          </a:p>
+          <a:p>
+            <a:r>
+              <a:rPr lang="en-US" dirty="0"/>
               <a:t>Assuming Rayleigh and Jakes bathtub.</a:t>
             </a:r>
           </a:p>
@@ -5903,47 +5879,47 @@
               <a:buChar char="Ø"/>
             </a:pPr>
             <a:r>
-              <a:rPr lang="en-US" dirty="0" smtClean="0"/>
+              <a:rPr lang="en-US" dirty="0"/>
               <a:t>Zero order </a:t>
             </a:r>
             <a:r>
-              <a:rPr lang="en-US" dirty="0" err="1" smtClean="0"/>
+              <a:rPr lang="en-US" dirty="0" err="1"/>
               <a:t>bessel</a:t>
             </a:r>
             <a:r>
-              <a:rPr lang="en-US" dirty="0" smtClean="0"/>
+              <a:rPr lang="en-US" dirty="0"/>
               <a:t> function</a:t>
             </a:r>
           </a:p>
           <a:p>
-            <a:endParaRPr lang="en-US" dirty="0" smtClean="0"/>
-          </a:p>
-          <a:p>
             <a:endParaRPr lang="en-US" dirty="0"/>
           </a:p>
           <a:p>
-            <a:endParaRPr lang="en-US" dirty="0" smtClean="0"/>
-          </a:p>
-          <a:p>
             <a:endParaRPr lang="en-US" dirty="0"/>
           </a:p>
           <a:p>
-            <a:endParaRPr lang="en-US" dirty="0" smtClean="0"/>
-          </a:p>
-          <a:p>
             <a:endParaRPr lang="en-US" dirty="0"/>
           </a:p>
           <a:p>
-            <a:r>
-              <a:rPr lang="en-US" dirty="0" smtClean="0"/>
+            <a:endParaRPr lang="en-US" dirty="0"/>
+          </a:p>
+          <a:p>
+            <a:endParaRPr lang="en-US" dirty="0"/>
+          </a:p>
+          <a:p>
+            <a:endParaRPr lang="en-US" dirty="0"/>
+          </a:p>
+          <a:p>
+            <a:r>
+              <a:rPr lang="en-US" dirty="0"/>
               <a:t>Uncorrelated samples 0.38</a:t>
             </a:r>
             <a:r>
-              <a:rPr lang="el-GR" dirty="0" smtClean="0"/>
+              <a:rPr lang="el-GR" dirty="0"/>
               <a:t>λ</a:t>
             </a:r>
             <a:r>
-              <a:rPr lang="en-US" dirty="0" smtClean="0"/>
+              <a:rPr lang="en-US" dirty="0"/>
               <a:t> </a:t>
             </a:r>
           </a:p>
@@ -6025,13 +6001,6 @@
   <p:transition>
     <p:fade/>
   </p:transition>
-  <p:timing>
-    <p:tnLst>
-      <p:par>
-        <p:cTn id="1" dur="indefinite" restart="never" nodeType="tmRoot"/>
-      </p:par>
-    </p:tnLst>
-  </p:timing>
 </p:sld>
 </file>
 
@@ -6069,7 +6038,7 @@
           <a:p>
             <a:pPr algn="ctr"/>
             <a:r>
-              <a:rPr lang="en-US" dirty="0" smtClean="0"/>
+              <a:rPr lang="en-US" dirty="0"/>
               <a:t>Frequency Correlation Function</a:t>
             </a:r>
             <a:endParaRPr lang="el-GR" dirty="0"/>
@@ -6092,65 +6061,61 @@
           <a:lstStyle/>
           <a:p>
             <a:r>
-              <a:rPr lang="en-US" dirty="0" smtClean="0"/>
+              <a:rPr lang="en-US" dirty="0"/>
               <a:t>FFT of Power Delay Profile(PDP)</a:t>
             </a:r>
           </a:p>
           <a:p>
             <a:r>
-              <a:rPr lang="en-US" dirty="0" smtClean="0"/>
+              <a:rPr lang="en-US" dirty="0"/>
               <a:t>Assuming exponential decay PDP</a:t>
             </a:r>
           </a:p>
           <a:p>
-            <a:endParaRPr lang="en-US" dirty="0" smtClean="0"/>
-          </a:p>
-          <a:p>
             <a:endParaRPr lang="en-US" dirty="0"/>
           </a:p>
           <a:p>
-            <a:endParaRPr lang="en-US" dirty="0" smtClean="0"/>
-          </a:p>
-          <a:p>
             <a:endParaRPr lang="en-US" dirty="0"/>
           </a:p>
           <a:p>
-            <a:endParaRPr lang="en-US" dirty="0" smtClean="0"/>
-          </a:p>
-          <a:p>
             <a:endParaRPr lang="en-US" dirty="0"/>
           </a:p>
           <a:p>
-            <a:endParaRPr lang="en-US" dirty="0" smtClean="0"/>
-          </a:p>
-          <a:p>
-            <a:r>
-              <a:rPr lang="en-US" dirty="0" smtClean="0"/>
+            <a:endParaRPr lang="en-US" dirty="0"/>
+          </a:p>
+          <a:p>
+            <a:endParaRPr lang="en-US" dirty="0"/>
+          </a:p>
+          <a:p>
+            <a:endParaRPr lang="en-US" dirty="0"/>
+          </a:p>
+          <a:p>
+            <a:endParaRPr lang="en-US" dirty="0"/>
+          </a:p>
+          <a:p>
+            <a:r>
+              <a:rPr lang="en-US" dirty="0"/>
               <a:t>Small environment more </a:t>
             </a:r>
             <a:r>
-              <a:rPr lang="el-GR" dirty="0" smtClean="0"/>
+              <a:rPr lang="el-GR" dirty="0"/>
               <a:t>Δ</a:t>
             </a:r>
             <a:r>
-              <a:rPr lang="da-DK" dirty="0" smtClean="0"/>
+              <a:rPr lang="da-DK" dirty="0"/>
               <a:t>f is needed</a:t>
             </a:r>
           </a:p>
           <a:p>
             <a:r>
-              <a:rPr lang="da-DK" dirty="0" smtClean="0"/>
+              <a:rPr lang="da-DK" dirty="0"/>
               <a:t>Approximation of coherence bandwidth</a:t>
             </a:r>
           </a:p>
           <a:p>
             <a:r>
               <a:rPr lang="da-DK" dirty="0"/>
-              <a:t>RMS delay </a:t>
-            </a:r>
-            <a:r>
-              <a:rPr lang="da-DK" dirty="0" smtClean="0"/>
-              <a:t>spread inversely proportioned to coherence bandwidth</a:t>
+              <a:t>RMS delay spread inversely proportioned to coherence bandwidth</a:t>
             </a:r>
             <a:endParaRPr lang="el-GR" dirty="0"/>
           </a:p>
@@ -6232,13 +6197,6 @@
   <p:transition>
     <p:fade/>
   </p:transition>
-  <p:timing>
-    <p:tnLst>
-      <p:par>
-        <p:cTn id="1" dur="indefinite" restart="never" nodeType="tmRoot"/>
-      </p:par>
-    </p:tnLst>
-  </p:timing>
 </p:sld>
 </file>
 
@@ -6276,7 +6234,7 @@
           <a:p>
             <a:pPr algn="ctr"/>
             <a:r>
-              <a:rPr lang="en-US" dirty="0" smtClean="0"/>
+              <a:rPr lang="en-US" dirty="0"/>
               <a:t>Receiver Structure</a:t>
             </a:r>
             <a:endParaRPr lang="el-GR" dirty="0"/>
@@ -6301,7 +6259,7 @@
           <a:lstStyle/>
           <a:p>
             <a:r>
-              <a:rPr lang="en-US" dirty="0" smtClean="0"/>
+              <a:rPr lang="en-US" dirty="0"/>
               <a:t>The basic receiver’s structure.</a:t>
             </a:r>
           </a:p>
@@ -6309,7 +6267,7 @@
             <a:endParaRPr lang="en-US" dirty="0"/>
           </a:p>
           <a:p>
-            <a:endParaRPr lang="en-US" dirty="0" smtClean="0"/>
+            <a:endParaRPr lang="en-US" dirty="0"/>
           </a:p>
           <a:p>
             <a:endParaRPr lang="en-US" dirty="0"/>
@@ -6322,7 +6280,7 @@
           </a:p>
           <a:p>
             <a:r>
-              <a:rPr lang="en-US" dirty="0" smtClean="0"/>
+              <a:rPr lang="en-US" dirty="0"/>
               <a:t>Receiver is influenced by :</a:t>
             </a:r>
           </a:p>
@@ -6332,7 +6290,7 @@
               <a:buChar char="Ø"/>
             </a:pPr>
             <a:r>
-              <a:rPr lang="en-US" dirty="0" smtClean="0"/>
+              <a:rPr lang="en-US" dirty="0"/>
               <a:t>Gain</a:t>
             </a:r>
           </a:p>
@@ -6342,7 +6300,7 @@
               <a:buChar char="Ø"/>
             </a:pPr>
             <a:r>
-              <a:rPr lang="en-US" dirty="0" smtClean="0"/>
+              <a:rPr lang="en-US" dirty="0"/>
               <a:t>Distortion</a:t>
             </a:r>
           </a:p>
@@ -6352,19 +6310,19 @@
               <a:buChar char="Ø"/>
             </a:pPr>
             <a:r>
-              <a:rPr lang="en-US" dirty="0" smtClean="0"/>
+              <a:rPr lang="en-US" dirty="0"/>
               <a:t>Noise</a:t>
             </a:r>
           </a:p>
           <a:p>
             <a:r>
-              <a:rPr lang="en-US" dirty="0" smtClean="0"/>
+              <a:rPr lang="en-US" dirty="0"/>
               <a:t>Noise is the dominant factor.</a:t>
             </a:r>
           </a:p>
           <a:p>
             <a:r>
-              <a:rPr lang="en-US" dirty="0" smtClean="0"/>
+              <a:rPr lang="en-US" dirty="0"/>
               <a:t>Calibration for distortion</a:t>
             </a:r>
           </a:p>
@@ -6372,7 +6330,7 @@
             <a:endParaRPr lang="en-US" dirty="0"/>
           </a:p>
           <a:p>
-            <a:endParaRPr lang="en-US" dirty="0" smtClean="0"/>
+            <a:endParaRPr lang="en-US" dirty="0"/>
           </a:p>
         </p:txBody>
       </p:sp>
@@ -6419,13 +6377,6 @@
   <p:transition>
     <p:fade/>
   </p:transition>
-  <p:timing>
-    <p:tnLst>
-      <p:par>
-        <p:cTn id="1" dur="indefinite" restart="never" nodeType="tmRoot"/>
-      </p:par>
-    </p:tnLst>
-  </p:timing>
 </p:sld>
 </file>
 
@@ -6463,7 +6414,7 @@
           <a:p>
             <a:pPr algn="ctr"/>
             <a:r>
-              <a:rPr lang="en-US" dirty="0" smtClean="0"/>
+              <a:rPr lang="en-US" dirty="0"/>
               <a:t>Dynamic Range</a:t>
             </a:r>
             <a:endParaRPr lang="el-GR" dirty="0"/>
@@ -6488,55 +6439,55 @@
           <a:lstStyle/>
           <a:p>
             <a:r>
-              <a:rPr lang="en-US" dirty="0" smtClean="0"/>
+              <a:rPr lang="en-US" dirty="0"/>
               <a:t>Sensitivity of the receiver to Max signal strength</a:t>
             </a:r>
           </a:p>
           <a:p>
-            <a:endParaRPr lang="en-US" dirty="0" smtClean="0"/>
-          </a:p>
-          <a:p>
-            <a:endParaRPr lang="en-US" dirty="0" smtClean="0"/>
-          </a:p>
-          <a:p>
             <a:endParaRPr lang="en-US" dirty="0"/>
           </a:p>
           <a:p>
-            <a:endParaRPr lang="en-US" dirty="0" smtClean="0"/>
-          </a:p>
-          <a:p>
             <a:endParaRPr lang="en-US" dirty="0"/>
           </a:p>
           <a:p>
-            <a:endParaRPr lang="en-US" dirty="0" smtClean="0"/>
-          </a:p>
-          <a:p>
-            <a:endParaRPr lang="en-US" dirty="0" smtClean="0"/>
-          </a:p>
-          <a:p>
             <a:endParaRPr lang="en-US" dirty="0"/>
           </a:p>
           <a:p>
-            <a:r>
-              <a:rPr lang="en-US" dirty="0" smtClean="0"/>
+            <a:endParaRPr lang="en-US" dirty="0"/>
+          </a:p>
+          <a:p>
+            <a:endParaRPr lang="en-US" dirty="0"/>
+          </a:p>
+          <a:p>
+            <a:endParaRPr lang="en-US" dirty="0"/>
+          </a:p>
+          <a:p>
+            <a:endParaRPr lang="en-US" dirty="0"/>
+          </a:p>
+          <a:p>
+            <a:endParaRPr lang="en-US" dirty="0"/>
+          </a:p>
+          <a:p>
+            <a:r>
+              <a:rPr lang="en-US" dirty="0"/>
               <a:t>Sensitivity lowest signal that meets the receiver’s criteria</a:t>
             </a:r>
           </a:p>
           <a:p>
             <a:r>
-              <a:rPr lang="en-US" dirty="0" smtClean="0"/>
+              <a:rPr lang="en-US" dirty="0"/>
               <a:t>In NA sensitivity=noise floor</a:t>
             </a:r>
           </a:p>
           <a:p>
             <a:r>
-              <a:rPr lang="en-US" dirty="0" smtClean="0"/>
+              <a:rPr lang="en-US" dirty="0"/>
               <a:t>Tradeoff between Narrowband-Wideband sample acquisition </a:t>
             </a:r>
           </a:p>
           <a:p>
             <a:r>
-              <a:rPr lang="en-US" dirty="0" smtClean="0"/>
+              <a:rPr lang="en-US" dirty="0"/>
               <a:t>Digital signal processing – averaging </a:t>
             </a:r>
             <a:endParaRPr lang="el-GR" dirty="0"/>
@@ -6616,13 +6567,6 @@
   <p:transition>
     <p:fade/>
   </p:transition>
-  <p:timing>
-    <p:tnLst>
-      <p:par>
-        <p:cTn id="1" dur="indefinite" restart="never" nodeType="tmRoot"/>
-      </p:par>
-    </p:tnLst>
-  </p:timing>
 </p:sld>
 </file>
 
@@ -6660,7 +6604,7 @@
           <a:p>
             <a:pPr algn="ctr"/>
             <a:r>
-              <a:rPr lang="en-US" dirty="0" smtClean="0"/>
+              <a:rPr lang="en-US" dirty="0"/>
               <a:t>SNR Margin Estimation</a:t>
             </a:r>
             <a:endParaRPr lang="el-GR" dirty="0"/>
@@ -6685,17 +6629,17 @@
           <a:lstStyle/>
           <a:p>
             <a:r>
-              <a:rPr lang="en-US" dirty="0" smtClean="0"/>
+              <a:rPr lang="en-US" dirty="0"/>
               <a:t>Distinguish noise from deep fades</a:t>
             </a:r>
           </a:p>
           <a:p>
             <a:r>
-              <a:rPr lang="en-US" dirty="0" err="1" smtClean="0"/>
+              <a:rPr lang="en-US" dirty="0" err="1"/>
               <a:t>Rician</a:t>
             </a:r>
             <a:r>
-              <a:rPr lang="en-US" dirty="0" smtClean="0"/>
+              <a:rPr lang="en-US" dirty="0"/>
               <a:t> distribution</a:t>
             </a:r>
           </a:p>
@@ -6705,7 +6649,7 @@
               <a:buChar char="Ø"/>
             </a:pPr>
             <a:r>
-              <a:rPr lang="en-US" dirty="0" smtClean="0"/>
+              <a:rPr lang="en-US" dirty="0"/>
               <a:t>K-factor is constant signal to noise</a:t>
             </a:r>
           </a:p>
@@ -6714,34 +6658,34 @@
               <a:buNone/>
             </a:pPr>
             <a:r>
-              <a:rPr lang="en-US" dirty="0" smtClean="0"/>
+              <a:rPr lang="en-US" dirty="0"/>
               <a:t>K-factor to SNR connection</a:t>
             </a:r>
           </a:p>
           <a:p>
-            <a:endParaRPr lang="en-US" dirty="0" smtClean="0"/>
-          </a:p>
-          <a:p>
             <a:endParaRPr lang="en-US" dirty="0"/>
           </a:p>
           <a:p>
-            <a:endParaRPr lang="en-US" dirty="0" smtClean="0"/>
-          </a:p>
-          <a:p>
             <a:endParaRPr lang="en-US" dirty="0"/>
           </a:p>
           <a:p>
-            <a:endParaRPr lang="en-US" dirty="0" smtClean="0"/>
-          </a:p>
-          <a:p>
-            <a:endParaRPr lang="en-US" dirty="0" smtClean="0"/>
-          </a:p>
-          <a:p>
             <a:endParaRPr lang="en-US" dirty="0"/>
           </a:p>
           <a:p>
-            <a:r>
-              <a:rPr lang="en-US" dirty="0" smtClean="0"/>
+            <a:endParaRPr lang="en-US" dirty="0"/>
+          </a:p>
+          <a:p>
+            <a:endParaRPr lang="en-US" dirty="0"/>
+          </a:p>
+          <a:p>
+            <a:endParaRPr lang="en-US" dirty="0"/>
+          </a:p>
+          <a:p>
+            <a:endParaRPr lang="en-US" dirty="0"/>
+          </a:p>
+          <a:p>
+            <a:r>
+              <a:rPr lang="en-US" dirty="0"/>
               <a:t>For 90% confidence level and </a:t>
             </a:r>
             <a:r>
@@ -6749,7 +6693,7 @@
               <a:t>± </a:t>
             </a:r>
             <a:r>
-              <a:rPr lang="en-US" dirty="0" smtClean="0"/>
+              <a:rPr lang="en-US" dirty="0"/>
               <a:t>1dB interval SNR margin is 14dB</a:t>
             </a:r>
             <a:endParaRPr lang="el-GR" dirty="0"/>
@@ -6799,13 +6743,6 @@
   <p:transition>
     <p:fade/>
   </p:transition>
-  <p:timing>
-    <p:tnLst>
-      <p:par>
-        <p:cTn id="1" dur="indefinite" restart="never" nodeType="tmRoot"/>
-      </p:par>
-    </p:tnLst>
-  </p:timing>
 </p:sld>
 </file>
 
@@ -6843,7 +6780,7 @@
           <a:p>
             <a:pPr algn="ctr"/>
             <a:r>
-              <a:rPr lang="en-US" dirty="0" smtClean="0"/>
+              <a:rPr lang="en-US" dirty="0"/>
               <a:t>Measurement Setup</a:t>
             </a:r>
             <a:endParaRPr lang="el-GR" dirty="0"/>
@@ -6865,46 +6802,42 @@
           <a:bodyPr/>
           <a:lstStyle/>
           <a:p>
-            <a:endParaRPr lang="en-US" dirty="0" smtClean="0"/>
-          </a:p>
-          <a:p>
             <a:endParaRPr lang="en-US" dirty="0"/>
           </a:p>
           <a:p>
-            <a:endParaRPr lang="en-US" dirty="0" smtClean="0"/>
-          </a:p>
-          <a:p>
             <a:endParaRPr lang="en-US" dirty="0"/>
           </a:p>
           <a:p>
-            <a:endParaRPr lang="en-US" dirty="0" smtClean="0"/>
-          </a:p>
-          <a:p>
             <a:endParaRPr lang="en-US" dirty="0"/>
           </a:p>
           <a:p>
-            <a:endParaRPr lang="en-US" dirty="0" smtClean="0"/>
-          </a:p>
-          <a:p>
             <a:endParaRPr lang="en-US" dirty="0"/>
           </a:p>
           <a:p>
-            <a:endParaRPr lang="en-US" dirty="0" smtClean="0"/>
-          </a:p>
-          <a:p>
-            <a:r>
-              <a:rPr lang="en-US" dirty="0" smtClean="0"/>
+            <a:endParaRPr lang="en-US" dirty="0"/>
+          </a:p>
+          <a:p>
+            <a:endParaRPr lang="en-US" dirty="0"/>
+          </a:p>
+          <a:p>
+            <a:endParaRPr lang="en-US" dirty="0"/>
+          </a:p>
+          <a:p>
+            <a:endParaRPr lang="en-US" dirty="0"/>
+          </a:p>
+          <a:p>
+            <a:endParaRPr lang="en-US" dirty="0"/>
+          </a:p>
+          <a:p>
+            <a:r>
+              <a:rPr lang="en-US" dirty="0"/>
               <a:t>The measurements were contacted in the blue shaded space</a:t>
-            </a:r>
-            <a:r>
-              <a:rPr lang="en-US" dirty="0"/>
-              <a:t/>
             </a:r>
             <a:br>
               <a:rPr lang="en-US" dirty="0"/>
             </a:br>
             <a:r>
-              <a:rPr lang="en-US" dirty="0" smtClean="0"/>
+              <a:rPr lang="en-US" dirty="0"/>
               <a:t>while The antenna position is circled with red.</a:t>
             </a:r>
           </a:p>
@@ -6953,13 +6886,6 @@
   <p:transition>
     <p:fade/>
   </p:transition>
-  <p:timing>
-    <p:tnLst>
-      <p:par>
-        <p:cTn id="1" dur="indefinite" restart="never" nodeType="tmRoot"/>
-      </p:par>
-    </p:tnLst>
-  </p:timing>
 </p:sld>
 </file>
 
@@ -6997,7 +6923,7 @@
           <a:p>
             <a:pPr algn="ctr"/>
             <a:r>
-              <a:rPr lang="en-US" dirty="0" smtClean="0"/>
+              <a:rPr lang="en-US" dirty="0"/>
               <a:t>Equipment</a:t>
             </a:r>
             <a:endParaRPr lang="el-GR" dirty="0"/>
@@ -7020,42 +6946,37 @@
           <a:lstStyle/>
           <a:p>
             <a:r>
-              <a:rPr lang="en-US" dirty="0" err="1" smtClean="0"/>
+              <a:rPr lang="en-US" dirty="0" err="1"/>
               <a:t>Keysight</a:t>
             </a:r>
             <a:r>
-              <a:rPr lang="en-US" dirty="0" smtClean="0"/>
+              <a:rPr lang="en-US" dirty="0"/>
               <a:t> 4-port Network Analyzer</a:t>
             </a:r>
           </a:p>
           <a:p>
             <a:r>
-              <a:rPr lang="en-US" dirty="0" smtClean="0"/>
+              <a:rPr lang="en-US" dirty="0"/>
               <a:t>Normalization of signal</a:t>
             </a:r>
-            <a:endParaRPr lang="en-US" dirty="0" smtClean="0"/>
-          </a:p>
-          <a:p>
-            <a:r>
-              <a:rPr lang="en-US" dirty="0" smtClean="0"/>
-              <a:t>RX </a:t>
-            </a:r>
-            <a:r>
-              <a:rPr lang="en-US" dirty="0" smtClean="0"/>
-              <a:t>omnidirectional antenna array fc 5GHz and 0.4</a:t>
-            </a:r>
-            <a:r>
-              <a:rPr lang="el-GR" dirty="0" smtClean="0"/>
+          </a:p>
+          <a:p>
+            <a:r>
+              <a:rPr lang="en-US" dirty="0"/>
+              <a:t>RX omnidirectional antenna array fc 5GHz and 0.4</a:t>
+            </a:r>
+            <a:r>
+              <a:rPr lang="el-GR" dirty="0"/>
               <a:t>λ </a:t>
             </a:r>
             <a:r>
-              <a:rPr lang="en-US" dirty="0" smtClean="0"/>
+              <a:rPr lang="en-US" dirty="0"/>
               <a:t>spacing</a:t>
             </a:r>
           </a:p>
           <a:p>
             <a:r>
-              <a:rPr lang="en-US" dirty="0" smtClean="0"/>
+              <a:rPr lang="en-US" dirty="0"/>
               <a:t>Directional TX antenna 12dBi Gain and fc 5GHz</a:t>
             </a:r>
           </a:p>
@@ -7104,13 +7025,6 @@
   <p:transition>
     <p:fade/>
   </p:transition>
-  <p:timing>
-    <p:tnLst>
-      <p:par>
-        <p:cTn id="1" dur="indefinite" restart="never" nodeType="tmRoot"/>
-      </p:par>
-    </p:tnLst>
-  </p:timing>
 </p:sld>
 </file>
 
@@ -7767,37 +7681,37 @@
           </a:lstStyle>
           <a:p>
             <a:r>
-              <a:rPr lang="en-US" smtClean="0"/>
+              <a:rPr lang="en-US"/>
               <a:t>Introduction</a:t>
             </a:r>
           </a:p>
           <a:p>
             <a:r>
-              <a:rPr lang="en-US" smtClean="0"/>
+              <a:rPr lang="en-US"/>
               <a:t>Statistical Aspect</a:t>
             </a:r>
           </a:p>
           <a:p>
             <a:r>
-              <a:rPr lang="en-US" smtClean="0"/>
+              <a:rPr lang="en-US"/>
               <a:t>Wireless Channel</a:t>
             </a:r>
           </a:p>
           <a:p>
             <a:r>
-              <a:rPr lang="en-US" smtClean="0"/>
+              <a:rPr lang="en-US"/>
               <a:t>WSSUS</a:t>
             </a:r>
           </a:p>
           <a:p>
             <a:r>
-              <a:rPr lang="en-US" smtClean="0"/>
+              <a:rPr lang="en-US"/>
               <a:t>Correlation</a:t>
             </a:r>
           </a:p>
           <a:p>
             <a:r>
-              <a:rPr lang="en-US" smtClean="0"/>
+              <a:rPr lang="en-US"/>
               <a:t>Dynamic Range</a:t>
             </a:r>
           </a:p>
@@ -7966,13 +7880,13 @@
           </a:lstStyle>
           <a:p>
             <a:r>
-              <a:rPr lang="en-US" dirty="0" smtClean="0"/>
+              <a:rPr lang="en-US" dirty="0"/>
               <a:t>Measurement Setup</a:t>
             </a:r>
           </a:p>
           <a:p>
             <a:r>
-              <a:rPr lang="en-US" spc="-1" dirty="0" smtClean="0">
+              <a:rPr lang="en-US" spc="-1" dirty="0">
                 <a:uFill>
                   <a:solidFill>
                     <a:srgbClr val="FFFFFF"/>
@@ -7981,7 +7895,7 @@
               </a:rPr>
               <a:t>Data Processing</a:t>
             </a:r>
-            <a:endParaRPr lang="en-US" sz="1400" spc="-1" dirty="0" smtClean="0">
+            <a:endParaRPr lang="en-US" sz="1400" spc="-1" dirty="0">
               <a:solidFill>
                 <a:srgbClr val="000000"/>
               </a:solidFill>
@@ -7994,7 +7908,7 @@
           </a:p>
           <a:p>
             <a:r>
-              <a:rPr lang="en-US" spc="-1" dirty="0" smtClean="0">
+              <a:rPr lang="en-US" spc="-1" dirty="0">
                 <a:uFill>
                   <a:solidFill>
                     <a:srgbClr val="FFFFFF"/>
@@ -8006,26 +7920,26 @@
           </a:p>
           <a:p>
             <a:r>
-              <a:rPr lang="en-US" dirty="0" smtClean="0"/>
+              <a:rPr lang="en-US" dirty="0"/>
               <a:t>Diversity Combining</a:t>
             </a:r>
           </a:p>
           <a:p>
             <a:r>
-              <a:rPr lang="en-US" dirty="0" smtClean="0"/>
+              <a:rPr lang="en-US" dirty="0"/>
               <a:t>Uncertainties</a:t>
             </a:r>
           </a:p>
           <a:p>
             <a:r>
-              <a:rPr lang="da-DK" dirty="0" err="1" smtClean="0"/>
+              <a:rPr lang="da-DK" dirty="0" err="1"/>
               <a:t>Further</a:t>
             </a:r>
             <a:r>
-              <a:rPr lang="da-DK" dirty="0" smtClean="0"/>
+              <a:rPr lang="da-DK" dirty="0"/>
               <a:t> Work</a:t>
             </a:r>
-            <a:endParaRPr lang="en-US" dirty="0" smtClean="0"/>
+            <a:endParaRPr lang="en-US" dirty="0"/>
           </a:p>
           <a:p>
             <a:endParaRPr lang="da-DK" dirty="0"/>
@@ -10649,11 +10563,11 @@
           <a:p>
             <a:pPr algn="ctr"/>
             <a:r>
-              <a:rPr lang="da-DK" dirty="0" smtClean="0"/>
+              <a:rPr lang="da-DK" dirty="0"/>
               <a:t>New </a:t>
             </a:r>
             <a:r>
-              <a:rPr lang="da-DK" dirty="0" err="1" smtClean="0"/>
+              <a:rPr lang="da-DK" dirty="0" err="1"/>
               <a:t>Results</a:t>
             </a:r>
             <a:endParaRPr lang="da-DK" dirty="0"/>
@@ -10739,7 +10653,7 @@
           <a:p>
             <a:pPr algn="ctr"/>
             <a:r>
-              <a:rPr lang="en-US" dirty="0" smtClean="0"/>
+              <a:rPr lang="en-US" dirty="0"/>
               <a:t>Diversity Combining</a:t>
             </a:r>
             <a:endParaRPr lang="el-GR" dirty="0"/>
@@ -10853,7 +10767,7 @@
           <a:p>
             <a:pPr algn="ctr"/>
             <a:r>
-              <a:rPr lang="en-US" dirty="0" smtClean="0"/>
+              <a:rPr lang="en-US" dirty="0"/>
               <a:t>Uncertainties</a:t>
             </a:r>
             <a:endParaRPr lang="el-GR" dirty="0"/>
@@ -10876,14 +10790,14 @@
           <a:lstStyle/>
           <a:p>
             <a:r>
-              <a:rPr lang="da-DK" dirty="0" smtClean="0"/>
+              <a:rPr lang="da-DK" dirty="0"/>
               <a:t>WSSUS</a:t>
             </a:r>
           </a:p>
           <a:p>
             <a:pPr lvl="1"/>
             <a:r>
-              <a:rPr lang="da-DK" dirty="0" smtClean="0"/>
+              <a:rPr lang="da-DK" dirty="0"/>
               <a:t>Distance</a:t>
             </a:r>
           </a:p>
@@ -10894,37 +10808,37 @@
               <a:t>Human </a:t>
             </a:r>
             <a:r>
-              <a:rPr lang="da-DK" dirty="0" err="1" smtClean="0"/>
+              <a:rPr lang="da-DK" dirty="0" err="1"/>
               <a:t>error</a:t>
             </a:r>
-            <a:endParaRPr lang="da-DK" dirty="0" smtClean="0"/>
+            <a:endParaRPr lang="da-DK" dirty="0"/>
           </a:p>
           <a:p>
             <a:pPr lvl="1"/>
             <a:r>
-              <a:rPr lang="da-DK" dirty="0" smtClean="0"/>
+              <a:rPr lang="da-DK" dirty="0"/>
               <a:t>Wide </a:t>
             </a:r>
             <a:r>
-              <a:rPr lang="da-DK" dirty="0" err="1" smtClean="0"/>
+              <a:rPr lang="da-DK" dirty="0" err="1"/>
               <a:t>bandwidth</a:t>
             </a:r>
             <a:endParaRPr lang="da-DK" dirty="0"/>
           </a:p>
           <a:p>
             <a:r>
-              <a:rPr lang="da-DK" dirty="0" err="1" smtClean="0"/>
+              <a:rPr lang="da-DK" dirty="0" err="1"/>
               <a:t>Phase</a:t>
             </a:r>
             <a:r>
-              <a:rPr lang="da-DK" dirty="0" smtClean="0"/>
+              <a:rPr lang="da-DK" dirty="0"/>
               <a:t> </a:t>
             </a:r>
             <a:r>
-              <a:rPr lang="da-DK" dirty="0" err="1" smtClean="0"/>
+              <a:rPr lang="da-DK" dirty="0" err="1"/>
               <a:t>correlation</a:t>
             </a:r>
-            <a:endParaRPr lang="da-DK" dirty="0" smtClean="0"/>
+            <a:endParaRPr lang="da-DK" dirty="0"/>
           </a:p>
         </p:txBody>
       </p:sp>
@@ -11035,7 +10949,7 @@
       </p:sp>
       <p:pic>
         <p:nvPicPr>
-          <p:cNvPr id="6146" name="Picture 2" descr="Image result for 5g urllc"/>
+          <p:cNvPr id="2050" name="Picture 2" descr="Image result for 5g urllc"/>
           <p:cNvPicPr>
             <a:picLocks noChangeAspect="1" noChangeArrowheads="1"/>
           </p:cNvPicPr>
@@ -11049,13 +10963,13 @@
               </a:ext>
             </a:extLst>
           </a:blip>
-          <a:srcRect l="39224" r="23137"/>
+          <a:srcRect l="15946" r="17120"/>
           <a:stretch/>
         </p:blipFill>
         <p:spPr bwMode="auto">
           <a:xfrm>
-            <a:off x="2879812" y="1772816"/>
-            <a:ext cx="3384376" cy="3400425"/>
+            <a:off x="2483768" y="1628800"/>
+            <a:ext cx="4104456" cy="3590529"/>
           </a:xfrm>
           <a:prstGeom prst="rect">
             <a:avLst/>
@@ -11072,6 +10986,104 @@
           </a:extLst>
         </p:spPr>
       </p:pic>
+      <p:sp>
+        <p:nvSpPr>
+          <p:cNvPr id="3" name="Rectangle 2"/>
+          <p:cNvSpPr/>
+          <p:nvPr/>
+        </p:nvSpPr>
+        <p:spPr>
+          <a:xfrm>
+            <a:off x="5292080" y="1628800"/>
+            <a:ext cx="1296144" cy="936104"/>
+          </a:xfrm>
+          <a:prstGeom prst="rect">
+            <a:avLst/>
+          </a:prstGeom>
+          <a:solidFill>
+            <a:schemeClr val="bg1"/>
+          </a:solidFill>
+          <a:ln>
+            <a:solidFill>
+              <a:schemeClr val="bg1"/>
+            </a:solidFill>
+          </a:ln>
+        </p:spPr>
+        <p:style>
+          <a:lnRef idx="2">
+            <a:schemeClr val="accent1">
+              <a:shade val="50000"/>
+            </a:schemeClr>
+          </a:lnRef>
+          <a:fillRef idx="1">
+            <a:schemeClr val="accent1"/>
+          </a:fillRef>
+          <a:effectRef idx="0">
+            <a:schemeClr val="accent1"/>
+          </a:effectRef>
+          <a:fontRef idx="minor">
+            <a:schemeClr val="lt1"/>
+          </a:fontRef>
+        </p:style>
+        <p:txBody>
+          <a:bodyPr rtlCol="0" anchor="ctr"/>
+          <a:lstStyle/>
+          <a:p>
+            <a:pPr algn="ctr"/>
+            <a:endParaRPr lang="en-US"/>
+          </a:p>
+        </p:txBody>
+      </p:sp>
+      <p:sp>
+        <p:nvSpPr>
+          <p:cNvPr id="4" name="Isosceles Triangle 3"/>
+          <p:cNvSpPr/>
+          <p:nvPr/>
+        </p:nvSpPr>
+        <p:spPr>
+          <a:xfrm>
+            <a:off x="1835696" y="3861048"/>
+            <a:ext cx="1440160" cy="1296144"/>
+          </a:xfrm>
+          <a:prstGeom prst="triangle">
+            <a:avLst>
+              <a:gd name="adj" fmla="val 47354"/>
+            </a:avLst>
+          </a:prstGeom>
+          <a:solidFill>
+            <a:schemeClr val="bg1"/>
+          </a:solidFill>
+          <a:ln>
+            <a:solidFill>
+              <a:schemeClr val="bg1"/>
+            </a:solidFill>
+          </a:ln>
+        </p:spPr>
+        <p:style>
+          <a:lnRef idx="2">
+            <a:schemeClr val="accent1">
+              <a:shade val="50000"/>
+            </a:schemeClr>
+          </a:lnRef>
+          <a:fillRef idx="1">
+            <a:schemeClr val="accent1"/>
+          </a:fillRef>
+          <a:effectRef idx="0">
+            <a:schemeClr val="accent1"/>
+          </a:effectRef>
+          <a:fontRef idx="minor">
+            <a:schemeClr val="lt1"/>
+          </a:fontRef>
+        </p:style>
+        <p:txBody>
+          <a:bodyPr rtlCol="0" anchor="ctr"/>
+          <a:lstStyle/>
+          <a:p>
+            <a:pPr algn="ctr"/>
+            <a:endParaRPr lang="en-US"/>
+          </a:p>
+        </p:txBody>
+      </p:sp>
     </p:spTree>
     <p:extLst>
       <p:ext uri="{BB962C8B-B14F-4D97-AF65-F5344CB8AC3E}">
@@ -11122,14 +11134,13 @@
           <a:p>
             <a:pPr algn="ctr"/>
             <a:r>
-              <a:rPr lang="da-DK" dirty="0" err="1" smtClean="0"/>
+              <a:rPr lang="da-DK" dirty="0" err="1"/>
               <a:t>Further</a:t>
             </a:r>
             <a:r>
-              <a:rPr lang="da-DK" dirty="0" smtClean="0"/>
+              <a:rPr lang="da-DK" dirty="0"/>
               <a:t> Work</a:t>
             </a:r>
-            <a:endParaRPr lang="da-DK" dirty="0"/>
           </a:p>
         </p:txBody>
       </p:sp>
@@ -11149,84 +11160,83 @@
           <a:lstStyle/>
           <a:p>
             <a:r>
-              <a:rPr lang="da-DK" dirty="0" smtClean="0"/>
+              <a:rPr lang="da-DK" dirty="0"/>
               <a:t>Using </a:t>
             </a:r>
             <a:r>
-              <a:rPr lang="da-DK" dirty="0" err="1" smtClean="0"/>
+              <a:rPr lang="da-DK" dirty="0" err="1"/>
               <a:t>diversity</a:t>
             </a:r>
             <a:r>
-              <a:rPr lang="da-DK" dirty="0" smtClean="0"/>
+              <a:rPr lang="da-DK" dirty="0"/>
               <a:t> to </a:t>
             </a:r>
             <a:r>
-              <a:rPr lang="da-DK" dirty="0" err="1" smtClean="0"/>
+              <a:rPr lang="da-DK" dirty="0" err="1"/>
               <a:t>minimize</a:t>
             </a:r>
             <a:r>
-              <a:rPr lang="da-DK" dirty="0" smtClean="0"/>
+              <a:rPr lang="da-DK" dirty="0"/>
               <a:t> </a:t>
             </a:r>
             <a:r>
-              <a:rPr lang="da-DK" dirty="0" err="1" smtClean="0"/>
+              <a:rPr lang="da-DK" dirty="0" err="1"/>
               <a:t>needed</a:t>
             </a:r>
             <a:r>
-              <a:rPr lang="da-DK" dirty="0" smtClean="0"/>
+              <a:rPr lang="da-DK" dirty="0"/>
               <a:t> SNR </a:t>
             </a:r>
             <a:r>
-              <a:rPr lang="da-DK" dirty="0" err="1" smtClean="0"/>
+              <a:rPr lang="da-DK" dirty="0" err="1"/>
               <a:t>level</a:t>
             </a:r>
-            <a:endParaRPr lang="da-DK" dirty="0" smtClean="0"/>
-          </a:p>
-          <a:p>
-            <a:r>
-              <a:rPr lang="da-DK" dirty="0" smtClean="0"/>
+            <a:endParaRPr lang="da-DK" dirty="0"/>
+          </a:p>
+          <a:p>
+            <a:r>
+              <a:rPr lang="da-DK" dirty="0"/>
               <a:t>Using </a:t>
             </a:r>
             <a:r>
-              <a:rPr lang="da-DK" dirty="0" err="1" smtClean="0"/>
+              <a:rPr lang="da-DK" dirty="0" err="1"/>
               <a:t>four</a:t>
             </a:r>
             <a:r>
-              <a:rPr lang="da-DK" dirty="0" smtClean="0"/>
+              <a:rPr lang="da-DK" dirty="0"/>
               <a:t> </a:t>
             </a:r>
             <a:r>
-              <a:rPr lang="da-DK" dirty="0" err="1" smtClean="0"/>
+              <a:rPr lang="da-DK" dirty="0" err="1"/>
               <a:t>antennas</a:t>
             </a:r>
             <a:r>
-              <a:rPr lang="da-DK" dirty="0" smtClean="0"/>
+              <a:rPr lang="da-DK" dirty="0"/>
               <a:t> </a:t>
             </a:r>
             <a:r>
-              <a:rPr lang="da-DK" dirty="0" err="1" smtClean="0"/>
+              <a:rPr lang="da-DK" dirty="0" err="1"/>
               <a:t>instead</a:t>
             </a:r>
             <a:r>
-              <a:rPr lang="da-DK" dirty="0" smtClean="0"/>
+              <a:rPr lang="da-DK" dirty="0"/>
               <a:t> of </a:t>
             </a:r>
             <a:r>
-              <a:rPr lang="da-DK" dirty="0" err="1" smtClean="0"/>
+              <a:rPr lang="da-DK" dirty="0" err="1"/>
               <a:t>three</a:t>
             </a:r>
-            <a:endParaRPr lang="da-DK" dirty="0" smtClean="0"/>
-          </a:p>
-          <a:p>
-            <a:r>
-              <a:rPr lang="da-DK" dirty="0" err="1" smtClean="0"/>
+            <a:endParaRPr lang="da-DK" dirty="0"/>
+          </a:p>
+          <a:p>
+            <a:r>
+              <a:rPr lang="da-DK" dirty="0" err="1"/>
               <a:t>Moving</a:t>
             </a:r>
             <a:r>
-              <a:rPr lang="da-DK" dirty="0" smtClean="0"/>
+              <a:rPr lang="da-DK" dirty="0"/>
               <a:t> faster</a:t>
             </a:r>
-            <a:endParaRPr lang="da-DK" dirty="0"/>
           </a:p>
         </p:txBody>
       </p:sp>
@@ -11340,7 +11350,7 @@
           <a:p>
             <a:pPr algn="ctr"/>
             <a:r>
-              <a:rPr lang="da-DK" dirty="0" err="1" smtClean="0"/>
+              <a:rPr lang="da-DK" dirty="0" err="1"/>
               <a:t>Conclusion</a:t>
             </a:r>
             <a:endParaRPr lang="da-DK" dirty="0"/>
@@ -11368,49 +11378,49 @@
           <a:lstStyle/>
           <a:p>
             <a:r>
-              <a:rPr lang="da-DK" dirty="0" err="1" smtClean="0"/>
+              <a:rPr lang="da-DK" dirty="0" err="1"/>
               <a:t>Partly</a:t>
             </a:r>
             <a:r>
-              <a:rPr lang="da-DK" dirty="0" smtClean="0"/>
+              <a:rPr lang="da-DK" dirty="0"/>
               <a:t> </a:t>
             </a:r>
             <a:r>
-              <a:rPr lang="da-DK" dirty="0" err="1" smtClean="0"/>
+              <a:rPr lang="da-DK" dirty="0" err="1"/>
               <a:t>stationary</a:t>
             </a:r>
-            <a:endParaRPr lang="da-DK" dirty="0" smtClean="0"/>
-          </a:p>
-          <a:p>
-            <a:r>
-              <a:rPr lang="da-DK" dirty="0" smtClean="0"/>
+            <a:endParaRPr lang="da-DK" dirty="0"/>
+          </a:p>
+          <a:p>
+            <a:r>
+              <a:rPr lang="da-DK" dirty="0"/>
               <a:t>2E+6 </a:t>
             </a:r>
             <a:r>
-              <a:rPr lang="da-DK" dirty="0" err="1" smtClean="0"/>
+              <a:rPr lang="da-DK" dirty="0" err="1"/>
               <a:t>uncorrelated</a:t>
             </a:r>
             <a:r>
-              <a:rPr lang="da-DK" dirty="0" smtClean="0"/>
+              <a:rPr lang="da-DK" dirty="0"/>
               <a:t> samples</a:t>
             </a:r>
           </a:p>
           <a:p>
             <a:r>
-              <a:rPr lang="da-DK" dirty="0" smtClean="0"/>
+              <a:rPr lang="da-DK" dirty="0"/>
               <a:t>(1.58±1.37) dB </a:t>
             </a:r>
             <a:r>
-              <a:rPr lang="da-DK" dirty="0" err="1" smtClean="0"/>
+              <a:rPr lang="da-DK" dirty="0" err="1"/>
               <a:t>error</a:t>
             </a:r>
-            <a:endParaRPr lang="da-DK" dirty="0" smtClean="0"/>
+            <a:endParaRPr lang="da-DK" dirty="0"/>
           </a:p>
           <a:p>
             <a:pPr marL="0" indent="0">
               <a:buNone/>
             </a:pPr>
-            <a:endParaRPr lang="da-DK" dirty="0" smtClean="0"/>
+            <a:endParaRPr lang="da-DK" dirty="0"/>
           </a:p>
           <a:p>
             <a:endParaRPr lang="da-DK" dirty="0"/>
@@ -11491,10 +11501,9 @@
           <a:p>
             <a:pPr algn="ctr"/>
             <a:r>
-              <a:rPr lang="da-DK" dirty="0" smtClean="0"/>
+              <a:rPr lang="da-DK" dirty="0"/>
               <a:t>Summary</a:t>
             </a:r>
-            <a:endParaRPr lang="da-DK" dirty="0"/>
           </a:p>
         </p:txBody>
       </p:sp>
@@ -11519,50 +11528,38 @@
           <a:lstStyle/>
           <a:p>
             <a:r>
-              <a:rPr lang="en-US" dirty="0" smtClean="0"/>
+              <a:rPr lang="en-US" dirty="0"/>
               <a:t>Introduction</a:t>
             </a:r>
           </a:p>
           <a:p>
             <a:r>
               <a:rPr lang="en-US" dirty="0"/>
-              <a:t>Statistical </a:t>
-            </a:r>
-            <a:r>
-              <a:rPr lang="en-US" dirty="0" smtClean="0"/>
-              <a:t>Aspect</a:t>
+              <a:t>Statistical Aspect</a:t>
             </a:r>
           </a:p>
           <a:p>
             <a:r>
               <a:rPr lang="en-US" dirty="0"/>
-              <a:t>Wireless </a:t>
-            </a:r>
-            <a:r>
-              <a:rPr lang="en-US" dirty="0" smtClean="0"/>
-              <a:t>Channel</a:t>
-            </a:r>
-          </a:p>
-          <a:p>
-            <a:r>
-              <a:rPr lang="en-US" dirty="0" smtClean="0"/>
+              <a:t>Wireless Channel</a:t>
+            </a:r>
+          </a:p>
+          <a:p>
+            <a:r>
+              <a:rPr lang="en-US" dirty="0"/>
               <a:t>WSSUS</a:t>
             </a:r>
           </a:p>
           <a:p>
             <a:r>
-              <a:rPr lang="en-US" dirty="0" smtClean="0"/>
+              <a:rPr lang="en-US" dirty="0"/>
               <a:t>Correlation</a:t>
             </a:r>
           </a:p>
           <a:p>
             <a:r>
               <a:rPr lang="en-US" dirty="0"/>
-              <a:t>Dynamic </a:t>
-            </a:r>
-            <a:r>
-              <a:rPr lang="en-US" dirty="0" smtClean="0"/>
-              <a:t>Range</a:t>
+              <a:t>Dynamic Range</a:t>
             </a:r>
           </a:p>
           <a:p>
@@ -11730,13 +11727,13 @@
           </a:lstStyle>
           <a:p>
             <a:r>
-              <a:rPr lang="en-US" dirty="0" smtClean="0"/>
+              <a:rPr lang="en-US" dirty="0"/>
               <a:t>Measurement Setup</a:t>
             </a:r>
           </a:p>
           <a:p>
             <a:r>
-              <a:rPr lang="en-US" spc="-1" dirty="0" smtClean="0">
+              <a:rPr lang="en-US" spc="-1" dirty="0">
                 <a:uFill>
                   <a:solidFill>
                     <a:srgbClr val="FFFFFF"/>
@@ -11745,7 +11742,7 @@
               </a:rPr>
               <a:t>Data Processing</a:t>
             </a:r>
-            <a:endParaRPr lang="en-US" sz="1400" spc="-1" dirty="0" smtClean="0">
+            <a:endParaRPr lang="en-US" sz="1400" spc="-1" dirty="0">
               <a:solidFill>
                 <a:srgbClr val="000000"/>
               </a:solidFill>
@@ -11758,7 +11755,7 @@
           </a:p>
           <a:p>
             <a:r>
-              <a:rPr lang="en-US" spc="-1" dirty="0" smtClean="0">
+              <a:rPr lang="en-US" spc="-1" dirty="0">
                 <a:uFill>
                   <a:solidFill>
                     <a:srgbClr val="FFFFFF"/>
@@ -11770,26 +11767,26 @@
           </a:p>
           <a:p>
             <a:r>
-              <a:rPr lang="en-US" dirty="0" smtClean="0"/>
+              <a:rPr lang="en-US" dirty="0"/>
               <a:t>Diversity Combining</a:t>
             </a:r>
           </a:p>
           <a:p>
             <a:r>
-              <a:rPr lang="en-US" dirty="0" smtClean="0"/>
+              <a:rPr lang="en-US" dirty="0"/>
               <a:t>Uncertainties</a:t>
             </a:r>
           </a:p>
           <a:p>
             <a:r>
-              <a:rPr lang="da-DK" dirty="0" err="1" smtClean="0"/>
+              <a:rPr lang="da-DK" dirty="0" err="1"/>
               <a:t>Further</a:t>
             </a:r>
             <a:r>
-              <a:rPr lang="da-DK" dirty="0" smtClean="0"/>
+              <a:rPr lang="da-DK" dirty="0"/>
               <a:t> Work</a:t>
             </a:r>
-            <a:endParaRPr lang="en-US" dirty="0" smtClean="0"/>
+            <a:endParaRPr lang="en-US" dirty="0"/>
           </a:p>
           <a:p>
             <a:endParaRPr lang="da-DK" dirty="0"/>
@@ -11853,63 +11850,30 @@
           </a:p>
         </p:txBody>
       </p:sp>
-      <p:graphicFrame>
-        <p:nvGraphicFramePr>
-          <p:cNvPr id="6" name="Object 5"/>
-          <p:cNvGraphicFramePr>
-            <a:graphicFrameLocks noChangeAspect="1"/>
-          </p:cNvGraphicFramePr>
-          <p:nvPr>
-            <p:extLst>
-              <p:ext uri="{D42A27DB-BD31-4B8C-83A1-F6EECF244321}">
-                <p14:modId xmlns:p14="http://schemas.microsoft.com/office/powerpoint/2010/main" val="3577500099"/>
-              </p:ext>
-            </p:extLst>
-          </p:nvPr>
-        </p:nvGraphicFramePr>
-        <p:xfrm>
-          <a:off x="1754797" y="1593913"/>
-          <a:ext cx="5634406" cy="4476876"/>
-        </p:xfrm>
-        <a:graphic>
-          <a:graphicData uri="http://schemas.openxmlformats.org/presentationml/2006/ole">
-            <mc:AlternateContent xmlns:mc="http://schemas.openxmlformats.org/markup-compatibility/2006">
-              <mc:Choice xmlns:v="urn:schemas-microsoft-com:vml" Requires="v">
-                <p:oleObj spid="_x0000_s1041" name="Acrobat Document" r:id="rId4" imgW="2743200" imgH="2178925" progId="AcroExch.Document.DC">
-                  <p:embed/>
-                </p:oleObj>
-              </mc:Choice>
-              <mc:Fallback>
-                <p:oleObj name="Acrobat Document" r:id="rId4" imgW="2743200" imgH="2178925" progId="AcroExch.Document.DC">
-                  <p:embed/>
-                  <p:pic>
-                    <p:nvPicPr>
-                      <p:cNvPr id="0" name=""/>
-                      <p:cNvPicPr/>
-                      <p:nvPr/>
-                    </p:nvPicPr>
-                    <p:blipFill>
-                      <a:blip r:embed="rId5"/>
-                      <a:stretch>
-                        <a:fillRect/>
-                      </a:stretch>
-                    </p:blipFill>
-                    <p:spPr>
-                      <a:xfrm>
-                        <a:off x="1754797" y="1593913"/>
-                        <a:ext cx="5634406" cy="4476876"/>
-                      </a:xfrm>
-                      <a:prstGeom prst="rect">
-                        <a:avLst/>
-                      </a:prstGeom>
-                    </p:spPr>
-                  </p:pic>
-                </p:oleObj>
-              </mc:Fallback>
-            </mc:AlternateContent>
-          </a:graphicData>
-        </a:graphic>
-      </p:graphicFrame>
+      <p:pic>
+        <p:nvPicPr>
+          <p:cNvPr id="3" name="Picture 2"/>
+          <p:cNvPicPr>
+            <a:picLocks noChangeAspect="1"/>
+          </p:cNvPicPr>
+          <p:nvPr/>
+        </p:nvPicPr>
+        <p:blipFill>
+          <a:blip r:embed="rId3"/>
+          <a:stretch>
+            <a:fillRect/>
+          </a:stretch>
+        </p:blipFill>
+        <p:spPr>
+          <a:xfrm>
+            <a:off x="1546235" y="1124744"/>
+            <a:ext cx="6051529" cy="4799693"/>
+          </a:xfrm>
+          <a:prstGeom prst="rect">
+            <a:avLst/>
+          </a:prstGeom>
+        </p:spPr>
+      </p:pic>
     </p:spTree>
     <p:extLst>
       <p:ext uri="{BB962C8B-B14F-4D97-AF65-F5344CB8AC3E}">
@@ -12428,6 +12392,35 @@
           </a:prstGeom>
         </p:spPr>
       </p:pic>
+      <p:sp>
+        <p:nvSpPr>
+          <p:cNvPr id="4" name="TextBox 3"/>
+          <p:cNvSpPr txBox="1"/>
+          <p:nvPr/>
+        </p:nvSpPr>
+        <p:spPr>
+          <a:xfrm>
+            <a:off x="3986743" y="3861048"/>
+            <a:ext cx="1170513" cy="369332"/>
+          </a:xfrm>
+          <a:prstGeom prst="rect">
+            <a:avLst/>
+          </a:prstGeom>
+          <a:noFill/>
+        </p:spPr>
+        <p:txBody>
+          <a:bodyPr wrap="none" rtlCol="0">
+            <a:spAutoFit/>
+          </a:bodyPr>
+          <a:lstStyle/>
+          <a:p>
+            <a:r>
+              <a:rPr lang="en-US" dirty="0"/>
+              <a:t>± 0.82 dB</a:t>
+            </a:r>
+          </a:p>
+        </p:txBody>
+      </p:sp>
     </p:spTree>
     <p:extLst>
       <p:ext uri="{BB962C8B-B14F-4D97-AF65-F5344CB8AC3E}">

--- a/ppt/final.pptx
+++ b/ppt/final.pptx
@@ -20,7 +20,7 @@
     <p:sldId id="267" r:id="rId11"/>
     <p:sldId id="269" r:id="rId12"/>
     <p:sldId id="270" r:id="rId13"/>
-    <p:sldId id="271" r:id="rId14"/>
+    <p:sldId id="303" r:id="rId14"/>
     <p:sldId id="272" r:id="rId15"/>
     <p:sldId id="293" r:id="rId16"/>
     <p:sldId id="294" r:id="rId17"/>
@@ -401,7 +401,7 @@
           <a:p>
             <a:fld id="{A5874EA0-E96F-4A9F-BECE-F82ED93FDC31}" type="slidenum">
               <a:rPr lang="da-DK" smtClean="0"/>
-              <a:t>‹#›</a:t>
+              <a:t>‹nr.›</a:t>
             </a:fld>
             <a:endParaRPr lang="da-DK"/>
           </a:p>
@@ -1601,7 +1601,7 @@
           <a:p>
             <a:fld id="{409B8A6B-2702-4E09-BF63-7CC1F22DFC4D}" type="slidenum">
               <a:rPr lang="da-DK" smtClean="0"/>
-              <a:t>‹#›</a:t>
+              <a:t>‹nr.›</a:t>
             </a:fld>
             <a:endParaRPr lang="da-DK"/>
           </a:p>
@@ -2046,7 +2046,7 @@
           <a:p>
             <a:fld id="{409B8A6B-2702-4E09-BF63-7CC1F22DFC4D}" type="slidenum">
               <a:rPr lang="da-DK" smtClean="0"/>
-              <a:t>‹#›</a:t>
+              <a:t>‹nr.›</a:t>
             </a:fld>
             <a:endParaRPr lang="da-DK"/>
           </a:p>
@@ -2214,7 +2214,7 @@
           <a:p>
             <a:fld id="{409B8A6B-2702-4E09-BF63-7CC1F22DFC4D}" type="slidenum">
               <a:rPr lang="da-DK" smtClean="0"/>
-              <a:t>‹#›</a:t>
+              <a:t>‹nr.›</a:t>
             </a:fld>
             <a:endParaRPr lang="da-DK"/>
           </a:p>
@@ -2474,7 +2474,7 @@
           <a:p>
             <a:fld id="{409B8A6B-2702-4E09-BF63-7CC1F22DFC4D}" type="slidenum">
               <a:rPr lang="da-DK" smtClean="0"/>
-              <a:t>‹#›</a:t>
+              <a:t>‹nr.›</a:t>
             </a:fld>
             <a:endParaRPr lang="da-DK"/>
           </a:p>
@@ -2683,7 +2683,7 @@
           <a:p>
             <a:fld id="{409B8A6B-2702-4E09-BF63-7CC1F22DFC4D}" type="slidenum">
               <a:rPr lang="da-DK" smtClean="0"/>
-              <a:t>‹#›</a:t>
+              <a:t>‹nr.›</a:t>
             </a:fld>
             <a:endParaRPr lang="da-DK"/>
           </a:p>
@@ -2792,7 +2792,7 @@
           <a:p>
             <a:fld id="{409B8A6B-2702-4E09-BF63-7CC1F22DFC4D}" type="slidenum">
               <a:rPr lang="da-DK" smtClean="0"/>
-              <a:t>‹#›</a:t>
+              <a:t>‹nr.›</a:t>
             </a:fld>
             <a:endParaRPr lang="da-DK"/>
           </a:p>
@@ -3045,7 +3045,7 @@
             <a:fld id="{409B8A6B-2702-4E09-BF63-7CC1F22DFC4D}" type="slidenum">
               <a:rPr lang="da-DK" smtClean="0"/>
               <a:pPr/>
-              <a:t>‹#›</a:t>
+              <a:t>‹nr.›</a:t>
             </a:fld>
             <a:endParaRPr lang="da-DK" dirty="0"/>
           </a:p>
@@ -3376,7 +3376,7 @@
           <a:p>
             <a:fld id="{409B8A6B-2702-4E09-BF63-7CC1F22DFC4D}" type="slidenum">
               <a:rPr lang="da-DK" smtClean="0"/>
-              <a:t>‹#›</a:t>
+              <a:t>‹nr.›</a:t>
             </a:fld>
             <a:endParaRPr lang="da-DK"/>
           </a:p>
@@ -3490,7 +3490,7 @@
           <a:p>
             <a:fld id="{409B8A6B-2702-4E09-BF63-7CC1F22DFC4D}" type="slidenum">
               <a:rPr lang="da-DK" smtClean="0"/>
-              <a:t>‹#›</a:t>
+              <a:t>‹nr.›</a:t>
             </a:fld>
             <a:endParaRPr lang="da-DK"/>
           </a:p>
@@ -3938,7 +3938,7 @@
           <a:p>
             <a:fld id="{409B8A6B-2702-4E09-BF63-7CC1F22DFC4D}" type="slidenum">
               <a:rPr lang="da-DK" smtClean="0"/>
-              <a:t>‹#›</a:t>
+              <a:t>‹nr.›</a:t>
             </a:fld>
             <a:endParaRPr lang="da-DK"/>
           </a:p>
@@ -4308,7 +4308,7 @@
           <a:p>
             <a:fld id="{409B8A6B-2702-4E09-BF63-7CC1F22DFC4D}" type="slidenum">
               <a:rPr lang="da-DK" smtClean="0"/>
-              <a:t>‹#›</a:t>
+              <a:t>‹nr.›</a:t>
             </a:fld>
             <a:endParaRPr lang="da-DK"/>
           </a:p>
@@ -4387,7 +4387,7 @@
           <a:p>
             <a:fld id="{409B8A6B-2702-4E09-BF63-7CC1F22DFC4D}" type="slidenum">
               <a:rPr lang="da-DK" smtClean="0"/>
-              <a:t>‹#›</a:t>
+              <a:t>‹nr.›</a:t>
             </a:fld>
             <a:endParaRPr lang="da-DK"/>
           </a:p>
@@ -4584,7 +4584,7 @@
           <a:p>
             <a:fld id="{409B8A6B-2702-4E09-BF63-7CC1F22DFC4D}" type="slidenum">
               <a:rPr lang="da-DK" smtClean="0"/>
-              <a:t>‹#›</a:t>
+              <a:t>‹nr.›</a:t>
             </a:fld>
             <a:endParaRPr lang="da-DK"/>
           </a:p>
@@ -4928,7 +4928,7 @@
             <a:fld id="{409B8A6B-2702-4E09-BF63-7CC1F22DFC4D}" type="slidenum">
               <a:rPr lang="da-DK" smtClean="0"/>
               <a:pPr/>
-              <a:t>‹#›</a:t>
+              <a:t>‹nr.›</a:t>
             </a:fld>
             <a:endParaRPr lang="da-DK" dirty="0"/>
           </a:p>
@@ -6038,7 +6038,7 @@
           <a:p>
             <a:pPr algn="ctr"/>
             <a:r>
-              <a:rPr lang="en-US" dirty="0"/>
+              <a:rPr lang="en-US" dirty="0" smtClean="0"/>
               <a:t>Frequency Correlation Function</a:t>
             </a:r>
             <a:endParaRPr lang="el-GR" dirty="0"/>
@@ -6061,61 +6061,65 @@
           <a:lstStyle/>
           <a:p>
             <a:r>
-              <a:rPr lang="en-US" dirty="0"/>
+              <a:rPr lang="en-US" dirty="0" smtClean="0"/>
               <a:t>FFT of Power Delay Profile(PDP)</a:t>
             </a:r>
           </a:p>
           <a:p>
             <a:r>
-              <a:rPr lang="en-US" dirty="0"/>
+              <a:rPr lang="en-US" dirty="0" smtClean="0"/>
               <a:t>Assuming exponential decay PDP</a:t>
             </a:r>
           </a:p>
           <a:p>
+            <a:endParaRPr lang="en-US" dirty="0" smtClean="0"/>
+          </a:p>
+          <a:p>
             <a:endParaRPr lang="en-US" dirty="0"/>
           </a:p>
           <a:p>
+            <a:endParaRPr lang="en-US" dirty="0" smtClean="0"/>
+          </a:p>
+          <a:p>
             <a:endParaRPr lang="en-US" dirty="0"/>
           </a:p>
           <a:p>
+            <a:endParaRPr lang="en-US" dirty="0" smtClean="0"/>
+          </a:p>
+          <a:p>
             <a:endParaRPr lang="en-US" dirty="0"/>
           </a:p>
           <a:p>
-            <a:endParaRPr lang="en-US" dirty="0"/>
-          </a:p>
-          <a:p>
-            <a:endParaRPr lang="en-US" dirty="0"/>
-          </a:p>
-          <a:p>
-            <a:endParaRPr lang="en-US" dirty="0"/>
-          </a:p>
-          <a:p>
-            <a:endParaRPr lang="en-US" dirty="0"/>
-          </a:p>
-          <a:p>
-            <a:r>
-              <a:rPr lang="en-US" dirty="0"/>
+            <a:endParaRPr lang="en-US" dirty="0" smtClean="0"/>
+          </a:p>
+          <a:p>
+            <a:r>
+              <a:rPr lang="en-US" dirty="0" smtClean="0"/>
               <a:t>Small environment more </a:t>
             </a:r>
             <a:r>
-              <a:rPr lang="el-GR" dirty="0"/>
+              <a:rPr lang="el-GR" dirty="0" smtClean="0"/>
               <a:t>Δ</a:t>
             </a:r>
             <a:r>
+              <a:rPr lang="da-DK" dirty="0" smtClean="0"/>
+              <a:t>f is needed</a:t>
+            </a:r>
+          </a:p>
+          <a:p>
+            <a:r>
+              <a:rPr lang="da-DK" dirty="0" smtClean="0"/>
+              <a:t>Approximation of coherence bandwidth</a:t>
+            </a:r>
+          </a:p>
+          <a:p>
+            <a:r>
               <a:rPr lang="da-DK" dirty="0"/>
-              <a:t>f is needed</a:t>
-            </a:r>
-          </a:p>
-          <a:p>
-            <a:r>
-              <a:rPr lang="da-DK" dirty="0"/>
-              <a:t>Approximation of coherence bandwidth</a:t>
-            </a:r>
-          </a:p>
-          <a:p>
-            <a:r>
-              <a:rPr lang="da-DK" dirty="0"/>
-              <a:t>RMS delay spread inversely proportioned to coherence bandwidth</a:t>
+              <a:t>RMS delay </a:t>
+            </a:r>
+            <a:r>
+              <a:rPr lang="da-DK" dirty="0" smtClean="0"/>
+              <a:t>spread inversely proportioned to coherence bandwidth</a:t>
             </a:r>
             <a:endParaRPr lang="el-GR" dirty="0"/>
           </a:p>
@@ -6184,10 +6188,40 @@
           </a:prstGeom>
         </p:spPr>
       </p:pic>
+      <p:pic>
+        <p:nvPicPr>
+          <p:cNvPr id="6" name="Picture 5"/>
+          <p:cNvPicPr>
+            <a:picLocks noChangeAspect="1"/>
+          </p:cNvPicPr>
+          <p:nvPr/>
+        </p:nvPicPr>
+        <p:blipFill>
+          <a:blip r:embed="rId4">
+            <a:extLst>
+              <a:ext uri="{28A0092B-C50C-407E-A947-70E740481C1C}">
+                <a14:useLocalDpi xmlns:a14="http://schemas.microsoft.com/office/drawing/2010/main" val="0"/>
+              </a:ext>
+            </a:extLst>
+          </a:blip>
+          <a:stretch>
+            <a:fillRect/>
+          </a:stretch>
+        </p:blipFill>
+        <p:spPr>
+          <a:xfrm>
+            <a:off x="4908643" y="4797152"/>
+            <a:ext cx="943107" cy="552527"/>
+          </a:xfrm>
+          <a:prstGeom prst="rect">
+            <a:avLst/>
+          </a:prstGeom>
+        </p:spPr>
+      </p:pic>
     </p:spTree>
     <p:extLst>
       <p:ext uri="{BB962C8B-B14F-4D97-AF65-F5344CB8AC3E}">
-        <p14:creationId xmlns:p14="http://schemas.microsoft.com/office/powerpoint/2010/main" val="4226020854"/>
+        <p14:creationId xmlns:p14="http://schemas.microsoft.com/office/powerpoint/2010/main" val="1085680390"/>
       </p:ext>
     </p:extLst>
   </p:cSld>
@@ -6197,6 +6231,13 @@
   <p:transition>
     <p:fade/>
   </p:transition>
+  <p:timing>
+    <p:tnLst>
+      <p:par>
+        <p:cTn id="1" dur="indefinite" restart="never" nodeType="tmRoot"/>
+      </p:par>
+    </p:tnLst>
+  </p:timing>
 </p:sld>
 </file>
 

--- a/ppt/final.pptx
+++ b/ppt/final.pptx
@@ -29,8 +29,8 @@
     <p:sldId id="295" r:id="rId20"/>
     <p:sldId id="296" r:id="rId21"/>
     <p:sldId id="297" r:id="rId22"/>
-    <p:sldId id="298" r:id="rId23"/>
-    <p:sldId id="299" r:id="rId24"/>
+    <p:sldId id="304" r:id="rId23"/>
+    <p:sldId id="305" r:id="rId24"/>
     <p:sldId id="300" r:id="rId25"/>
     <p:sldId id="301" r:id="rId26"/>
     <p:sldId id="302" r:id="rId27"/>
@@ -243,7 +243,7 @@
           <a:p>
             <a:fld id="{27EAA7B7-9729-4998-A735-980F4A67C550}" type="datetimeFigureOut">
               <a:rPr lang="da-DK" smtClean="0"/>
-              <a:t>17-06-2017</a:t>
+              <a:t>20-06-2017</a:t>
             </a:fld>
             <a:endParaRPr lang="da-DK"/>
           </a:p>
@@ -401,7 +401,7 @@
           <a:p>
             <a:fld id="{A5874EA0-E96F-4A9F-BECE-F82ED93FDC31}" type="slidenum">
               <a:rPr lang="da-DK" smtClean="0"/>
-              <a:t>‹nr.›</a:t>
+              <a:t>‹#›</a:t>
             </a:fld>
             <a:endParaRPr lang="da-DK"/>
           </a:p>
@@ -554,22 +554,6 @@
           <a:bodyPr/>
           <a:lstStyle/>
           <a:p>
-            <a:r>
-              <a:rPr lang="da-DK" dirty="0" err="1"/>
-              <a:t>Add</a:t>
-            </a:r>
-            <a:r>
-              <a:rPr lang="da-DK" dirty="0"/>
-              <a:t> </a:t>
-            </a:r>
-            <a:r>
-              <a:rPr lang="da-DK" dirty="0" err="1"/>
-              <a:t>picture</a:t>
-            </a:r>
-            <a:r>
-              <a:rPr lang="da-DK" dirty="0"/>
-              <a:t> for 5G</a:t>
-            </a:r>
             <a:endParaRPr lang="en-US" dirty="0"/>
           </a:p>
         </p:txBody>
@@ -655,33 +639,28 @@
           <a:lstStyle/>
           <a:p>
             <a:r>
-              <a:rPr lang="en-US" dirty="0"/>
-              <a:t>Fading and multipath outages</a:t>
-            </a:r>
-          </a:p>
-          <a:p>
-            <a:r>
-              <a:rPr lang="en-US" dirty="0"/>
-              <a:t>Ultra Reliable Low Latency Communication(URLLC) 5G</a:t>
-            </a:r>
-          </a:p>
-          <a:p>
-            <a:r>
-              <a:rPr lang="en-US" dirty="0"/>
-              <a:t>Cable replacement</a:t>
-            </a:r>
-          </a:p>
-          <a:p>
-            <a:r>
-              <a:rPr lang="en-US" dirty="0"/>
-              <a:t>Low latency means low error correction coding</a:t>
-            </a:r>
-          </a:p>
-          <a:p>
-            <a:r>
-              <a:rPr lang="en-US" dirty="0"/>
-              <a:t>Future applications</a:t>
-            </a:r>
+              <a:rPr lang="da-DK" dirty="0" err="1"/>
+              <a:t>Probeability</a:t>
+            </a:r>
+            <a:r>
+              <a:rPr lang="da-DK" dirty="0"/>
+              <a:t> 10^-5 to 10^-6</a:t>
+            </a:r>
+          </a:p>
+          <a:p>
+            <a:r>
+              <a:rPr lang="da-DK" dirty="0"/>
+              <a:t>Fading </a:t>
+            </a:r>
+            <a:r>
+              <a:rPr lang="da-DK" dirty="0" err="1"/>
+              <a:t>becoming</a:t>
+            </a:r>
+            <a:r>
+              <a:rPr lang="da-DK" dirty="0"/>
+              <a:t> a problem</a:t>
+            </a:r>
+            <a:endParaRPr lang="el-GR" dirty="0"/>
           </a:p>
           <a:p>
             <a:endParaRPr lang="el-GR" dirty="0"/>
@@ -770,29 +749,18 @@
           <a:p>
             <a:r>
               <a:rPr lang="en-US" dirty="0"/>
-              <a:t>Rayleigh fading channels</a:t>
-            </a:r>
-          </a:p>
-          <a:p>
+              <a:t>Tested and not tested</a:t>
+            </a:r>
+          </a:p>
+          <a:p>
+            <a:r>
+              <a:rPr lang="da-DK" dirty="0"/>
+              <a:t>A</a:t>
+            </a:r>
             <a:r>
               <a:rPr lang="en-US" dirty="0"/>
-              <a:t>“Log-Log linear”</a:t>
-            </a:r>
-          </a:p>
-          <a:p>
-            <a:r>
-              <a:rPr lang="en-US" dirty="0"/>
-              <a:t>Fading gain of 10e-5 / -50dB</a:t>
-            </a:r>
-          </a:p>
-          <a:p>
-            <a:r>
-              <a:rPr lang="en-US" dirty="0"/>
-              <a:t>Extrapolated models</a:t>
-            </a:r>
-          </a:p>
-          <a:p>
-            <a:endParaRPr lang="en-US" dirty="0"/>
+              <a:t> hell lot of measurements</a:t>
+            </a:r>
           </a:p>
           <a:p>
             <a:endParaRPr lang="en-US" dirty="0"/>
@@ -964,49 +932,89 @@
           <a:lstStyle/>
           <a:p>
             <a:r>
-              <a:rPr lang="en-US" dirty="0"/>
-              <a:t>Multipath fading</a:t>
-            </a:r>
-          </a:p>
-          <a:p>
-            <a:pPr lvl="1">
-              <a:buFont typeface="Wingdings" pitchFamily="2" charset="2"/>
-              <a:buChar char="Ø"/>
-            </a:pPr>
-            <a:r>
-              <a:rPr lang="en-US" dirty="0"/>
-              <a:t>Large scale </a:t>
-            </a:r>
-          </a:p>
-          <a:p>
-            <a:pPr lvl="1">
-              <a:buFont typeface="Wingdings" pitchFamily="2" charset="2"/>
-              <a:buChar char="Ø"/>
-            </a:pPr>
-            <a:r>
-              <a:rPr lang="en-US" dirty="0"/>
-              <a:t>Small scale</a:t>
-            </a:r>
-          </a:p>
-          <a:p>
-            <a:pPr lvl="2">
-              <a:buFont typeface="Wingdings" pitchFamily="2" charset="2"/>
-              <a:buChar char="ü"/>
-            </a:pPr>
-            <a:r>
-              <a:rPr lang="en-US" dirty="0"/>
-              <a:t>Flat Fading</a:t>
-            </a:r>
-          </a:p>
-          <a:p>
-            <a:pPr lvl="2">
-              <a:buFont typeface="Wingdings" pitchFamily="2" charset="2"/>
-              <a:buChar char="ü"/>
-            </a:pPr>
-            <a:r>
-              <a:rPr lang="en-US" dirty="0"/>
-              <a:t>Selective Fading</a:t>
-            </a:r>
+              <a:rPr lang="da-DK" dirty="0"/>
+              <a:t>Large </a:t>
+            </a:r>
+            <a:r>
+              <a:rPr lang="da-DK" dirty="0" err="1"/>
+              <a:t>scale</a:t>
+            </a:r>
+            <a:r>
+              <a:rPr lang="da-DK" dirty="0"/>
+              <a:t>: </a:t>
+            </a:r>
+            <a:r>
+              <a:rPr lang="da-DK" dirty="0" err="1"/>
+              <a:t>Pathloss</a:t>
+            </a:r>
+            <a:r>
+              <a:rPr lang="da-DK" dirty="0"/>
+              <a:t> for a given </a:t>
+            </a:r>
+            <a:r>
+              <a:rPr lang="da-DK" dirty="0" err="1"/>
+              <a:t>area</a:t>
+            </a:r>
+            <a:endParaRPr lang="da-DK" dirty="0"/>
+          </a:p>
+          <a:p>
+            <a:r>
+              <a:rPr lang="da-DK" dirty="0"/>
+              <a:t>Small </a:t>
+            </a:r>
+            <a:r>
+              <a:rPr lang="da-DK" dirty="0" err="1"/>
+              <a:t>scale</a:t>
+            </a:r>
+            <a:r>
+              <a:rPr lang="da-DK" dirty="0"/>
+              <a:t>: </a:t>
+            </a:r>
+            <a:r>
+              <a:rPr lang="da-DK" dirty="0" err="1"/>
+              <a:t>Multipath</a:t>
+            </a:r>
+            <a:r>
+              <a:rPr lang="da-DK" dirty="0"/>
+              <a:t> signals </a:t>
+            </a:r>
+            <a:r>
+              <a:rPr lang="da-DK" dirty="0" err="1"/>
+              <a:t>that</a:t>
+            </a:r>
+            <a:r>
+              <a:rPr lang="da-DK" dirty="0"/>
+              <a:t> </a:t>
+            </a:r>
+            <a:r>
+              <a:rPr lang="da-DK" dirty="0" err="1"/>
+              <a:t>either</a:t>
+            </a:r>
+            <a:r>
+              <a:rPr lang="da-DK" dirty="0"/>
+              <a:t> </a:t>
+            </a:r>
+            <a:r>
+              <a:rPr lang="da-DK" dirty="0" err="1"/>
+              <a:t>combines</a:t>
+            </a:r>
+            <a:r>
+              <a:rPr lang="da-DK" dirty="0"/>
+              <a:t> </a:t>
+            </a:r>
+            <a:r>
+              <a:rPr lang="da-DK" dirty="0" err="1"/>
+              <a:t>construct</a:t>
+            </a:r>
+            <a:r>
+              <a:rPr lang="da-DK" dirty="0"/>
+              <a:t> or </a:t>
+            </a:r>
+            <a:r>
+              <a:rPr lang="da-DK" dirty="0" err="1"/>
+              <a:t>destructevely</a:t>
+            </a:r>
+            <a:endParaRPr lang="da-DK" dirty="0"/>
           </a:p>
         </p:txBody>
       </p:sp>
@@ -1092,7 +1100,25 @@
           <a:p>
             <a:r>
               <a:rPr lang="en-US" dirty="0"/>
-              <a:t>Rayleigh Fading(Non-Line Of Sight , Urban fading model)</a:t>
+              <a:t>Central limit theory. Many small gives gaussian in both domain of the complex signal. No dominant signal AKA NLOS</a:t>
+            </a:r>
+          </a:p>
+          <a:p>
+            <a:r>
+              <a:rPr lang="da-DK" dirty="0"/>
+              <a:t>T</a:t>
+            </a:r>
+            <a:r>
+              <a:rPr lang="en-US" dirty="0"/>
+              <a:t>his is the distribution of the </a:t>
+            </a:r>
+            <a:r>
+              <a:rPr lang="en-US" dirty="0" err="1"/>
+              <a:t>absolut</a:t>
+            </a:r>
+            <a:r>
+              <a:rPr lang="en-US" dirty="0"/>
+              <a:t> power value</a:t>
             </a:r>
           </a:p>
           <a:p>
@@ -1180,58 +1206,89 @@
           <a:bodyPr/>
           <a:lstStyle/>
           <a:p>
-            <a:r>
-              <a:rPr lang="en-US" dirty="0"/>
-              <a:t>Estimation of sample pool.</a:t>
-            </a:r>
-          </a:p>
-          <a:p>
+            <a:pPr marL="0" marR="0" lvl="0" indent="0" algn="l" defTabSz="914400" rtl="0" eaLnBrk="1" fontAlgn="auto" latinLnBrk="0" hangingPunct="1">
+              <a:lnSpc>
+                <a:spcPct val="100000"/>
+              </a:lnSpc>
+              <a:spcBef>
+                <a:spcPts val="0"/>
+              </a:spcBef>
+              <a:spcAft>
+                <a:spcPts val="0"/>
+              </a:spcAft>
+              <a:buClrTx/>
+              <a:buSzTx/>
+              <a:buFontTx/>
+              <a:buNone/>
+              <a:tabLst/>
+              <a:defRPr/>
+            </a:pPr>
+            <a:r>
+              <a:rPr lang="da-DK" dirty="0" err="1"/>
+              <a:t>Wants</a:t>
+            </a:r>
+            <a:r>
+              <a:rPr lang="da-DK" dirty="0"/>
+              <a:t> to </a:t>
+            </a:r>
+            <a:r>
+              <a:rPr lang="da-DK" dirty="0" err="1"/>
+              <a:t>be</a:t>
+            </a:r>
+            <a:r>
+              <a:rPr lang="da-DK" dirty="0"/>
+              <a:t> </a:t>
+            </a:r>
+            <a:r>
+              <a:rPr lang="da-DK" dirty="0" err="1"/>
+              <a:t>confidence</a:t>
+            </a:r>
+            <a:r>
+              <a:rPr lang="da-DK" dirty="0"/>
+              <a:t> in </a:t>
+            </a:r>
+            <a:r>
+              <a:rPr lang="da-DK" dirty="0" err="1"/>
+              <a:t>our</a:t>
+            </a:r>
+            <a:r>
+              <a:rPr lang="da-DK" dirty="0"/>
+              <a:t> </a:t>
+            </a:r>
+            <a:r>
+              <a:rPr lang="da-DK" dirty="0" err="1"/>
+              <a:t>measurements</a:t>
+            </a:r>
+            <a:endParaRPr lang="en-US" dirty="0"/>
+          </a:p>
+          <a:p>
+            <a:r>
+              <a:rPr lang="da-DK" dirty="0" err="1"/>
+              <a:t>Estimation</a:t>
+            </a:r>
+            <a:endParaRPr lang="da-DK" dirty="0"/>
+          </a:p>
+          <a:p>
+            <a:pPr marL="0" marR="0" lvl="0" indent="0" algn="l" defTabSz="914400" rtl="0" eaLnBrk="1" fontAlgn="auto" latinLnBrk="0" hangingPunct="1">
+              <a:lnSpc>
+                <a:spcPct val="100000"/>
+              </a:lnSpc>
+              <a:spcBef>
+                <a:spcPts val="0"/>
+              </a:spcBef>
+              <a:spcAft>
+                <a:spcPts val="0"/>
+              </a:spcAft>
+              <a:buClrTx/>
+              <a:buSzTx/>
+              <a:buFontTx/>
+              <a:buNone/>
+              <a:tabLst/>
+              <a:defRPr/>
+            </a:pPr>
             <a:r>
               <a:rPr lang="en-US" dirty="0"/>
               <a:t>Normal approximation of the Binomial proportion.</a:t>
-            </a:r>
-          </a:p>
-          <a:p>
-            <a:r>
-              <a:rPr lang="en-US" dirty="0"/>
-              <a:t>Confidence level and interval</a:t>
-            </a:r>
-          </a:p>
-          <a:p>
-            <a:r>
-              <a:rPr lang="en-US" dirty="0"/>
-              <a:t>The goal was 90% and </a:t>
-            </a:r>
-            <a:r>
-              <a:rPr lang="el-GR" dirty="0"/>
-              <a:t>±</a:t>
-            </a:r>
-            <a:r>
-              <a:rPr lang="en-US" dirty="0"/>
-              <a:t>1dB </a:t>
-            </a:r>
-            <a:r>
-              <a:rPr lang="en-US" dirty="0" err="1"/>
-              <a:t>respectivly</a:t>
-            </a:r>
-            <a:endParaRPr lang="en-US" dirty="0"/>
-          </a:p>
-          <a:p>
-            <a:r>
-              <a:rPr lang="en-US" dirty="0"/>
-              <a:t>Important sampling</a:t>
-            </a:r>
-          </a:p>
-          <a:p>
-            <a:r>
-              <a:rPr lang="en-US" dirty="0"/>
-              <a:t>Bootstrap method</a:t>
-            </a:r>
-          </a:p>
-          <a:p>
-            <a:r>
-              <a:rPr lang="en-US" dirty="0"/>
-              <a:t>Simulation of bootstrap method</a:t>
             </a:r>
           </a:p>
           <a:p>
@@ -1319,59 +1376,60 @@
           <a:bodyPr/>
           <a:lstStyle/>
           <a:p>
-            <a:r>
-              <a:rPr lang="en-US" dirty="0"/>
-              <a:t>Estimation of sample pool.</a:t>
-            </a:r>
-          </a:p>
-          <a:p>
-            <a:r>
-              <a:rPr lang="en-US" dirty="0"/>
-              <a:t>Normal approximation of the Binomial proportion.</a:t>
-            </a:r>
-          </a:p>
-          <a:p>
-            <a:r>
-              <a:rPr lang="en-US" dirty="0"/>
-              <a:t>Confidence level and interval</a:t>
-            </a:r>
-          </a:p>
-          <a:p>
-            <a:r>
-              <a:rPr lang="en-US" dirty="0"/>
-              <a:t>The goal was 90% and </a:t>
-            </a:r>
-            <a:r>
-              <a:rPr lang="el-GR" dirty="0"/>
-              <a:t>±</a:t>
-            </a:r>
-            <a:r>
-              <a:rPr lang="en-US" dirty="0"/>
-              <a:t>1dB </a:t>
-            </a:r>
-            <a:r>
-              <a:rPr lang="en-US" dirty="0" err="1"/>
-              <a:t>respectivly</a:t>
+            <a:pPr marL="0" marR="0" lvl="0" indent="0" algn="l" defTabSz="914400" rtl="0" eaLnBrk="1" fontAlgn="auto" latinLnBrk="0" hangingPunct="1">
+              <a:lnSpc>
+                <a:spcPct val="100000"/>
+              </a:lnSpc>
+              <a:spcBef>
+                <a:spcPts val="0"/>
+              </a:spcBef>
+              <a:spcAft>
+                <a:spcPts val="0"/>
+              </a:spcAft>
+              <a:buClrTx/>
+              <a:buSzTx/>
+              <a:buFontTx/>
+              <a:buNone/>
+              <a:tabLst/>
+              <a:defRPr/>
+            </a:pPr>
+            <a:r>
+              <a:rPr lang="da-DK" dirty="0"/>
+              <a:t>Not true </a:t>
+            </a:r>
+            <a:r>
+              <a:rPr lang="da-DK" dirty="0" err="1"/>
+              <a:t>rayleigh</a:t>
+            </a:r>
+            <a:r>
+              <a:rPr lang="da-DK" dirty="0"/>
+              <a:t> (Do not </a:t>
+            </a:r>
+            <a:r>
+              <a:rPr lang="da-DK" dirty="0" err="1"/>
+              <a:t>need</a:t>
+            </a:r>
+            <a:r>
+              <a:rPr lang="da-DK" dirty="0"/>
+              <a:t> to </a:t>
+            </a:r>
+            <a:r>
+              <a:rPr lang="da-DK" dirty="0" err="1"/>
+              <a:t>be</a:t>
+            </a:r>
+            <a:r>
+              <a:rPr lang="da-DK" dirty="0"/>
+              <a:t> </a:t>
+            </a:r>
+            <a:r>
+              <a:rPr lang="da-DK" dirty="0" err="1"/>
+              <a:t>said</a:t>
+            </a:r>
+            <a:r>
+              <a:rPr lang="da-DK" dirty="0"/>
+              <a:t>)</a:t>
             </a:r>
             <a:endParaRPr lang="en-US" dirty="0"/>
-          </a:p>
-          <a:p>
-            <a:r>
-              <a:rPr lang="en-US" dirty="0"/>
-              <a:t>Important sampling</a:t>
-            </a:r>
-          </a:p>
-          <a:p>
-            <a:r>
-              <a:rPr lang="en-US" dirty="0"/>
-              <a:t>Bootstrap method</a:t>
-            </a:r>
-          </a:p>
-          <a:p>
-            <a:r>
-              <a:rPr lang="en-US" dirty="0"/>
-              <a:t>Simulation of bootstrap method</a:t>
-            </a:r>
           </a:p>
           <a:p>
             <a:endParaRPr lang="en-US" dirty="0"/>
@@ -1405,6 +1463,123 @@
     <p:extLst>
       <p:ext uri="{BB962C8B-B14F-4D97-AF65-F5344CB8AC3E}">
         <p14:creationId xmlns:p14="http://schemas.microsoft.com/office/powerpoint/2010/main" val="2008730300"/>
+      </p:ext>
+    </p:extLst>
+  </p:cSld>
+  <p:clrMapOvr>
+    <a:masterClrMapping/>
+  </p:clrMapOvr>
+</p:notes>
+</file>
+
+<file path=ppt/notesSlides/notesSlide9.xml><?xml version="1.0" encoding="utf-8"?>
+<p:notes xmlns:a="http://schemas.openxmlformats.org/drawingml/2006/main" xmlns:r="http://schemas.openxmlformats.org/officeDocument/2006/relationships" xmlns:p="http://schemas.openxmlformats.org/presentationml/2006/main">
+  <p:cSld>
+    <p:spTree>
+      <p:nvGrpSpPr>
+        <p:cNvPr id="1" name=""/>
+        <p:cNvGrpSpPr/>
+        <p:nvPr/>
+      </p:nvGrpSpPr>
+      <p:grpSpPr>
+        <a:xfrm>
+          <a:off x="0" y="0"/>
+          <a:ext cx="0" cy="0"/>
+          <a:chOff x="0" y="0"/>
+          <a:chExt cx="0" cy="0"/>
+        </a:xfrm>
+      </p:grpSpPr>
+      <p:sp>
+        <p:nvSpPr>
+          <p:cNvPr id="2" name="Slide Image Placeholder 1"/>
+          <p:cNvSpPr>
+            <a:spLocks noGrp="1" noRot="1" noChangeAspect="1"/>
+          </p:cNvSpPr>
+          <p:nvPr>
+            <p:ph type="sldImg"/>
+          </p:nvPr>
+        </p:nvSpPr>
+        <p:spPr/>
+      </p:sp>
+      <p:sp>
+        <p:nvSpPr>
+          <p:cNvPr id="3" name="Notes Placeholder 2"/>
+          <p:cNvSpPr>
+            <a:spLocks noGrp="1"/>
+          </p:cNvSpPr>
+          <p:nvPr>
+            <p:ph type="body" idx="1"/>
+          </p:nvPr>
+        </p:nvSpPr>
+        <p:spPr/>
+        <p:txBody>
+          <a:bodyPr/>
+          <a:lstStyle/>
+          <a:p>
+            <a:r>
+              <a:rPr lang="da-DK" dirty="0"/>
+              <a:t>Temporal: Sending multiple signal (</a:t>
+            </a:r>
+            <a:r>
+              <a:rPr lang="da-DK" dirty="0" err="1"/>
+              <a:t>Frequencies</a:t>
+            </a:r>
+            <a:r>
+              <a:rPr lang="da-DK" dirty="0"/>
+              <a:t> or retransmission)</a:t>
+            </a:r>
+          </a:p>
+          <a:p>
+            <a:r>
+              <a:rPr lang="da-DK" dirty="0" err="1"/>
+              <a:t>Spatial</a:t>
+            </a:r>
+            <a:r>
+              <a:rPr lang="da-DK" dirty="0"/>
+              <a:t>: Sending from multiple locations (More </a:t>
+            </a:r>
+            <a:r>
+              <a:rPr lang="da-DK" dirty="0" err="1"/>
+              <a:t>antennas</a:t>
+            </a:r>
+            <a:r>
+              <a:rPr lang="da-DK" dirty="0"/>
+              <a:t> or more points)</a:t>
+            </a:r>
+            <a:endParaRPr lang="en-US" dirty="0"/>
+          </a:p>
+          <a:p>
+            <a:endParaRPr lang="en-US" dirty="0"/>
+          </a:p>
+        </p:txBody>
+      </p:sp>
+      <p:sp>
+        <p:nvSpPr>
+          <p:cNvPr id="4" name="Slide Number Placeholder 3"/>
+          <p:cNvSpPr>
+            <a:spLocks noGrp="1"/>
+          </p:cNvSpPr>
+          <p:nvPr>
+            <p:ph type="sldNum" sz="quarter" idx="10"/>
+          </p:nvPr>
+        </p:nvSpPr>
+        <p:spPr/>
+        <p:txBody>
+          <a:bodyPr/>
+          <a:lstStyle/>
+          <a:p>
+            <a:fld id="{A5874EA0-E96F-4A9F-BECE-F82ED93FDC31}" type="slidenum">
+              <a:rPr lang="da-DK" smtClean="0"/>
+              <a:t>10</a:t>
+            </a:fld>
+            <a:endParaRPr lang="da-DK"/>
+          </a:p>
+        </p:txBody>
+      </p:sp>
+    </p:spTree>
+    <p:extLst>
+      <p:ext uri="{BB962C8B-B14F-4D97-AF65-F5344CB8AC3E}">
+        <p14:creationId xmlns:p14="http://schemas.microsoft.com/office/powerpoint/2010/main" val="1688660650"/>
       </p:ext>
     </p:extLst>
   </p:cSld>
@@ -1578,7 +1753,7 @@
           <a:p>
             <a:fld id="{9E7A4F2D-3E4C-4B5D-BE90-617E350CBCB0}" type="datetime1">
               <a:rPr lang="en-US" smtClean="0"/>
-              <a:t>6/17/2017</a:t>
+              <a:t>6/20/2017</a:t>
             </a:fld>
             <a:endParaRPr lang="da-DK"/>
           </a:p>
@@ -1601,7 +1776,7 @@
           <a:p>
             <a:fld id="{409B8A6B-2702-4E09-BF63-7CC1F22DFC4D}" type="slidenum">
               <a:rPr lang="da-DK" smtClean="0"/>
-              <a:t>‹nr.›</a:t>
+              <a:t>‹#›</a:t>
             </a:fld>
             <a:endParaRPr lang="da-DK"/>
           </a:p>
@@ -2023,7 +2198,7 @@
           <a:p>
             <a:fld id="{59811876-57C1-4E57-B3D5-811D4A7749BD}" type="datetime1">
               <a:rPr lang="en-US" smtClean="0"/>
-              <a:t>6/17/2017</a:t>
+              <a:t>6/20/2017</a:t>
             </a:fld>
             <a:endParaRPr lang="da-DK"/>
           </a:p>
@@ -2046,7 +2221,7 @@
           <a:p>
             <a:fld id="{409B8A6B-2702-4E09-BF63-7CC1F22DFC4D}" type="slidenum">
               <a:rPr lang="da-DK" smtClean="0"/>
-              <a:t>‹nr.›</a:t>
+              <a:t>‹#›</a:t>
             </a:fld>
             <a:endParaRPr lang="da-DK"/>
           </a:p>
@@ -2191,7 +2366,7 @@
           <a:p>
             <a:fld id="{A027A2E2-4A97-4510-BCDE-7B7FE2925400}" type="datetime1">
               <a:rPr lang="en-US" smtClean="0"/>
-              <a:t>6/17/2017</a:t>
+              <a:t>6/20/2017</a:t>
             </a:fld>
             <a:endParaRPr lang="da-DK"/>
           </a:p>
@@ -2214,7 +2389,7 @@
           <a:p>
             <a:fld id="{409B8A6B-2702-4E09-BF63-7CC1F22DFC4D}" type="slidenum">
               <a:rPr lang="da-DK" smtClean="0"/>
-              <a:t>‹nr.›</a:t>
+              <a:t>‹#›</a:t>
             </a:fld>
             <a:endParaRPr lang="da-DK"/>
           </a:p>
@@ -2451,7 +2626,7 @@
           <a:p>
             <a:fld id="{48E127FB-E98B-4846-B79F-E8A32E28DB0F}" type="datetime1">
               <a:rPr lang="en-US" smtClean="0"/>
-              <a:t>6/17/2017</a:t>
+              <a:t>6/20/2017</a:t>
             </a:fld>
             <a:endParaRPr lang="da-DK"/>
           </a:p>
@@ -2474,7 +2649,7 @@
           <a:p>
             <a:fld id="{409B8A6B-2702-4E09-BF63-7CC1F22DFC4D}" type="slidenum">
               <a:rPr lang="da-DK" smtClean="0"/>
-              <a:t>‹nr.›</a:t>
+              <a:t>‹#›</a:t>
             </a:fld>
             <a:endParaRPr lang="da-DK"/>
           </a:p>
@@ -2660,7 +2835,7 @@
           <a:p>
             <a:fld id="{04595749-9A07-4D32-9BA1-70B5CAE1178C}" type="datetime1">
               <a:rPr lang="en-US" smtClean="0"/>
-              <a:t>6/17/2017</a:t>
+              <a:t>6/20/2017</a:t>
             </a:fld>
             <a:endParaRPr lang="da-DK"/>
           </a:p>
@@ -2683,7 +2858,7 @@
           <a:p>
             <a:fld id="{409B8A6B-2702-4E09-BF63-7CC1F22DFC4D}" type="slidenum">
               <a:rPr lang="da-DK" smtClean="0"/>
-              <a:t>‹nr.›</a:t>
+              <a:t>‹#›</a:t>
             </a:fld>
             <a:endParaRPr lang="da-DK"/>
           </a:p>
@@ -2769,7 +2944,7 @@
           <a:p>
             <a:fld id="{2036BE53-6C39-4C63-9F8D-3493893D403B}" type="datetime1">
               <a:rPr lang="en-US" smtClean="0"/>
-              <a:t>6/17/2017</a:t>
+              <a:t>6/20/2017</a:t>
             </a:fld>
             <a:endParaRPr lang="da-DK"/>
           </a:p>
@@ -2792,7 +2967,7 @@
           <a:p>
             <a:fld id="{409B8A6B-2702-4E09-BF63-7CC1F22DFC4D}" type="slidenum">
               <a:rPr lang="da-DK" smtClean="0"/>
-              <a:t>‹nr.›</a:t>
+              <a:t>‹#›</a:t>
             </a:fld>
             <a:endParaRPr lang="da-DK"/>
           </a:p>
@@ -3021,7 +3196,7 @@
           <a:p>
             <a:fld id="{0775C8BB-F69C-41F0-97E2-212D172D3B53}" type="datetime1">
               <a:rPr lang="en-US" smtClean="0"/>
-              <a:t>6/17/2017</a:t>
+              <a:t>6/20/2017</a:t>
             </a:fld>
             <a:endParaRPr lang="da-DK" dirty="0"/>
           </a:p>
@@ -3045,7 +3220,7 @@
             <a:fld id="{409B8A6B-2702-4E09-BF63-7CC1F22DFC4D}" type="slidenum">
               <a:rPr lang="da-DK" smtClean="0"/>
               <a:pPr/>
-              <a:t>‹nr.›</a:t>
+              <a:t>‹#›</a:t>
             </a:fld>
             <a:endParaRPr lang="da-DK" dirty="0"/>
           </a:p>
@@ -3353,7 +3528,7 @@
           <a:p>
             <a:fld id="{E70A62B0-E7E2-4CF5-913E-3C1EE37363B7}" type="datetime1">
               <a:rPr lang="en-US" smtClean="0"/>
-              <a:t>6/17/2017</a:t>
+              <a:t>6/20/2017</a:t>
             </a:fld>
             <a:endParaRPr lang="da-DK"/>
           </a:p>
@@ -3376,7 +3551,7 @@
           <a:p>
             <a:fld id="{409B8A6B-2702-4E09-BF63-7CC1F22DFC4D}" type="slidenum">
               <a:rPr lang="da-DK" smtClean="0"/>
-              <a:t>‹nr.›</a:t>
+              <a:t>‹#›</a:t>
             </a:fld>
             <a:endParaRPr lang="da-DK"/>
           </a:p>
@@ -3467,7 +3642,7 @@
           <a:p>
             <a:fld id="{8E2A3FD1-DFEE-478F-8764-EA4A12E6E420}" type="datetime1">
               <a:rPr lang="en-US" smtClean="0"/>
-              <a:t>6/17/2017</a:t>
+              <a:t>6/20/2017</a:t>
             </a:fld>
             <a:endParaRPr lang="da-DK"/>
           </a:p>
@@ -3490,7 +3665,7 @@
           <a:p>
             <a:fld id="{409B8A6B-2702-4E09-BF63-7CC1F22DFC4D}" type="slidenum">
               <a:rPr lang="da-DK" smtClean="0"/>
-              <a:t>‹nr.›</a:t>
+              <a:t>‹#›</a:t>
             </a:fld>
             <a:endParaRPr lang="da-DK"/>
           </a:p>
@@ -3915,7 +4090,7 @@
           <a:p>
             <a:fld id="{87613CBE-7DAD-4AD6-A447-AE25CEF4DF49}" type="datetime1">
               <a:rPr lang="en-US" smtClean="0"/>
-              <a:t>6/17/2017</a:t>
+              <a:t>6/20/2017</a:t>
             </a:fld>
             <a:endParaRPr lang="da-DK"/>
           </a:p>
@@ -3938,7 +4113,7 @@
           <a:p>
             <a:fld id="{409B8A6B-2702-4E09-BF63-7CC1F22DFC4D}" type="slidenum">
               <a:rPr lang="da-DK" smtClean="0"/>
-              <a:t>‹nr.›</a:t>
+              <a:t>‹#›</a:t>
             </a:fld>
             <a:endParaRPr lang="da-DK"/>
           </a:p>
@@ -4285,7 +4460,7 @@
           <a:p>
             <a:fld id="{D0C2A6F4-40AE-463F-85E5-665BB46F1CBB}" type="datetime1">
               <a:rPr lang="en-US" smtClean="0"/>
-              <a:t>6/17/2017</a:t>
+              <a:t>6/20/2017</a:t>
             </a:fld>
             <a:endParaRPr lang="da-DK"/>
           </a:p>
@@ -4308,7 +4483,7 @@
           <a:p>
             <a:fld id="{409B8A6B-2702-4E09-BF63-7CC1F22DFC4D}" type="slidenum">
               <a:rPr lang="da-DK" smtClean="0"/>
-              <a:t>‹nr.›</a:t>
+              <a:t>‹#›</a:t>
             </a:fld>
             <a:endParaRPr lang="da-DK"/>
           </a:p>
@@ -4364,7 +4539,7 @@
           <a:p>
             <a:fld id="{9D8E1AC8-7F67-46F6-B557-46F7F820EB38}" type="datetime1">
               <a:rPr lang="en-US" smtClean="0"/>
-              <a:t>6/17/2017</a:t>
+              <a:t>6/20/2017</a:t>
             </a:fld>
             <a:endParaRPr lang="da-DK"/>
           </a:p>
@@ -4387,7 +4562,7 @@
           <a:p>
             <a:fld id="{409B8A6B-2702-4E09-BF63-7CC1F22DFC4D}" type="slidenum">
               <a:rPr lang="da-DK" smtClean="0"/>
-              <a:t>‹nr.›</a:t>
+              <a:t>‹#›</a:t>
             </a:fld>
             <a:endParaRPr lang="da-DK"/>
           </a:p>
@@ -4561,7 +4736,7 @@
           <a:p>
             <a:fld id="{794A86D9-E5D1-499F-92A5-9D5B7169092D}" type="datetime1">
               <a:rPr lang="en-US" smtClean="0"/>
-              <a:t>6/17/2017</a:t>
+              <a:t>6/20/2017</a:t>
             </a:fld>
             <a:endParaRPr lang="da-DK"/>
           </a:p>
@@ -4584,7 +4759,7 @@
           <a:p>
             <a:fld id="{409B8A6B-2702-4E09-BF63-7CC1F22DFC4D}" type="slidenum">
               <a:rPr lang="da-DK" smtClean="0"/>
-              <a:t>‹nr.›</a:t>
+              <a:t>‹#›</a:t>
             </a:fld>
             <a:endParaRPr lang="da-DK"/>
           </a:p>
@@ -4888,7 +5063,7 @@
           <a:p>
             <a:fld id="{A355CBA8-7D2E-46F8-A8E5-BD7BACFEDE84}" type="datetime1">
               <a:rPr lang="en-US" smtClean="0"/>
-              <a:t>6/17/2017</a:t>
+              <a:t>6/20/2017</a:t>
             </a:fld>
             <a:endParaRPr lang="da-DK" dirty="0"/>
           </a:p>
@@ -4928,7 +5103,7 @@
             <a:fld id="{409B8A6B-2702-4E09-BF63-7CC1F22DFC4D}" type="slidenum">
               <a:rPr lang="da-DK" smtClean="0"/>
               <a:pPr/>
-              <a:t>‹nr.›</a:t>
+              <a:t>‹#›</a:t>
             </a:fld>
             <a:endParaRPr lang="da-DK" dirty="0"/>
           </a:p>
@@ -5315,8 +5490,12 @@
           <a:lstStyle/>
           <a:p>
             <a:r>
+              <a:rPr lang="en-US" u="sng" dirty="0"/>
+              <a:t>Andreas</a:t>
+            </a:r>
+            <a:r>
               <a:rPr lang="en-US" dirty="0"/>
-              <a:t>Andreas </a:t>
+              <a:t> </a:t>
             </a:r>
             <a:r>
               <a:rPr lang="en-US" u="sng" dirty="0" err="1"/>
@@ -5384,8 +5563,12 @@
               <a:rPr lang="en-US" dirty="0"/>
             </a:br>
             <a:r>
+              <a:rPr lang="en-US" u="sng" dirty="0"/>
+              <a:t>Thomas</a:t>
+            </a:r>
+            <a:r>
               <a:rPr lang="en-US" dirty="0"/>
-              <a:t>Thomas </a:t>
+              <a:t> </a:t>
             </a:r>
             <a:r>
               <a:rPr lang="en-US" u="sng" dirty="0" err="1"/>
@@ -5558,7 +5741,7 @@
           </p:nvPr>
         </p:nvPicPr>
         <p:blipFill>
-          <a:blip r:embed="rId2">
+          <a:blip r:embed="rId3">
             <a:extLst>
               <a:ext uri="{28A0092B-C50C-407E-A947-70E740481C1C}">
                 <a14:useLocalDpi xmlns:a14="http://schemas.microsoft.com/office/drawing/2010/main" val="0"/>
@@ -5601,7 +5784,7 @@
           </p:nvPr>
         </p:nvPicPr>
         <p:blipFill>
-          <a:blip r:embed="rId3">
+          <a:blip r:embed="rId4">
             <a:extLst>
               <a:ext uri="{28A0092B-C50C-407E-A947-70E740481C1C}">
                 <a14:useLocalDpi xmlns:a14="http://schemas.microsoft.com/office/drawing/2010/main" val="0"/>
@@ -6038,7 +6221,7 @@
           <a:p>
             <a:pPr algn="ctr"/>
             <a:r>
-              <a:rPr lang="en-US" dirty="0" smtClean="0"/>
+              <a:rPr lang="en-US" dirty="0"/>
               <a:t>Frequency Correlation Function</a:t>
             </a:r>
             <a:endParaRPr lang="el-GR" dirty="0"/>
@@ -6061,65 +6244,61 @@
           <a:lstStyle/>
           <a:p>
             <a:r>
-              <a:rPr lang="en-US" dirty="0" smtClean="0"/>
+              <a:rPr lang="en-US" dirty="0"/>
               <a:t>FFT of Power Delay Profile(PDP)</a:t>
             </a:r>
           </a:p>
           <a:p>
             <a:r>
-              <a:rPr lang="en-US" dirty="0" smtClean="0"/>
+              <a:rPr lang="en-US" dirty="0"/>
               <a:t>Assuming exponential decay PDP</a:t>
             </a:r>
           </a:p>
           <a:p>
-            <a:endParaRPr lang="en-US" dirty="0" smtClean="0"/>
-          </a:p>
-          <a:p>
             <a:endParaRPr lang="en-US" dirty="0"/>
           </a:p>
           <a:p>
-            <a:endParaRPr lang="en-US" dirty="0" smtClean="0"/>
-          </a:p>
-          <a:p>
             <a:endParaRPr lang="en-US" dirty="0"/>
           </a:p>
           <a:p>
-            <a:endParaRPr lang="en-US" dirty="0" smtClean="0"/>
-          </a:p>
-          <a:p>
             <a:endParaRPr lang="en-US" dirty="0"/>
           </a:p>
           <a:p>
-            <a:endParaRPr lang="en-US" dirty="0" smtClean="0"/>
-          </a:p>
-          <a:p>
-            <a:r>
-              <a:rPr lang="en-US" dirty="0" smtClean="0"/>
+            <a:endParaRPr lang="en-US" dirty="0"/>
+          </a:p>
+          <a:p>
+            <a:endParaRPr lang="en-US" dirty="0"/>
+          </a:p>
+          <a:p>
+            <a:endParaRPr lang="en-US" dirty="0"/>
+          </a:p>
+          <a:p>
+            <a:endParaRPr lang="en-US" dirty="0"/>
+          </a:p>
+          <a:p>
+            <a:r>
+              <a:rPr lang="en-US" dirty="0"/>
               <a:t>Small environment more </a:t>
             </a:r>
             <a:r>
-              <a:rPr lang="el-GR" dirty="0" smtClean="0"/>
+              <a:rPr lang="el-GR" dirty="0"/>
               <a:t>Δ</a:t>
             </a:r>
             <a:r>
-              <a:rPr lang="da-DK" dirty="0" smtClean="0"/>
+              <a:rPr lang="da-DK" dirty="0"/>
               <a:t>f is needed</a:t>
             </a:r>
           </a:p>
           <a:p>
             <a:r>
-              <a:rPr lang="da-DK" dirty="0" smtClean="0"/>
+              <a:rPr lang="da-DK" dirty="0"/>
               <a:t>Approximation of coherence bandwidth</a:t>
             </a:r>
           </a:p>
           <a:p>
             <a:r>
               <a:rPr lang="da-DK" dirty="0"/>
-              <a:t>RMS delay </a:t>
-            </a:r>
-            <a:r>
-              <a:rPr lang="da-DK" dirty="0" smtClean="0"/>
-              <a:t>spread inversely proportioned to coherence bandwidth</a:t>
+              <a:t>RMS delay spread inversely proportioned to coherence bandwidth</a:t>
             </a:r>
             <a:endParaRPr lang="el-GR" dirty="0"/>
           </a:p>
@@ -6231,13 +6410,6 @@
   <p:transition>
     <p:fade/>
   </p:transition>
-  <p:timing>
-    <p:tnLst>
-      <p:par>
-        <p:cTn id="1" dur="indefinite" restart="never" nodeType="tmRoot"/>
-      </p:par>
-    </p:tnLst>
-  </p:timing>
 </p:sld>
 </file>
 
@@ -7722,37 +7894,37 @@
           </a:lstStyle>
           <a:p>
             <a:r>
-              <a:rPr lang="en-US"/>
+              <a:rPr lang="en-US" dirty="0"/>
               <a:t>Introduction</a:t>
             </a:r>
           </a:p>
           <a:p>
             <a:r>
-              <a:rPr lang="en-US"/>
+              <a:rPr lang="en-US" dirty="0"/>
+              <a:t>Wireless Channel</a:t>
+            </a:r>
+          </a:p>
+          <a:p>
+            <a:r>
+              <a:rPr lang="en-US" dirty="0"/>
               <a:t>Statistical Aspect</a:t>
             </a:r>
           </a:p>
           <a:p>
             <a:r>
-              <a:rPr lang="en-US"/>
-              <a:t>Wireless Channel</a:t>
-            </a:r>
-          </a:p>
-          <a:p>
-            <a:r>
-              <a:rPr lang="en-US"/>
+              <a:rPr lang="en-US" dirty="0"/>
               <a:t>WSSUS</a:t>
             </a:r>
           </a:p>
           <a:p>
             <a:r>
-              <a:rPr lang="en-US"/>
+              <a:rPr lang="en-US" dirty="0"/>
               <a:t>Correlation</a:t>
             </a:r>
           </a:p>
           <a:p>
             <a:r>
-              <a:rPr lang="en-US"/>
+              <a:rPr lang="en-US" dirty="0"/>
               <a:t>Dynamic Range</a:t>
             </a:r>
           </a:p>
@@ -7979,6 +8151,12 @@
             <a:r>
               <a:rPr lang="da-DK" dirty="0"/>
               <a:t> Work</a:t>
+            </a:r>
+          </a:p>
+          <a:p>
+            <a:r>
+              <a:rPr lang="da-DK" dirty="0" err="1"/>
+              <a:t>Conclusion</a:t>
             </a:r>
             <a:endParaRPr lang="en-US" dirty="0"/>
           </a:p>
@@ -8700,14 +8878,14 @@
       </p:grpSpPr>
       <p:sp>
         <p:nvSpPr>
-          <p:cNvPr id="239" name="CustomShape 1"/>
+          <p:cNvPr id="176" name="CustomShape 1"/>
           <p:cNvSpPr/>
           <p:nvPr/>
         </p:nvSpPr>
         <p:spPr>
           <a:xfrm>
             <a:off x="457200" y="274680"/>
-            <a:ext cx="8228520" cy="1141920"/>
+            <a:ext cx="8228160" cy="1141560"/>
           </a:xfrm>
           <a:prstGeom prst="rect">
             <a:avLst/>
@@ -8768,14 +8946,14 @@
       </p:sp>
       <p:sp>
         <p:nvSpPr>
-          <p:cNvPr id="240" name="CustomShape 2"/>
+          <p:cNvPr id="177" name="CustomShape 2"/>
           <p:cNvSpPr/>
           <p:nvPr/>
         </p:nvSpPr>
         <p:spPr>
           <a:xfrm>
             <a:off x="457200" y="1600200"/>
-            <a:ext cx="8228520" cy="4276080"/>
+            <a:ext cx="8228160" cy="4275720"/>
           </a:xfrm>
           <a:prstGeom prst="rect">
             <a:avLst/>
@@ -8801,7 +8979,7 @@
           <a:bodyPr lIns="90000" tIns="45000" rIns="90000" bIns="45000"/>
           <a:lstStyle/>
           <a:p>
-            <a:pPr marL="343080" indent="-342000">
+            <a:pPr marL="343080" indent="-341640">
               <a:lnSpc>
                 <a:spcPct val="100000"/>
               </a:lnSpc>
@@ -8841,7 +9019,7 @@
             </a:endParaRPr>
           </a:p>
           <a:p>
-            <a:pPr marL="343080" indent="-342000">
+            <a:pPr marL="343080" indent="-341640">
               <a:lnSpc>
                 <a:spcPct val="100000"/>
               </a:lnSpc>
@@ -8866,7 +9044,7 @@
                 </a:uFill>
                 <a:latin typeface="Arial"/>
               </a:rPr>
-              <a:t>Main lobe reflection – not stationary</a:t>
+              <a:t>Antenna domain is stationary</a:t>
             </a:r>
             <a:endParaRPr lang="en-US" sz="1800" b="0" strike="noStrike" spc="-1">
               <a:solidFill>
@@ -8881,7 +9059,47 @@
             </a:endParaRPr>
           </a:p>
           <a:p>
-            <a:pPr marL="343080" indent="-342000">
+            <a:pPr marL="343080" indent="-341640">
+              <a:lnSpc>
+                <a:spcPct val="100000"/>
+              </a:lnSpc>
+              <a:spcBef>
+                <a:spcPts val="360"/>
+              </a:spcBef>
+              <a:buClr>
+                <a:srgbClr val="211A52"/>
+              </a:buClr>
+              <a:buFont typeface="Arial"/>
+              <a:buChar char="•"/>
+            </a:pPr>
+            <a:r>
+              <a:rPr lang="en-US" sz="1800" b="0" strike="noStrike" spc="-1">
+                <a:solidFill>
+                  <a:srgbClr val="211A52"/>
+                </a:solidFill>
+                <a:uFill>
+                  <a:solidFill>
+                    <a:srgbClr val="FFFFFF"/>
+                  </a:solidFill>
+                </a:uFill>
+                <a:latin typeface="Arial"/>
+              </a:rPr>
+              <a:t>Main lobe reflection – not stationary</a:t>
+            </a:r>
+            <a:endParaRPr lang="en-US" sz="1800" b="0" strike="noStrike" spc="-1">
+              <a:solidFill>
+                <a:srgbClr val="000000"/>
+              </a:solidFill>
+              <a:uFill>
+                <a:solidFill>
+                  <a:srgbClr val="FFFFFF"/>
+                </a:solidFill>
+              </a:uFill>
+              <a:latin typeface="Arial"/>
+            </a:endParaRPr>
+          </a:p>
+          <a:p>
+            <a:pPr marL="343080" indent="-341640">
               <a:lnSpc>
                 <a:spcPct val="100000"/>
               </a:lnSpc>
@@ -8945,7 +9163,7 @@
       </p:sp>
       <p:pic>
         <p:nvPicPr>
-          <p:cNvPr id="241" name="Picture 128"/>
+          <p:cNvPr id="178" name="Picture 128"/>
           <p:cNvPicPr/>
           <p:nvPr/>
         </p:nvPicPr>
@@ -8957,7 +9175,7 @@
         <p:spPr>
           <a:xfrm>
             <a:off x="59760" y="3474720"/>
-            <a:ext cx="4328640" cy="2011320"/>
+            <a:ext cx="4328280" cy="2010960"/>
           </a:xfrm>
           <a:prstGeom prst="rect">
             <a:avLst/>
@@ -8969,7 +9187,7 @@
       </p:pic>
       <p:pic>
         <p:nvPicPr>
-          <p:cNvPr id="242" name="Picture 129"/>
+          <p:cNvPr id="179" name="Picture 129"/>
           <p:cNvPicPr/>
           <p:nvPr/>
         </p:nvPicPr>
@@ -8981,7 +9199,7 @@
         <p:spPr>
           <a:xfrm>
             <a:off x="4754880" y="3474720"/>
-            <a:ext cx="4182840" cy="2011320"/>
+            <a:ext cx="4182480" cy="2010960"/>
           </a:xfrm>
           <a:prstGeom prst="rect">
             <a:avLst/>
@@ -8994,7 +9212,7 @@
     </p:spTree>
     <p:extLst>
       <p:ext uri="{BB962C8B-B14F-4D97-AF65-F5344CB8AC3E}">
-        <p14:creationId xmlns:p14="http://schemas.microsoft.com/office/powerpoint/2010/main" val="534453824"/>
+        <p14:creationId xmlns:p14="http://schemas.microsoft.com/office/powerpoint/2010/main" val="1896669758"/>
       </p:ext>
     </p:extLst>
   </p:cSld>
@@ -9053,14 +9271,14 @@
       </p:grpSpPr>
       <p:sp>
         <p:nvSpPr>
-          <p:cNvPr id="243" name="CustomShape 1"/>
+          <p:cNvPr id="180" name="CustomShape 1"/>
           <p:cNvSpPr/>
           <p:nvPr/>
         </p:nvSpPr>
         <p:spPr>
           <a:xfrm>
             <a:off x="457200" y="274680"/>
-            <a:ext cx="8228520" cy="1141920"/>
+            <a:ext cx="8228160" cy="1141560"/>
           </a:xfrm>
           <a:prstGeom prst="rect">
             <a:avLst/>
@@ -9121,14 +9339,14 @@
       </p:sp>
       <p:sp>
         <p:nvSpPr>
-          <p:cNvPr id="244" name="CustomShape 2"/>
+          <p:cNvPr id="181" name="CustomShape 2"/>
           <p:cNvSpPr/>
           <p:nvPr/>
         </p:nvSpPr>
         <p:spPr>
           <a:xfrm>
             <a:off x="457200" y="1600200"/>
-            <a:ext cx="8228520" cy="4276080"/>
+            <a:ext cx="8228160" cy="4275720"/>
           </a:xfrm>
           <a:prstGeom prst="rect">
             <a:avLst/>
@@ -9154,7 +9372,7 @@
           <a:bodyPr lIns="90000" tIns="45000" rIns="90000" bIns="45000"/>
           <a:lstStyle/>
           <a:p>
-            <a:pPr marL="343080" indent="-342000">
+            <a:pPr marL="343080" indent="-341640">
               <a:lnSpc>
                 <a:spcPct val="100000"/>
               </a:lnSpc>
@@ -9168,7 +9386,7 @@
               <a:buChar char="•"/>
             </a:pPr>
             <a:r>
-              <a:rPr lang="en-US" sz="1800" b="0" strike="noStrike" spc="-1">
+              <a:rPr lang="en-US" sz="1800" b="0" strike="noStrike" spc="-1" dirty="0">
                 <a:solidFill>
                   <a:srgbClr val="211A52"/>
                 </a:solidFill>
@@ -9181,7 +9399,7 @@
               </a:rPr>
               <a:t>Check if auto-correlation depends only on the time lag</a:t>
             </a:r>
-            <a:endParaRPr lang="en-US" sz="1800" b="0" strike="noStrike" spc="-1">
+            <a:endParaRPr lang="en-US" sz="1800" b="0" strike="noStrike" spc="-1" dirty="0">
               <a:solidFill>
                 <a:srgbClr val="000000"/>
               </a:solidFill>
@@ -9194,7 +9412,7 @@
             </a:endParaRPr>
           </a:p>
           <a:p>
-            <a:pPr marL="343080" indent="-342000">
+            <a:pPr marL="343080" indent="-341640">
               <a:lnSpc>
                 <a:spcPct val="100000"/>
               </a:lnSpc>
@@ -9208,7 +9426,7 @@
               <a:buChar char="•"/>
             </a:pPr>
             <a:r>
-              <a:rPr lang="en-US" sz="1800" b="0" strike="noStrike" spc="-1">
+              <a:rPr lang="en-US" sz="1800" b="0" strike="noStrike" spc="-1" dirty="0">
                 <a:solidFill>
                   <a:srgbClr val="211A52"/>
                 </a:solidFill>
@@ -9221,7 +9439,7 @@
               </a:rPr>
               <a:t>Sample mean and variance were found for both frequency and space</a:t>
             </a:r>
-            <a:endParaRPr lang="en-US" sz="1800" b="0" strike="noStrike" spc="-1">
+            <a:endParaRPr lang="en-US" sz="1800" b="0" strike="noStrike" spc="-1" dirty="0">
               <a:solidFill>
                 <a:srgbClr val="000000"/>
               </a:solidFill>
@@ -9234,7 +9452,7 @@
             </a:endParaRPr>
           </a:p>
           <a:p>
-            <a:pPr marL="343080" indent="-342000">
+            <a:pPr marL="343080" indent="-341640">
               <a:lnSpc>
                 <a:spcPct val="100000"/>
               </a:lnSpc>
@@ -9248,7 +9466,7 @@
               <a:buChar char="•"/>
             </a:pPr>
             <a:r>
-              <a:rPr lang="en-US" sz="1800" b="0" strike="noStrike" spc="-1">
+              <a:rPr lang="en-US" sz="1800" b="0" strike="noStrike" spc="-1" dirty="0">
                 <a:solidFill>
                   <a:srgbClr val="211A52"/>
                 </a:solidFill>
@@ -9261,7 +9479,7 @@
               </a:rPr>
               <a:t>For each element the cross-covariance matrix is found</a:t>
             </a:r>
-            <a:endParaRPr lang="en-US" sz="1800" b="0" strike="noStrike" spc="-1">
+            <a:endParaRPr lang="en-US" sz="1800" b="0" strike="noStrike" spc="-1" dirty="0">
               <a:solidFill>
                 <a:srgbClr val="000000"/>
               </a:solidFill>
@@ -9274,7 +9492,7 @@
             </a:endParaRPr>
           </a:p>
           <a:p>
-            <a:pPr marL="343080" indent="-342000">
+            <a:pPr marL="343080" indent="-341640">
               <a:lnSpc>
                 <a:spcPct val="100000"/>
               </a:lnSpc>
@@ -9288,7 +9506,7 @@
               <a:buChar char="•"/>
             </a:pPr>
             <a:r>
-              <a:rPr lang="en-US" sz="1800" b="0" strike="noStrike" spc="-1">
+              <a:rPr lang="en-US" sz="1800" b="0" strike="noStrike" spc="-1" dirty="0">
                 <a:solidFill>
                   <a:srgbClr val="211A52"/>
                 </a:solidFill>
@@ -9299,9 +9517,9 @@
                 </a:uFill>
                 <a:latin typeface="Arial"/>
               </a:rPr>
-              <a:t>The variance across the diagonal elements is close to zero and depends only on time lag</a:t>
-            </a:r>
-            <a:endParaRPr lang="en-US" sz="1800" b="0" strike="noStrike" spc="-1">
+              <a:t>A higher diagonal variance in the spatial domain indicates a dominant component in the signal</a:t>
+            </a:r>
+            <a:endParaRPr lang="en-US" sz="1800" b="0" strike="noStrike" spc="-1" dirty="0">
               <a:solidFill>
                 <a:srgbClr val="000000"/>
               </a:solidFill>
@@ -9314,7 +9532,7 @@
             </a:endParaRPr>
           </a:p>
           <a:p>
-            <a:pPr marL="343080" indent="-342000">
+            <a:pPr marL="343080" indent="-341640">
               <a:lnSpc>
                 <a:spcPct val="100000"/>
               </a:lnSpc>
@@ -9328,7 +9546,7 @@
               <a:buChar char="•"/>
             </a:pPr>
             <a:r>
-              <a:rPr lang="en-US" sz="1800" b="0" strike="noStrike" spc="-1">
+              <a:rPr lang="en-US" spc="-1" dirty="0">
                 <a:solidFill>
                   <a:srgbClr val="211A52"/>
                 </a:solidFill>
@@ -9339,36 +9557,10 @@
                 </a:uFill>
                 <a:latin typeface="Arial"/>
               </a:rPr>
-              <a:t>A higher diagonal variance in the spatial domain indicates a dominant component in the signal</a:t>
-            </a:r>
-            <a:endParaRPr lang="en-US" sz="1800" b="0" strike="noStrike" spc="-1">
-              <a:solidFill>
-                <a:srgbClr val="000000"/>
-              </a:solidFill>
-              <a:uFill>
-                <a:solidFill>
-                  <a:srgbClr val="FFFFFF"/>
-                </a:solidFill>
-              </a:uFill>
-              <a:latin typeface="Arial"/>
-            </a:endParaRPr>
-          </a:p>
-          <a:p>
-            <a:pPr marL="343080" indent="-342000">
-              <a:lnSpc>
-                <a:spcPct val="100000"/>
-              </a:lnSpc>
-              <a:spcBef>
-                <a:spcPts val="360"/>
-              </a:spcBef>
-              <a:buClr>
-                <a:srgbClr val="211A52"/>
-              </a:buClr>
-              <a:buFont typeface="Arial"/>
-              <a:buChar char="•"/>
-            </a:pPr>
-            <a:r>
-              <a:rPr lang="en-US" sz="1800" b="0" strike="noStrike" spc="-1">
+              <a:t>B</a:t>
+            </a:r>
+            <a:r>
+              <a:rPr lang="en-US" sz="1800" b="0" strike="noStrike" spc="-1" dirty="0">
                 <a:solidFill>
                   <a:srgbClr val="211A52"/>
                 </a:solidFill>
@@ -9379,9 +9571,9 @@
                 </a:uFill>
                 <a:latin typeface="Arial"/>
               </a:rPr>
-              <a:t>Still work under the assumption that both domains are stationary</a:t>
-            </a:r>
-            <a:endParaRPr lang="en-US" sz="1800" b="0" strike="noStrike" spc="-1">
+              <a:t>oth domains dependent on only the delay</a:t>
+            </a:r>
+            <a:endParaRPr lang="en-US" sz="1800" b="0" strike="noStrike" spc="-1" dirty="0">
               <a:solidFill>
                 <a:srgbClr val="000000"/>
               </a:solidFill>
@@ -9402,7 +9594,7 @@
                 <a:spcPts val="360"/>
               </a:spcBef>
             </a:pPr>
-            <a:endParaRPr lang="en-US" sz="1800" b="0" strike="noStrike" spc="-1">
+            <a:endParaRPr lang="en-US" sz="1800" b="0" strike="noStrike" spc="-1" dirty="0">
               <a:solidFill>
                 <a:srgbClr val="000000"/>
               </a:solidFill>
@@ -9423,7 +9615,7 @@
                 <a:spcPts val="360"/>
               </a:spcBef>
             </a:pPr>
-            <a:endParaRPr lang="en-US" sz="1800" b="0" strike="noStrike" spc="-1">
+            <a:endParaRPr lang="en-US" sz="1800" b="0" strike="noStrike" spc="-1" dirty="0">
               <a:solidFill>
                 <a:srgbClr val="000000"/>
               </a:solidFill>
@@ -9444,7 +9636,7 @@
                 <a:spcPts val="360"/>
               </a:spcBef>
             </a:pPr>
-            <a:endParaRPr lang="en-US" sz="1800" b="0" strike="noStrike" spc="-1">
+            <a:endParaRPr lang="en-US" sz="1800" b="0" strike="noStrike" spc="-1" dirty="0">
               <a:solidFill>
                 <a:srgbClr val="000000"/>
               </a:solidFill>
@@ -9458,10 +9650,56 @@
           </a:p>
         </p:txBody>
       </p:sp>
+      <p:pic>
+        <p:nvPicPr>
+          <p:cNvPr id="182" name="Picture 181"/>
+          <p:cNvPicPr/>
+          <p:nvPr/>
+        </p:nvPicPr>
+        <p:blipFill>
+          <a:blip r:embed="rId2"/>
+          <a:stretch/>
+        </p:blipFill>
+        <p:spPr>
+          <a:xfrm rot="10800">
+            <a:off x="98280" y="3493080"/>
+            <a:ext cx="4469400" cy="2589480"/>
+          </a:xfrm>
+          <a:prstGeom prst="rect">
+            <a:avLst/>
+          </a:prstGeom>
+          <a:ln>
+            <a:noFill/>
+          </a:ln>
+        </p:spPr>
+      </p:pic>
+      <p:pic>
+        <p:nvPicPr>
+          <p:cNvPr id="183" name="Picture 182"/>
+          <p:cNvPicPr/>
+          <p:nvPr/>
+        </p:nvPicPr>
+        <p:blipFill>
+          <a:blip r:embed="rId3"/>
+          <a:stretch/>
+        </p:blipFill>
+        <p:spPr>
+          <a:xfrm>
+            <a:off x="4774320" y="3566160"/>
+            <a:ext cx="4231440" cy="2560320"/>
+          </a:xfrm>
+          <a:prstGeom prst="rect">
+            <a:avLst/>
+          </a:prstGeom>
+          <a:ln>
+            <a:noFill/>
+          </a:ln>
+        </p:spPr>
+      </p:pic>
     </p:spTree>
     <p:extLst>
       <p:ext uri="{BB962C8B-B14F-4D97-AF65-F5344CB8AC3E}">
-        <p14:creationId xmlns:p14="http://schemas.microsoft.com/office/powerpoint/2010/main" val="96998982"/>
+        <p14:creationId xmlns:p14="http://schemas.microsoft.com/office/powerpoint/2010/main" val="81787818"/>
       </p:ext>
     </p:extLst>
   </p:cSld>
@@ -11576,13 +11814,13 @@
           <a:p>
             <a:r>
               <a:rPr lang="en-US" dirty="0"/>
+              <a:t>Wireless Channel</a:t>
+            </a:r>
+          </a:p>
+          <a:p>
+            <a:r>
+              <a:rPr lang="en-US" dirty="0"/>
               <a:t>Statistical Aspect</a:t>
-            </a:r>
-          </a:p>
-          <a:p>
-            <a:r>
-              <a:rPr lang="en-US" dirty="0"/>
-              <a:t>Wireless Channel</a:t>
             </a:r>
           </a:p>
           <a:p>
@@ -11826,6 +12064,12 @@
             <a:r>
               <a:rPr lang="da-DK" dirty="0"/>
               <a:t> Work</a:t>
+            </a:r>
+          </a:p>
+          <a:p>
+            <a:r>
+              <a:rPr lang="da-DK" dirty="0" err="1"/>
+              <a:t>Conclusion</a:t>
             </a:r>
             <a:endParaRPr lang="en-US" dirty="0"/>
           </a:p>
